--- a/+Presentation for Ascend_Analytics/Wind_Solar_Energy_Modeling_Analysis.pptx
+++ b/+Presentation for Ascend_Analytics/Wind_Solar_Energy_Modeling_Analysis.pptx
@@ -5,29 +5,30 @@
     <p:sldMasterId id="2147483660" r:id="rId1"/>
   </p:sldMasterIdLst>
   <p:notesMasterIdLst>
-    <p:notesMasterId r:id="rId22"/>
+    <p:notesMasterId r:id="rId23"/>
   </p:notesMasterIdLst>
   <p:sldIdLst>
     <p:sldId id="326" r:id="rId2"/>
-    <p:sldId id="338" r:id="rId3"/>
-    <p:sldId id="325" r:id="rId4"/>
-    <p:sldId id="343" r:id="rId5"/>
-    <p:sldId id="344" r:id="rId6"/>
-    <p:sldId id="345" r:id="rId7"/>
-    <p:sldId id="346" r:id="rId8"/>
-    <p:sldId id="331" r:id="rId9"/>
-    <p:sldId id="332" r:id="rId10"/>
-    <p:sldId id="333" r:id="rId11"/>
-    <p:sldId id="341" r:id="rId12"/>
-    <p:sldId id="339" r:id="rId13"/>
-    <p:sldId id="349" r:id="rId14"/>
-    <p:sldId id="351" r:id="rId15"/>
-    <p:sldId id="350" r:id="rId16"/>
-    <p:sldId id="348" r:id="rId17"/>
-    <p:sldId id="334" r:id="rId18"/>
-    <p:sldId id="340" r:id="rId19"/>
-    <p:sldId id="279" r:id="rId20"/>
-    <p:sldId id="280" r:id="rId21"/>
+    <p:sldId id="290" r:id="rId3"/>
+    <p:sldId id="338" r:id="rId4"/>
+    <p:sldId id="325" r:id="rId5"/>
+    <p:sldId id="343" r:id="rId6"/>
+    <p:sldId id="344" r:id="rId7"/>
+    <p:sldId id="345" r:id="rId8"/>
+    <p:sldId id="346" r:id="rId9"/>
+    <p:sldId id="331" r:id="rId10"/>
+    <p:sldId id="332" r:id="rId11"/>
+    <p:sldId id="333" r:id="rId12"/>
+    <p:sldId id="341" r:id="rId13"/>
+    <p:sldId id="339" r:id="rId14"/>
+    <p:sldId id="349" r:id="rId15"/>
+    <p:sldId id="351" r:id="rId16"/>
+    <p:sldId id="350" r:id="rId17"/>
+    <p:sldId id="348" r:id="rId18"/>
+    <p:sldId id="334" r:id="rId19"/>
+    <p:sldId id="340" r:id="rId20"/>
+    <p:sldId id="279" r:id="rId21"/>
+    <p:sldId id="280" r:id="rId22"/>
   </p:sldIdLst>
   <p:sldSz cx="9144000" cy="6858000" type="screen4x3"/>
   <p:notesSz cx="6858000" cy="9144000"/>
@@ -4719,6 +4720,3832 @@
 </cs:chartStyle>
 </file>
 
+<file path=ppt/diagrams/colors1.xml><?xml version="1.0" encoding="utf-8"?>
+<dgm:colorsDef xmlns:dgm="http://schemas.openxmlformats.org/drawingml/2006/diagram" xmlns:a="http://schemas.openxmlformats.org/drawingml/2006/main" uniqueId="urn:microsoft.com/office/officeart/2005/8/colors/accent0_2">
+  <dgm:title val=""/>
+  <dgm:desc val=""/>
+  <dgm:catLst>
+    <dgm:cat type="mainScheme" pri="10200"/>
+  </dgm:catLst>
+  <dgm:styleLbl name="node0">
+    <dgm:fillClrLst meth="repeat">
+      <a:schemeClr val="lt1"/>
+    </dgm:fillClrLst>
+    <dgm:linClrLst meth="repeat">
+      <a:schemeClr val="dk2">
+        <a:shade val="80000"/>
+      </a:schemeClr>
+    </dgm:linClrLst>
+    <dgm:effectClrLst/>
+    <dgm:txLinClrLst/>
+    <dgm:txFillClrLst meth="repeat">
+      <a:schemeClr val="dk2"/>
+    </dgm:txFillClrLst>
+    <dgm:txEffectClrLst/>
+  </dgm:styleLbl>
+  <dgm:styleLbl name="node1">
+    <dgm:fillClrLst meth="repeat">
+      <a:schemeClr val="lt1"/>
+    </dgm:fillClrLst>
+    <dgm:linClrLst meth="repeat">
+      <a:schemeClr val="dk2">
+        <a:shade val="80000"/>
+      </a:schemeClr>
+    </dgm:linClrLst>
+    <dgm:effectClrLst/>
+    <dgm:txLinClrLst/>
+    <dgm:txFillClrLst meth="repeat">
+      <a:schemeClr val="dk2"/>
+    </dgm:txFillClrLst>
+    <dgm:txEffectClrLst/>
+  </dgm:styleLbl>
+  <dgm:styleLbl name="alignNode1">
+    <dgm:fillClrLst meth="repeat">
+      <a:schemeClr val="lt1"/>
+    </dgm:fillClrLst>
+    <dgm:linClrLst meth="repeat">
+      <a:schemeClr val="dk2">
+        <a:shade val="80000"/>
+      </a:schemeClr>
+    </dgm:linClrLst>
+    <dgm:effectClrLst/>
+    <dgm:txLinClrLst/>
+    <dgm:txFillClrLst meth="repeat">
+      <a:schemeClr val="dk2"/>
+    </dgm:txFillClrLst>
+    <dgm:txEffectClrLst/>
+  </dgm:styleLbl>
+  <dgm:styleLbl name="lnNode1">
+    <dgm:fillClrLst meth="repeat">
+      <a:schemeClr val="lt1"/>
+    </dgm:fillClrLst>
+    <dgm:linClrLst meth="repeat">
+      <a:schemeClr val="dk2">
+        <a:shade val="80000"/>
+      </a:schemeClr>
+    </dgm:linClrLst>
+    <dgm:effectClrLst/>
+    <dgm:txLinClrLst/>
+    <dgm:txFillClrLst meth="repeat">
+      <a:schemeClr val="dk2"/>
+    </dgm:txFillClrLst>
+    <dgm:txEffectClrLst/>
+  </dgm:styleLbl>
+  <dgm:styleLbl name="vennNode1">
+    <dgm:fillClrLst meth="repeat">
+      <a:schemeClr val="lt1">
+        <a:alpha val="50000"/>
+      </a:schemeClr>
+    </dgm:fillClrLst>
+    <dgm:linClrLst meth="repeat">
+      <a:schemeClr val="dk2">
+        <a:shade val="80000"/>
+      </a:schemeClr>
+    </dgm:linClrLst>
+    <dgm:effectClrLst/>
+    <dgm:txLinClrLst/>
+    <dgm:txFillClrLst/>
+    <dgm:txEffectClrLst/>
+  </dgm:styleLbl>
+  <dgm:styleLbl name="node2">
+    <dgm:fillClrLst meth="repeat">
+      <a:schemeClr val="lt1"/>
+    </dgm:fillClrLst>
+    <dgm:linClrLst meth="repeat">
+      <a:schemeClr val="dk2">
+        <a:shade val="80000"/>
+      </a:schemeClr>
+    </dgm:linClrLst>
+    <dgm:effectClrLst/>
+    <dgm:txLinClrLst/>
+    <dgm:txFillClrLst meth="repeat">
+      <a:schemeClr val="dk2"/>
+    </dgm:txFillClrLst>
+    <dgm:txEffectClrLst/>
+  </dgm:styleLbl>
+  <dgm:styleLbl name="node3">
+    <dgm:fillClrLst meth="repeat">
+      <a:schemeClr val="lt1"/>
+    </dgm:fillClrLst>
+    <dgm:linClrLst meth="repeat">
+      <a:schemeClr val="dk2">
+        <a:shade val="80000"/>
+      </a:schemeClr>
+    </dgm:linClrLst>
+    <dgm:effectClrLst/>
+    <dgm:txLinClrLst/>
+    <dgm:txFillClrLst meth="repeat">
+      <a:schemeClr val="dk2"/>
+    </dgm:txFillClrLst>
+    <dgm:txEffectClrLst/>
+  </dgm:styleLbl>
+  <dgm:styleLbl name="node4">
+    <dgm:fillClrLst meth="repeat">
+      <a:schemeClr val="lt1"/>
+    </dgm:fillClrLst>
+    <dgm:linClrLst meth="repeat">
+      <a:schemeClr val="dk2">
+        <a:shade val="80000"/>
+      </a:schemeClr>
+    </dgm:linClrLst>
+    <dgm:effectClrLst/>
+    <dgm:txLinClrLst/>
+    <dgm:txFillClrLst meth="repeat">
+      <a:schemeClr val="dk2"/>
+    </dgm:txFillClrLst>
+    <dgm:txEffectClrLst/>
+  </dgm:styleLbl>
+  <dgm:styleLbl name="fgImgPlace1">
+    <dgm:fillClrLst meth="repeat">
+      <a:schemeClr val="dk2">
+        <a:tint val="40000"/>
+      </a:schemeClr>
+    </dgm:fillClrLst>
+    <dgm:linClrLst meth="repeat">
+      <a:schemeClr val="dk2">
+        <a:shade val="80000"/>
+      </a:schemeClr>
+    </dgm:linClrLst>
+    <dgm:effectClrLst/>
+    <dgm:txLinClrLst/>
+    <dgm:txFillClrLst meth="repeat">
+      <a:schemeClr val="lt1"/>
+    </dgm:txFillClrLst>
+    <dgm:txEffectClrLst/>
+  </dgm:styleLbl>
+  <dgm:styleLbl name="alignImgPlace1">
+    <dgm:fillClrLst meth="repeat">
+      <a:schemeClr val="dk2">
+        <a:tint val="40000"/>
+      </a:schemeClr>
+    </dgm:fillClrLst>
+    <dgm:linClrLst meth="repeat">
+      <a:schemeClr val="dk2">
+        <a:shade val="80000"/>
+      </a:schemeClr>
+    </dgm:linClrLst>
+    <dgm:effectClrLst/>
+    <dgm:txLinClrLst/>
+    <dgm:txFillClrLst meth="repeat">
+      <a:schemeClr val="lt1"/>
+    </dgm:txFillClrLst>
+    <dgm:txEffectClrLst/>
+  </dgm:styleLbl>
+  <dgm:styleLbl name="bgImgPlace1">
+    <dgm:fillClrLst meth="repeat">
+      <a:schemeClr val="dk2">
+        <a:tint val="40000"/>
+      </a:schemeClr>
+    </dgm:fillClrLst>
+    <dgm:linClrLst meth="repeat">
+      <a:schemeClr val="dk2">
+        <a:shade val="80000"/>
+      </a:schemeClr>
+    </dgm:linClrLst>
+    <dgm:effectClrLst/>
+    <dgm:txLinClrLst/>
+    <dgm:txFillClrLst meth="repeat">
+      <a:schemeClr val="lt1"/>
+    </dgm:txFillClrLst>
+    <dgm:txEffectClrLst/>
+  </dgm:styleLbl>
+  <dgm:styleLbl name="sibTrans2D1">
+    <dgm:fillClrLst meth="repeat">
+      <a:schemeClr val="dk2">
+        <a:tint val="60000"/>
+      </a:schemeClr>
+    </dgm:fillClrLst>
+    <dgm:linClrLst meth="repeat">
+      <a:schemeClr val="dk2">
+        <a:tint val="60000"/>
+      </a:schemeClr>
+    </dgm:linClrLst>
+    <dgm:effectClrLst/>
+    <dgm:txLinClrLst/>
+    <dgm:txFillClrLst meth="repeat">
+      <a:schemeClr val="dk2"/>
+    </dgm:txFillClrLst>
+    <dgm:txEffectClrLst/>
+  </dgm:styleLbl>
+  <dgm:styleLbl name="fgSibTrans2D1">
+    <dgm:fillClrLst meth="repeat">
+      <a:schemeClr val="dk2">
+        <a:tint val="60000"/>
+      </a:schemeClr>
+    </dgm:fillClrLst>
+    <dgm:linClrLst meth="repeat">
+      <a:schemeClr val="dk2">
+        <a:tint val="60000"/>
+      </a:schemeClr>
+    </dgm:linClrLst>
+    <dgm:effectClrLst/>
+    <dgm:txLinClrLst/>
+    <dgm:txFillClrLst meth="repeat">
+      <a:schemeClr val="dk2"/>
+    </dgm:txFillClrLst>
+    <dgm:txEffectClrLst/>
+  </dgm:styleLbl>
+  <dgm:styleLbl name="bgSibTrans2D1">
+    <dgm:fillClrLst meth="repeat">
+      <a:schemeClr val="dk2">
+        <a:tint val="60000"/>
+      </a:schemeClr>
+    </dgm:fillClrLst>
+    <dgm:linClrLst meth="repeat">
+      <a:schemeClr val="dk2">
+        <a:tint val="60000"/>
+      </a:schemeClr>
+    </dgm:linClrLst>
+    <dgm:effectClrLst/>
+    <dgm:txLinClrLst/>
+    <dgm:txFillClrLst meth="repeat">
+      <a:schemeClr val="dk2"/>
+    </dgm:txFillClrLst>
+    <dgm:txEffectClrLst/>
+  </dgm:styleLbl>
+  <dgm:styleLbl name="sibTrans1D1">
+    <dgm:fillClrLst meth="repeat">
+      <a:schemeClr val="dk2"/>
+    </dgm:fillClrLst>
+    <dgm:linClrLst meth="repeat">
+      <a:schemeClr val="dk2"/>
+    </dgm:linClrLst>
+    <dgm:effectClrLst/>
+    <dgm:txLinClrLst/>
+    <dgm:txFillClrLst meth="repeat">
+      <a:schemeClr val="tx1"/>
+    </dgm:txFillClrLst>
+    <dgm:txEffectClrLst/>
+  </dgm:styleLbl>
+  <dgm:styleLbl name="callout">
+    <dgm:fillClrLst meth="repeat">
+      <a:schemeClr val="dk2"/>
+    </dgm:fillClrLst>
+    <dgm:linClrLst meth="repeat">
+      <a:schemeClr val="dk2"/>
+    </dgm:linClrLst>
+    <dgm:effectClrLst/>
+    <dgm:txLinClrLst/>
+    <dgm:txFillClrLst meth="repeat">
+      <a:schemeClr val="tx1"/>
+    </dgm:txFillClrLst>
+    <dgm:txEffectClrLst/>
+  </dgm:styleLbl>
+  <dgm:styleLbl name="asst0">
+    <dgm:fillClrLst meth="repeat">
+      <a:schemeClr val="lt1"/>
+    </dgm:fillClrLst>
+    <dgm:linClrLst meth="repeat">
+      <a:schemeClr val="dk2">
+        <a:shade val="80000"/>
+      </a:schemeClr>
+    </dgm:linClrLst>
+    <dgm:effectClrLst/>
+    <dgm:txLinClrLst/>
+    <dgm:txFillClrLst meth="repeat">
+      <a:schemeClr val="dk2"/>
+    </dgm:txFillClrLst>
+    <dgm:txEffectClrLst/>
+  </dgm:styleLbl>
+  <dgm:styleLbl name="asst1">
+    <dgm:fillClrLst meth="repeat">
+      <a:schemeClr val="lt1"/>
+    </dgm:fillClrLst>
+    <dgm:linClrLst meth="repeat">
+      <a:schemeClr val="dk2">
+        <a:shade val="80000"/>
+      </a:schemeClr>
+    </dgm:linClrLst>
+    <dgm:effectClrLst/>
+    <dgm:txLinClrLst/>
+    <dgm:txFillClrLst meth="repeat">
+      <a:schemeClr val="dk2"/>
+    </dgm:txFillClrLst>
+    <dgm:txEffectClrLst/>
+  </dgm:styleLbl>
+  <dgm:styleLbl name="asst2">
+    <dgm:fillClrLst meth="repeat">
+      <a:schemeClr val="lt1"/>
+    </dgm:fillClrLst>
+    <dgm:linClrLst meth="repeat">
+      <a:schemeClr val="dk2">
+        <a:shade val="80000"/>
+      </a:schemeClr>
+    </dgm:linClrLst>
+    <dgm:effectClrLst/>
+    <dgm:txLinClrLst/>
+    <dgm:txFillClrLst meth="repeat">
+      <a:schemeClr val="dk2"/>
+    </dgm:txFillClrLst>
+    <dgm:txEffectClrLst/>
+  </dgm:styleLbl>
+  <dgm:styleLbl name="asst3">
+    <dgm:fillClrLst meth="repeat">
+      <a:schemeClr val="lt1"/>
+    </dgm:fillClrLst>
+    <dgm:linClrLst meth="repeat">
+      <a:schemeClr val="dk2">
+        <a:shade val="80000"/>
+      </a:schemeClr>
+    </dgm:linClrLst>
+    <dgm:effectClrLst/>
+    <dgm:txLinClrLst/>
+    <dgm:txFillClrLst meth="repeat">
+      <a:schemeClr val="dk2"/>
+    </dgm:txFillClrLst>
+    <dgm:txEffectClrLst/>
+  </dgm:styleLbl>
+  <dgm:styleLbl name="asst4">
+    <dgm:fillClrLst meth="repeat">
+      <a:schemeClr val="lt1"/>
+    </dgm:fillClrLst>
+    <dgm:linClrLst meth="repeat">
+      <a:schemeClr val="dk2">
+        <a:shade val="80000"/>
+      </a:schemeClr>
+    </dgm:linClrLst>
+    <dgm:effectClrLst/>
+    <dgm:txLinClrLst/>
+    <dgm:txFillClrLst meth="repeat">
+      <a:schemeClr val="dk2"/>
+    </dgm:txFillClrLst>
+    <dgm:txEffectClrLst/>
+  </dgm:styleLbl>
+  <dgm:styleLbl name="parChTrans2D1">
+    <dgm:fillClrLst meth="repeat">
+      <a:schemeClr val="dk2">
+        <a:tint val="60000"/>
+      </a:schemeClr>
+    </dgm:fillClrLst>
+    <dgm:linClrLst meth="repeat">
+      <a:schemeClr val="dk2">
+        <a:tint val="60000"/>
+      </a:schemeClr>
+    </dgm:linClrLst>
+    <dgm:effectClrLst/>
+    <dgm:txLinClrLst/>
+    <dgm:txFillClrLst/>
+    <dgm:txEffectClrLst/>
+  </dgm:styleLbl>
+  <dgm:styleLbl name="parChTrans2D2">
+    <dgm:fillClrLst meth="repeat">
+      <a:schemeClr val="dk2"/>
+    </dgm:fillClrLst>
+    <dgm:linClrLst meth="repeat">
+      <a:schemeClr val="dk2"/>
+    </dgm:linClrLst>
+    <dgm:effectClrLst/>
+    <dgm:txLinClrLst/>
+    <dgm:txFillClrLst/>
+    <dgm:txEffectClrLst/>
+  </dgm:styleLbl>
+  <dgm:styleLbl name="parChTrans2D3">
+    <dgm:fillClrLst meth="repeat">
+      <a:schemeClr val="dk2"/>
+    </dgm:fillClrLst>
+    <dgm:linClrLst meth="repeat">
+      <a:schemeClr val="dk2"/>
+    </dgm:linClrLst>
+    <dgm:effectClrLst/>
+    <dgm:txLinClrLst/>
+    <dgm:txFillClrLst/>
+    <dgm:txEffectClrLst/>
+  </dgm:styleLbl>
+  <dgm:styleLbl name="parChTrans2D4">
+    <dgm:fillClrLst meth="repeat">
+      <a:schemeClr val="dk2"/>
+    </dgm:fillClrLst>
+    <dgm:linClrLst meth="repeat">
+      <a:schemeClr val="dk2"/>
+    </dgm:linClrLst>
+    <dgm:effectClrLst/>
+    <dgm:txLinClrLst/>
+    <dgm:txFillClrLst meth="repeat">
+      <a:schemeClr val="lt1"/>
+    </dgm:txFillClrLst>
+    <dgm:txEffectClrLst/>
+  </dgm:styleLbl>
+  <dgm:styleLbl name="parChTrans1D1">
+    <dgm:fillClrLst meth="repeat">
+      <a:schemeClr val="dk2"/>
+    </dgm:fillClrLst>
+    <dgm:linClrLst meth="repeat">
+      <a:schemeClr val="dk2">
+        <a:shade val="60000"/>
+      </a:schemeClr>
+    </dgm:linClrLst>
+    <dgm:effectClrLst/>
+    <dgm:txLinClrLst/>
+    <dgm:txFillClrLst meth="repeat">
+      <a:schemeClr val="tx1"/>
+    </dgm:txFillClrLst>
+    <dgm:txEffectClrLst/>
+  </dgm:styleLbl>
+  <dgm:styleLbl name="parChTrans1D2">
+    <dgm:fillClrLst meth="repeat">
+      <a:schemeClr val="dk2"/>
+    </dgm:fillClrLst>
+    <dgm:linClrLst meth="repeat">
+      <a:schemeClr val="dk2">
+        <a:shade val="60000"/>
+      </a:schemeClr>
+    </dgm:linClrLst>
+    <dgm:effectClrLst/>
+    <dgm:txLinClrLst/>
+    <dgm:txFillClrLst meth="repeat">
+      <a:schemeClr val="tx1"/>
+    </dgm:txFillClrLst>
+    <dgm:txEffectClrLst/>
+  </dgm:styleLbl>
+  <dgm:styleLbl name="parChTrans1D3">
+    <dgm:fillClrLst meth="repeat">
+      <a:schemeClr val="dk2"/>
+    </dgm:fillClrLst>
+    <dgm:linClrLst meth="repeat">
+      <a:schemeClr val="dk2">
+        <a:shade val="80000"/>
+      </a:schemeClr>
+    </dgm:linClrLst>
+    <dgm:effectClrLst/>
+    <dgm:txLinClrLst/>
+    <dgm:txFillClrLst meth="repeat">
+      <a:schemeClr val="tx1"/>
+    </dgm:txFillClrLst>
+    <dgm:txEffectClrLst/>
+  </dgm:styleLbl>
+  <dgm:styleLbl name="parChTrans1D4">
+    <dgm:fillClrLst meth="repeat">
+      <a:schemeClr val="dk2"/>
+    </dgm:fillClrLst>
+    <dgm:linClrLst meth="repeat">
+      <a:schemeClr val="dk2">
+        <a:shade val="80000"/>
+      </a:schemeClr>
+    </dgm:linClrLst>
+    <dgm:effectClrLst/>
+    <dgm:txLinClrLst/>
+    <dgm:txFillClrLst meth="repeat">
+      <a:schemeClr val="tx1"/>
+    </dgm:txFillClrLst>
+    <dgm:txEffectClrLst/>
+  </dgm:styleLbl>
+  <dgm:styleLbl name="fgAcc1">
+    <dgm:fillClrLst meth="repeat">
+      <a:schemeClr val="dk2">
+        <a:alpha val="90000"/>
+        <a:tint val="40000"/>
+      </a:schemeClr>
+    </dgm:fillClrLst>
+    <dgm:linClrLst meth="repeat">
+      <a:schemeClr val="dk2"/>
+    </dgm:linClrLst>
+    <dgm:effectClrLst/>
+    <dgm:txLinClrLst/>
+    <dgm:txFillClrLst meth="repeat">
+      <a:schemeClr val="dk2"/>
+    </dgm:txFillClrLst>
+    <dgm:txEffectClrLst/>
+  </dgm:styleLbl>
+  <dgm:styleLbl name="conFgAcc1">
+    <dgm:fillClrLst meth="repeat">
+      <a:schemeClr val="dk2">
+        <a:alpha val="90000"/>
+        <a:tint val="40000"/>
+      </a:schemeClr>
+    </dgm:fillClrLst>
+    <dgm:linClrLst meth="repeat">
+      <a:schemeClr val="dk2"/>
+    </dgm:linClrLst>
+    <dgm:effectClrLst/>
+    <dgm:txLinClrLst/>
+    <dgm:txFillClrLst meth="repeat">
+      <a:schemeClr val="dk2"/>
+    </dgm:txFillClrLst>
+    <dgm:txEffectClrLst/>
+  </dgm:styleLbl>
+  <dgm:styleLbl name="alignAcc1">
+    <dgm:fillClrLst meth="repeat">
+      <a:schemeClr val="dk2">
+        <a:alpha val="90000"/>
+        <a:tint val="40000"/>
+      </a:schemeClr>
+    </dgm:fillClrLst>
+    <dgm:linClrLst meth="repeat">
+      <a:schemeClr val="dk2"/>
+    </dgm:linClrLst>
+    <dgm:effectClrLst/>
+    <dgm:txLinClrLst/>
+    <dgm:txFillClrLst meth="repeat">
+      <a:schemeClr val="dk2"/>
+    </dgm:txFillClrLst>
+    <dgm:txEffectClrLst/>
+  </dgm:styleLbl>
+  <dgm:styleLbl name="trAlignAcc1">
+    <dgm:fillClrLst meth="repeat">
+      <a:schemeClr val="dk2">
+        <a:alpha val="40000"/>
+        <a:tint val="40000"/>
+      </a:schemeClr>
+    </dgm:fillClrLst>
+    <dgm:linClrLst meth="repeat">
+      <a:schemeClr val="dk2"/>
+    </dgm:linClrLst>
+    <dgm:effectClrLst/>
+    <dgm:txLinClrLst/>
+    <dgm:txFillClrLst meth="repeat">
+      <a:schemeClr val="dk2"/>
+    </dgm:txFillClrLst>
+    <dgm:txEffectClrLst/>
+  </dgm:styleLbl>
+  <dgm:styleLbl name="bgAcc1">
+    <dgm:fillClrLst meth="repeat">
+      <a:schemeClr val="dk2">
+        <a:alpha val="90000"/>
+        <a:tint val="40000"/>
+      </a:schemeClr>
+    </dgm:fillClrLst>
+    <dgm:linClrLst meth="repeat">
+      <a:schemeClr val="dk2"/>
+    </dgm:linClrLst>
+    <dgm:effectClrLst/>
+    <dgm:txLinClrLst/>
+    <dgm:txFillClrLst meth="repeat">
+      <a:schemeClr val="dk2"/>
+    </dgm:txFillClrLst>
+    <dgm:txEffectClrLst/>
+  </dgm:styleLbl>
+  <dgm:styleLbl name="solidFgAcc1">
+    <dgm:fillClrLst meth="repeat">
+      <a:schemeClr val="lt1"/>
+    </dgm:fillClrLst>
+    <dgm:linClrLst meth="repeat">
+      <a:schemeClr val="dk2"/>
+    </dgm:linClrLst>
+    <dgm:effectClrLst/>
+    <dgm:txLinClrLst/>
+    <dgm:txFillClrLst meth="repeat">
+      <a:schemeClr val="dk2"/>
+    </dgm:txFillClrLst>
+    <dgm:txEffectClrLst/>
+  </dgm:styleLbl>
+  <dgm:styleLbl name="solidAlignAcc1">
+    <dgm:fillClrLst meth="repeat">
+      <a:schemeClr val="lt1"/>
+    </dgm:fillClrLst>
+    <dgm:linClrLst meth="repeat">
+      <a:schemeClr val="dk2"/>
+    </dgm:linClrLst>
+    <dgm:effectClrLst/>
+    <dgm:txLinClrLst/>
+    <dgm:txFillClrLst meth="repeat">
+      <a:schemeClr val="dk2"/>
+    </dgm:txFillClrLst>
+    <dgm:txEffectClrLst/>
+  </dgm:styleLbl>
+  <dgm:styleLbl name="solidBgAcc1">
+    <dgm:fillClrLst meth="repeat">
+      <a:schemeClr val="lt1"/>
+    </dgm:fillClrLst>
+    <dgm:linClrLst meth="repeat">
+      <a:schemeClr val="dk2"/>
+    </dgm:linClrLst>
+    <dgm:effectClrLst/>
+    <dgm:txLinClrLst/>
+    <dgm:txFillClrLst meth="repeat">
+      <a:schemeClr val="dk2"/>
+    </dgm:txFillClrLst>
+    <dgm:txEffectClrLst/>
+  </dgm:styleLbl>
+  <dgm:styleLbl name="fgAccFollowNode1">
+    <dgm:fillClrLst meth="repeat">
+      <a:schemeClr val="lt1">
+        <a:alpha val="90000"/>
+        <a:tint val="40000"/>
+      </a:schemeClr>
+    </dgm:fillClrLst>
+    <dgm:linClrLst meth="repeat">
+      <a:schemeClr val="dk2">
+        <a:alpha val="90000"/>
+      </a:schemeClr>
+    </dgm:linClrLst>
+    <dgm:effectClrLst/>
+    <dgm:txLinClrLst/>
+    <dgm:txFillClrLst meth="repeat">
+      <a:schemeClr val="dk2"/>
+    </dgm:txFillClrLst>
+    <dgm:txEffectClrLst/>
+  </dgm:styleLbl>
+  <dgm:styleLbl name="alignAccFollowNode1">
+    <dgm:fillClrLst meth="repeat">
+      <a:schemeClr val="lt1">
+        <a:alpha val="90000"/>
+        <a:tint val="40000"/>
+      </a:schemeClr>
+    </dgm:fillClrLst>
+    <dgm:linClrLst meth="repeat">
+      <a:schemeClr val="dk2">
+        <a:alpha val="90000"/>
+      </a:schemeClr>
+    </dgm:linClrLst>
+    <dgm:effectClrLst/>
+    <dgm:txLinClrLst/>
+    <dgm:txFillClrLst meth="repeat">
+      <a:schemeClr val="dk2"/>
+    </dgm:txFillClrLst>
+    <dgm:txEffectClrLst/>
+  </dgm:styleLbl>
+  <dgm:styleLbl name="bgAccFollowNode1">
+    <dgm:fillClrLst meth="repeat">
+      <a:schemeClr val="lt1">
+        <a:alpha val="90000"/>
+        <a:tint val="40000"/>
+      </a:schemeClr>
+    </dgm:fillClrLst>
+    <dgm:linClrLst meth="repeat">
+      <a:schemeClr val="dk2">
+        <a:alpha val="90000"/>
+      </a:schemeClr>
+    </dgm:linClrLst>
+    <dgm:effectClrLst/>
+    <dgm:txLinClrLst/>
+    <dgm:txFillClrLst meth="repeat">
+      <a:schemeClr val="dk2"/>
+    </dgm:txFillClrLst>
+    <dgm:txEffectClrLst/>
+  </dgm:styleLbl>
+  <dgm:styleLbl name="fgAcc0">
+    <dgm:fillClrLst meth="repeat">
+      <a:schemeClr val="dk2">
+        <a:alpha val="90000"/>
+        <a:tint val="40000"/>
+      </a:schemeClr>
+    </dgm:fillClrLst>
+    <dgm:linClrLst meth="repeat">
+      <a:schemeClr val="dk2"/>
+    </dgm:linClrLst>
+    <dgm:effectClrLst/>
+    <dgm:txLinClrLst/>
+    <dgm:txFillClrLst meth="repeat">
+      <a:schemeClr val="dk2"/>
+    </dgm:txFillClrLst>
+    <dgm:txEffectClrLst/>
+  </dgm:styleLbl>
+  <dgm:styleLbl name="fgAcc2">
+    <dgm:fillClrLst meth="repeat">
+      <a:schemeClr val="dk2">
+        <a:alpha val="90000"/>
+        <a:tint val="40000"/>
+      </a:schemeClr>
+    </dgm:fillClrLst>
+    <dgm:linClrLst meth="repeat">
+      <a:schemeClr val="dk2"/>
+    </dgm:linClrLst>
+    <dgm:effectClrLst/>
+    <dgm:txLinClrLst/>
+    <dgm:txFillClrLst meth="repeat">
+      <a:schemeClr val="dk2"/>
+    </dgm:txFillClrLst>
+    <dgm:txEffectClrLst/>
+  </dgm:styleLbl>
+  <dgm:styleLbl name="fgAcc3">
+    <dgm:fillClrLst meth="repeat">
+      <a:schemeClr val="dk2">
+        <a:alpha val="90000"/>
+        <a:tint val="40000"/>
+      </a:schemeClr>
+    </dgm:fillClrLst>
+    <dgm:linClrLst meth="repeat">
+      <a:schemeClr val="dk2"/>
+    </dgm:linClrLst>
+    <dgm:effectClrLst/>
+    <dgm:txLinClrLst/>
+    <dgm:txFillClrLst meth="repeat">
+      <a:schemeClr val="dk2"/>
+    </dgm:txFillClrLst>
+    <dgm:txEffectClrLst/>
+  </dgm:styleLbl>
+  <dgm:styleLbl name="fgAcc4">
+    <dgm:fillClrLst meth="repeat">
+      <a:schemeClr val="dk2">
+        <a:alpha val="90000"/>
+        <a:tint val="40000"/>
+      </a:schemeClr>
+    </dgm:fillClrLst>
+    <dgm:linClrLst meth="repeat">
+      <a:schemeClr val="dk2"/>
+    </dgm:linClrLst>
+    <dgm:effectClrLst/>
+    <dgm:txLinClrLst/>
+    <dgm:txFillClrLst meth="repeat">
+      <a:schemeClr val="dk2"/>
+    </dgm:txFillClrLst>
+    <dgm:txEffectClrLst/>
+  </dgm:styleLbl>
+  <dgm:styleLbl name="bgShp">
+    <dgm:fillClrLst meth="repeat">
+      <a:schemeClr val="dk2">
+        <a:tint val="40000"/>
+      </a:schemeClr>
+    </dgm:fillClrLst>
+    <dgm:linClrLst meth="repeat">
+      <a:schemeClr val="dk2"/>
+    </dgm:linClrLst>
+    <dgm:effectClrLst/>
+    <dgm:txLinClrLst/>
+    <dgm:txFillClrLst meth="repeat">
+      <a:schemeClr val="dk1"/>
+    </dgm:txFillClrLst>
+    <dgm:txEffectClrLst/>
+  </dgm:styleLbl>
+  <dgm:styleLbl name="dkBgShp">
+    <dgm:fillClrLst meth="repeat">
+      <a:schemeClr val="dk2">
+        <a:shade val="80000"/>
+      </a:schemeClr>
+    </dgm:fillClrLst>
+    <dgm:linClrLst meth="repeat">
+      <a:schemeClr val="dk2"/>
+    </dgm:linClrLst>
+    <dgm:effectClrLst/>
+    <dgm:txLinClrLst/>
+    <dgm:txFillClrLst meth="repeat">
+      <a:schemeClr val="lt2"/>
+    </dgm:txFillClrLst>
+    <dgm:txEffectClrLst/>
+  </dgm:styleLbl>
+  <dgm:styleLbl name="trBgShp">
+    <dgm:fillClrLst meth="repeat">
+      <a:schemeClr val="dk2">
+        <a:tint val="50000"/>
+        <a:alpha val="40000"/>
+      </a:schemeClr>
+    </dgm:fillClrLst>
+    <dgm:linClrLst meth="repeat">
+      <a:schemeClr val="dk2"/>
+    </dgm:linClrLst>
+    <dgm:effectClrLst/>
+    <dgm:txLinClrLst/>
+    <dgm:txFillClrLst meth="repeat">
+      <a:schemeClr val="lt2"/>
+    </dgm:txFillClrLst>
+    <dgm:txEffectClrLst/>
+  </dgm:styleLbl>
+  <dgm:styleLbl name="fgShp">
+    <dgm:fillClrLst meth="repeat">
+      <a:schemeClr val="dk2">
+        <a:tint val="60000"/>
+      </a:schemeClr>
+    </dgm:fillClrLst>
+    <dgm:linClrLst meth="repeat">
+      <a:schemeClr val="lt1"/>
+    </dgm:linClrLst>
+    <dgm:effectClrLst/>
+    <dgm:txLinClrLst/>
+    <dgm:txFillClrLst meth="repeat">
+      <a:schemeClr val="dk2"/>
+    </dgm:txFillClrLst>
+    <dgm:txEffectClrLst/>
+  </dgm:styleLbl>
+  <dgm:styleLbl name="revTx">
+    <dgm:fillClrLst meth="repeat">
+      <a:schemeClr val="lt1">
+        <a:alpha val="0"/>
+      </a:schemeClr>
+    </dgm:fillClrLst>
+    <dgm:linClrLst meth="repeat">
+      <a:schemeClr val="dk2">
+        <a:alpha val="0"/>
+      </a:schemeClr>
+    </dgm:linClrLst>
+    <dgm:effectClrLst/>
+    <dgm:txLinClrLst/>
+    <dgm:txFillClrLst meth="repeat">
+      <a:schemeClr val="tx1"/>
+    </dgm:txFillClrLst>
+    <dgm:txEffectClrLst/>
+  </dgm:styleLbl>
+</dgm:colorsDef>
+</file>
+
+<file path=ppt/diagrams/data1.xml><?xml version="1.0" encoding="utf-8"?>
+<dgm:dataModel xmlns:dgm="http://schemas.openxmlformats.org/drawingml/2006/diagram" xmlns:a="http://schemas.openxmlformats.org/drawingml/2006/main">
+  <dgm:ptLst>
+    <dgm:pt modelId="{87C2AB92-F38A-D043-8EF1-8DE8EB2867DF}" type="doc">
+      <dgm:prSet loTypeId="urn:microsoft.com/office/officeart/2005/8/layout/orgChart1" loCatId="" qsTypeId="urn:microsoft.com/office/officeart/2005/8/quickstyle/simple5" qsCatId="simple" csTypeId="urn:microsoft.com/office/officeart/2005/8/colors/accent0_2" csCatId="mainScheme" phldr="1"/>
+      <dgm:spPr/>
+      <dgm:t>
+        <a:bodyPr/>
+        <a:lstStyle/>
+        <a:p>
+          <a:endParaRPr lang="en-US"/>
+        </a:p>
+      </dgm:t>
+    </dgm:pt>
+    <dgm:pt modelId="{C95CA2F0-D84A-8849-BE84-E8858F236180}">
+      <dgm:prSet phldrT="[Text]" custT="1"/>
+      <dgm:spPr>
+        <a:ln>
+          <a:solidFill>
+            <a:schemeClr val="accent1"/>
+          </a:solidFill>
+        </a:ln>
+      </dgm:spPr>
+      <dgm:t>
+        <a:bodyPr/>
+        <a:lstStyle/>
+        <a:p>
+          <a:pPr marL="0" lvl="0" indent="0" algn="ctr" defTabSz="889000">
+            <a:lnSpc>
+              <a:spcPct val="90000"/>
+            </a:lnSpc>
+            <a:spcBef>
+              <a:spcPct val="0"/>
+            </a:spcBef>
+            <a:spcAft>
+              <a:spcPct val="35000"/>
+            </a:spcAft>
+            <a:buNone/>
+          </a:pPr>
+          <a:r>
+            <a:rPr lang="en-US" sz="2000" b="1" i="0" kern="1200" dirty="0">
+              <a:solidFill>
+                <a:schemeClr val="tx1"/>
+              </a:solidFill>
+              <a:latin typeface="Times New Roman" charset="0"/>
+              <a:ea typeface="Times New Roman" charset="0"/>
+              <a:cs typeface="Times New Roman" charset="0"/>
+            </a:rPr>
+            <a:t>Solar Energy Resources Modeling and Analysis</a:t>
+          </a:r>
+          <a:endParaRPr lang="en-US" sz="2000" b="1" i="0" kern="1200" dirty="0">
+            <a:solidFill>
+              <a:prstClr val="black"/>
+            </a:solidFill>
+            <a:latin typeface="Times New Roman" charset="0"/>
+            <a:ea typeface="Times New Roman" charset="0"/>
+            <a:cs typeface="Times New Roman" charset="0"/>
+          </a:endParaRPr>
+        </a:p>
+      </dgm:t>
+    </dgm:pt>
+    <dgm:pt modelId="{01696AF9-D0A3-D249-921E-E3FB57A9DAB4}" type="parTrans" cxnId="{A34CD88F-5994-AB43-8B48-E526EC4A1BC1}">
+      <dgm:prSet/>
+      <dgm:spPr/>
+      <dgm:t>
+        <a:bodyPr/>
+        <a:lstStyle/>
+        <a:p>
+          <a:endParaRPr lang="en-US"/>
+        </a:p>
+      </dgm:t>
+    </dgm:pt>
+    <dgm:pt modelId="{69A17BC4-C157-724F-B984-8B4219A88B69}" type="sibTrans" cxnId="{A34CD88F-5994-AB43-8B48-E526EC4A1BC1}">
+      <dgm:prSet/>
+      <dgm:spPr/>
+      <dgm:t>
+        <a:bodyPr/>
+        <a:lstStyle/>
+        <a:p>
+          <a:endParaRPr lang="en-US"/>
+        </a:p>
+      </dgm:t>
+    </dgm:pt>
+    <dgm:pt modelId="{438E0BF3-AA92-434B-9FAA-78058C360696}">
+      <dgm:prSet phldrT="[Text]" custT="1"/>
+      <dgm:spPr>
+        <a:ln>
+          <a:solidFill>
+            <a:schemeClr val="accent1"/>
+          </a:solidFill>
+        </a:ln>
+      </dgm:spPr>
+      <dgm:t>
+        <a:bodyPr/>
+        <a:lstStyle/>
+        <a:p>
+          <a:r>
+            <a:rPr lang="en-US" sz="2000" b="1" i="0" dirty="0">
+              <a:solidFill>
+                <a:schemeClr val="tx1"/>
+              </a:solidFill>
+              <a:latin typeface="Times New Roman" charset="0"/>
+              <a:ea typeface="Times New Roman" charset="0"/>
+              <a:cs typeface="Times New Roman" charset="0"/>
+            </a:rPr>
+            <a:t>Wind Energy Resources Modeling and Analysis</a:t>
+          </a:r>
+        </a:p>
+      </dgm:t>
+    </dgm:pt>
+    <dgm:pt modelId="{27BFE031-B234-3242-8F5B-782336DB38D3}" type="sibTrans" cxnId="{E1B5EB3B-DA3E-2E46-A821-2533A8C610C9}">
+      <dgm:prSet/>
+      <dgm:spPr/>
+      <dgm:t>
+        <a:bodyPr/>
+        <a:lstStyle/>
+        <a:p>
+          <a:endParaRPr lang="en-US"/>
+        </a:p>
+      </dgm:t>
+    </dgm:pt>
+    <dgm:pt modelId="{17CBD469-1D42-1940-A266-16E32A3D14B4}" type="parTrans" cxnId="{E1B5EB3B-DA3E-2E46-A821-2533A8C610C9}">
+      <dgm:prSet/>
+      <dgm:spPr/>
+      <dgm:t>
+        <a:bodyPr/>
+        <a:lstStyle/>
+        <a:p>
+          <a:endParaRPr lang="en-US"/>
+        </a:p>
+      </dgm:t>
+    </dgm:pt>
+    <dgm:pt modelId="{63F7BB33-DDA3-E042-AB37-77FF22E7BC15}">
+      <dgm:prSet phldrT="[Text]" custT="1"/>
+      <dgm:spPr>
+        <a:ln>
+          <a:solidFill>
+            <a:schemeClr val="accent1"/>
+          </a:solidFill>
+        </a:ln>
+      </dgm:spPr>
+      <dgm:t>
+        <a:bodyPr/>
+        <a:lstStyle/>
+        <a:p>
+          <a:r>
+            <a:rPr lang="en-US" sz="2400" b="1" i="0" dirty="0">
+              <a:solidFill>
+                <a:schemeClr val="tx1"/>
+              </a:solidFill>
+              <a:latin typeface="Times New Roman" charset="0"/>
+              <a:ea typeface="Times New Roman" charset="0"/>
+              <a:cs typeface="Times New Roman" charset="0"/>
+            </a:rPr>
+            <a:t>Presentation Outline</a:t>
+          </a:r>
+          <a:endParaRPr lang="en-US" sz="2400" dirty="0">
+            <a:solidFill>
+              <a:schemeClr val="tx1"/>
+            </a:solidFill>
+          </a:endParaRPr>
+        </a:p>
+      </dgm:t>
+    </dgm:pt>
+    <dgm:pt modelId="{4427E3B2-69E8-5747-B6BE-949285E75F6B}" type="sibTrans" cxnId="{96045607-DF48-1D4B-A47F-4F5116AA5087}">
+      <dgm:prSet/>
+      <dgm:spPr/>
+      <dgm:t>
+        <a:bodyPr/>
+        <a:lstStyle/>
+        <a:p>
+          <a:endParaRPr lang="en-US"/>
+        </a:p>
+      </dgm:t>
+    </dgm:pt>
+    <dgm:pt modelId="{1C3C3594-84BD-1A48-8E85-4D61C488B76E}" type="parTrans" cxnId="{96045607-DF48-1D4B-A47F-4F5116AA5087}">
+      <dgm:prSet/>
+      <dgm:spPr/>
+      <dgm:t>
+        <a:bodyPr/>
+        <a:lstStyle/>
+        <a:p>
+          <a:endParaRPr lang="en-US"/>
+        </a:p>
+      </dgm:t>
+    </dgm:pt>
+    <dgm:pt modelId="{F736D124-1029-BE4E-BD44-052D3FFFE9BA}" type="pres">
+      <dgm:prSet presAssocID="{87C2AB92-F38A-D043-8EF1-8DE8EB2867DF}" presName="hierChild1" presStyleCnt="0">
+        <dgm:presLayoutVars>
+          <dgm:orgChart val="1"/>
+          <dgm:chPref val="1"/>
+          <dgm:dir/>
+          <dgm:animOne val="branch"/>
+          <dgm:animLvl val="lvl"/>
+          <dgm:resizeHandles/>
+        </dgm:presLayoutVars>
+      </dgm:prSet>
+      <dgm:spPr/>
+    </dgm:pt>
+    <dgm:pt modelId="{536A5964-3AF5-DD47-8D02-B9A9D8B46D95}" type="pres">
+      <dgm:prSet presAssocID="{63F7BB33-DDA3-E042-AB37-77FF22E7BC15}" presName="hierRoot1" presStyleCnt="0">
+        <dgm:presLayoutVars>
+          <dgm:hierBranch val="init"/>
+        </dgm:presLayoutVars>
+      </dgm:prSet>
+      <dgm:spPr/>
+    </dgm:pt>
+    <dgm:pt modelId="{4038571F-ABED-1A48-AFBD-BA38B3413E2E}" type="pres">
+      <dgm:prSet presAssocID="{63F7BB33-DDA3-E042-AB37-77FF22E7BC15}" presName="rootComposite1" presStyleCnt="0"/>
+      <dgm:spPr/>
+    </dgm:pt>
+    <dgm:pt modelId="{4526622F-3FDC-374A-B9B6-FA94C4E60A16}" type="pres">
+      <dgm:prSet presAssocID="{63F7BB33-DDA3-E042-AB37-77FF22E7BC15}" presName="rootText1" presStyleLbl="node0" presStyleIdx="0" presStyleCnt="1" custLinFactNeighborX="-3081" custLinFactNeighborY="-39577">
+        <dgm:presLayoutVars>
+          <dgm:chPref val="3"/>
+        </dgm:presLayoutVars>
+      </dgm:prSet>
+      <dgm:spPr/>
+    </dgm:pt>
+    <dgm:pt modelId="{25B93E6D-CBFF-9A4E-9942-963456519F4E}" type="pres">
+      <dgm:prSet presAssocID="{63F7BB33-DDA3-E042-AB37-77FF22E7BC15}" presName="rootConnector1" presStyleLbl="node1" presStyleIdx="0" presStyleCnt="0"/>
+      <dgm:spPr/>
+    </dgm:pt>
+    <dgm:pt modelId="{76574CC6-9DCF-7846-ACF8-2D8613A327A4}" type="pres">
+      <dgm:prSet presAssocID="{63F7BB33-DDA3-E042-AB37-77FF22E7BC15}" presName="hierChild2" presStyleCnt="0"/>
+      <dgm:spPr/>
+    </dgm:pt>
+    <dgm:pt modelId="{32D27F38-64D2-D145-9C37-1C772EF17BAD}" type="pres">
+      <dgm:prSet presAssocID="{17CBD469-1D42-1940-A266-16E32A3D14B4}" presName="Name37" presStyleLbl="parChTrans1D2" presStyleIdx="0" presStyleCnt="2"/>
+      <dgm:spPr/>
+    </dgm:pt>
+    <dgm:pt modelId="{B3FFD7FF-CEDE-B340-A8A9-5B4A816DA555}" type="pres">
+      <dgm:prSet presAssocID="{438E0BF3-AA92-434B-9FAA-78058C360696}" presName="hierRoot2" presStyleCnt="0">
+        <dgm:presLayoutVars>
+          <dgm:hierBranch val="init"/>
+        </dgm:presLayoutVars>
+      </dgm:prSet>
+      <dgm:spPr/>
+    </dgm:pt>
+    <dgm:pt modelId="{E4B6C345-C32A-4449-AB72-1E23751DD118}" type="pres">
+      <dgm:prSet presAssocID="{438E0BF3-AA92-434B-9FAA-78058C360696}" presName="rootComposite" presStyleCnt="0"/>
+      <dgm:spPr/>
+    </dgm:pt>
+    <dgm:pt modelId="{DDF6D8D3-BD32-794F-9E9E-71634CC3F050}" type="pres">
+      <dgm:prSet presAssocID="{438E0BF3-AA92-434B-9FAA-78058C360696}" presName="rootText" presStyleLbl="node2" presStyleIdx="0" presStyleCnt="2" custScaleX="115828">
+        <dgm:presLayoutVars>
+          <dgm:chPref val="3"/>
+        </dgm:presLayoutVars>
+      </dgm:prSet>
+      <dgm:spPr/>
+    </dgm:pt>
+    <dgm:pt modelId="{21C6FC21-A5C3-A146-BC26-081A5525D315}" type="pres">
+      <dgm:prSet presAssocID="{438E0BF3-AA92-434B-9FAA-78058C360696}" presName="rootConnector" presStyleLbl="node2" presStyleIdx="0" presStyleCnt="2"/>
+      <dgm:spPr/>
+    </dgm:pt>
+    <dgm:pt modelId="{6CA138F3-13FC-9141-8B3A-D7EEC3720617}" type="pres">
+      <dgm:prSet presAssocID="{438E0BF3-AA92-434B-9FAA-78058C360696}" presName="hierChild4" presStyleCnt="0"/>
+      <dgm:spPr/>
+    </dgm:pt>
+    <dgm:pt modelId="{E5C29C9F-4400-FD49-BCE9-B9E6157FB7B9}" type="pres">
+      <dgm:prSet presAssocID="{438E0BF3-AA92-434B-9FAA-78058C360696}" presName="hierChild5" presStyleCnt="0"/>
+      <dgm:spPr/>
+    </dgm:pt>
+    <dgm:pt modelId="{875F74BF-AC41-924C-8904-6225BF2F6523}" type="pres">
+      <dgm:prSet presAssocID="{01696AF9-D0A3-D249-921E-E3FB57A9DAB4}" presName="Name37" presStyleLbl="parChTrans1D2" presStyleIdx="1" presStyleCnt="2"/>
+      <dgm:spPr/>
+    </dgm:pt>
+    <dgm:pt modelId="{CC14A4F8-4B4D-2C4D-A317-32B94691F4A1}" type="pres">
+      <dgm:prSet presAssocID="{C95CA2F0-D84A-8849-BE84-E8858F236180}" presName="hierRoot2" presStyleCnt="0">
+        <dgm:presLayoutVars>
+          <dgm:hierBranch val="init"/>
+        </dgm:presLayoutVars>
+      </dgm:prSet>
+      <dgm:spPr/>
+    </dgm:pt>
+    <dgm:pt modelId="{0013B9C0-EAE8-244A-B4BC-5DDFA47779C0}" type="pres">
+      <dgm:prSet presAssocID="{C95CA2F0-D84A-8849-BE84-E8858F236180}" presName="rootComposite" presStyleCnt="0"/>
+      <dgm:spPr/>
+    </dgm:pt>
+    <dgm:pt modelId="{7E1A7E54-AD31-C74C-9BAB-1F97789182CF}" type="pres">
+      <dgm:prSet presAssocID="{C95CA2F0-D84A-8849-BE84-E8858F236180}" presName="rootText" presStyleLbl="node2" presStyleIdx="1" presStyleCnt="2" custScaleX="110717" custLinFactNeighborX="-8177">
+        <dgm:presLayoutVars>
+          <dgm:chPref val="3"/>
+        </dgm:presLayoutVars>
+      </dgm:prSet>
+      <dgm:spPr/>
+    </dgm:pt>
+    <dgm:pt modelId="{1998EAAD-5D19-654D-9E2A-11F6F10D27A0}" type="pres">
+      <dgm:prSet presAssocID="{C95CA2F0-D84A-8849-BE84-E8858F236180}" presName="rootConnector" presStyleLbl="node2" presStyleIdx="1" presStyleCnt="2"/>
+      <dgm:spPr/>
+    </dgm:pt>
+    <dgm:pt modelId="{CD8EF666-F25F-3947-90D6-29060146B412}" type="pres">
+      <dgm:prSet presAssocID="{C95CA2F0-D84A-8849-BE84-E8858F236180}" presName="hierChild4" presStyleCnt="0"/>
+      <dgm:spPr/>
+    </dgm:pt>
+    <dgm:pt modelId="{EFBAE59D-3D87-1B45-A1BB-4BD8E09AB6B0}" type="pres">
+      <dgm:prSet presAssocID="{C95CA2F0-D84A-8849-BE84-E8858F236180}" presName="hierChild5" presStyleCnt="0"/>
+      <dgm:spPr/>
+    </dgm:pt>
+    <dgm:pt modelId="{14343DB5-8D5B-A247-B940-D9EC8FE3CE64}" type="pres">
+      <dgm:prSet presAssocID="{63F7BB33-DDA3-E042-AB37-77FF22E7BC15}" presName="hierChild3" presStyleCnt="0"/>
+      <dgm:spPr/>
+    </dgm:pt>
+  </dgm:ptLst>
+  <dgm:cxnLst>
+    <dgm:cxn modelId="{B296B504-7533-2843-9A16-0C368C5092F6}" type="presOf" srcId="{C95CA2F0-D84A-8849-BE84-E8858F236180}" destId="{7E1A7E54-AD31-C74C-9BAB-1F97789182CF}" srcOrd="0" destOrd="0" presId="urn:microsoft.com/office/officeart/2005/8/layout/orgChart1"/>
+    <dgm:cxn modelId="{96045607-DF48-1D4B-A47F-4F5116AA5087}" srcId="{87C2AB92-F38A-D043-8EF1-8DE8EB2867DF}" destId="{63F7BB33-DDA3-E042-AB37-77FF22E7BC15}" srcOrd="0" destOrd="0" parTransId="{1C3C3594-84BD-1A48-8E85-4D61C488B76E}" sibTransId="{4427E3B2-69E8-5747-B6BE-949285E75F6B}"/>
+    <dgm:cxn modelId="{10FDC40F-8D1D-1B42-A67F-833A44278783}" type="presOf" srcId="{87C2AB92-F38A-D043-8EF1-8DE8EB2867DF}" destId="{F736D124-1029-BE4E-BD44-052D3FFFE9BA}" srcOrd="0" destOrd="0" presId="urn:microsoft.com/office/officeart/2005/8/layout/orgChart1"/>
+    <dgm:cxn modelId="{36D10B10-399D-E64A-99A1-6097FABEBF62}" type="presOf" srcId="{63F7BB33-DDA3-E042-AB37-77FF22E7BC15}" destId="{25B93E6D-CBFF-9A4E-9942-963456519F4E}" srcOrd="1" destOrd="0" presId="urn:microsoft.com/office/officeart/2005/8/layout/orgChart1"/>
+    <dgm:cxn modelId="{97405B22-E11E-C84F-8CC2-DFEEE3E23B36}" type="presOf" srcId="{C95CA2F0-D84A-8849-BE84-E8858F236180}" destId="{1998EAAD-5D19-654D-9E2A-11F6F10D27A0}" srcOrd="1" destOrd="0" presId="urn:microsoft.com/office/officeart/2005/8/layout/orgChart1"/>
+    <dgm:cxn modelId="{E1B5EB3B-DA3E-2E46-A821-2533A8C610C9}" srcId="{63F7BB33-DDA3-E042-AB37-77FF22E7BC15}" destId="{438E0BF3-AA92-434B-9FAA-78058C360696}" srcOrd="0" destOrd="0" parTransId="{17CBD469-1D42-1940-A266-16E32A3D14B4}" sibTransId="{27BFE031-B234-3242-8F5B-782336DB38D3}"/>
+    <dgm:cxn modelId="{1334338D-D76B-4D49-984A-814177E21280}" type="presOf" srcId="{438E0BF3-AA92-434B-9FAA-78058C360696}" destId="{21C6FC21-A5C3-A146-BC26-081A5525D315}" srcOrd="1" destOrd="0" presId="urn:microsoft.com/office/officeart/2005/8/layout/orgChart1"/>
+    <dgm:cxn modelId="{3CB3608E-0356-B84C-B630-74A76CB53191}" type="presOf" srcId="{63F7BB33-DDA3-E042-AB37-77FF22E7BC15}" destId="{4526622F-3FDC-374A-B9B6-FA94C4E60A16}" srcOrd="0" destOrd="0" presId="urn:microsoft.com/office/officeart/2005/8/layout/orgChart1"/>
+    <dgm:cxn modelId="{A34CD88F-5994-AB43-8B48-E526EC4A1BC1}" srcId="{63F7BB33-DDA3-E042-AB37-77FF22E7BC15}" destId="{C95CA2F0-D84A-8849-BE84-E8858F236180}" srcOrd="1" destOrd="0" parTransId="{01696AF9-D0A3-D249-921E-E3FB57A9DAB4}" sibTransId="{69A17BC4-C157-724F-B984-8B4219A88B69}"/>
+    <dgm:cxn modelId="{01FA85A7-2774-A54C-A958-6A3FC89D4417}" type="presOf" srcId="{438E0BF3-AA92-434B-9FAA-78058C360696}" destId="{DDF6D8D3-BD32-794F-9E9E-71634CC3F050}" srcOrd="0" destOrd="0" presId="urn:microsoft.com/office/officeart/2005/8/layout/orgChart1"/>
+    <dgm:cxn modelId="{4F6B22CD-CD32-B049-9274-932A75126398}" type="presOf" srcId="{01696AF9-D0A3-D249-921E-E3FB57A9DAB4}" destId="{875F74BF-AC41-924C-8904-6225BF2F6523}" srcOrd="0" destOrd="0" presId="urn:microsoft.com/office/officeart/2005/8/layout/orgChart1"/>
+    <dgm:cxn modelId="{077010DD-7336-2840-9649-7F50BDE913A8}" type="presOf" srcId="{17CBD469-1D42-1940-A266-16E32A3D14B4}" destId="{32D27F38-64D2-D145-9C37-1C772EF17BAD}" srcOrd="0" destOrd="0" presId="urn:microsoft.com/office/officeart/2005/8/layout/orgChart1"/>
+    <dgm:cxn modelId="{7B0B3B1A-1A8A-564D-BB1C-0C868FF1357F}" type="presParOf" srcId="{F736D124-1029-BE4E-BD44-052D3FFFE9BA}" destId="{536A5964-3AF5-DD47-8D02-B9A9D8B46D95}" srcOrd="0" destOrd="0" presId="urn:microsoft.com/office/officeart/2005/8/layout/orgChart1"/>
+    <dgm:cxn modelId="{824EDA93-F983-7C4C-9D51-A07B4F63B21A}" type="presParOf" srcId="{536A5964-3AF5-DD47-8D02-B9A9D8B46D95}" destId="{4038571F-ABED-1A48-AFBD-BA38B3413E2E}" srcOrd="0" destOrd="0" presId="urn:microsoft.com/office/officeart/2005/8/layout/orgChart1"/>
+    <dgm:cxn modelId="{8F19243C-C8AB-8440-ADF7-EE75728CD1ED}" type="presParOf" srcId="{4038571F-ABED-1A48-AFBD-BA38B3413E2E}" destId="{4526622F-3FDC-374A-B9B6-FA94C4E60A16}" srcOrd="0" destOrd="0" presId="urn:microsoft.com/office/officeart/2005/8/layout/orgChart1"/>
+    <dgm:cxn modelId="{155E6D84-76DD-2D4F-8D71-6A4AFFA5AF71}" type="presParOf" srcId="{4038571F-ABED-1A48-AFBD-BA38B3413E2E}" destId="{25B93E6D-CBFF-9A4E-9942-963456519F4E}" srcOrd="1" destOrd="0" presId="urn:microsoft.com/office/officeart/2005/8/layout/orgChart1"/>
+    <dgm:cxn modelId="{8C5F22D9-93FF-2F4D-9AB6-0B9FCBC15D01}" type="presParOf" srcId="{536A5964-3AF5-DD47-8D02-B9A9D8B46D95}" destId="{76574CC6-9DCF-7846-ACF8-2D8613A327A4}" srcOrd="1" destOrd="0" presId="urn:microsoft.com/office/officeart/2005/8/layout/orgChart1"/>
+    <dgm:cxn modelId="{58C1B01D-29A7-1443-A467-C49AD9D9C269}" type="presParOf" srcId="{76574CC6-9DCF-7846-ACF8-2D8613A327A4}" destId="{32D27F38-64D2-D145-9C37-1C772EF17BAD}" srcOrd="0" destOrd="0" presId="urn:microsoft.com/office/officeart/2005/8/layout/orgChart1"/>
+    <dgm:cxn modelId="{67017CDD-4749-AE4D-9F40-0AC959861B03}" type="presParOf" srcId="{76574CC6-9DCF-7846-ACF8-2D8613A327A4}" destId="{B3FFD7FF-CEDE-B340-A8A9-5B4A816DA555}" srcOrd="1" destOrd="0" presId="urn:microsoft.com/office/officeart/2005/8/layout/orgChart1"/>
+    <dgm:cxn modelId="{9BF301F3-E49F-CB44-AB04-84996B88F71A}" type="presParOf" srcId="{B3FFD7FF-CEDE-B340-A8A9-5B4A816DA555}" destId="{E4B6C345-C32A-4449-AB72-1E23751DD118}" srcOrd="0" destOrd="0" presId="urn:microsoft.com/office/officeart/2005/8/layout/orgChart1"/>
+    <dgm:cxn modelId="{969B85AD-26EF-0949-8ECD-5034F1DE4569}" type="presParOf" srcId="{E4B6C345-C32A-4449-AB72-1E23751DD118}" destId="{DDF6D8D3-BD32-794F-9E9E-71634CC3F050}" srcOrd="0" destOrd="0" presId="urn:microsoft.com/office/officeart/2005/8/layout/orgChart1"/>
+    <dgm:cxn modelId="{F64CCD80-7F54-8449-ACBF-E5B02BAF85D0}" type="presParOf" srcId="{E4B6C345-C32A-4449-AB72-1E23751DD118}" destId="{21C6FC21-A5C3-A146-BC26-081A5525D315}" srcOrd="1" destOrd="0" presId="urn:microsoft.com/office/officeart/2005/8/layout/orgChart1"/>
+    <dgm:cxn modelId="{B6F83D30-F544-904E-B1C1-AAE29127BB5A}" type="presParOf" srcId="{B3FFD7FF-CEDE-B340-A8A9-5B4A816DA555}" destId="{6CA138F3-13FC-9141-8B3A-D7EEC3720617}" srcOrd="1" destOrd="0" presId="urn:microsoft.com/office/officeart/2005/8/layout/orgChart1"/>
+    <dgm:cxn modelId="{0145DEDE-F71A-E040-92E3-351AA4586B7D}" type="presParOf" srcId="{B3FFD7FF-CEDE-B340-A8A9-5B4A816DA555}" destId="{E5C29C9F-4400-FD49-BCE9-B9E6157FB7B9}" srcOrd="2" destOrd="0" presId="urn:microsoft.com/office/officeart/2005/8/layout/orgChart1"/>
+    <dgm:cxn modelId="{6D9AA1EB-8BF3-7C42-88CB-06960BE86145}" type="presParOf" srcId="{76574CC6-9DCF-7846-ACF8-2D8613A327A4}" destId="{875F74BF-AC41-924C-8904-6225BF2F6523}" srcOrd="2" destOrd="0" presId="urn:microsoft.com/office/officeart/2005/8/layout/orgChart1"/>
+    <dgm:cxn modelId="{9BDA2CFB-95D1-3E43-8AC5-7DCFFD67E6B1}" type="presParOf" srcId="{76574CC6-9DCF-7846-ACF8-2D8613A327A4}" destId="{CC14A4F8-4B4D-2C4D-A317-32B94691F4A1}" srcOrd="3" destOrd="0" presId="urn:microsoft.com/office/officeart/2005/8/layout/orgChart1"/>
+    <dgm:cxn modelId="{02BD8875-A88A-3747-9340-33B54C17E127}" type="presParOf" srcId="{CC14A4F8-4B4D-2C4D-A317-32B94691F4A1}" destId="{0013B9C0-EAE8-244A-B4BC-5DDFA47779C0}" srcOrd="0" destOrd="0" presId="urn:microsoft.com/office/officeart/2005/8/layout/orgChart1"/>
+    <dgm:cxn modelId="{3E976DCC-3166-0E41-840E-3801D4A8DB19}" type="presParOf" srcId="{0013B9C0-EAE8-244A-B4BC-5DDFA47779C0}" destId="{7E1A7E54-AD31-C74C-9BAB-1F97789182CF}" srcOrd="0" destOrd="0" presId="urn:microsoft.com/office/officeart/2005/8/layout/orgChart1"/>
+    <dgm:cxn modelId="{9C8665F0-5824-8040-A941-6325D32B9B86}" type="presParOf" srcId="{0013B9C0-EAE8-244A-B4BC-5DDFA47779C0}" destId="{1998EAAD-5D19-654D-9E2A-11F6F10D27A0}" srcOrd="1" destOrd="0" presId="urn:microsoft.com/office/officeart/2005/8/layout/orgChart1"/>
+    <dgm:cxn modelId="{85FD5B3F-2FCA-5746-8B8F-5A8990643F04}" type="presParOf" srcId="{CC14A4F8-4B4D-2C4D-A317-32B94691F4A1}" destId="{CD8EF666-F25F-3947-90D6-29060146B412}" srcOrd="1" destOrd="0" presId="urn:microsoft.com/office/officeart/2005/8/layout/orgChart1"/>
+    <dgm:cxn modelId="{B3C8FC44-391E-B544-AE2E-44E5873FDB0A}" type="presParOf" srcId="{CC14A4F8-4B4D-2C4D-A317-32B94691F4A1}" destId="{EFBAE59D-3D87-1B45-A1BB-4BD8E09AB6B0}" srcOrd="2" destOrd="0" presId="urn:microsoft.com/office/officeart/2005/8/layout/orgChart1"/>
+    <dgm:cxn modelId="{170323EB-0135-8542-A90F-6626AB594615}" type="presParOf" srcId="{536A5964-3AF5-DD47-8D02-B9A9D8B46D95}" destId="{14343DB5-8D5B-A247-B940-D9EC8FE3CE64}" srcOrd="2" destOrd="0" presId="urn:microsoft.com/office/officeart/2005/8/layout/orgChart1"/>
+  </dgm:cxnLst>
+  <dgm:bg/>
+  <dgm:whole/>
+  <dgm:extLst>
+    <a:ext uri="http://schemas.microsoft.com/office/drawing/2008/diagram">
+      <dsp:dataModelExt xmlns:dsp="http://schemas.microsoft.com/office/drawing/2008/diagram" relId="rId6" minVer="http://schemas.openxmlformats.org/drawingml/2006/diagram"/>
+    </a:ext>
+  </dgm:extLst>
+</dgm:dataModel>
+</file>
+
+<file path=ppt/diagrams/drawing1.xml><?xml version="1.0" encoding="utf-8"?>
+<dsp:drawing xmlns:dgm="http://schemas.openxmlformats.org/drawingml/2006/diagram" xmlns:dsp="http://schemas.microsoft.com/office/drawing/2008/diagram" xmlns:a="http://schemas.openxmlformats.org/drawingml/2006/main">
+  <dsp:spTree>
+    <dsp:nvGrpSpPr>
+      <dsp:cNvPr id="0" name=""/>
+      <dsp:cNvGrpSpPr/>
+    </dsp:nvGrpSpPr>
+    <dsp:grpSpPr/>
+    <dsp:sp modelId="{875F74BF-AC41-924C-8904-6225BF2F6523}">
+      <dsp:nvSpPr>
+        <dsp:cNvPr id="0" name=""/>
+        <dsp:cNvSpPr/>
+      </dsp:nvSpPr>
+      <dsp:spPr>
+        <a:xfrm>
+          <a:off x="2897920" y="1391437"/>
+          <a:ext cx="1518302" cy="978067"/>
+        </a:xfrm>
+        <a:custGeom>
+          <a:avLst/>
+          <a:gdLst/>
+          <a:ahLst/>
+          <a:cxnLst/>
+          <a:rect l="0" t="0" r="0" b="0"/>
+          <a:pathLst>
+            <a:path>
+              <a:moveTo>
+                <a:pt x="0" y="0"/>
+              </a:moveTo>
+              <a:lnTo>
+                <a:pt x="0" y="726287"/>
+              </a:lnTo>
+              <a:lnTo>
+                <a:pt x="1518302" y="726287"/>
+              </a:lnTo>
+              <a:lnTo>
+                <a:pt x="1518302" y="978067"/>
+              </a:lnTo>
+            </a:path>
+          </a:pathLst>
+        </a:custGeom>
+        <a:noFill/>
+        <a:ln w="12700" cap="flat" cmpd="sng" algn="ctr">
+          <a:solidFill>
+            <a:schemeClr val="dk2">
+              <a:shade val="60000"/>
+              <a:hueOff val="0"/>
+              <a:satOff val="0"/>
+              <a:lumOff val="0"/>
+              <a:alphaOff val="0"/>
+            </a:schemeClr>
+          </a:solidFill>
+          <a:prstDash val="solid"/>
+          <a:miter lim="800000"/>
+        </a:ln>
+        <a:effectLst/>
+      </dsp:spPr>
+      <dsp:style>
+        <a:lnRef idx="2">
+          <a:scrgbClr r="0" g="0" b="0"/>
+        </a:lnRef>
+        <a:fillRef idx="0">
+          <a:scrgbClr r="0" g="0" b="0"/>
+        </a:fillRef>
+        <a:effectRef idx="0">
+          <a:scrgbClr r="0" g="0" b="0"/>
+        </a:effectRef>
+        <a:fontRef idx="minor"/>
+      </dsp:style>
+    </dsp:sp>
+    <dsp:sp modelId="{32D27F38-64D2-D145-9C37-1C772EF17BAD}">
+      <dsp:nvSpPr>
+        <dsp:cNvPr id="0" name=""/>
+        <dsp:cNvSpPr/>
+      </dsp:nvSpPr>
+      <dsp:spPr>
+        <a:xfrm>
+          <a:off x="1392578" y="1391437"/>
+          <a:ext cx="1505341" cy="978067"/>
+        </a:xfrm>
+        <a:custGeom>
+          <a:avLst/>
+          <a:gdLst/>
+          <a:ahLst/>
+          <a:cxnLst/>
+          <a:rect l="0" t="0" r="0" b="0"/>
+          <a:pathLst>
+            <a:path>
+              <a:moveTo>
+                <a:pt x="1505341" y="0"/>
+              </a:moveTo>
+              <a:lnTo>
+                <a:pt x="1505341" y="726287"/>
+              </a:lnTo>
+              <a:lnTo>
+                <a:pt x="0" y="726287"/>
+              </a:lnTo>
+              <a:lnTo>
+                <a:pt x="0" y="978067"/>
+              </a:lnTo>
+            </a:path>
+          </a:pathLst>
+        </a:custGeom>
+        <a:noFill/>
+        <a:ln w="12700" cap="flat" cmpd="sng" algn="ctr">
+          <a:solidFill>
+            <a:schemeClr val="dk2">
+              <a:shade val="60000"/>
+              <a:hueOff val="0"/>
+              <a:satOff val="0"/>
+              <a:lumOff val="0"/>
+              <a:alphaOff val="0"/>
+            </a:schemeClr>
+          </a:solidFill>
+          <a:prstDash val="solid"/>
+          <a:miter lim="800000"/>
+        </a:ln>
+        <a:effectLst/>
+      </dsp:spPr>
+      <dsp:style>
+        <a:lnRef idx="2">
+          <a:scrgbClr r="0" g="0" b="0"/>
+        </a:lnRef>
+        <a:fillRef idx="0">
+          <a:scrgbClr r="0" g="0" b="0"/>
+        </a:fillRef>
+        <a:effectRef idx="0">
+          <a:scrgbClr r="0" g="0" b="0"/>
+        </a:effectRef>
+        <a:fontRef idx="minor"/>
+      </dsp:style>
+    </dsp:sp>
+    <dsp:sp modelId="{4526622F-3FDC-374A-B9B6-FA94C4E60A16}">
+      <dsp:nvSpPr>
+        <dsp:cNvPr id="0" name=""/>
+        <dsp:cNvSpPr/>
+      </dsp:nvSpPr>
+      <dsp:spPr>
+        <a:xfrm>
+          <a:off x="1698970" y="192486"/>
+          <a:ext cx="2397900" cy="1198950"/>
+        </a:xfrm>
+        <a:prstGeom prst="rect">
+          <a:avLst/>
+        </a:prstGeom>
+        <a:gradFill rotWithShape="0">
+          <a:gsLst>
+            <a:gs pos="0">
+              <a:schemeClr val="lt1">
+                <a:hueOff val="0"/>
+                <a:satOff val="0"/>
+                <a:lumOff val="0"/>
+                <a:alphaOff val="0"/>
+                <a:satMod val="103000"/>
+                <a:lumMod val="102000"/>
+                <a:tint val="94000"/>
+              </a:schemeClr>
+            </a:gs>
+            <a:gs pos="50000">
+              <a:schemeClr val="lt1">
+                <a:hueOff val="0"/>
+                <a:satOff val="0"/>
+                <a:lumOff val="0"/>
+                <a:alphaOff val="0"/>
+                <a:satMod val="110000"/>
+                <a:lumMod val="100000"/>
+                <a:shade val="100000"/>
+              </a:schemeClr>
+            </a:gs>
+            <a:gs pos="100000">
+              <a:schemeClr val="lt1">
+                <a:hueOff val="0"/>
+                <a:satOff val="0"/>
+                <a:lumOff val="0"/>
+                <a:alphaOff val="0"/>
+                <a:lumMod val="99000"/>
+                <a:satMod val="120000"/>
+                <a:shade val="78000"/>
+              </a:schemeClr>
+            </a:gs>
+          </a:gsLst>
+          <a:lin ang="5400000" scaled="0"/>
+        </a:gradFill>
+        <a:ln>
+          <a:solidFill>
+            <a:schemeClr val="accent1"/>
+          </a:solidFill>
+        </a:ln>
+        <a:effectLst>
+          <a:outerShdw blurRad="57150" dist="19050" dir="5400000" algn="ctr" rotWithShape="0">
+            <a:srgbClr val="000000">
+              <a:alpha val="63000"/>
+            </a:srgbClr>
+          </a:outerShdw>
+        </a:effectLst>
+      </dsp:spPr>
+      <dsp:style>
+        <a:lnRef idx="0">
+          <a:scrgbClr r="0" g="0" b="0"/>
+        </a:lnRef>
+        <a:fillRef idx="3">
+          <a:scrgbClr r="0" g="0" b="0"/>
+        </a:fillRef>
+        <a:effectRef idx="3">
+          <a:scrgbClr r="0" g="0" b="0"/>
+        </a:effectRef>
+        <a:fontRef idx="minor">
+          <a:schemeClr val="lt1"/>
+        </a:fontRef>
+      </dsp:style>
+      <dsp:txBody>
+        <a:bodyPr spcFirstLastPara="0" vert="horz" wrap="square" lIns="15240" tIns="15240" rIns="15240" bIns="15240" numCol="1" spcCol="1270" anchor="ctr" anchorCtr="0">
+          <a:noAutofit/>
+        </a:bodyPr>
+        <a:lstStyle/>
+        <a:p>
+          <a:pPr marL="0" lvl="0" indent="0" algn="ctr" defTabSz="1066800">
+            <a:lnSpc>
+              <a:spcPct val="90000"/>
+            </a:lnSpc>
+            <a:spcBef>
+              <a:spcPct val="0"/>
+            </a:spcBef>
+            <a:spcAft>
+              <a:spcPct val="35000"/>
+            </a:spcAft>
+            <a:buNone/>
+          </a:pPr>
+          <a:r>
+            <a:rPr lang="en-US" sz="2400" b="1" i="0" kern="1200" dirty="0">
+              <a:solidFill>
+                <a:schemeClr val="tx1"/>
+              </a:solidFill>
+              <a:latin typeface="Times New Roman" charset="0"/>
+              <a:ea typeface="Times New Roman" charset="0"/>
+              <a:cs typeface="Times New Roman" charset="0"/>
+            </a:rPr>
+            <a:t>Presentation Outline</a:t>
+          </a:r>
+          <a:endParaRPr lang="en-US" sz="2400" kern="1200" dirty="0">
+            <a:solidFill>
+              <a:schemeClr val="tx1"/>
+            </a:solidFill>
+          </a:endParaRPr>
+        </a:p>
+      </dsp:txBody>
+      <dsp:txXfrm>
+        <a:off x="1698970" y="192486"/>
+        <a:ext cx="2397900" cy="1198950"/>
+      </dsp:txXfrm>
+    </dsp:sp>
+    <dsp:sp modelId="{DDF6D8D3-BD32-794F-9E9E-71634CC3F050}">
+      <dsp:nvSpPr>
+        <dsp:cNvPr id="0" name=""/>
+        <dsp:cNvSpPr/>
+      </dsp:nvSpPr>
+      <dsp:spPr>
+        <a:xfrm>
+          <a:off x="3859" y="2369504"/>
+          <a:ext cx="2777439" cy="1198950"/>
+        </a:xfrm>
+        <a:prstGeom prst="rect">
+          <a:avLst/>
+        </a:prstGeom>
+        <a:gradFill rotWithShape="0">
+          <a:gsLst>
+            <a:gs pos="0">
+              <a:schemeClr val="lt1">
+                <a:hueOff val="0"/>
+                <a:satOff val="0"/>
+                <a:lumOff val="0"/>
+                <a:alphaOff val="0"/>
+                <a:satMod val="103000"/>
+                <a:lumMod val="102000"/>
+                <a:tint val="94000"/>
+              </a:schemeClr>
+            </a:gs>
+            <a:gs pos="50000">
+              <a:schemeClr val="lt1">
+                <a:hueOff val="0"/>
+                <a:satOff val="0"/>
+                <a:lumOff val="0"/>
+                <a:alphaOff val="0"/>
+                <a:satMod val="110000"/>
+                <a:lumMod val="100000"/>
+                <a:shade val="100000"/>
+              </a:schemeClr>
+            </a:gs>
+            <a:gs pos="100000">
+              <a:schemeClr val="lt1">
+                <a:hueOff val="0"/>
+                <a:satOff val="0"/>
+                <a:lumOff val="0"/>
+                <a:alphaOff val="0"/>
+                <a:lumMod val="99000"/>
+                <a:satMod val="120000"/>
+                <a:shade val="78000"/>
+              </a:schemeClr>
+            </a:gs>
+          </a:gsLst>
+          <a:lin ang="5400000" scaled="0"/>
+        </a:gradFill>
+        <a:ln>
+          <a:solidFill>
+            <a:schemeClr val="accent1"/>
+          </a:solidFill>
+        </a:ln>
+        <a:effectLst>
+          <a:outerShdw blurRad="57150" dist="19050" dir="5400000" algn="ctr" rotWithShape="0">
+            <a:srgbClr val="000000">
+              <a:alpha val="63000"/>
+            </a:srgbClr>
+          </a:outerShdw>
+        </a:effectLst>
+      </dsp:spPr>
+      <dsp:style>
+        <a:lnRef idx="0">
+          <a:scrgbClr r="0" g="0" b="0"/>
+        </a:lnRef>
+        <a:fillRef idx="3">
+          <a:scrgbClr r="0" g="0" b="0"/>
+        </a:fillRef>
+        <a:effectRef idx="3">
+          <a:scrgbClr r="0" g="0" b="0"/>
+        </a:effectRef>
+        <a:fontRef idx="minor">
+          <a:schemeClr val="lt1"/>
+        </a:fontRef>
+      </dsp:style>
+      <dsp:txBody>
+        <a:bodyPr spcFirstLastPara="0" vert="horz" wrap="square" lIns="12700" tIns="12700" rIns="12700" bIns="12700" numCol="1" spcCol="1270" anchor="ctr" anchorCtr="0">
+          <a:noAutofit/>
+        </a:bodyPr>
+        <a:lstStyle/>
+        <a:p>
+          <a:pPr marL="0" lvl="0" indent="0" algn="ctr" defTabSz="889000">
+            <a:lnSpc>
+              <a:spcPct val="90000"/>
+            </a:lnSpc>
+            <a:spcBef>
+              <a:spcPct val="0"/>
+            </a:spcBef>
+            <a:spcAft>
+              <a:spcPct val="35000"/>
+            </a:spcAft>
+            <a:buNone/>
+          </a:pPr>
+          <a:r>
+            <a:rPr lang="en-US" sz="2000" b="1" i="0" kern="1200" dirty="0">
+              <a:solidFill>
+                <a:schemeClr val="tx1"/>
+              </a:solidFill>
+              <a:latin typeface="Times New Roman" charset="0"/>
+              <a:ea typeface="Times New Roman" charset="0"/>
+              <a:cs typeface="Times New Roman" charset="0"/>
+            </a:rPr>
+            <a:t>Wind Energy Resources Modeling and Analysis</a:t>
+          </a:r>
+        </a:p>
+      </dsp:txBody>
+      <dsp:txXfrm>
+        <a:off x="3859" y="2369504"/>
+        <a:ext cx="2777439" cy="1198950"/>
+      </dsp:txXfrm>
+    </dsp:sp>
+    <dsp:sp modelId="{7E1A7E54-AD31-C74C-9BAB-1F97789182CF}">
+      <dsp:nvSpPr>
+        <dsp:cNvPr id="0" name=""/>
+        <dsp:cNvSpPr/>
+      </dsp:nvSpPr>
+      <dsp:spPr>
+        <a:xfrm>
+          <a:off x="3088781" y="2369504"/>
+          <a:ext cx="2654883" cy="1198950"/>
+        </a:xfrm>
+        <a:prstGeom prst="rect">
+          <a:avLst/>
+        </a:prstGeom>
+        <a:gradFill rotWithShape="0">
+          <a:gsLst>
+            <a:gs pos="0">
+              <a:schemeClr val="lt1">
+                <a:hueOff val="0"/>
+                <a:satOff val="0"/>
+                <a:lumOff val="0"/>
+                <a:alphaOff val="0"/>
+                <a:satMod val="103000"/>
+                <a:lumMod val="102000"/>
+                <a:tint val="94000"/>
+              </a:schemeClr>
+            </a:gs>
+            <a:gs pos="50000">
+              <a:schemeClr val="lt1">
+                <a:hueOff val="0"/>
+                <a:satOff val="0"/>
+                <a:lumOff val="0"/>
+                <a:alphaOff val="0"/>
+                <a:satMod val="110000"/>
+                <a:lumMod val="100000"/>
+                <a:shade val="100000"/>
+              </a:schemeClr>
+            </a:gs>
+            <a:gs pos="100000">
+              <a:schemeClr val="lt1">
+                <a:hueOff val="0"/>
+                <a:satOff val="0"/>
+                <a:lumOff val="0"/>
+                <a:alphaOff val="0"/>
+                <a:lumMod val="99000"/>
+                <a:satMod val="120000"/>
+                <a:shade val="78000"/>
+              </a:schemeClr>
+            </a:gs>
+          </a:gsLst>
+          <a:lin ang="5400000" scaled="0"/>
+        </a:gradFill>
+        <a:ln>
+          <a:solidFill>
+            <a:schemeClr val="accent1"/>
+          </a:solidFill>
+        </a:ln>
+        <a:effectLst>
+          <a:outerShdw blurRad="57150" dist="19050" dir="5400000" algn="ctr" rotWithShape="0">
+            <a:srgbClr val="000000">
+              <a:alpha val="63000"/>
+            </a:srgbClr>
+          </a:outerShdw>
+        </a:effectLst>
+      </dsp:spPr>
+      <dsp:style>
+        <a:lnRef idx="0">
+          <a:scrgbClr r="0" g="0" b="0"/>
+        </a:lnRef>
+        <a:fillRef idx="3">
+          <a:scrgbClr r="0" g="0" b="0"/>
+        </a:fillRef>
+        <a:effectRef idx="3">
+          <a:scrgbClr r="0" g="0" b="0"/>
+        </a:effectRef>
+        <a:fontRef idx="minor">
+          <a:schemeClr val="lt1"/>
+        </a:fontRef>
+      </dsp:style>
+      <dsp:txBody>
+        <a:bodyPr spcFirstLastPara="0" vert="horz" wrap="square" lIns="12700" tIns="12700" rIns="12700" bIns="12700" numCol="1" spcCol="1270" anchor="ctr" anchorCtr="0">
+          <a:noAutofit/>
+        </a:bodyPr>
+        <a:lstStyle/>
+        <a:p>
+          <a:pPr marL="0" lvl="0" indent="0" algn="ctr" defTabSz="889000">
+            <a:lnSpc>
+              <a:spcPct val="90000"/>
+            </a:lnSpc>
+            <a:spcBef>
+              <a:spcPct val="0"/>
+            </a:spcBef>
+            <a:spcAft>
+              <a:spcPct val="35000"/>
+            </a:spcAft>
+            <a:buNone/>
+          </a:pPr>
+          <a:r>
+            <a:rPr lang="en-US" sz="2000" b="1" i="0" kern="1200" dirty="0">
+              <a:solidFill>
+                <a:schemeClr val="tx1"/>
+              </a:solidFill>
+              <a:latin typeface="Times New Roman" charset="0"/>
+              <a:ea typeface="Times New Roman" charset="0"/>
+              <a:cs typeface="Times New Roman" charset="0"/>
+            </a:rPr>
+            <a:t>Solar Energy Resources Modeling and Analysis</a:t>
+          </a:r>
+          <a:endParaRPr lang="en-US" sz="2000" b="1" i="0" kern="1200" dirty="0">
+            <a:solidFill>
+              <a:prstClr val="black"/>
+            </a:solidFill>
+            <a:latin typeface="Times New Roman" charset="0"/>
+            <a:ea typeface="Times New Roman" charset="0"/>
+            <a:cs typeface="Times New Roman" charset="0"/>
+          </a:endParaRPr>
+        </a:p>
+      </dsp:txBody>
+      <dsp:txXfrm>
+        <a:off x="3088781" y="2369504"/>
+        <a:ext cx="2654883" cy="1198950"/>
+      </dsp:txXfrm>
+    </dsp:sp>
+  </dsp:spTree>
+</dsp:drawing>
+</file>
+
+<file path=ppt/diagrams/layout1.xml><?xml version="1.0" encoding="utf-8"?>
+<dgm:layoutDef xmlns:dgm="http://schemas.openxmlformats.org/drawingml/2006/diagram" xmlns:a="http://schemas.openxmlformats.org/drawingml/2006/main" uniqueId="urn:microsoft.com/office/officeart/2005/8/layout/orgChart1">
+  <dgm:title val=""/>
+  <dgm:desc val=""/>
+  <dgm:catLst>
+    <dgm:cat type="hierarchy" pri="1000"/>
+    <dgm:cat type="convert" pri="6000"/>
+  </dgm:catLst>
+  <dgm:sampData>
+    <dgm:dataModel>
+      <dgm:ptLst>
+        <dgm:pt modelId="0" type="doc"/>
+        <dgm:pt modelId="1">
+          <dgm:prSet phldr="1"/>
+        </dgm:pt>
+        <dgm:pt modelId="2" type="asst">
+          <dgm:prSet phldr="1"/>
+        </dgm:pt>
+        <dgm:pt modelId="3">
+          <dgm:prSet phldr="1"/>
+        </dgm:pt>
+        <dgm:pt modelId="4">
+          <dgm:prSet phldr="1"/>
+        </dgm:pt>
+        <dgm:pt modelId="5">
+          <dgm:prSet phldr="1"/>
+        </dgm:pt>
+      </dgm:ptLst>
+      <dgm:cxnLst>
+        <dgm:cxn modelId="5" srcId="0" destId="1" srcOrd="0" destOrd="0"/>
+        <dgm:cxn modelId="6" srcId="1" destId="2" srcOrd="0" destOrd="0"/>
+        <dgm:cxn modelId="7" srcId="1" destId="3" srcOrd="1" destOrd="0"/>
+        <dgm:cxn modelId="8" srcId="1" destId="4" srcOrd="2" destOrd="0"/>
+        <dgm:cxn modelId="9" srcId="1" destId="5" srcOrd="3" destOrd="0"/>
+      </dgm:cxnLst>
+      <dgm:bg/>
+      <dgm:whole/>
+    </dgm:dataModel>
+  </dgm:sampData>
+  <dgm:styleData>
+    <dgm:dataModel>
+      <dgm:ptLst>
+        <dgm:pt modelId="0" type="doc"/>
+        <dgm:pt modelId="1"/>
+        <dgm:pt modelId="12"/>
+        <dgm:pt modelId="13"/>
+      </dgm:ptLst>
+      <dgm:cxnLst>
+        <dgm:cxn modelId="2" srcId="0" destId="1" srcOrd="0" destOrd="0"/>
+        <dgm:cxn modelId="16" srcId="1" destId="12" srcOrd="1" destOrd="0"/>
+        <dgm:cxn modelId="17" srcId="1" destId="13" srcOrd="2" destOrd="0"/>
+      </dgm:cxnLst>
+      <dgm:bg/>
+      <dgm:whole/>
+    </dgm:dataModel>
+  </dgm:styleData>
+  <dgm:clrData>
+    <dgm:dataModel>
+      <dgm:ptLst>
+        <dgm:pt modelId="0" type="doc"/>
+        <dgm:pt modelId="1"/>
+        <dgm:pt modelId="11" type="asst"/>
+        <dgm:pt modelId="12"/>
+        <dgm:pt modelId="13"/>
+        <dgm:pt modelId="14"/>
+      </dgm:ptLst>
+      <dgm:cxnLst>
+        <dgm:cxn modelId="2" srcId="0" destId="1" srcOrd="0" destOrd="0"/>
+        <dgm:cxn modelId="15" srcId="1" destId="11" srcOrd="0" destOrd="0"/>
+        <dgm:cxn modelId="16" srcId="1" destId="12" srcOrd="1" destOrd="0"/>
+        <dgm:cxn modelId="17" srcId="1" destId="13" srcOrd="2" destOrd="0"/>
+        <dgm:cxn modelId="18" srcId="1" destId="14" srcOrd="2" destOrd="0"/>
+      </dgm:cxnLst>
+      <dgm:bg/>
+      <dgm:whole/>
+    </dgm:dataModel>
+  </dgm:clrData>
+  <dgm:layoutNode name="hierChild1">
+    <dgm:varLst>
+      <dgm:orgChart val="1"/>
+      <dgm:chPref val="1"/>
+      <dgm:dir/>
+      <dgm:animOne val="branch"/>
+      <dgm:animLvl val="lvl"/>
+      <dgm:resizeHandles/>
+    </dgm:varLst>
+    <dgm:choose name="Name0">
+      <dgm:if name="Name1" func="var" arg="dir" op="equ" val="norm">
+        <dgm:alg type="hierChild">
+          <dgm:param type="linDir" val="fromL"/>
+        </dgm:alg>
+      </dgm:if>
+      <dgm:else name="Name2">
+        <dgm:alg type="hierChild">
+          <dgm:param type="linDir" val="fromR"/>
+        </dgm:alg>
+      </dgm:else>
+    </dgm:choose>
+    <dgm:shape xmlns:r="http://schemas.openxmlformats.org/officeDocument/2006/relationships" r:blip="">
+      <dgm:adjLst/>
+    </dgm:shape>
+    <dgm:presOf/>
+    <dgm:constrLst>
+      <dgm:constr type="w" for="des" forName="rootComposite1" refType="w" fact="10"/>
+      <dgm:constr type="h" for="des" forName="rootComposite1" refType="w" refFor="des" refForName="rootComposite1" fact="0.5"/>
+      <dgm:constr type="w" for="des" forName="rootComposite" refType="w" fact="10"/>
+      <dgm:constr type="h" for="des" forName="rootComposite" refType="w" refFor="des" refForName="rootComposite1" fact="0.5"/>
+      <dgm:constr type="w" for="des" forName="rootComposite3" refType="w" fact="10"/>
+      <dgm:constr type="h" for="des" forName="rootComposite3" refType="w" refFor="des" refForName="rootComposite1" fact="0.5"/>
+      <dgm:constr type="primFontSz" for="des" ptType="node" op="equ"/>
+      <dgm:constr type="sp" for="des" op="equ"/>
+      <dgm:constr type="sp" for="des" forName="hierRoot1" refType="w" refFor="des" refForName="rootComposite1" fact="0.21"/>
+      <dgm:constr type="sp" for="des" forName="hierRoot2" refType="sp" refFor="des" refForName="hierRoot1"/>
+      <dgm:constr type="sp" for="des" forName="hierRoot3" refType="sp" refFor="des" refForName="hierRoot1"/>
+      <dgm:constr type="sibSp" refType="w" refFor="des" refForName="rootComposite1" fact="0.21"/>
+      <dgm:constr type="sibSp" for="des" forName="hierChild2" refType="sibSp"/>
+      <dgm:constr type="sibSp" for="des" forName="hierChild3" refType="sibSp"/>
+      <dgm:constr type="sibSp" for="des" forName="hierChild4" refType="sibSp"/>
+      <dgm:constr type="sibSp" for="des" forName="hierChild5" refType="sibSp"/>
+      <dgm:constr type="sibSp" for="des" forName="hierChild6" refType="sibSp"/>
+      <dgm:constr type="sibSp" for="des" forName="hierChild7" refType="sibSp"/>
+      <dgm:constr type="secSibSp" refType="w" refFor="des" refForName="rootComposite1" fact="0.21"/>
+      <dgm:constr type="secSibSp" for="des" forName="hierChild2" refType="secSibSp"/>
+      <dgm:constr type="secSibSp" for="des" forName="hierChild3" refType="secSibSp"/>
+      <dgm:constr type="secSibSp" for="des" forName="hierChild4" refType="secSibSp"/>
+      <dgm:constr type="secSibSp" for="des" forName="hierChild5" refType="secSibSp"/>
+      <dgm:constr type="secSibSp" for="des" forName="hierChild6" refType="secSibSp"/>
+      <dgm:constr type="secSibSp" for="des" forName="hierChild7" refType="secSibSp"/>
+    </dgm:constrLst>
+    <dgm:ruleLst/>
+    <dgm:forEach name="Name3" axis="ch">
+      <dgm:forEach name="Name4" axis="self" ptType="node">
+        <dgm:layoutNode name="hierRoot1">
+          <dgm:varLst>
+            <dgm:hierBranch val="init"/>
+          </dgm:varLst>
+          <dgm:choose name="Name5">
+            <dgm:if name="Name6" func="var" arg="hierBranch" op="equ" val="l">
+              <dgm:choose name="Name7">
+                <dgm:if name="Name8" axis="ch" ptType="asst" func="cnt" op="gte" val="1">
+                  <dgm:alg type="hierRoot">
+                    <dgm:param type="hierAlign" val="tR"/>
+                  </dgm:alg>
+                  <dgm:constrLst>
+                    <dgm:constr type="alignOff" val="0.65"/>
+                  </dgm:constrLst>
+                </dgm:if>
+                <dgm:else name="Name9">
+                  <dgm:alg type="hierRoot">
+                    <dgm:param type="hierAlign" val="tR"/>
+                  </dgm:alg>
+                  <dgm:constrLst>
+                    <dgm:constr type="alignOff" val="0.25"/>
+                  </dgm:constrLst>
+                </dgm:else>
+              </dgm:choose>
+            </dgm:if>
+            <dgm:if name="Name10" func="var" arg="hierBranch" op="equ" val="r">
+              <dgm:choose name="Name11">
+                <dgm:if name="Name12" axis="ch" ptType="asst" func="cnt" op="gte" val="1">
+                  <dgm:alg type="hierRoot">
+                    <dgm:param type="hierAlign" val="tL"/>
+                  </dgm:alg>
+                  <dgm:constrLst>
+                    <dgm:constr type="alignOff" val="0.65"/>
+                  </dgm:constrLst>
+                </dgm:if>
+                <dgm:else name="Name13">
+                  <dgm:alg type="hierRoot">
+                    <dgm:param type="hierAlign" val="tL"/>
+                  </dgm:alg>
+                  <dgm:constrLst>
+                    <dgm:constr type="alignOff" val="0.25"/>
+                  </dgm:constrLst>
+                </dgm:else>
+              </dgm:choose>
+            </dgm:if>
+            <dgm:if name="Name14" func="var" arg="hierBranch" op="equ" val="hang">
+              <dgm:alg type="hierRoot"/>
+              <dgm:constrLst>
+                <dgm:constr type="alignOff" val="0.65"/>
+              </dgm:constrLst>
+            </dgm:if>
+            <dgm:else name="Name15">
+              <dgm:alg type="hierRoot"/>
+              <dgm:constrLst>
+                <dgm:constr type="alignOff"/>
+                <dgm:constr type="bendDist" for="des" ptType="parTrans" refType="sp" fact="0.5"/>
+              </dgm:constrLst>
+            </dgm:else>
+          </dgm:choose>
+          <dgm:shape xmlns:r="http://schemas.openxmlformats.org/officeDocument/2006/relationships" r:blip="">
+            <dgm:adjLst/>
+          </dgm:shape>
+          <dgm:presOf/>
+          <dgm:ruleLst/>
+          <dgm:layoutNode name="rootComposite1">
+            <dgm:alg type="composite"/>
+            <dgm:shape xmlns:r="http://schemas.openxmlformats.org/officeDocument/2006/relationships" r:blip="">
+              <dgm:adjLst/>
+            </dgm:shape>
+            <dgm:presOf axis="self" ptType="node" cnt="1"/>
+            <dgm:choose name="Name16">
+              <dgm:if name="Name17" func="var" arg="hierBranch" op="equ" val="init">
+                <dgm:constrLst>
+                  <dgm:constr type="l" for="ch" forName="rootText1"/>
+                  <dgm:constr type="t" for="ch" forName="rootText1"/>
+                  <dgm:constr type="w" for="ch" forName="rootText1" refType="w"/>
+                  <dgm:constr type="h" for="ch" forName="rootText1" refType="h"/>
+                  <dgm:constr type="l" for="ch" forName="rootConnector1"/>
+                  <dgm:constr type="t" for="ch" forName="rootConnector1"/>
+                  <dgm:constr type="w" for="ch" forName="rootConnector1" refType="w" refFor="ch" refForName="rootText1" fact="0.2"/>
+                  <dgm:constr type="h" for="ch" forName="rootConnector1" refType="h" refFor="ch" refForName="rootText1"/>
+                </dgm:constrLst>
+              </dgm:if>
+              <dgm:if name="Name18" func="var" arg="hierBranch" op="equ" val="l">
+                <dgm:constrLst>
+                  <dgm:constr type="l" for="ch" forName="rootText1"/>
+                  <dgm:constr type="t" for="ch" forName="rootText1"/>
+                  <dgm:constr type="w" for="ch" forName="rootText1" refType="w"/>
+                  <dgm:constr type="h" for="ch" forName="rootText1" refType="h"/>
+                  <dgm:constr type="r" for="ch" forName="rootConnector1" refType="w"/>
+                  <dgm:constr type="t" for="ch" forName="rootConnector1"/>
+                  <dgm:constr type="w" for="ch" forName="rootConnector1" refType="w" refFor="ch" refForName="rootText1" fact="0.2"/>
+                  <dgm:constr type="h" for="ch" forName="rootConnector1" refType="h" refFor="ch" refForName="rootText1"/>
+                </dgm:constrLst>
+              </dgm:if>
+              <dgm:if name="Name19" func="var" arg="hierBranch" op="equ" val="r">
+                <dgm:constrLst>
+                  <dgm:constr type="l" for="ch" forName="rootText1"/>
+                  <dgm:constr type="t" for="ch" forName="rootText1"/>
+                  <dgm:constr type="w" for="ch" forName="rootText1" refType="w"/>
+                  <dgm:constr type="h" for="ch" forName="rootText1" refType="h"/>
+                  <dgm:constr type="l" for="ch" forName="rootConnector1"/>
+                  <dgm:constr type="t" for="ch" forName="rootConnector1"/>
+                  <dgm:constr type="w" for="ch" forName="rootConnector1" refType="w" refFor="ch" refForName="rootText1" fact="0.2"/>
+                  <dgm:constr type="h" for="ch" forName="rootConnector1" refType="h" refFor="ch" refForName="rootText1"/>
+                </dgm:constrLst>
+              </dgm:if>
+              <dgm:else name="Name20">
+                <dgm:constrLst>
+                  <dgm:constr type="l" for="ch" forName="rootText1"/>
+                  <dgm:constr type="t" for="ch" forName="rootText1"/>
+                  <dgm:constr type="w" for="ch" forName="rootText1" refType="w"/>
+                  <dgm:constr type="h" for="ch" forName="rootText1" refType="h"/>
+                  <dgm:constr type="r" for="ch" forName="rootConnector1" refType="w"/>
+                  <dgm:constr type="t" for="ch" forName="rootConnector1"/>
+                  <dgm:constr type="w" for="ch" forName="rootConnector1" refType="w" refFor="ch" refForName="rootText1" fact="0.2"/>
+                  <dgm:constr type="h" for="ch" forName="rootConnector1" refType="h" refFor="ch" refForName="rootText1"/>
+                </dgm:constrLst>
+              </dgm:else>
+            </dgm:choose>
+            <dgm:ruleLst/>
+            <dgm:layoutNode name="rootText1" styleLbl="node0">
+              <dgm:varLst>
+                <dgm:chPref val="3"/>
+              </dgm:varLst>
+              <dgm:alg type="tx"/>
+              <dgm:shape xmlns:r="http://schemas.openxmlformats.org/officeDocument/2006/relationships" type="rect" r:blip="">
+                <dgm:adjLst/>
+              </dgm:shape>
+              <dgm:presOf axis="self" ptType="node" cnt="1"/>
+              <dgm:constrLst>
+                <dgm:constr type="primFontSz" val="65"/>
+                <dgm:constr type="lMarg" refType="primFontSz" fact="0.05"/>
+                <dgm:constr type="rMarg" refType="primFontSz" fact="0.05"/>
+                <dgm:constr type="tMarg" refType="primFontSz" fact="0.05"/>
+                <dgm:constr type="bMarg" refType="primFontSz" fact="0.05"/>
+              </dgm:constrLst>
+              <dgm:ruleLst>
+                <dgm:rule type="primFontSz" val="5" fact="NaN" max="NaN"/>
+              </dgm:ruleLst>
+            </dgm:layoutNode>
+            <dgm:layoutNode name="rootConnector1" moveWith="rootText1">
+              <dgm:alg type="sp"/>
+              <dgm:shape xmlns:r="http://schemas.openxmlformats.org/officeDocument/2006/relationships" type="rect" r:blip="" hideGeom="1">
+                <dgm:adjLst/>
+              </dgm:shape>
+              <dgm:presOf axis="self" ptType="node" cnt="1"/>
+              <dgm:constrLst/>
+              <dgm:ruleLst/>
+            </dgm:layoutNode>
+          </dgm:layoutNode>
+          <dgm:layoutNode name="hierChild2">
+            <dgm:choose name="Name21">
+              <dgm:if name="Name22" func="var" arg="hierBranch" op="equ" val="l">
+                <dgm:alg type="hierChild">
+                  <dgm:param type="chAlign" val="r"/>
+                  <dgm:param type="linDir" val="fromT"/>
+                </dgm:alg>
+              </dgm:if>
+              <dgm:if name="Name23" func="var" arg="hierBranch" op="equ" val="r">
+                <dgm:alg type="hierChild">
+                  <dgm:param type="chAlign" val="l"/>
+                  <dgm:param type="linDir" val="fromT"/>
+                </dgm:alg>
+              </dgm:if>
+              <dgm:if name="Name24" func="var" arg="hierBranch" op="equ" val="hang">
+                <dgm:choose name="Name25">
+                  <dgm:if name="Name26" func="var" arg="dir" op="equ" val="norm">
+                    <dgm:alg type="hierChild">
+                      <dgm:param type="chAlign" val="l"/>
+                      <dgm:param type="linDir" val="fromL"/>
+                      <dgm:param type="secChAlign" val="t"/>
+                      <dgm:param type="secLinDir" val="fromT"/>
+                    </dgm:alg>
+                  </dgm:if>
+                  <dgm:else name="Name27">
+                    <dgm:alg type="hierChild">
+                      <dgm:param type="chAlign" val="l"/>
+                      <dgm:param type="linDir" val="fromR"/>
+                      <dgm:param type="secChAlign" val="t"/>
+                      <dgm:param type="secLinDir" val="fromT"/>
+                    </dgm:alg>
+                  </dgm:else>
+                </dgm:choose>
+              </dgm:if>
+              <dgm:else name="Name28">
+                <dgm:choose name="Name29">
+                  <dgm:if name="Name30" func="var" arg="dir" op="equ" val="norm">
+                    <dgm:alg type="hierChild"/>
+                  </dgm:if>
+                  <dgm:else name="Name31">
+                    <dgm:alg type="hierChild">
+                      <dgm:param type="linDir" val="fromR"/>
+                    </dgm:alg>
+                  </dgm:else>
+                </dgm:choose>
+              </dgm:else>
+            </dgm:choose>
+            <dgm:shape xmlns:r="http://schemas.openxmlformats.org/officeDocument/2006/relationships" r:blip="">
+              <dgm:adjLst/>
+            </dgm:shape>
+            <dgm:presOf/>
+            <dgm:constrLst/>
+            <dgm:ruleLst/>
+            <dgm:forEach name="rep2a" axis="ch" ptType="nonAsst">
+              <dgm:forEach name="Name32" axis="precedSib" ptType="parTrans" st="-1" cnt="1">
+                <dgm:choose name="Name33">
+                  <dgm:if name="Name34" func="var" arg="hierBranch" op="equ" val="std">
+                    <dgm:layoutNode name="Name35">
+                      <dgm:alg type="conn">
+                        <dgm:param type="connRout" val="bend"/>
+                        <dgm:param type="dim" val="1D"/>
+                        <dgm:param type="endSty" val="noArr"/>
+                        <dgm:param type="begPts" val="bCtr"/>
+                        <dgm:param type="endPts" val="tCtr"/>
+                        <dgm:param type="bendPt" val="end"/>
+                      </dgm:alg>
+                      <dgm:shape xmlns:r="http://schemas.openxmlformats.org/officeDocument/2006/relationships" type="conn" r:blip="" zOrderOff="-99999">
+                        <dgm:adjLst/>
+                      </dgm:shape>
+                      <dgm:presOf axis="self"/>
+                      <dgm:constrLst>
+                        <dgm:constr type="begPad"/>
+                        <dgm:constr type="endPad"/>
+                      </dgm:constrLst>
+                      <dgm:ruleLst/>
+                    </dgm:layoutNode>
+                  </dgm:if>
+                  <dgm:if name="Name36" func="var" arg="hierBranch" op="equ" val="init">
+                    <dgm:layoutNode name="Name37">
+                      <dgm:choose name="Name38">
+                        <dgm:if name="Name39" axis="self" func="depth" op="lte" val="2">
+                          <dgm:alg type="conn">
+                            <dgm:param type="connRout" val="bend"/>
+                            <dgm:param type="dim" val="1D"/>
+                            <dgm:param type="endSty" val="noArr"/>
+                            <dgm:param type="begPts" val="bCtr"/>
+                            <dgm:param type="endPts" val="tCtr"/>
+                            <dgm:param type="bendPt" val="end"/>
+                          </dgm:alg>
+                        </dgm:if>
+                        <dgm:else name="Name40">
+                          <dgm:choose name="Name41">
+                            <dgm:if name="Name42" axis="par des" func="maxDepth" op="lte" val="1">
+                              <dgm:choose name="Name43">
+                                <dgm:if name="Name44" axis="par ch" ptType="node asst" func="cnt" op="gte" val="1">
+                                  <dgm:alg type="conn">
+                                    <dgm:param type="connRout" val="bend"/>
+                                    <dgm:param type="dim" val="1D"/>
+                                    <dgm:param type="endSty" val="noArr"/>
+                                    <dgm:param type="begPts" val="bCtr"/>
+                                    <dgm:param type="endPts" val="midL midR"/>
+                                  </dgm:alg>
+                                </dgm:if>
+                                <dgm:else name="Name45">
+                                  <dgm:alg type="conn">
+                                    <dgm:param type="connRout" val="bend"/>
+                                    <dgm:param type="dim" val="1D"/>
+                                    <dgm:param type="endSty" val="noArr"/>
+                                    <dgm:param type="begPts" val="bCtr"/>
+                                    <dgm:param type="endPts" val="midL midR"/>
+                                    <dgm:param type="srcNode" val="rootConnector"/>
+                                  </dgm:alg>
+                                </dgm:else>
+                              </dgm:choose>
+                            </dgm:if>
+                            <dgm:else name="Name46">
+                              <dgm:alg type="conn">
+                                <dgm:param type="connRout" val="bend"/>
+                                <dgm:param type="dim" val="1D"/>
+                                <dgm:param type="endSty" val="noArr"/>
+                                <dgm:param type="begPts" val="bCtr"/>
+                                <dgm:param type="endPts" val="tCtr"/>
+                                <dgm:param type="bendPt" val="end"/>
+                              </dgm:alg>
+                            </dgm:else>
+                          </dgm:choose>
+                        </dgm:else>
+                      </dgm:choose>
+                      <dgm:shape xmlns:r="http://schemas.openxmlformats.org/officeDocument/2006/relationships" type="conn" r:blip="" zOrderOff="-99999">
+                        <dgm:adjLst/>
+                      </dgm:shape>
+                      <dgm:presOf axis="self"/>
+                      <dgm:constrLst>
+                        <dgm:constr type="begPad"/>
+                        <dgm:constr type="endPad"/>
+                      </dgm:constrLst>
+                      <dgm:ruleLst/>
+                    </dgm:layoutNode>
+                  </dgm:if>
+                  <dgm:if name="Name47" func="var" arg="hierBranch" op="equ" val="hang">
+                    <dgm:layoutNode name="Name48">
+                      <dgm:alg type="conn">
+                        <dgm:param type="connRout" val="bend"/>
+                        <dgm:param type="dim" val="1D"/>
+                        <dgm:param type="endSty" val="noArr"/>
+                        <dgm:param type="begPts" val="bCtr"/>
+                        <dgm:param type="endPts" val="midL midR"/>
+                      </dgm:alg>
+                      <dgm:shape xmlns:r="http://schemas.openxmlformats.org/officeDocument/2006/relationships" type="conn" r:blip="" zOrderOff="-99999">
+                        <dgm:adjLst/>
+                      </dgm:shape>
+                      <dgm:presOf axis="self"/>
+                      <dgm:constrLst>
+                        <dgm:constr type="begPad"/>
+                        <dgm:constr type="endPad"/>
+                      </dgm:constrLst>
+                      <dgm:ruleLst/>
+                    </dgm:layoutNode>
+                  </dgm:if>
+                  <dgm:else name="Name49">
+                    <dgm:layoutNode name="Name50">
+                      <dgm:choose name="Name51">
+                        <dgm:if name="Name52" axis="self" func="depth" op="lte" val="2">
+                          <dgm:choose name="Name53">
+                            <dgm:if name="Name54" axis="par ch" ptType="node asst" func="cnt" op="gte" val="1">
+                              <dgm:alg type="conn">
+                                <dgm:param type="connRout" val="bend"/>
+                                <dgm:param type="dim" val="1D"/>
+                                <dgm:param type="endSty" val="noArr"/>
+                                <dgm:param type="begPts" val="bCtr"/>
+                                <dgm:param type="endPts" val="midL midR"/>
+                              </dgm:alg>
+                            </dgm:if>
+                            <dgm:else name="Name55">
+                              <dgm:alg type="conn">
+                                <dgm:param type="connRout" val="bend"/>
+                                <dgm:param type="dim" val="1D"/>
+                                <dgm:param type="endSty" val="noArr"/>
+                                <dgm:param type="begPts" val="bCtr"/>
+                                <dgm:param type="endPts" val="midL midR"/>
+                                <dgm:param type="srcNode" val="rootConnector1"/>
+                              </dgm:alg>
+                            </dgm:else>
+                          </dgm:choose>
+                        </dgm:if>
+                        <dgm:else name="Name56">
+                          <dgm:choose name="Name57">
+                            <dgm:if name="Name58" axis="par ch" ptType="node asst" func="cnt" op="gte" val="1">
+                              <dgm:alg type="conn">
+                                <dgm:param type="connRout" val="bend"/>
+                                <dgm:param type="dim" val="1D"/>
+                                <dgm:param type="endSty" val="noArr"/>
+                                <dgm:param type="begPts" val="bCtr"/>
+                                <dgm:param type="endPts" val="midL midR"/>
+                              </dgm:alg>
+                            </dgm:if>
+                            <dgm:else name="Name59">
+                              <dgm:alg type="conn">
+                                <dgm:param type="connRout" val="bend"/>
+                                <dgm:param type="dim" val="1D"/>
+                                <dgm:param type="endSty" val="noArr"/>
+                                <dgm:param type="begPts" val="bCtr"/>
+                                <dgm:param type="endPts" val="midL midR"/>
+                                <dgm:param type="srcNode" val="rootConnector"/>
+                              </dgm:alg>
+                            </dgm:else>
+                          </dgm:choose>
+                        </dgm:else>
+                      </dgm:choose>
+                      <dgm:shape xmlns:r="http://schemas.openxmlformats.org/officeDocument/2006/relationships" type="conn" r:blip="" zOrderOff="-99999">
+                        <dgm:adjLst/>
+                      </dgm:shape>
+                      <dgm:presOf axis="self"/>
+                      <dgm:constrLst>
+                        <dgm:constr type="begPad"/>
+                        <dgm:constr type="endPad"/>
+                      </dgm:constrLst>
+                      <dgm:ruleLst/>
+                    </dgm:layoutNode>
+                  </dgm:else>
+                </dgm:choose>
+              </dgm:forEach>
+              <dgm:layoutNode name="hierRoot2">
+                <dgm:varLst>
+                  <dgm:hierBranch val="init"/>
+                </dgm:varLst>
+                <dgm:choose name="Name60">
+                  <dgm:if name="Name61" func="var" arg="hierBranch" op="equ" val="l">
+                    <dgm:choose name="Name62">
+                      <dgm:if name="Name63" axis="ch" ptType="asst" func="cnt" op="gte" val="1">
+                        <dgm:alg type="hierRoot">
+                          <dgm:param type="hierAlign" val="tR"/>
+                        </dgm:alg>
+                        <dgm:shape xmlns:r="http://schemas.openxmlformats.org/officeDocument/2006/relationships" r:blip="">
+                          <dgm:adjLst/>
+                        </dgm:shape>
+                        <dgm:presOf/>
+                        <dgm:constrLst>
+                          <dgm:constr type="alignOff" val="0.65"/>
+                        </dgm:constrLst>
+                      </dgm:if>
+                      <dgm:else name="Name64">
+                        <dgm:alg type="hierRoot">
+                          <dgm:param type="hierAlign" val="tR"/>
+                        </dgm:alg>
+                        <dgm:shape xmlns:r="http://schemas.openxmlformats.org/officeDocument/2006/relationships" r:blip="">
+                          <dgm:adjLst/>
+                        </dgm:shape>
+                        <dgm:presOf/>
+                        <dgm:constrLst>
+                          <dgm:constr type="alignOff" val="0.25"/>
+                        </dgm:constrLst>
+                      </dgm:else>
+                    </dgm:choose>
+                  </dgm:if>
+                  <dgm:if name="Name65" func="var" arg="hierBranch" op="equ" val="r">
+                    <dgm:choose name="Name66">
+                      <dgm:if name="Name67" axis="ch" ptType="asst" func="cnt" op="gte" val="1">
+                        <dgm:alg type="hierRoot">
+                          <dgm:param type="hierAlign" val="tL"/>
+                        </dgm:alg>
+                        <dgm:shape xmlns:r="http://schemas.openxmlformats.org/officeDocument/2006/relationships" r:blip="">
+                          <dgm:adjLst/>
+                        </dgm:shape>
+                        <dgm:presOf/>
+                        <dgm:constrLst>
+                          <dgm:constr type="alignOff" val="0.65"/>
+                        </dgm:constrLst>
+                      </dgm:if>
+                      <dgm:else name="Name68">
+                        <dgm:alg type="hierRoot">
+                          <dgm:param type="hierAlign" val="tL"/>
+                        </dgm:alg>
+                        <dgm:shape xmlns:r="http://schemas.openxmlformats.org/officeDocument/2006/relationships" r:blip="">
+                          <dgm:adjLst/>
+                        </dgm:shape>
+                        <dgm:presOf/>
+                        <dgm:constrLst>
+                          <dgm:constr type="alignOff" val="0.25"/>
+                        </dgm:constrLst>
+                      </dgm:else>
+                    </dgm:choose>
+                  </dgm:if>
+                  <dgm:if name="Name69" func="var" arg="hierBranch" op="equ" val="std">
+                    <dgm:alg type="hierRoot"/>
+                    <dgm:shape xmlns:r="http://schemas.openxmlformats.org/officeDocument/2006/relationships" r:blip="">
+                      <dgm:adjLst/>
+                    </dgm:shape>
+                    <dgm:presOf/>
+                    <dgm:constrLst>
+                      <dgm:constr type="alignOff"/>
+                      <dgm:constr type="bendDist" for="des" ptType="parTrans" refType="sp" fact="0.5"/>
+                    </dgm:constrLst>
+                  </dgm:if>
+                  <dgm:if name="Name70" func="var" arg="hierBranch" op="equ" val="init">
+                    <dgm:choose name="Name71">
+                      <dgm:if name="Name72" axis="des" func="maxDepth" op="lte" val="1">
+                        <dgm:choose name="Name73">
+                          <dgm:if name="Name74" axis="ch" ptType="asst" func="cnt" op="gte" val="1">
+                            <dgm:alg type="hierRoot">
+                              <dgm:param type="hierAlign" val="tL"/>
+                            </dgm:alg>
+                            <dgm:shape xmlns:r="http://schemas.openxmlformats.org/officeDocument/2006/relationships" r:blip="">
+                              <dgm:adjLst/>
+                            </dgm:shape>
+                            <dgm:presOf/>
+                            <dgm:constrLst>
+                              <dgm:constr type="alignOff" val="0.65"/>
+                            </dgm:constrLst>
+                          </dgm:if>
+                          <dgm:else name="Name75">
+                            <dgm:alg type="hierRoot">
+                              <dgm:param type="hierAlign" val="tL"/>
+                            </dgm:alg>
+                            <dgm:shape xmlns:r="http://schemas.openxmlformats.org/officeDocument/2006/relationships" r:blip="">
+                              <dgm:adjLst/>
+                            </dgm:shape>
+                            <dgm:presOf/>
+                            <dgm:constrLst>
+                              <dgm:constr type="alignOff" val="0.25"/>
+                            </dgm:constrLst>
+                          </dgm:else>
+                        </dgm:choose>
+                      </dgm:if>
+                      <dgm:else name="Name76">
+                        <dgm:alg type="hierRoot"/>
+                        <dgm:shape xmlns:r="http://schemas.openxmlformats.org/officeDocument/2006/relationships" r:blip="">
+                          <dgm:adjLst/>
+                        </dgm:shape>
+                        <dgm:presOf/>
+                        <dgm:constrLst>
+                          <dgm:constr type="alignOff"/>
+                          <dgm:constr type="bendDist" for="des" ptType="parTrans" refType="sp" fact="0.5"/>
+                        </dgm:constrLst>
+                      </dgm:else>
+                    </dgm:choose>
+                  </dgm:if>
+                  <dgm:else name="Name77">
+                    <dgm:alg type="hierRoot"/>
+                    <dgm:shape xmlns:r="http://schemas.openxmlformats.org/officeDocument/2006/relationships" r:blip="">
+                      <dgm:adjLst/>
+                    </dgm:shape>
+                    <dgm:presOf/>
+                    <dgm:constrLst>
+                      <dgm:constr type="alignOff" val="0.65"/>
+                    </dgm:constrLst>
+                  </dgm:else>
+                </dgm:choose>
+                <dgm:ruleLst/>
+                <dgm:layoutNode name="rootComposite">
+                  <dgm:alg type="composite"/>
+                  <dgm:shape xmlns:r="http://schemas.openxmlformats.org/officeDocument/2006/relationships" r:blip="">
+                    <dgm:adjLst/>
+                  </dgm:shape>
+                  <dgm:presOf axis="self" ptType="node" cnt="1"/>
+                  <dgm:choose name="Name78">
+                    <dgm:if name="Name79" func="var" arg="hierBranch" op="equ" val="init">
+                      <dgm:constrLst>
+                        <dgm:constr type="l" for="ch" forName="rootText"/>
+                        <dgm:constr type="t" for="ch" forName="rootText"/>
+                        <dgm:constr type="w" for="ch" forName="rootText" refType="w"/>
+                        <dgm:constr type="h" for="ch" forName="rootText" refType="h"/>
+                        <dgm:constr type="l" for="ch" forName="rootConnector"/>
+                        <dgm:constr type="t" for="ch" forName="rootConnector"/>
+                        <dgm:constr type="w" for="ch" forName="rootConnector" refType="w" refFor="ch" refForName="rootText" fact="0.2"/>
+                        <dgm:constr type="h" for="ch" forName="rootConnector" refType="h" refFor="ch" refForName="rootText"/>
+                      </dgm:constrLst>
+                    </dgm:if>
+                    <dgm:if name="Name80" func="var" arg="hierBranch" op="equ" val="l">
+                      <dgm:constrLst>
+                        <dgm:constr type="l" for="ch" forName="rootText"/>
+                        <dgm:constr type="t" for="ch" forName="rootText"/>
+                        <dgm:constr type="w" for="ch" forName="rootText" refType="w"/>
+                        <dgm:constr type="h" for="ch" forName="rootText" refType="h"/>
+                        <dgm:constr type="r" for="ch" forName="rootConnector" refType="w"/>
+                        <dgm:constr type="t" for="ch" forName="rootConnector"/>
+                        <dgm:constr type="w" for="ch" forName="rootConnector" refType="w" refFor="ch" refForName="rootText" fact="0.2"/>
+                        <dgm:constr type="h" for="ch" forName="rootConnector" refType="h" refFor="ch" refForName="rootText"/>
+                      </dgm:constrLst>
+                    </dgm:if>
+                    <dgm:if name="Name81" func="var" arg="hierBranch" op="equ" val="r">
+                      <dgm:constrLst>
+                        <dgm:constr type="l" for="ch" forName="rootText"/>
+                        <dgm:constr type="t" for="ch" forName="rootText"/>
+                        <dgm:constr type="w" for="ch" forName="rootText" refType="w"/>
+                        <dgm:constr type="h" for="ch" forName="rootText" refType="h"/>
+                        <dgm:constr type="l" for="ch" forName="rootConnector"/>
+                        <dgm:constr type="t" for="ch" forName="rootConnector"/>
+                        <dgm:constr type="w" for="ch" forName="rootConnector" refType="w" refFor="ch" refForName="rootText" fact="0.2"/>
+                        <dgm:constr type="h" for="ch" forName="rootConnector" refType="h" refFor="ch" refForName="rootText"/>
+                      </dgm:constrLst>
+                    </dgm:if>
+                    <dgm:else name="Name82">
+                      <dgm:constrLst>
+                        <dgm:constr type="l" for="ch" forName="rootText"/>
+                        <dgm:constr type="t" for="ch" forName="rootText"/>
+                        <dgm:constr type="w" for="ch" forName="rootText" refType="w"/>
+                        <dgm:constr type="h" for="ch" forName="rootText" refType="h"/>
+                        <dgm:constr type="r" for="ch" forName="rootConnector" refType="w"/>
+                        <dgm:constr type="t" for="ch" forName="rootConnector"/>
+                        <dgm:constr type="w" for="ch" forName="rootConnector" refType="w" refFor="ch" refForName="rootText" fact="0.2"/>
+                        <dgm:constr type="h" for="ch" forName="rootConnector" refType="h" refFor="ch" refForName="rootText"/>
+                      </dgm:constrLst>
+                    </dgm:else>
+                  </dgm:choose>
+                  <dgm:ruleLst/>
+                  <dgm:layoutNode name="rootText">
+                    <dgm:varLst>
+                      <dgm:chPref val="3"/>
+                    </dgm:varLst>
+                    <dgm:alg type="tx"/>
+                    <dgm:shape xmlns:r="http://schemas.openxmlformats.org/officeDocument/2006/relationships" type="rect" r:blip="">
+                      <dgm:adjLst/>
+                    </dgm:shape>
+                    <dgm:presOf axis="self" ptType="node" cnt="1"/>
+                    <dgm:constrLst>
+                      <dgm:constr type="primFontSz" val="65"/>
+                      <dgm:constr type="lMarg" refType="primFontSz" fact="0.05"/>
+                      <dgm:constr type="rMarg" refType="primFontSz" fact="0.05"/>
+                      <dgm:constr type="tMarg" refType="primFontSz" fact="0.05"/>
+                      <dgm:constr type="bMarg" refType="primFontSz" fact="0.05"/>
+                    </dgm:constrLst>
+                    <dgm:ruleLst>
+                      <dgm:rule type="primFontSz" val="5" fact="NaN" max="NaN"/>
+                    </dgm:ruleLst>
+                  </dgm:layoutNode>
+                  <dgm:layoutNode name="rootConnector" moveWith="rootText">
+                    <dgm:alg type="sp"/>
+                    <dgm:shape xmlns:r="http://schemas.openxmlformats.org/officeDocument/2006/relationships" type="rect" r:blip="" hideGeom="1">
+                      <dgm:adjLst/>
+                    </dgm:shape>
+                    <dgm:presOf axis="self" ptType="node" cnt="1"/>
+                    <dgm:constrLst/>
+                    <dgm:ruleLst/>
+                  </dgm:layoutNode>
+                </dgm:layoutNode>
+                <dgm:layoutNode name="hierChild4">
+                  <dgm:choose name="Name83">
+                    <dgm:if name="Name84" func="var" arg="hierBranch" op="equ" val="l">
+                      <dgm:alg type="hierChild">
+                        <dgm:param type="chAlign" val="r"/>
+                        <dgm:param type="linDir" val="fromT"/>
+                      </dgm:alg>
+                    </dgm:if>
+                    <dgm:if name="Name85" func="var" arg="hierBranch" op="equ" val="r">
+                      <dgm:alg type="hierChild">
+                        <dgm:param type="chAlign" val="l"/>
+                        <dgm:param type="linDir" val="fromT"/>
+                      </dgm:alg>
+                    </dgm:if>
+                    <dgm:if name="Name86" func="var" arg="hierBranch" op="equ" val="hang">
+                      <dgm:choose name="Name87">
+                        <dgm:if name="Name88" func="var" arg="dir" op="equ" val="norm">
+                          <dgm:alg type="hierChild">
+                            <dgm:param type="chAlign" val="l"/>
+                            <dgm:param type="linDir" val="fromL"/>
+                            <dgm:param type="secChAlign" val="t"/>
+                            <dgm:param type="secLinDir" val="fromT"/>
+                          </dgm:alg>
+                        </dgm:if>
+                        <dgm:else name="Name89">
+                          <dgm:alg type="hierChild">
+                            <dgm:param type="chAlign" val="l"/>
+                            <dgm:param type="linDir" val="fromR"/>
+                            <dgm:param type="secChAlign" val="t"/>
+                            <dgm:param type="secLinDir" val="fromT"/>
+                          </dgm:alg>
+                        </dgm:else>
+                      </dgm:choose>
+                    </dgm:if>
+                    <dgm:if name="Name90" func="var" arg="hierBranch" op="equ" val="std">
+                      <dgm:choose name="Name91">
+                        <dgm:if name="Name92" func="var" arg="dir" op="equ" val="norm">
+                          <dgm:alg type="hierChild"/>
+                        </dgm:if>
+                        <dgm:else name="Name93">
+                          <dgm:alg type="hierChild">
+                            <dgm:param type="linDir" val="fromR"/>
+                          </dgm:alg>
+                        </dgm:else>
+                      </dgm:choose>
+                    </dgm:if>
+                    <dgm:if name="Name94" func="var" arg="hierBranch" op="equ" val="init">
+                      <dgm:choose name="Name95">
+                        <dgm:if name="Name96" axis="des" func="maxDepth" op="lte" val="1">
+                          <dgm:alg type="hierChild">
+                            <dgm:param type="chAlign" val="l"/>
+                            <dgm:param type="linDir" val="fromT"/>
+                          </dgm:alg>
+                        </dgm:if>
+                        <dgm:else name="Name97">
+                          <dgm:choose name="Name98">
+                            <dgm:if name="Name99" func="var" arg="dir" op="equ" val="norm">
+                              <dgm:alg type="hierChild"/>
+                            </dgm:if>
+                            <dgm:else name="Name100">
+                              <dgm:alg type="hierChild">
+                                <dgm:param type="linDir" val="fromR"/>
+                              </dgm:alg>
+                            </dgm:else>
+                          </dgm:choose>
+                        </dgm:else>
+                      </dgm:choose>
+                    </dgm:if>
+                    <dgm:else name="Name101"/>
+                  </dgm:choose>
+                  <dgm:shape xmlns:r="http://schemas.openxmlformats.org/officeDocument/2006/relationships" r:blip="">
+                    <dgm:adjLst/>
+                  </dgm:shape>
+                  <dgm:presOf/>
+                  <dgm:constrLst/>
+                  <dgm:ruleLst/>
+                  <dgm:forEach name="Name102" ref="rep2a"/>
+                </dgm:layoutNode>
+                <dgm:layoutNode name="hierChild5">
+                  <dgm:choose name="Name103">
+                    <dgm:if name="Name104" func="var" arg="dir" op="equ" val="norm">
+                      <dgm:alg type="hierChild">
+                        <dgm:param type="chAlign" val="l"/>
+                        <dgm:param type="linDir" val="fromL"/>
+                        <dgm:param type="secChAlign" val="t"/>
+                        <dgm:param type="secLinDir" val="fromT"/>
+                      </dgm:alg>
+                    </dgm:if>
+                    <dgm:else name="Name105">
+                      <dgm:alg type="hierChild">
+                        <dgm:param type="chAlign" val="l"/>
+                        <dgm:param type="linDir" val="fromR"/>
+                        <dgm:param type="secChAlign" val="t"/>
+                        <dgm:param type="secLinDir" val="fromT"/>
+                      </dgm:alg>
+                    </dgm:else>
+                  </dgm:choose>
+                  <dgm:shape xmlns:r="http://schemas.openxmlformats.org/officeDocument/2006/relationships" r:blip="">
+                    <dgm:adjLst/>
+                  </dgm:shape>
+                  <dgm:presOf/>
+                  <dgm:constrLst/>
+                  <dgm:ruleLst/>
+                  <dgm:forEach name="Name106" ref="rep2b"/>
+                </dgm:layoutNode>
+              </dgm:layoutNode>
+            </dgm:forEach>
+          </dgm:layoutNode>
+          <dgm:layoutNode name="hierChild3">
+            <dgm:choose name="Name107">
+              <dgm:if name="Name108" func="var" arg="dir" op="equ" val="norm">
+                <dgm:alg type="hierChild">
+                  <dgm:param type="chAlign" val="l"/>
+                  <dgm:param type="linDir" val="fromL"/>
+                  <dgm:param type="secChAlign" val="t"/>
+                  <dgm:param type="secLinDir" val="fromT"/>
+                </dgm:alg>
+              </dgm:if>
+              <dgm:else name="Name109">
+                <dgm:alg type="hierChild">
+                  <dgm:param type="chAlign" val="l"/>
+                  <dgm:param type="linDir" val="fromR"/>
+                  <dgm:param type="secChAlign" val="t"/>
+                  <dgm:param type="secLinDir" val="fromT"/>
+                </dgm:alg>
+              </dgm:else>
+            </dgm:choose>
+            <dgm:shape xmlns:r="http://schemas.openxmlformats.org/officeDocument/2006/relationships" r:blip="">
+              <dgm:adjLst/>
+            </dgm:shape>
+            <dgm:presOf/>
+            <dgm:constrLst/>
+            <dgm:ruleLst/>
+            <dgm:forEach name="rep2b" axis="ch" ptType="asst">
+              <dgm:forEach name="Name110" axis="precedSib" ptType="parTrans" st="-1" cnt="1">
+                <dgm:layoutNode name="Name111">
+                  <dgm:alg type="conn">
+                    <dgm:param type="connRout" val="bend"/>
+                    <dgm:param type="dim" val="1D"/>
+                    <dgm:param type="endSty" val="noArr"/>
+                    <dgm:param type="begPts" val="bCtr"/>
+                    <dgm:param type="endPts" val="midL midR"/>
+                  </dgm:alg>
+                  <dgm:shape xmlns:r="http://schemas.openxmlformats.org/officeDocument/2006/relationships" type="conn" r:blip="" zOrderOff="-99999">
+                    <dgm:adjLst/>
+                  </dgm:shape>
+                  <dgm:presOf axis="self"/>
+                  <dgm:constrLst>
+                    <dgm:constr type="begPad"/>
+                    <dgm:constr type="endPad"/>
+                  </dgm:constrLst>
+                  <dgm:ruleLst/>
+                </dgm:layoutNode>
+              </dgm:forEach>
+              <dgm:layoutNode name="hierRoot3">
+                <dgm:varLst>
+                  <dgm:hierBranch val="init"/>
+                </dgm:varLst>
+                <dgm:choose name="Name112">
+                  <dgm:if name="Name113" func="var" arg="hierBranch" op="equ" val="l">
+                    <dgm:alg type="hierRoot">
+                      <dgm:param type="hierAlign" val="tR"/>
+                    </dgm:alg>
+                    <dgm:shape xmlns:r="http://schemas.openxmlformats.org/officeDocument/2006/relationships" r:blip="">
+                      <dgm:adjLst/>
+                    </dgm:shape>
+                    <dgm:presOf/>
+                    <dgm:constrLst>
+                      <dgm:constr type="alignOff" val="0.65"/>
+                    </dgm:constrLst>
+                  </dgm:if>
+                  <dgm:if name="Name114" func="var" arg="hierBranch" op="equ" val="r">
+                    <dgm:alg type="hierRoot">
+                      <dgm:param type="hierAlign" val="tL"/>
+                    </dgm:alg>
+                    <dgm:shape xmlns:r="http://schemas.openxmlformats.org/officeDocument/2006/relationships" r:blip="">
+                      <dgm:adjLst/>
+                    </dgm:shape>
+                    <dgm:presOf/>
+                    <dgm:constrLst>
+                      <dgm:constr type="alignOff" val="0.65"/>
+                    </dgm:constrLst>
+                  </dgm:if>
+                  <dgm:if name="Name115" func="var" arg="hierBranch" op="equ" val="hang">
+                    <dgm:alg type="hierRoot"/>
+                    <dgm:shape xmlns:r="http://schemas.openxmlformats.org/officeDocument/2006/relationships" r:blip="">
+                      <dgm:adjLst/>
+                    </dgm:shape>
+                    <dgm:presOf/>
+                    <dgm:constrLst>
+                      <dgm:constr type="alignOff" val="0.65"/>
+                    </dgm:constrLst>
+                  </dgm:if>
+                  <dgm:if name="Name116" func="var" arg="hierBranch" op="equ" val="std">
+                    <dgm:alg type="hierRoot"/>
+                    <dgm:shape xmlns:r="http://schemas.openxmlformats.org/officeDocument/2006/relationships" r:blip="">
+                      <dgm:adjLst/>
+                    </dgm:shape>
+                    <dgm:presOf/>
+                    <dgm:constrLst>
+                      <dgm:constr type="alignOff"/>
+                      <dgm:constr type="bendDist" for="des" ptType="parTrans" refType="sp" fact="0.5"/>
+                    </dgm:constrLst>
+                  </dgm:if>
+                  <dgm:if name="Name117" func="var" arg="hierBranch" op="equ" val="init">
+                    <dgm:choose name="Name118">
+                      <dgm:if name="Name119" axis="des" func="maxDepth" op="lte" val="1">
+                        <dgm:alg type="hierRoot">
+                          <dgm:param type="hierAlign" val="tL"/>
+                        </dgm:alg>
+                        <dgm:shape xmlns:r="http://schemas.openxmlformats.org/officeDocument/2006/relationships" r:blip="">
+                          <dgm:adjLst/>
+                        </dgm:shape>
+                        <dgm:presOf/>
+                        <dgm:constrLst>
+                          <dgm:constr type="alignOff" val="0.65"/>
+                        </dgm:constrLst>
+                      </dgm:if>
+                      <dgm:else name="Name120">
+                        <dgm:alg type="hierRoot"/>
+                        <dgm:shape xmlns:r="http://schemas.openxmlformats.org/officeDocument/2006/relationships" r:blip="">
+                          <dgm:adjLst/>
+                        </dgm:shape>
+                        <dgm:presOf/>
+                        <dgm:constrLst>
+                          <dgm:constr type="alignOff"/>
+                          <dgm:constr type="bendDist" for="des" ptType="parTrans" refType="sp" fact="0.5"/>
+                        </dgm:constrLst>
+                      </dgm:else>
+                    </dgm:choose>
+                  </dgm:if>
+                  <dgm:else name="Name121"/>
+                </dgm:choose>
+                <dgm:ruleLst/>
+                <dgm:layoutNode name="rootComposite3">
+                  <dgm:alg type="composite"/>
+                  <dgm:shape xmlns:r="http://schemas.openxmlformats.org/officeDocument/2006/relationships" r:blip="">
+                    <dgm:adjLst/>
+                  </dgm:shape>
+                  <dgm:presOf axis="self" ptType="node" cnt="1"/>
+                  <dgm:choose name="Name122">
+                    <dgm:if name="Name123" func="var" arg="hierBranch" op="equ" val="init">
+                      <dgm:constrLst>
+                        <dgm:constr type="l" for="ch" forName="rootText3"/>
+                        <dgm:constr type="t" for="ch" forName="rootText3"/>
+                        <dgm:constr type="w" for="ch" forName="rootText3" refType="w"/>
+                        <dgm:constr type="h" for="ch" forName="rootText3" refType="h"/>
+                        <dgm:constr type="l" for="ch" forName="rootConnector3"/>
+                        <dgm:constr type="t" for="ch" forName="rootConnector3"/>
+                        <dgm:constr type="w" for="ch" forName="rootConnector3" refType="w" refFor="ch" refForName="rootText3" fact="0.2"/>
+                        <dgm:constr type="h" for="ch" forName="rootConnector3" refType="h" refFor="ch" refForName="rootText3"/>
+                      </dgm:constrLst>
+                    </dgm:if>
+                    <dgm:if name="Name124" func="var" arg="hierBranch" op="equ" val="l">
+                      <dgm:constrLst>
+                        <dgm:constr type="l" for="ch" forName="rootText3"/>
+                        <dgm:constr type="t" for="ch" forName="rootText3"/>
+                        <dgm:constr type="w" for="ch" forName="rootText3" refType="w"/>
+                        <dgm:constr type="h" for="ch" forName="rootText3" refType="h"/>
+                        <dgm:constr type="r" for="ch" forName="rootConnector3" refType="w"/>
+                        <dgm:constr type="t" for="ch" forName="rootConnector3"/>
+                        <dgm:constr type="w" for="ch" forName="rootConnector3" refType="w" refFor="ch" refForName="rootText3" fact="0.2"/>
+                        <dgm:constr type="h" for="ch" forName="rootConnector3" refType="h" refFor="ch" refForName="rootText3"/>
+                      </dgm:constrLst>
+                    </dgm:if>
+                    <dgm:if name="Name125" func="var" arg="hierBranch" op="equ" val="r">
+                      <dgm:constrLst>
+                        <dgm:constr type="l" for="ch" forName="rootText3"/>
+                        <dgm:constr type="t" for="ch" forName="rootText3"/>
+                        <dgm:constr type="w" for="ch" forName="rootText3" refType="w"/>
+                        <dgm:constr type="h" for="ch" forName="rootText3" refType="h"/>
+                        <dgm:constr type="l" for="ch" forName="rootConnector3"/>
+                        <dgm:constr type="t" for="ch" forName="rootConnector3"/>
+                        <dgm:constr type="w" for="ch" forName="rootConnector3" refType="w" refFor="ch" refForName="rootText3" fact="0.2"/>
+                        <dgm:constr type="h" for="ch" forName="rootConnector3" refType="h" refFor="ch" refForName="rootText3"/>
+                      </dgm:constrLst>
+                    </dgm:if>
+                    <dgm:else name="Name126">
+                      <dgm:constrLst>
+                        <dgm:constr type="l" for="ch" forName="rootText3"/>
+                        <dgm:constr type="t" for="ch" forName="rootText3"/>
+                        <dgm:constr type="w" for="ch" forName="rootText3" refType="w"/>
+                        <dgm:constr type="h" for="ch" forName="rootText3" refType="h"/>
+                        <dgm:constr type="r" for="ch" forName="rootConnector3" refType="w"/>
+                        <dgm:constr type="t" for="ch" forName="rootConnector3"/>
+                        <dgm:constr type="w" for="ch" forName="rootConnector3" refType="w" refFor="ch" refForName="rootText3" fact="0.2"/>
+                        <dgm:constr type="h" for="ch" forName="rootConnector3" refType="h" refFor="ch" refForName="rootText3"/>
+                      </dgm:constrLst>
+                    </dgm:else>
+                  </dgm:choose>
+                  <dgm:ruleLst/>
+                  <dgm:layoutNode name="rootText3">
+                    <dgm:varLst>
+                      <dgm:chPref val="3"/>
+                    </dgm:varLst>
+                    <dgm:alg type="tx"/>
+                    <dgm:shape xmlns:r="http://schemas.openxmlformats.org/officeDocument/2006/relationships" type="rect" r:blip="">
+                      <dgm:adjLst/>
+                    </dgm:shape>
+                    <dgm:presOf axis="self" ptType="node" cnt="1"/>
+                    <dgm:constrLst>
+                      <dgm:constr type="primFontSz" val="65"/>
+                      <dgm:constr type="lMarg" refType="primFontSz" fact="0.05"/>
+                      <dgm:constr type="rMarg" refType="primFontSz" fact="0.05"/>
+                      <dgm:constr type="tMarg" refType="primFontSz" fact="0.05"/>
+                      <dgm:constr type="bMarg" refType="primFontSz" fact="0.05"/>
+                    </dgm:constrLst>
+                    <dgm:ruleLst>
+                      <dgm:rule type="primFontSz" val="5" fact="NaN" max="NaN"/>
+                    </dgm:ruleLst>
+                  </dgm:layoutNode>
+                  <dgm:layoutNode name="rootConnector3" moveWith="rootText1">
+                    <dgm:alg type="sp"/>
+                    <dgm:shape xmlns:r="http://schemas.openxmlformats.org/officeDocument/2006/relationships" type="rect" r:blip="" hideGeom="1">
+                      <dgm:adjLst/>
+                    </dgm:shape>
+                    <dgm:presOf axis="self" ptType="node" cnt="1"/>
+                    <dgm:constrLst/>
+                    <dgm:ruleLst/>
+                  </dgm:layoutNode>
+                </dgm:layoutNode>
+                <dgm:layoutNode name="hierChild6">
+                  <dgm:choose name="Name127">
+                    <dgm:if name="Name128" func="var" arg="hierBranch" op="equ" val="l">
+                      <dgm:alg type="hierChild">
+                        <dgm:param type="chAlign" val="r"/>
+                        <dgm:param type="linDir" val="fromT"/>
+                      </dgm:alg>
+                    </dgm:if>
+                    <dgm:if name="Name129" func="var" arg="hierBranch" op="equ" val="r">
+                      <dgm:alg type="hierChild">
+                        <dgm:param type="chAlign" val="l"/>
+                        <dgm:param type="linDir" val="fromT"/>
+                      </dgm:alg>
+                    </dgm:if>
+                    <dgm:if name="Name130" func="var" arg="hierBranch" op="equ" val="hang">
+                      <dgm:choose name="Name131">
+                        <dgm:if name="Name132" func="var" arg="dir" op="equ" val="norm">
+                          <dgm:alg type="hierChild">
+                            <dgm:param type="chAlign" val="l"/>
+                            <dgm:param type="linDir" val="fromL"/>
+                            <dgm:param type="secChAlign" val="t"/>
+                            <dgm:param type="secLinDir" val="fromT"/>
+                          </dgm:alg>
+                        </dgm:if>
+                        <dgm:else name="Name133">
+                          <dgm:alg type="hierChild">
+                            <dgm:param type="chAlign" val="l"/>
+                            <dgm:param type="linDir" val="fromR"/>
+                            <dgm:param type="secChAlign" val="t"/>
+                            <dgm:param type="secLinDir" val="fromT"/>
+                          </dgm:alg>
+                        </dgm:else>
+                      </dgm:choose>
+                    </dgm:if>
+                    <dgm:if name="Name134" func="var" arg="hierBranch" op="equ" val="std">
+                      <dgm:choose name="Name135">
+                        <dgm:if name="Name136" func="var" arg="dir" op="equ" val="norm">
+                          <dgm:alg type="hierChild"/>
+                        </dgm:if>
+                        <dgm:else name="Name137">
+                          <dgm:alg type="hierChild">
+                            <dgm:param type="linDir" val="fromR"/>
+                          </dgm:alg>
+                        </dgm:else>
+                      </dgm:choose>
+                    </dgm:if>
+                    <dgm:if name="Name138" func="var" arg="hierBranch" op="equ" val="init">
+                      <dgm:choose name="Name139">
+                        <dgm:if name="Name140" axis="des" func="maxDepth" op="lte" val="1">
+                          <dgm:alg type="hierChild">
+                            <dgm:param type="chAlign" val="l"/>
+                            <dgm:param type="linDir" val="fromT"/>
+                          </dgm:alg>
+                        </dgm:if>
+                        <dgm:else name="Name141">
+                          <dgm:alg type="hierChild"/>
+                        </dgm:else>
+                      </dgm:choose>
+                    </dgm:if>
+                    <dgm:else name="Name142"/>
+                  </dgm:choose>
+                  <dgm:shape xmlns:r="http://schemas.openxmlformats.org/officeDocument/2006/relationships" r:blip="">
+                    <dgm:adjLst/>
+                  </dgm:shape>
+                  <dgm:presOf/>
+                  <dgm:constrLst/>
+                  <dgm:ruleLst/>
+                  <dgm:forEach name="Name143" ref="rep2a"/>
+                </dgm:layoutNode>
+                <dgm:layoutNode name="hierChild7">
+                  <dgm:choose name="Name144">
+                    <dgm:if name="Name145" func="var" arg="dir" op="equ" val="norm">
+                      <dgm:alg type="hierChild">
+                        <dgm:param type="chAlign" val="l"/>
+                        <dgm:param type="linDir" val="fromL"/>
+                        <dgm:param type="secChAlign" val="t"/>
+                        <dgm:param type="secLinDir" val="fromT"/>
+                      </dgm:alg>
+                    </dgm:if>
+                    <dgm:else name="Name146">
+                      <dgm:alg type="hierChild">
+                        <dgm:param type="chAlign" val="l"/>
+                        <dgm:param type="linDir" val="fromR"/>
+                        <dgm:param type="secChAlign" val="t"/>
+                        <dgm:param type="secLinDir" val="fromT"/>
+                      </dgm:alg>
+                    </dgm:else>
+                  </dgm:choose>
+                  <dgm:shape xmlns:r="http://schemas.openxmlformats.org/officeDocument/2006/relationships" r:blip="">
+                    <dgm:adjLst/>
+                  </dgm:shape>
+                  <dgm:presOf/>
+                  <dgm:constrLst/>
+                  <dgm:ruleLst/>
+                  <dgm:forEach name="Name147" ref="rep2b"/>
+                </dgm:layoutNode>
+              </dgm:layoutNode>
+            </dgm:forEach>
+          </dgm:layoutNode>
+        </dgm:layoutNode>
+      </dgm:forEach>
+    </dgm:forEach>
+  </dgm:layoutNode>
+</dgm:layoutDef>
+</file>
+
+<file path=ppt/diagrams/quickStyle1.xml><?xml version="1.0" encoding="utf-8"?>
+<dgm:styleDef xmlns:dgm="http://schemas.openxmlformats.org/drawingml/2006/diagram" xmlns:a="http://schemas.openxmlformats.org/drawingml/2006/main" uniqueId="urn:microsoft.com/office/officeart/2005/8/quickstyle/simple5">
+  <dgm:title val=""/>
+  <dgm:desc val=""/>
+  <dgm:catLst>
+    <dgm:cat type="simple" pri="10500"/>
+  </dgm:catLst>
+  <dgm:scene3d>
+    <a:camera prst="orthographicFront"/>
+    <a:lightRig rig="threePt" dir="t"/>
+  </dgm:scene3d>
+  <dgm:styleLbl name="node0">
+    <dgm:scene3d>
+      <a:camera prst="orthographicFront"/>
+      <a:lightRig rig="threePt" dir="t"/>
+    </dgm:scene3d>
+    <dgm:sp3d/>
+    <dgm:txPr/>
+    <dgm:style>
+      <a:lnRef idx="0">
+        <a:scrgbClr r="0" g="0" b="0"/>
+      </a:lnRef>
+      <a:fillRef idx="3">
+        <a:scrgbClr r="0" g="0" b="0"/>
+      </a:fillRef>
+      <a:effectRef idx="3">
+        <a:scrgbClr r="0" g="0" b="0"/>
+      </a:effectRef>
+      <a:fontRef idx="minor">
+        <a:schemeClr val="lt1"/>
+      </a:fontRef>
+    </dgm:style>
+  </dgm:styleLbl>
+  <dgm:styleLbl name="lnNode1">
+    <dgm:scene3d>
+      <a:camera prst="orthographicFront"/>
+      <a:lightRig rig="threePt" dir="t"/>
+    </dgm:scene3d>
+    <dgm:sp3d/>
+    <dgm:txPr/>
+    <dgm:style>
+      <a:lnRef idx="0">
+        <a:scrgbClr r="0" g="0" b="0"/>
+      </a:lnRef>
+      <a:fillRef idx="3">
+        <a:scrgbClr r="0" g="0" b="0"/>
+      </a:fillRef>
+      <a:effectRef idx="3">
+        <a:scrgbClr r="0" g="0" b="0"/>
+      </a:effectRef>
+      <a:fontRef idx="minor">
+        <a:schemeClr val="lt1"/>
+      </a:fontRef>
+    </dgm:style>
+  </dgm:styleLbl>
+  <dgm:styleLbl name="vennNode1">
+    <dgm:scene3d>
+      <a:camera prst="orthographicFront"/>
+      <a:lightRig rig="threePt" dir="t"/>
+    </dgm:scene3d>
+    <dgm:sp3d/>
+    <dgm:txPr/>
+    <dgm:style>
+      <a:lnRef idx="0">
+        <a:scrgbClr r="0" g="0" b="0"/>
+      </a:lnRef>
+      <a:fillRef idx="3">
+        <a:scrgbClr r="0" g="0" b="0"/>
+      </a:fillRef>
+      <a:effectRef idx="3">
+        <a:scrgbClr r="0" g="0" b="0"/>
+      </a:effectRef>
+      <a:fontRef idx="minor">
+        <a:schemeClr val="tx1"/>
+      </a:fontRef>
+    </dgm:style>
+  </dgm:styleLbl>
+  <dgm:styleLbl name="alignNode1">
+    <dgm:scene3d>
+      <a:camera prst="orthographicFront"/>
+      <a:lightRig rig="threePt" dir="t"/>
+    </dgm:scene3d>
+    <dgm:sp3d/>
+    <dgm:txPr/>
+    <dgm:style>
+      <a:lnRef idx="1">
+        <a:scrgbClr r="0" g="0" b="0"/>
+      </a:lnRef>
+      <a:fillRef idx="3">
+        <a:scrgbClr r="0" g="0" b="0"/>
+      </a:fillRef>
+      <a:effectRef idx="3">
+        <a:scrgbClr r="0" g="0" b="0"/>
+      </a:effectRef>
+      <a:fontRef idx="minor">
+        <a:schemeClr val="lt1"/>
+      </a:fontRef>
+    </dgm:style>
+  </dgm:styleLbl>
+  <dgm:styleLbl name="node1">
+    <dgm:scene3d>
+      <a:camera prst="orthographicFront"/>
+      <a:lightRig rig="threePt" dir="t"/>
+    </dgm:scene3d>
+    <dgm:sp3d/>
+    <dgm:txPr/>
+    <dgm:style>
+      <a:lnRef idx="0">
+        <a:scrgbClr r="0" g="0" b="0"/>
+      </a:lnRef>
+      <a:fillRef idx="3">
+        <a:scrgbClr r="0" g="0" b="0"/>
+      </a:fillRef>
+      <a:effectRef idx="3">
+        <a:scrgbClr r="0" g="0" b="0"/>
+      </a:effectRef>
+      <a:fontRef idx="minor">
+        <a:schemeClr val="lt1"/>
+      </a:fontRef>
+    </dgm:style>
+  </dgm:styleLbl>
+  <dgm:styleLbl name="node2">
+    <dgm:scene3d>
+      <a:camera prst="orthographicFront"/>
+      <a:lightRig rig="threePt" dir="t"/>
+    </dgm:scene3d>
+    <dgm:sp3d/>
+    <dgm:txPr/>
+    <dgm:style>
+      <a:lnRef idx="0">
+        <a:scrgbClr r="0" g="0" b="0"/>
+      </a:lnRef>
+      <a:fillRef idx="3">
+        <a:scrgbClr r="0" g="0" b="0"/>
+      </a:fillRef>
+      <a:effectRef idx="3">
+        <a:scrgbClr r="0" g="0" b="0"/>
+      </a:effectRef>
+      <a:fontRef idx="minor">
+        <a:schemeClr val="lt1"/>
+      </a:fontRef>
+    </dgm:style>
+  </dgm:styleLbl>
+  <dgm:styleLbl name="node3">
+    <dgm:scene3d>
+      <a:camera prst="orthographicFront"/>
+      <a:lightRig rig="threePt" dir="t"/>
+    </dgm:scene3d>
+    <dgm:sp3d/>
+    <dgm:txPr/>
+    <dgm:style>
+      <a:lnRef idx="0">
+        <a:scrgbClr r="0" g="0" b="0"/>
+      </a:lnRef>
+      <a:fillRef idx="3">
+        <a:scrgbClr r="0" g="0" b="0"/>
+      </a:fillRef>
+      <a:effectRef idx="3">
+        <a:scrgbClr r="0" g="0" b="0"/>
+      </a:effectRef>
+      <a:fontRef idx="minor">
+        <a:schemeClr val="lt1"/>
+      </a:fontRef>
+    </dgm:style>
+  </dgm:styleLbl>
+  <dgm:styleLbl name="node4">
+    <dgm:scene3d>
+      <a:camera prst="orthographicFront"/>
+      <a:lightRig rig="threePt" dir="t"/>
+    </dgm:scene3d>
+    <dgm:sp3d/>
+    <dgm:txPr/>
+    <dgm:style>
+      <a:lnRef idx="0">
+        <a:scrgbClr r="0" g="0" b="0"/>
+      </a:lnRef>
+      <a:fillRef idx="3">
+        <a:scrgbClr r="0" g="0" b="0"/>
+      </a:fillRef>
+      <a:effectRef idx="3">
+        <a:scrgbClr r="0" g="0" b="0"/>
+      </a:effectRef>
+      <a:fontRef idx="minor">
+        <a:schemeClr val="lt1"/>
+      </a:fontRef>
+    </dgm:style>
+  </dgm:styleLbl>
+  <dgm:styleLbl name="fgImgPlace1">
+    <dgm:scene3d>
+      <a:camera prst="orthographicFront"/>
+      <a:lightRig rig="threePt" dir="t"/>
+    </dgm:scene3d>
+    <dgm:sp3d/>
+    <dgm:txPr/>
+    <dgm:style>
+      <a:lnRef idx="0">
+        <a:scrgbClr r="0" g="0" b="0"/>
+      </a:lnRef>
+      <a:fillRef idx="1">
+        <a:scrgbClr r="0" g="0" b="0"/>
+      </a:fillRef>
+      <a:effectRef idx="3">
+        <a:scrgbClr r="0" g="0" b="0"/>
+      </a:effectRef>
+      <a:fontRef idx="minor"/>
+    </dgm:style>
+  </dgm:styleLbl>
+  <dgm:styleLbl name="alignImgPlace1">
+    <dgm:scene3d>
+      <a:camera prst="orthographicFront"/>
+      <a:lightRig rig="threePt" dir="t"/>
+    </dgm:scene3d>
+    <dgm:sp3d/>
+    <dgm:txPr/>
+    <dgm:style>
+      <a:lnRef idx="0">
+        <a:scrgbClr r="0" g="0" b="0"/>
+      </a:lnRef>
+      <a:fillRef idx="1">
+        <a:scrgbClr r="0" g="0" b="0"/>
+      </a:fillRef>
+      <a:effectRef idx="3">
+        <a:scrgbClr r="0" g="0" b="0"/>
+      </a:effectRef>
+      <a:fontRef idx="minor"/>
+    </dgm:style>
+  </dgm:styleLbl>
+  <dgm:styleLbl name="bgImgPlace1">
+    <dgm:scene3d>
+      <a:camera prst="orthographicFront"/>
+      <a:lightRig rig="threePt" dir="t"/>
+    </dgm:scene3d>
+    <dgm:sp3d/>
+    <dgm:txPr/>
+    <dgm:style>
+      <a:lnRef idx="0">
+        <a:scrgbClr r="0" g="0" b="0"/>
+      </a:lnRef>
+      <a:fillRef idx="1">
+        <a:scrgbClr r="0" g="0" b="0"/>
+      </a:fillRef>
+      <a:effectRef idx="3">
+        <a:scrgbClr r="0" g="0" b="0"/>
+      </a:effectRef>
+      <a:fontRef idx="minor"/>
+    </dgm:style>
+  </dgm:styleLbl>
+  <dgm:styleLbl name="sibTrans2D1">
+    <dgm:scene3d>
+      <a:camera prst="orthographicFront"/>
+      <a:lightRig rig="threePt" dir="t"/>
+    </dgm:scene3d>
+    <dgm:sp3d/>
+    <dgm:txPr/>
+    <dgm:style>
+      <a:lnRef idx="0">
+        <a:scrgbClr r="0" g="0" b="0"/>
+      </a:lnRef>
+      <a:fillRef idx="3">
+        <a:scrgbClr r="0" g="0" b="0"/>
+      </a:fillRef>
+      <a:effectRef idx="3">
+        <a:scrgbClr r="0" g="0" b="0"/>
+      </a:effectRef>
+      <a:fontRef idx="minor">
+        <a:schemeClr val="lt1"/>
+      </a:fontRef>
+    </dgm:style>
+  </dgm:styleLbl>
+  <dgm:styleLbl name="fgSibTrans2D1">
+    <dgm:scene3d>
+      <a:camera prst="orthographicFront"/>
+      <a:lightRig rig="threePt" dir="t"/>
+    </dgm:scene3d>
+    <dgm:sp3d/>
+    <dgm:txPr/>
+    <dgm:style>
+      <a:lnRef idx="0">
+        <a:scrgbClr r="0" g="0" b="0"/>
+      </a:lnRef>
+      <a:fillRef idx="3">
+        <a:scrgbClr r="0" g="0" b="0"/>
+      </a:fillRef>
+      <a:effectRef idx="3">
+        <a:scrgbClr r="0" g="0" b="0"/>
+      </a:effectRef>
+      <a:fontRef idx="minor">
+        <a:schemeClr val="lt1"/>
+      </a:fontRef>
+    </dgm:style>
+  </dgm:styleLbl>
+  <dgm:styleLbl name="bgSibTrans2D1">
+    <dgm:scene3d>
+      <a:camera prst="orthographicFront"/>
+      <a:lightRig rig="threePt" dir="t"/>
+    </dgm:scene3d>
+    <dgm:sp3d/>
+    <dgm:txPr/>
+    <dgm:style>
+      <a:lnRef idx="0">
+        <a:scrgbClr r="0" g="0" b="0"/>
+      </a:lnRef>
+      <a:fillRef idx="3">
+        <a:scrgbClr r="0" g="0" b="0"/>
+      </a:fillRef>
+      <a:effectRef idx="3">
+        <a:scrgbClr r="0" g="0" b="0"/>
+      </a:effectRef>
+      <a:fontRef idx="minor">
+        <a:schemeClr val="lt1"/>
+      </a:fontRef>
+    </dgm:style>
+  </dgm:styleLbl>
+  <dgm:styleLbl name="sibTrans1D1">
+    <dgm:scene3d>
+      <a:camera prst="orthographicFront"/>
+      <a:lightRig rig="threePt" dir="t"/>
+    </dgm:scene3d>
+    <dgm:sp3d/>
+    <dgm:txPr/>
+    <dgm:style>
+      <a:lnRef idx="1">
+        <a:scrgbClr r="0" g="0" b="0"/>
+      </a:lnRef>
+      <a:fillRef idx="0">
+        <a:scrgbClr r="0" g="0" b="0"/>
+      </a:fillRef>
+      <a:effectRef idx="0">
+        <a:scrgbClr r="0" g="0" b="0"/>
+      </a:effectRef>
+      <a:fontRef idx="minor"/>
+    </dgm:style>
+  </dgm:styleLbl>
+  <dgm:styleLbl name="callout">
+    <dgm:scene3d>
+      <a:camera prst="orthographicFront"/>
+      <a:lightRig rig="threePt" dir="t"/>
+    </dgm:scene3d>
+    <dgm:sp3d/>
+    <dgm:txPr/>
+    <dgm:style>
+      <a:lnRef idx="1">
+        <a:scrgbClr r="0" g="0" b="0"/>
+      </a:lnRef>
+      <a:fillRef idx="0">
+        <a:scrgbClr r="0" g="0" b="0"/>
+      </a:fillRef>
+      <a:effectRef idx="1">
+        <a:scrgbClr r="0" g="0" b="0"/>
+      </a:effectRef>
+      <a:fontRef idx="minor"/>
+    </dgm:style>
+  </dgm:styleLbl>
+  <dgm:styleLbl name="asst0">
+    <dgm:scene3d>
+      <a:camera prst="orthographicFront"/>
+      <a:lightRig rig="threePt" dir="t"/>
+    </dgm:scene3d>
+    <dgm:sp3d/>
+    <dgm:txPr/>
+    <dgm:style>
+      <a:lnRef idx="0">
+        <a:scrgbClr r="0" g="0" b="0"/>
+      </a:lnRef>
+      <a:fillRef idx="3">
+        <a:scrgbClr r="0" g="0" b="0"/>
+      </a:fillRef>
+      <a:effectRef idx="3">
+        <a:scrgbClr r="0" g="0" b="0"/>
+      </a:effectRef>
+      <a:fontRef idx="minor">
+        <a:schemeClr val="lt1"/>
+      </a:fontRef>
+    </dgm:style>
+  </dgm:styleLbl>
+  <dgm:styleLbl name="asst1">
+    <dgm:scene3d>
+      <a:camera prst="orthographicFront"/>
+      <a:lightRig rig="threePt" dir="t"/>
+    </dgm:scene3d>
+    <dgm:sp3d/>
+    <dgm:txPr/>
+    <dgm:style>
+      <a:lnRef idx="0">
+        <a:scrgbClr r="0" g="0" b="0"/>
+      </a:lnRef>
+      <a:fillRef idx="3">
+        <a:scrgbClr r="0" g="0" b="0"/>
+      </a:fillRef>
+      <a:effectRef idx="3">
+        <a:scrgbClr r="0" g="0" b="0"/>
+      </a:effectRef>
+      <a:fontRef idx="minor">
+        <a:schemeClr val="lt1"/>
+      </a:fontRef>
+    </dgm:style>
+  </dgm:styleLbl>
+  <dgm:styleLbl name="asst2">
+    <dgm:scene3d>
+      <a:camera prst="orthographicFront"/>
+      <a:lightRig rig="threePt" dir="t"/>
+    </dgm:scene3d>
+    <dgm:sp3d/>
+    <dgm:txPr/>
+    <dgm:style>
+      <a:lnRef idx="0">
+        <a:scrgbClr r="0" g="0" b="0"/>
+      </a:lnRef>
+      <a:fillRef idx="3">
+        <a:scrgbClr r="0" g="0" b="0"/>
+      </a:fillRef>
+      <a:effectRef idx="3">
+        <a:scrgbClr r="0" g="0" b="0"/>
+      </a:effectRef>
+      <a:fontRef idx="minor">
+        <a:schemeClr val="lt1"/>
+      </a:fontRef>
+    </dgm:style>
+  </dgm:styleLbl>
+  <dgm:styleLbl name="asst3">
+    <dgm:scene3d>
+      <a:camera prst="orthographicFront"/>
+      <a:lightRig rig="threePt" dir="t"/>
+    </dgm:scene3d>
+    <dgm:sp3d/>
+    <dgm:txPr/>
+    <dgm:style>
+      <a:lnRef idx="0">
+        <a:scrgbClr r="0" g="0" b="0"/>
+      </a:lnRef>
+      <a:fillRef idx="3">
+        <a:scrgbClr r="0" g="0" b="0"/>
+      </a:fillRef>
+      <a:effectRef idx="3">
+        <a:scrgbClr r="0" g="0" b="0"/>
+      </a:effectRef>
+      <a:fontRef idx="minor">
+        <a:schemeClr val="lt1"/>
+      </a:fontRef>
+    </dgm:style>
+  </dgm:styleLbl>
+  <dgm:styleLbl name="asst4">
+    <dgm:scene3d>
+      <a:camera prst="orthographicFront"/>
+      <a:lightRig rig="threePt" dir="t"/>
+    </dgm:scene3d>
+    <dgm:sp3d/>
+    <dgm:txPr/>
+    <dgm:style>
+      <a:lnRef idx="0">
+        <a:scrgbClr r="0" g="0" b="0"/>
+      </a:lnRef>
+      <a:fillRef idx="3">
+        <a:scrgbClr r="0" g="0" b="0"/>
+      </a:fillRef>
+      <a:effectRef idx="3">
+        <a:scrgbClr r="0" g="0" b="0"/>
+      </a:effectRef>
+      <a:fontRef idx="minor">
+        <a:schemeClr val="lt1"/>
+      </a:fontRef>
+    </dgm:style>
+  </dgm:styleLbl>
+  <dgm:styleLbl name="parChTrans2D1">
+    <dgm:scene3d>
+      <a:camera prst="orthographicFront"/>
+      <a:lightRig rig="threePt" dir="t"/>
+    </dgm:scene3d>
+    <dgm:sp3d/>
+    <dgm:txPr/>
+    <dgm:style>
+      <a:lnRef idx="0">
+        <a:scrgbClr r="0" g="0" b="0"/>
+      </a:lnRef>
+      <a:fillRef idx="3">
+        <a:scrgbClr r="0" g="0" b="0"/>
+      </a:fillRef>
+      <a:effectRef idx="3">
+        <a:scrgbClr r="0" g="0" b="0"/>
+      </a:effectRef>
+      <a:fontRef idx="minor">
+        <a:schemeClr val="lt1"/>
+      </a:fontRef>
+    </dgm:style>
+  </dgm:styleLbl>
+  <dgm:styleLbl name="parChTrans2D2">
+    <dgm:scene3d>
+      <a:camera prst="orthographicFront"/>
+      <a:lightRig rig="threePt" dir="t"/>
+    </dgm:scene3d>
+    <dgm:sp3d/>
+    <dgm:txPr/>
+    <dgm:style>
+      <a:lnRef idx="0">
+        <a:scrgbClr r="0" g="0" b="0"/>
+      </a:lnRef>
+      <a:fillRef idx="3">
+        <a:scrgbClr r="0" g="0" b="0"/>
+      </a:fillRef>
+      <a:effectRef idx="3">
+        <a:scrgbClr r="0" g="0" b="0"/>
+      </a:effectRef>
+      <a:fontRef idx="minor">
+        <a:schemeClr val="lt1"/>
+      </a:fontRef>
+    </dgm:style>
+  </dgm:styleLbl>
+  <dgm:styleLbl name="parChTrans2D3">
+    <dgm:scene3d>
+      <a:camera prst="orthographicFront"/>
+      <a:lightRig rig="threePt" dir="t"/>
+    </dgm:scene3d>
+    <dgm:sp3d/>
+    <dgm:txPr/>
+    <dgm:style>
+      <a:lnRef idx="0">
+        <a:scrgbClr r="0" g="0" b="0"/>
+      </a:lnRef>
+      <a:fillRef idx="3">
+        <a:scrgbClr r="0" g="0" b="0"/>
+      </a:fillRef>
+      <a:effectRef idx="3">
+        <a:scrgbClr r="0" g="0" b="0"/>
+      </a:effectRef>
+      <a:fontRef idx="minor">
+        <a:schemeClr val="lt1"/>
+      </a:fontRef>
+    </dgm:style>
+  </dgm:styleLbl>
+  <dgm:styleLbl name="parChTrans2D4">
+    <dgm:scene3d>
+      <a:camera prst="orthographicFront"/>
+      <a:lightRig rig="threePt" dir="t"/>
+    </dgm:scene3d>
+    <dgm:sp3d/>
+    <dgm:txPr/>
+    <dgm:style>
+      <a:lnRef idx="0">
+        <a:scrgbClr r="0" g="0" b="0"/>
+      </a:lnRef>
+      <a:fillRef idx="3">
+        <a:scrgbClr r="0" g="0" b="0"/>
+      </a:fillRef>
+      <a:effectRef idx="3">
+        <a:scrgbClr r="0" g="0" b="0"/>
+      </a:effectRef>
+      <a:fontRef idx="minor">
+        <a:schemeClr val="lt1"/>
+      </a:fontRef>
+    </dgm:style>
+  </dgm:styleLbl>
+  <dgm:styleLbl name="parChTrans1D1">
+    <dgm:scene3d>
+      <a:camera prst="orthographicFront"/>
+      <a:lightRig rig="threePt" dir="t"/>
+    </dgm:scene3d>
+    <dgm:sp3d/>
+    <dgm:txPr/>
+    <dgm:style>
+      <a:lnRef idx="2">
+        <a:scrgbClr r="0" g="0" b="0"/>
+      </a:lnRef>
+      <a:fillRef idx="0">
+        <a:scrgbClr r="0" g="0" b="0"/>
+      </a:fillRef>
+      <a:effectRef idx="0">
+        <a:scrgbClr r="0" g="0" b="0"/>
+      </a:effectRef>
+      <a:fontRef idx="minor"/>
+    </dgm:style>
+  </dgm:styleLbl>
+  <dgm:styleLbl name="parChTrans1D2">
+    <dgm:scene3d>
+      <a:camera prst="orthographicFront"/>
+      <a:lightRig rig="threePt" dir="t"/>
+    </dgm:scene3d>
+    <dgm:sp3d/>
+    <dgm:txPr/>
+    <dgm:style>
+      <a:lnRef idx="2">
+        <a:scrgbClr r="0" g="0" b="0"/>
+      </a:lnRef>
+      <a:fillRef idx="0">
+        <a:scrgbClr r="0" g="0" b="0"/>
+      </a:fillRef>
+      <a:effectRef idx="0">
+        <a:scrgbClr r="0" g="0" b="0"/>
+      </a:effectRef>
+      <a:fontRef idx="minor"/>
+    </dgm:style>
+  </dgm:styleLbl>
+  <dgm:styleLbl name="parChTrans1D3">
+    <dgm:scene3d>
+      <a:camera prst="orthographicFront"/>
+      <a:lightRig rig="threePt" dir="t"/>
+    </dgm:scene3d>
+    <dgm:sp3d/>
+    <dgm:txPr/>
+    <dgm:style>
+      <a:lnRef idx="2">
+        <a:scrgbClr r="0" g="0" b="0"/>
+      </a:lnRef>
+      <a:fillRef idx="0">
+        <a:scrgbClr r="0" g="0" b="0"/>
+      </a:fillRef>
+      <a:effectRef idx="0">
+        <a:scrgbClr r="0" g="0" b="0"/>
+      </a:effectRef>
+      <a:fontRef idx="minor"/>
+    </dgm:style>
+  </dgm:styleLbl>
+  <dgm:styleLbl name="parChTrans1D4">
+    <dgm:scene3d>
+      <a:camera prst="orthographicFront"/>
+      <a:lightRig rig="threePt" dir="t"/>
+    </dgm:scene3d>
+    <dgm:sp3d/>
+    <dgm:txPr/>
+    <dgm:style>
+      <a:lnRef idx="2">
+        <a:scrgbClr r="0" g="0" b="0"/>
+      </a:lnRef>
+      <a:fillRef idx="0">
+        <a:scrgbClr r="0" g="0" b="0"/>
+      </a:fillRef>
+      <a:effectRef idx="0">
+        <a:scrgbClr r="0" g="0" b="0"/>
+      </a:effectRef>
+      <a:fontRef idx="minor"/>
+    </dgm:style>
+  </dgm:styleLbl>
+  <dgm:styleLbl name="fgAcc1">
+    <dgm:scene3d>
+      <a:camera prst="orthographicFront"/>
+      <a:lightRig rig="threePt" dir="t"/>
+    </dgm:scene3d>
+    <dgm:sp3d/>
+    <dgm:txPr/>
+    <dgm:style>
+      <a:lnRef idx="1">
+        <a:scrgbClr r="0" g="0" b="0"/>
+      </a:lnRef>
+      <a:fillRef idx="1">
+        <a:scrgbClr r="0" g="0" b="0"/>
+      </a:fillRef>
+      <a:effectRef idx="2">
+        <a:scrgbClr r="0" g="0" b="0"/>
+      </a:effectRef>
+      <a:fontRef idx="minor"/>
+    </dgm:style>
+  </dgm:styleLbl>
+  <dgm:styleLbl name="conFgAcc1">
+    <dgm:scene3d>
+      <a:camera prst="orthographicFront"/>
+      <a:lightRig rig="threePt" dir="t"/>
+    </dgm:scene3d>
+    <dgm:sp3d/>
+    <dgm:txPr/>
+    <dgm:style>
+      <a:lnRef idx="1">
+        <a:scrgbClr r="0" g="0" b="0"/>
+      </a:lnRef>
+      <a:fillRef idx="1">
+        <a:scrgbClr r="0" g="0" b="0"/>
+      </a:fillRef>
+      <a:effectRef idx="2">
+        <a:scrgbClr r="0" g="0" b="0"/>
+      </a:effectRef>
+      <a:fontRef idx="minor"/>
+    </dgm:style>
+  </dgm:styleLbl>
+  <dgm:styleLbl name="alignAcc1">
+    <dgm:scene3d>
+      <a:camera prst="orthographicFront"/>
+      <a:lightRig rig="threePt" dir="t"/>
+    </dgm:scene3d>
+    <dgm:sp3d/>
+    <dgm:txPr/>
+    <dgm:style>
+      <a:lnRef idx="1">
+        <a:scrgbClr r="0" g="0" b="0"/>
+      </a:lnRef>
+      <a:fillRef idx="1">
+        <a:scrgbClr r="0" g="0" b="0"/>
+      </a:fillRef>
+      <a:effectRef idx="2">
+        <a:scrgbClr r="0" g="0" b="0"/>
+      </a:effectRef>
+      <a:fontRef idx="minor"/>
+    </dgm:style>
+  </dgm:styleLbl>
+  <dgm:styleLbl name="trAlignAcc1">
+    <dgm:scene3d>
+      <a:camera prst="orthographicFront"/>
+      <a:lightRig rig="threePt" dir="t"/>
+    </dgm:scene3d>
+    <dgm:sp3d/>
+    <dgm:txPr/>
+    <dgm:style>
+      <a:lnRef idx="1">
+        <a:scrgbClr r="0" g="0" b="0"/>
+      </a:lnRef>
+      <a:fillRef idx="1">
+        <a:scrgbClr r="0" g="0" b="0"/>
+      </a:fillRef>
+      <a:effectRef idx="0">
+        <a:scrgbClr r="0" g="0" b="0"/>
+      </a:effectRef>
+      <a:fontRef idx="minor"/>
+    </dgm:style>
+  </dgm:styleLbl>
+  <dgm:styleLbl name="bgAcc1">
+    <dgm:scene3d>
+      <a:camera prst="orthographicFront"/>
+      <a:lightRig rig="threePt" dir="t"/>
+    </dgm:scene3d>
+    <dgm:sp3d/>
+    <dgm:txPr/>
+    <dgm:style>
+      <a:lnRef idx="1">
+        <a:scrgbClr r="0" g="0" b="0"/>
+      </a:lnRef>
+      <a:fillRef idx="1">
+        <a:scrgbClr r="0" g="0" b="0"/>
+      </a:fillRef>
+      <a:effectRef idx="2">
+        <a:scrgbClr r="0" g="0" b="0"/>
+      </a:effectRef>
+      <a:fontRef idx="minor"/>
+    </dgm:style>
+  </dgm:styleLbl>
+  <dgm:styleLbl name="solidFgAcc1">
+    <dgm:scene3d>
+      <a:camera prst="orthographicFront"/>
+      <a:lightRig rig="threePt" dir="t"/>
+    </dgm:scene3d>
+    <dgm:sp3d/>
+    <dgm:txPr/>
+    <dgm:style>
+      <a:lnRef idx="1">
+        <a:scrgbClr r="0" g="0" b="0"/>
+      </a:lnRef>
+      <a:fillRef idx="1">
+        <a:scrgbClr r="0" g="0" b="0"/>
+      </a:fillRef>
+      <a:effectRef idx="2">
+        <a:scrgbClr r="0" g="0" b="0"/>
+      </a:effectRef>
+      <a:fontRef idx="minor"/>
+    </dgm:style>
+  </dgm:styleLbl>
+  <dgm:styleLbl name="solidAlignAcc1">
+    <dgm:scene3d>
+      <a:camera prst="orthographicFront"/>
+      <a:lightRig rig="threePt" dir="t"/>
+    </dgm:scene3d>
+    <dgm:sp3d/>
+    <dgm:txPr/>
+    <dgm:style>
+      <a:lnRef idx="1">
+        <a:scrgbClr r="0" g="0" b="0"/>
+      </a:lnRef>
+      <a:fillRef idx="1">
+        <a:scrgbClr r="0" g="0" b="0"/>
+      </a:fillRef>
+      <a:effectRef idx="3">
+        <a:scrgbClr r="0" g="0" b="0"/>
+      </a:effectRef>
+      <a:fontRef idx="minor"/>
+    </dgm:style>
+  </dgm:styleLbl>
+  <dgm:styleLbl name="solidBgAcc1">
+    <dgm:scene3d>
+      <a:camera prst="orthographicFront"/>
+      <a:lightRig rig="threePt" dir="t"/>
+    </dgm:scene3d>
+    <dgm:sp3d/>
+    <dgm:txPr/>
+    <dgm:style>
+      <a:lnRef idx="1">
+        <a:scrgbClr r="0" g="0" b="0"/>
+      </a:lnRef>
+      <a:fillRef idx="1">
+        <a:scrgbClr r="0" g="0" b="0"/>
+      </a:fillRef>
+      <a:effectRef idx="3">
+        <a:scrgbClr r="0" g="0" b="0"/>
+      </a:effectRef>
+      <a:fontRef idx="minor"/>
+    </dgm:style>
+  </dgm:styleLbl>
+  <dgm:styleLbl name="fgAccFollowNode1">
+    <dgm:scene3d>
+      <a:camera prst="orthographicFront"/>
+      <a:lightRig rig="threePt" dir="t"/>
+    </dgm:scene3d>
+    <dgm:sp3d/>
+    <dgm:txPr/>
+    <dgm:style>
+      <a:lnRef idx="1">
+        <a:scrgbClr r="0" g="0" b="0"/>
+      </a:lnRef>
+      <a:fillRef idx="1">
+        <a:scrgbClr r="0" g="0" b="0"/>
+      </a:fillRef>
+      <a:effectRef idx="2">
+        <a:scrgbClr r="0" g="0" b="0"/>
+      </a:effectRef>
+      <a:fontRef idx="minor"/>
+    </dgm:style>
+  </dgm:styleLbl>
+  <dgm:styleLbl name="alignAccFollowNode1">
+    <dgm:scene3d>
+      <a:camera prst="orthographicFront"/>
+      <a:lightRig rig="threePt" dir="t"/>
+    </dgm:scene3d>
+    <dgm:sp3d/>
+    <dgm:txPr/>
+    <dgm:style>
+      <a:lnRef idx="1">
+        <a:scrgbClr r="0" g="0" b="0"/>
+      </a:lnRef>
+      <a:fillRef idx="1">
+        <a:scrgbClr r="0" g="0" b="0"/>
+      </a:fillRef>
+      <a:effectRef idx="2">
+        <a:scrgbClr r="0" g="0" b="0"/>
+      </a:effectRef>
+      <a:fontRef idx="minor"/>
+    </dgm:style>
+  </dgm:styleLbl>
+  <dgm:styleLbl name="bgAccFollowNode1">
+    <dgm:scene3d>
+      <a:camera prst="orthographicFront"/>
+      <a:lightRig rig="threePt" dir="t"/>
+    </dgm:scene3d>
+    <dgm:sp3d/>
+    <dgm:txPr/>
+    <dgm:style>
+      <a:lnRef idx="1">
+        <a:scrgbClr r="0" g="0" b="0"/>
+      </a:lnRef>
+      <a:fillRef idx="1">
+        <a:scrgbClr r="0" g="0" b="0"/>
+      </a:fillRef>
+      <a:effectRef idx="2">
+        <a:scrgbClr r="0" g="0" b="0"/>
+      </a:effectRef>
+      <a:fontRef idx="minor"/>
+    </dgm:style>
+  </dgm:styleLbl>
+  <dgm:styleLbl name="fgAcc0">
+    <dgm:scene3d>
+      <a:camera prst="orthographicFront"/>
+      <a:lightRig rig="threePt" dir="t"/>
+    </dgm:scene3d>
+    <dgm:sp3d/>
+    <dgm:txPr/>
+    <dgm:style>
+      <a:lnRef idx="1">
+        <a:scrgbClr r="0" g="0" b="0"/>
+      </a:lnRef>
+      <a:fillRef idx="1">
+        <a:scrgbClr r="0" g="0" b="0"/>
+      </a:fillRef>
+      <a:effectRef idx="2">
+        <a:scrgbClr r="0" g="0" b="0"/>
+      </a:effectRef>
+      <a:fontRef idx="minor"/>
+    </dgm:style>
+  </dgm:styleLbl>
+  <dgm:styleLbl name="fgAcc2">
+    <dgm:scene3d>
+      <a:camera prst="orthographicFront"/>
+      <a:lightRig rig="threePt" dir="t"/>
+    </dgm:scene3d>
+    <dgm:sp3d/>
+    <dgm:txPr/>
+    <dgm:style>
+      <a:lnRef idx="1">
+        <a:scrgbClr r="0" g="0" b="0"/>
+      </a:lnRef>
+      <a:fillRef idx="1">
+        <a:scrgbClr r="0" g="0" b="0"/>
+      </a:fillRef>
+      <a:effectRef idx="2">
+        <a:scrgbClr r="0" g="0" b="0"/>
+      </a:effectRef>
+      <a:fontRef idx="minor"/>
+    </dgm:style>
+  </dgm:styleLbl>
+  <dgm:styleLbl name="fgAcc3">
+    <dgm:scene3d>
+      <a:camera prst="orthographicFront"/>
+      <a:lightRig rig="threePt" dir="t"/>
+    </dgm:scene3d>
+    <dgm:sp3d/>
+    <dgm:txPr/>
+    <dgm:style>
+      <a:lnRef idx="1">
+        <a:scrgbClr r="0" g="0" b="0"/>
+      </a:lnRef>
+      <a:fillRef idx="1">
+        <a:scrgbClr r="0" g="0" b="0"/>
+      </a:fillRef>
+      <a:effectRef idx="2">
+        <a:scrgbClr r="0" g="0" b="0"/>
+      </a:effectRef>
+      <a:fontRef idx="minor"/>
+    </dgm:style>
+  </dgm:styleLbl>
+  <dgm:styleLbl name="fgAcc4">
+    <dgm:scene3d>
+      <a:camera prst="orthographicFront"/>
+      <a:lightRig rig="threePt" dir="t"/>
+    </dgm:scene3d>
+    <dgm:sp3d/>
+    <dgm:txPr/>
+    <dgm:style>
+      <a:lnRef idx="1">
+        <a:scrgbClr r="0" g="0" b="0"/>
+      </a:lnRef>
+      <a:fillRef idx="1">
+        <a:scrgbClr r="0" g="0" b="0"/>
+      </a:fillRef>
+      <a:effectRef idx="2">
+        <a:scrgbClr r="0" g="0" b="0"/>
+      </a:effectRef>
+      <a:fontRef idx="minor"/>
+    </dgm:style>
+  </dgm:styleLbl>
+  <dgm:styleLbl name="bgShp">
+    <dgm:scene3d>
+      <a:camera prst="orthographicFront"/>
+      <a:lightRig rig="threePt" dir="t"/>
+    </dgm:scene3d>
+    <dgm:sp3d/>
+    <dgm:txPr/>
+    <dgm:style>
+      <a:lnRef idx="0">
+        <a:scrgbClr r="0" g="0" b="0"/>
+      </a:lnRef>
+      <a:fillRef idx="1">
+        <a:scrgbClr r="0" g="0" b="0"/>
+      </a:fillRef>
+      <a:effectRef idx="2">
+        <a:scrgbClr r="0" g="0" b="0"/>
+      </a:effectRef>
+      <a:fontRef idx="minor"/>
+    </dgm:style>
+  </dgm:styleLbl>
+  <dgm:styleLbl name="dkBgShp">
+    <dgm:scene3d>
+      <a:camera prst="orthographicFront"/>
+      <a:lightRig rig="threePt" dir="t"/>
+    </dgm:scene3d>
+    <dgm:sp3d/>
+    <dgm:txPr/>
+    <dgm:style>
+      <a:lnRef idx="0">
+        <a:scrgbClr r="0" g="0" b="0"/>
+      </a:lnRef>
+      <a:fillRef idx="1">
+        <a:scrgbClr r="0" g="0" b="0"/>
+      </a:fillRef>
+      <a:effectRef idx="3">
+        <a:scrgbClr r="0" g="0" b="0"/>
+      </a:effectRef>
+      <a:fontRef idx="minor"/>
+    </dgm:style>
+  </dgm:styleLbl>
+  <dgm:styleLbl name="trBgShp">
+    <dgm:scene3d>
+      <a:camera prst="orthographicFront"/>
+      <a:lightRig rig="threePt" dir="t"/>
+    </dgm:scene3d>
+    <dgm:sp3d/>
+    <dgm:txPr/>
+    <dgm:style>
+      <a:lnRef idx="0">
+        <a:scrgbClr r="0" g="0" b="0"/>
+      </a:lnRef>
+      <a:fillRef idx="1">
+        <a:scrgbClr r="0" g="0" b="0"/>
+      </a:fillRef>
+      <a:effectRef idx="0">
+        <a:scrgbClr r="0" g="0" b="0"/>
+      </a:effectRef>
+      <a:fontRef idx="minor"/>
+    </dgm:style>
+  </dgm:styleLbl>
+  <dgm:styleLbl name="fgShp">
+    <dgm:scene3d>
+      <a:camera prst="orthographicFront"/>
+      <a:lightRig rig="threePt" dir="t"/>
+    </dgm:scene3d>
+    <dgm:sp3d/>
+    <dgm:txPr/>
+    <dgm:style>
+      <a:lnRef idx="0">
+        <a:scrgbClr r="0" g="0" b="0"/>
+      </a:lnRef>
+      <a:fillRef idx="3">
+        <a:scrgbClr r="0" g="0" b="0"/>
+      </a:fillRef>
+      <a:effectRef idx="3">
+        <a:scrgbClr r="0" g="0" b="0"/>
+      </a:effectRef>
+      <a:fontRef idx="minor"/>
+    </dgm:style>
+  </dgm:styleLbl>
+  <dgm:styleLbl name="revTx">
+    <dgm:scene3d>
+      <a:camera prst="orthographicFront"/>
+      <a:lightRig rig="threePt" dir="t"/>
+    </dgm:scene3d>
+    <dgm:sp3d/>
+    <dgm:txPr/>
+    <dgm:style>
+      <a:lnRef idx="0">
+        <a:scrgbClr r="0" g="0" b="0"/>
+      </a:lnRef>
+      <a:fillRef idx="0">
+        <a:scrgbClr r="0" g="0" b="0"/>
+      </a:fillRef>
+      <a:effectRef idx="0">
+        <a:scrgbClr r="0" g="0" b="0"/>
+      </a:effectRef>
+      <a:fontRef idx="minor"/>
+    </dgm:style>
+  </dgm:styleLbl>
+</dgm:styleDef>
+</file>
+
 <file path=ppt/notesMasters/notesMaster1.xml><?xml version="1.0" encoding="utf-8"?>
 <p:notesMaster xmlns:a="http://schemas.openxmlformats.org/drawingml/2006/main" xmlns:r="http://schemas.openxmlformats.org/officeDocument/2006/relationships" xmlns:p="http://schemas.openxmlformats.org/presentationml/2006/main">
   <p:cSld>
@@ -5138,7 +8965,7 @@
           <a:p>
             <a:fld id="{11472842-1580-4E2C-A4E0-1474F4390AED}" type="slidenum">
               <a:rPr lang="en-US" smtClean="0"/>
-              <a:t>19</a:t>
+              <a:t>20</a:t>
             </a:fld>
             <a:endParaRPr lang="en-US" dirty="0"/>
           </a:p>
@@ -5227,7 +9054,7 @@
           <a:p>
             <a:fld id="{11472842-1580-4E2C-A4E0-1474F4390AED}" type="slidenum">
               <a:rPr lang="en-US" smtClean="0"/>
-              <a:t>20</a:t>
+              <a:t>21</a:t>
             </a:fld>
             <a:endParaRPr lang="en-US" dirty="0"/>
           </a:p>
@@ -8108,8 +11935,8 @@
         </p:nvSpPr>
         <p:spPr>
           <a:xfrm>
-            <a:off x="1029267" y="1697653"/>
-            <a:ext cx="7085466" cy="523220"/>
+            <a:off x="1915910" y="1604347"/>
+            <a:ext cx="5144229" cy="954107"/>
           </a:xfrm>
           <a:prstGeom prst="rect">
             <a:avLst/>
@@ -8124,7 +11951,14 @@
           <a:p>
             <a:r>
               <a:rPr lang="en-US" sz="2800" b="1" dirty="0"/>
-              <a:t>Wind and Solar Energy Modeling and Analysis </a:t>
+              <a:t>Wind and Solar Energy Resources</a:t>
+            </a:r>
+          </a:p>
+          <a:p>
+            <a:pPr algn="ctr"/>
+            <a:r>
+              <a:rPr lang="en-US" sz="2800" b="1" dirty="0"/>
+              <a:t>Modeling and Analysis </a:t>
             </a:r>
           </a:p>
         </p:txBody>
@@ -8144,7 +11978,7 @@
         <p:spPr>
           <a:xfrm>
             <a:off x="2202025" y="3014590"/>
-            <a:ext cx="4572000" cy="2308324"/>
+            <a:ext cx="4572000" cy="2031325"/>
           </a:xfrm>
           <a:prstGeom prst="rect">
             <a:avLst/>
@@ -8178,18 +12012,14 @@
           </a:p>
           <a:p>
             <a:pPr algn="ctr"/>
-            <a:endParaRPr lang="en-US" dirty="0"/>
+            <a:r>
+              <a:rPr lang="en-US" dirty="0"/>
+              <a:t>The University of North Carolina at Charlotte</a:t>
+            </a:r>
           </a:p>
           <a:p>
             <a:pPr algn="ctr"/>
             <a:endParaRPr lang="en-US" dirty="0"/>
-          </a:p>
-          <a:p>
-            <a:pPr algn="ctr"/>
-            <a:r>
-              <a:rPr lang="en-US" dirty="0"/>
-              <a:t>The University of North Carolina at Charlotte</a:t>
-            </a:r>
           </a:p>
           <a:p>
             <a:pPr algn="ctr"/>
@@ -8431,6 +12261,668 @@
           </a:p>
         </p:txBody>
       </p:sp>
+      <p:pic>
+        <p:nvPicPr>
+          <p:cNvPr id="9" name="Picture 8">
+            <a:extLst>
+              <a:ext uri="{FF2B5EF4-FFF2-40B4-BE49-F238E27FC236}">
+                <a16:creationId xmlns:a16="http://schemas.microsoft.com/office/drawing/2014/main" id="{083E2912-5E65-4725-8A4A-D5CB0C7EC27F}"/>
+              </a:ext>
+            </a:extLst>
+          </p:cNvPr>
+          <p:cNvPicPr>
+            <a:picLocks noChangeAspect="1"/>
+          </p:cNvPicPr>
+          <p:nvPr/>
+        </p:nvPicPr>
+        <p:blipFill>
+          <a:blip r:embed="rId2"/>
+          <a:stretch>
+            <a:fillRect/>
+          </a:stretch>
+        </p:blipFill>
+        <p:spPr>
+          <a:xfrm>
+            <a:off x="0" y="744745"/>
+            <a:ext cx="4480560" cy="2524358"/>
+          </a:xfrm>
+          <a:prstGeom prst="rect">
+            <a:avLst/>
+          </a:prstGeom>
+        </p:spPr>
+      </p:pic>
+      <p:pic>
+        <p:nvPicPr>
+          <p:cNvPr id="10" name="Picture 9">
+            <a:extLst>
+              <a:ext uri="{FF2B5EF4-FFF2-40B4-BE49-F238E27FC236}">
+                <a16:creationId xmlns:a16="http://schemas.microsoft.com/office/drawing/2014/main" id="{521924C2-9CD1-45D8-886D-C297BC6FF8F5}"/>
+              </a:ext>
+            </a:extLst>
+          </p:cNvPr>
+          <p:cNvPicPr>
+            <a:picLocks noChangeAspect="1"/>
+          </p:cNvPicPr>
+          <p:nvPr/>
+        </p:nvPicPr>
+        <p:blipFill>
+          <a:blip r:embed="rId3"/>
+          <a:stretch>
+            <a:fillRect/>
+          </a:stretch>
+        </p:blipFill>
+        <p:spPr>
+          <a:xfrm>
+            <a:off x="0" y="3831992"/>
+            <a:ext cx="4480560" cy="2524359"/>
+          </a:xfrm>
+          <a:prstGeom prst="rect">
+            <a:avLst/>
+          </a:prstGeom>
+        </p:spPr>
+      </p:pic>
+      <p:pic>
+        <p:nvPicPr>
+          <p:cNvPr id="11" name="Picture 10">
+            <a:extLst>
+              <a:ext uri="{FF2B5EF4-FFF2-40B4-BE49-F238E27FC236}">
+                <a16:creationId xmlns:a16="http://schemas.microsoft.com/office/drawing/2014/main" id="{48588986-E906-4136-B54B-603A5CAB1915}"/>
+              </a:ext>
+            </a:extLst>
+          </p:cNvPr>
+          <p:cNvPicPr>
+            <a:picLocks noChangeAspect="1"/>
+          </p:cNvPicPr>
+          <p:nvPr/>
+        </p:nvPicPr>
+        <p:blipFill>
+          <a:blip r:embed="rId4"/>
+          <a:stretch>
+            <a:fillRect/>
+          </a:stretch>
+        </p:blipFill>
+        <p:spPr>
+          <a:xfrm>
+            <a:off x="4663440" y="751754"/>
+            <a:ext cx="4480560" cy="2524359"/>
+          </a:xfrm>
+          <a:prstGeom prst="rect">
+            <a:avLst/>
+          </a:prstGeom>
+        </p:spPr>
+      </p:pic>
+      <p:pic>
+        <p:nvPicPr>
+          <p:cNvPr id="12" name="Picture 11">
+            <a:extLst>
+              <a:ext uri="{FF2B5EF4-FFF2-40B4-BE49-F238E27FC236}">
+                <a16:creationId xmlns:a16="http://schemas.microsoft.com/office/drawing/2014/main" id="{9C55AAD8-C817-47CE-BA77-721778A253C0}"/>
+              </a:ext>
+            </a:extLst>
+          </p:cNvPr>
+          <p:cNvPicPr>
+            <a:picLocks noChangeAspect="1"/>
+          </p:cNvPicPr>
+          <p:nvPr/>
+        </p:nvPicPr>
+        <p:blipFill>
+          <a:blip r:embed="rId5"/>
+          <a:stretch>
+            <a:fillRect/>
+          </a:stretch>
+        </p:blipFill>
+        <p:spPr>
+          <a:xfrm>
+            <a:off x="4663440" y="3831992"/>
+            <a:ext cx="4480560" cy="2524359"/>
+          </a:xfrm>
+          <a:prstGeom prst="rect">
+            <a:avLst/>
+          </a:prstGeom>
+        </p:spPr>
+      </p:pic>
+      <p:sp>
+        <p:nvSpPr>
+          <p:cNvPr id="15" name="Rectangle 14">
+            <a:extLst>
+              <a:ext uri="{FF2B5EF4-FFF2-40B4-BE49-F238E27FC236}">
+                <a16:creationId xmlns:a16="http://schemas.microsoft.com/office/drawing/2014/main" id="{88454873-0E08-4851-BC5F-5482392BA648}"/>
+              </a:ext>
+            </a:extLst>
+          </p:cNvPr>
+          <p:cNvSpPr/>
+          <p:nvPr/>
+        </p:nvSpPr>
+        <p:spPr>
+          <a:xfrm>
+            <a:off x="1622490" y="462704"/>
+            <a:ext cx="5901613" cy="369332"/>
+          </a:xfrm>
+          <a:prstGeom prst="rect">
+            <a:avLst/>
+          </a:prstGeom>
+        </p:spPr>
+        <p:txBody>
+          <a:bodyPr wrap="square">
+            <a:spAutoFit/>
+          </a:bodyPr>
+          <a:lstStyle/>
+          <a:p>
+            <a:pPr algn="ctr"/>
+            <a:r>
+              <a:rPr lang="en-US" dirty="0"/>
+              <a:t>Probability density distribution of wind power </a:t>
+            </a:r>
+          </a:p>
+        </p:txBody>
+      </p:sp>
+      <mc:AlternateContent xmlns:mc="http://schemas.openxmlformats.org/markup-compatibility/2006" xmlns:a14="http://schemas.microsoft.com/office/drawing/2010/main">
+        <mc:Choice Requires="a14">
+          <p:sp>
+            <p:nvSpPr>
+              <p:cNvPr id="14" name="TextBox 13">
+                <a:extLst>
+                  <a:ext uri="{FF2B5EF4-FFF2-40B4-BE49-F238E27FC236}">
+                    <a16:creationId xmlns:a16="http://schemas.microsoft.com/office/drawing/2014/main" id="{D75B130C-55D6-4493-92CD-0738B2B05AD0}"/>
+                  </a:ext>
+                </a:extLst>
+              </p:cNvPr>
+              <p:cNvSpPr txBox="1"/>
+              <p:nvPr/>
+            </p:nvSpPr>
+            <p:spPr>
+              <a:xfrm>
+                <a:off x="6457950" y="3224607"/>
+                <a:ext cx="1478679" cy="576183"/>
+              </a:xfrm>
+              <a:prstGeom prst="rect">
+                <a:avLst/>
+              </a:prstGeom>
+            </p:spPr>
+            <p:style>
+              <a:lnRef idx="2">
+                <a:schemeClr val="accent1"/>
+              </a:lnRef>
+              <a:fillRef idx="1">
+                <a:schemeClr val="lt1"/>
+              </a:fillRef>
+              <a:effectRef idx="0">
+                <a:schemeClr val="accent1"/>
+              </a:effectRef>
+              <a:fontRef idx="minor">
+                <a:schemeClr val="dk1"/>
+              </a:fontRef>
+            </p:style>
+            <p:txBody>
+              <a:bodyPr wrap="square" lIns="0" tIns="0" rIns="0" bIns="0" rtlCol="0">
+                <a:spAutoFit/>
+              </a:bodyPr>
+              <a:lstStyle/>
+              <a:p>
+                <a:pPr/>
+                <a14:m>
+                  <m:oMathPara xmlns:m="http://schemas.openxmlformats.org/officeDocument/2006/math">
+                    <m:oMathParaPr>
+                      <m:jc m:val="centerGroup"/>
+                    </m:oMathParaPr>
+                    <m:oMath xmlns:m="http://schemas.openxmlformats.org/officeDocument/2006/math">
+                      <m:r>
+                        <a:rPr lang="en-US" sz="2000" b="0" i="1" smtClean="0">
+                          <a:solidFill>
+                            <a:sysClr val="windowText" lastClr="000000"/>
+                          </a:solidFill>
+                          <a:latin typeface="Cambria Math" panose="02040503050406030204" pitchFamily="18" charset="0"/>
+                        </a:rPr>
+                        <m:t>𝑃𝑤</m:t>
+                      </m:r>
+                      <m:r>
+                        <a:rPr lang="en-US" sz="2000" b="0" i="1" smtClean="0">
+                          <a:solidFill>
+                            <a:sysClr val="windowText" lastClr="000000"/>
+                          </a:solidFill>
+                          <a:latin typeface="Cambria Math" panose="02040503050406030204" pitchFamily="18" charset="0"/>
+                        </a:rPr>
+                        <m:t>=</m:t>
+                      </m:r>
+                      <m:f>
+                        <m:fPr>
+                          <m:ctrlPr>
+                            <a:rPr lang="en-US" sz="2000" b="0" i="1" smtClean="0">
+                              <a:solidFill>
+                                <a:sysClr val="windowText" lastClr="000000"/>
+                              </a:solidFill>
+                              <a:latin typeface="Cambria Math" panose="02040503050406030204" pitchFamily="18" charset="0"/>
+                            </a:rPr>
+                          </m:ctrlPr>
+                        </m:fPr>
+                        <m:num>
+                          <m:r>
+                            <a:rPr lang="en-US" sz="2000" b="0" i="1" smtClean="0">
+                              <a:solidFill>
+                                <a:sysClr val="windowText" lastClr="000000"/>
+                              </a:solidFill>
+                              <a:latin typeface="Cambria Math" panose="02040503050406030204" pitchFamily="18" charset="0"/>
+                            </a:rPr>
+                            <m:t>1</m:t>
+                          </m:r>
+                        </m:num>
+                        <m:den>
+                          <m:r>
+                            <a:rPr lang="en-US" sz="2000" b="0" i="1" smtClean="0">
+                              <a:solidFill>
+                                <a:sysClr val="windowText" lastClr="000000"/>
+                              </a:solidFill>
+                              <a:latin typeface="Cambria Math" panose="02040503050406030204" pitchFamily="18" charset="0"/>
+                            </a:rPr>
+                            <m:t>2</m:t>
+                          </m:r>
+                        </m:den>
+                      </m:f>
+                      <m:r>
+                        <a:rPr lang="en-US" sz="2000" b="0" i="1" smtClean="0">
+                          <a:solidFill>
+                            <a:sysClr val="windowText" lastClr="000000"/>
+                          </a:solidFill>
+                          <a:latin typeface="Cambria Math" panose="02040503050406030204" pitchFamily="18" charset="0"/>
+                          <a:ea typeface="Cambria Math" panose="02040503050406030204" pitchFamily="18" charset="0"/>
+                        </a:rPr>
+                        <m:t>𝜌</m:t>
+                      </m:r>
+                      <m:r>
+                        <a:rPr lang="en-US" sz="2000" b="0" i="1" smtClean="0">
+                          <a:solidFill>
+                            <a:sysClr val="windowText" lastClr="000000"/>
+                          </a:solidFill>
+                          <a:latin typeface="Cambria Math" panose="02040503050406030204" pitchFamily="18" charset="0"/>
+                        </a:rPr>
+                        <m:t>𝐴</m:t>
+                      </m:r>
+                      <m:sSup>
+                        <m:sSupPr>
+                          <m:ctrlPr>
+                            <a:rPr lang="en-US" sz="2000" i="1" smtClean="0">
+                              <a:solidFill>
+                                <a:sysClr val="windowText" lastClr="000000"/>
+                              </a:solidFill>
+                              <a:latin typeface="Cambria Math" panose="02040503050406030204" pitchFamily="18" charset="0"/>
+                            </a:rPr>
+                          </m:ctrlPr>
+                        </m:sSupPr>
+                        <m:e>
+                          <m:r>
+                            <a:rPr lang="en-US" sz="2000" b="0" i="1" smtClean="0">
+                              <a:solidFill>
+                                <a:sysClr val="windowText" lastClr="000000"/>
+                              </a:solidFill>
+                              <a:latin typeface="Cambria Math" panose="02040503050406030204" pitchFamily="18" charset="0"/>
+                            </a:rPr>
+                            <m:t>𝑣</m:t>
+                          </m:r>
+                        </m:e>
+                        <m:sup>
+                          <m:r>
+                            <a:rPr lang="en-US" sz="2000" b="0" i="1" smtClean="0">
+                              <a:solidFill>
+                                <a:sysClr val="windowText" lastClr="000000"/>
+                              </a:solidFill>
+                              <a:latin typeface="Cambria Math" panose="02040503050406030204" pitchFamily="18" charset="0"/>
+                            </a:rPr>
+                            <m:t>3</m:t>
+                          </m:r>
+                        </m:sup>
+                      </m:sSup>
+                    </m:oMath>
+                  </m:oMathPara>
+                </a14:m>
+                <a:endParaRPr lang="en-US" sz="2000" dirty="0">
+                  <a:solidFill>
+                    <a:sysClr val="windowText" lastClr="000000"/>
+                  </a:solidFill>
+                </a:endParaRPr>
+              </a:p>
+            </p:txBody>
+          </p:sp>
+        </mc:Choice>
+        <mc:Fallback xmlns="">
+          <p:sp>
+            <p:nvSpPr>
+              <p:cNvPr id="14" name="TextBox 13">
+                <a:extLst>
+                  <a:ext uri="{FF2B5EF4-FFF2-40B4-BE49-F238E27FC236}">
+                    <a16:creationId xmlns:a16="http://schemas.microsoft.com/office/drawing/2014/main" id="{D75B130C-55D6-4493-92CD-0738B2B05AD0}"/>
+                  </a:ext>
+                </a:extLst>
+              </p:cNvPr>
+              <p:cNvSpPr txBox="1">
+                <a:spLocks noRot="1" noChangeAspect="1" noMove="1" noResize="1" noEditPoints="1" noAdjustHandles="1" noChangeArrowheads="1" noChangeShapeType="1" noTextEdit="1"/>
+              </p:cNvSpPr>
+              <p:nvPr/>
+            </p:nvSpPr>
+            <p:spPr>
+              <a:xfrm>
+                <a:off x="6457950" y="3224607"/>
+                <a:ext cx="1478679" cy="576183"/>
+              </a:xfrm>
+              <a:prstGeom prst="rect">
+                <a:avLst/>
+              </a:prstGeom>
+              <a:blipFill>
+                <a:blip r:embed="rId6"/>
+                <a:stretch>
+                  <a:fillRect/>
+                </a:stretch>
+              </a:blipFill>
+            </p:spPr>
+            <p:txBody>
+              <a:bodyPr/>
+              <a:lstStyle/>
+              <a:p>
+                <a:r>
+                  <a:rPr lang="en-US">
+                    <a:noFill/>
+                  </a:rPr>
+                  <a:t> </a:t>
+                </a:r>
+              </a:p>
+            </p:txBody>
+          </p:sp>
+        </mc:Fallback>
+      </mc:AlternateContent>
+      <p:sp>
+        <p:nvSpPr>
+          <p:cNvPr id="16" name="Rectangle 15">
+            <a:extLst>
+              <a:ext uri="{FF2B5EF4-FFF2-40B4-BE49-F238E27FC236}">
+                <a16:creationId xmlns:a16="http://schemas.microsoft.com/office/drawing/2014/main" id="{CBB407A2-5605-461E-8DED-644CB9BEE7B5}"/>
+              </a:ext>
+            </a:extLst>
+          </p:cNvPr>
+          <p:cNvSpPr/>
+          <p:nvPr/>
+        </p:nvSpPr>
+        <p:spPr>
+          <a:xfrm>
+            <a:off x="1359211" y="3224607"/>
+            <a:ext cx="5046253" cy="646331"/>
+          </a:xfrm>
+          <a:prstGeom prst="rect">
+            <a:avLst/>
+          </a:prstGeom>
+        </p:spPr>
+        <p:txBody>
+          <a:bodyPr wrap="square">
+            <a:spAutoFit/>
+          </a:bodyPr>
+          <a:lstStyle/>
+          <a:p>
+            <a:r>
+              <a:rPr lang="en-US" dirty="0"/>
+              <a:t>Considering other parameters such as air pressure, temperature and density at the given height=100m </a:t>
+            </a:r>
+          </a:p>
+        </p:txBody>
+      </p:sp>
+      <p:sp>
+        <p:nvSpPr>
+          <p:cNvPr id="18" name="Rectangle 17">
+            <a:extLst>
+              <a:ext uri="{FF2B5EF4-FFF2-40B4-BE49-F238E27FC236}">
+                <a16:creationId xmlns:a16="http://schemas.microsoft.com/office/drawing/2014/main" id="{C5B8727E-659D-4B3F-A143-CCBF8188B923}"/>
+              </a:ext>
+            </a:extLst>
+          </p:cNvPr>
+          <p:cNvSpPr/>
+          <p:nvPr/>
+        </p:nvSpPr>
+        <p:spPr>
+          <a:xfrm>
+            <a:off x="2969815" y="88599"/>
+            <a:ext cx="3374898" cy="369332"/>
+          </a:xfrm>
+          <a:prstGeom prst="rect">
+            <a:avLst/>
+          </a:prstGeom>
+        </p:spPr>
+        <p:txBody>
+          <a:bodyPr wrap="none">
+            <a:spAutoFit/>
+          </a:bodyPr>
+          <a:lstStyle/>
+          <a:p>
+            <a:r>
+              <a:rPr lang="en-US" b="1" dirty="0"/>
+              <a:t>Wind Energy Resources Modeling</a:t>
+            </a:r>
+          </a:p>
+        </p:txBody>
+      </p:sp>
+    </p:spTree>
+    <p:extLst>
+      <p:ext uri="{BB962C8B-B14F-4D97-AF65-F5344CB8AC3E}">
+        <p14:creationId xmlns:p14="http://schemas.microsoft.com/office/powerpoint/2010/main" val="1543804401"/>
+      </p:ext>
+    </p:extLst>
+  </p:cSld>
+  <p:clrMapOvr>
+    <a:masterClrMapping/>
+  </p:clrMapOvr>
+</p:sld>
+</file>
+
+<file path=ppt/slides/slide11.xml><?xml version="1.0" encoding="utf-8"?>
+<p:sld xmlns:a="http://schemas.openxmlformats.org/drawingml/2006/main" xmlns:r="http://schemas.openxmlformats.org/officeDocument/2006/relationships" xmlns:p="http://schemas.openxmlformats.org/presentationml/2006/main">
+  <p:cSld>
+    <p:spTree>
+      <p:nvGrpSpPr>
+        <p:cNvPr id="1" name=""/>
+        <p:cNvGrpSpPr/>
+        <p:nvPr/>
+      </p:nvGrpSpPr>
+      <p:grpSpPr>
+        <a:xfrm>
+          <a:off x="0" y="0"/>
+          <a:ext cx="0" cy="0"/>
+          <a:chOff x="0" y="0"/>
+          <a:chExt cx="0" cy="0"/>
+        </a:xfrm>
+      </p:grpSpPr>
+      <p:sp>
+        <p:nvSpPr>
+          <p:cNvPr id="5" name="TextBox 4">
+            <a:extLst>
+              <a:ext uri="{FF2B5EF4-FFF2-40B4-BE49-F238E27FC236}">
+                <a16:creationId xmlns:a16="http://schemas.microsoft.com/office/drawing/2014/main" id="{B4E0BA46-F2AB-4FF3-8521-235972F3EE53}"/>
+              </a:ext>
+            </a:extLst>
+          </p:cNvPr>
+          <p:cNvSpPr txBox="1"/>
+          <p:nvPr/>
+        </p:nvSpPr>
+        <p:spPr>
+          <a:xfrm>
+            <a:off x="9081" y="414358"/>
+            <a:ext cx="1442061" cy="369332"/>
+          </a:xfrm>
+          <a:prstGeom prst="rect">
+            <a:avLst/>
+          </a:prstGeom>
+          <a:noFill/>
+        </p:spPr>
+        <p:txBody>
+          <a:bodyPr wrap="none" rtlCol="0">
+            <a:spAutoFit/>
+          </a:bodyPr>
+          <a:lstStyle/>
+          <a:p>
+            <a:r>
+              <a:rPr lang="en-US" dirty="0"/>
+              <a:t>Charlotte, NC</a:t>
+            </a:r>
+          </a:p>
+        </p:txBody>
+      </p:sp>
+      <p:sp>
+        <p:nvSpPr>
+          <p:cNvPr id="2" name="Date Placeholder 1">
+            <a:extLst>
+              <a:ext uri="{FF2B5EF4-FFF2-40B4-BE49-F238E27FC236}">
+                <a16:creationId xmlns:a16="http://schemas.microsoft.com/office/drawing/2014/main" id="{E5C7501F-05AD-4696-A094-872D500C6BEE}"/>
+              </a:ext>
+            </a:extLst>
+          </p:cNvPr>
+          <p:cNvSpPr>
+            <a:spLocks noGrp="1"/>
+          </p:cNvSpPr>
+          <p:nvPr>
+            <p:ph type="dt" sz="half" idx="10"/>
+          </p:nvPr>
+        </p:nvSpPr>
+        <p:spPr/>
+        <p:txBody>
+          <a:bodyPr/>
+          <a:lstStyle/>
+          <a:p>
+            <a:r>
+              <a:rPr lang="en-US"/>
+              <a:t>8/6/2019</a:t>
+            </a:r>
+          </a:p>
+        </p:txBody>
+      </p:sp>
+      <p:sp>
+        <p:nvSpPr>
+          <p:cNvPr id="4" name="Slide Number Placeholder 3">
+            <a:extLst>
+              <a:ext uri="{FF2B5EF4-FFF2-40B4-BE49-F238E27FC236}">
+                <a16:creationId xmlns:a16="http://schemas.microsoft.com/office/drawing/2014/main" id="{025CB2AE-DF2C-4873-8659-B4DBC48FA091}"/>
+              </a:ext>
+            </a:extLst>
+          </p:cNvPr>
+          <p:cNvSpPr>
+            <a:spLocks noGrp="1"/>
+          </p:cNvSpPr>
+          <p:nvPr>
+            <p:ph type="sldNum" sz="quarter" idx="12"/>
+          </p:nvPr>
+        </p:nvSpPr>
+        <p:spPr/>
+        <p:txBody>
+          <a:bodyPr/>
+          <a:lstStyle/>
+          <a:p>
+            <a:fld id="{564B1479-74DF-4380-85F6-AB0A2FFC7165}" type="slidenum">
+              <a:rPr lang="en-US" smtClean="0"/>
+              <a:t>11</a:t>
+            </a:fld>
+            <a:endParaRPr lang="en-US"/>
+          </a:p>
+        </p:txBody>
+      </p:sp>
+      <p:sp>
+        <p:nvSpPr>
+          <p:cNvPr id="6" name="TextBox 5">
+            <a:extLst>
+              <a:ext uri="{FF2B5EF4-FFF2-40B4-BE49-F238E27FC236}">
+                <a16:creationId xmlns:a16="http://schemas.microsoft.com/office/drawing/2014/main" id="{E112157D-BCF0-4D0F-A7E0-DFEF5BE70AD6}"/>
+              </a:ext>
+            </a:extLst>
+          </p:cNvPr>
+          <p:cNvSpPr txBox="1"/>
+          <p:nvPr/>
+        </p:nvSpPr>
+        <p:spPr>
+          <a:xfrm>
+            <a:off x="7854554" y="414358"/>
+            <a:ext cx="1277914" cy="369332"/>
+          </a:xfrm>
+          <a:prstGeom prst="rect">
+            <a:avLst/>
+          </a:prstGeom>
+          <a:noFill/>
+        </p:spPr>
+        <p:txBody>
+          <a:bodyPr wrap="none" rtlCol="0">
+            <a:spAutoFit/>
+          </a:bodyPr>
+          <a:lstStyle/>
+          <a:p>
+            <a:r>
+              <a:rPr lang="en-US" dirty="0"/>
+              <a:t>Boston, MA</a:t>
+            </a:r>
+          </a:p>
+        </p:txBody>
+      </p:sp>
+      <p:sp>
+        <p:nvSpPr>
+          <p:cNvPr id="7" name="TextBox 6">
+            <a:extLst>
+              <a:ext uri="{FF2B5EF4-FFF2-40B4-BE49-F238E27FC236}">
+                <a16:creationId xmlns:a16="http://schemas.microsoft.com/office/drawing/2014/main" id="{E40C0CC0-7365-4486-8B1B-25B557616A28}"/>
+              </a:ext>
+            </a:extLst>
+          </p:cNvPr>
+          <p:cNvSpPr txBox="1"/>
+          <p:nvPr/>
+        </p:nvSpPr>
+        <p:spPr>
+          <a:xfrm>
+            <a:off x="17742" y="3501606"/>
+            <a:ext cx="1288110" cy="369332"/>
+          </a:xfrm>
+          <a:prstGeom prst="rect">
+            <a:avLst/>
+          </a:prstGeom>
+          <a:noFill/>
+        </p:spPr>
+        <p:txBody>
+          <a:bodyPr wrap="none" rtlCol="0">
+            <a:spAutoFit/>
+          </a:bodyPr>
+          <a:lstStyle/>
+          <a:p>
+            <a:r>
+              <a:rPr lang="en-US" dirty="0"/>
+              <a:t>Boulder, CO</a:t>
+            </a:r>
+          </a:p>
+        </p:txBody>
+      </p:sp>
+      <p:sp>
+        <p:nvSpPr>
+          <p:cNvPr id="8" name="TextBox 7">
+            <a:extLst>
+              <a:ext uri="{FF2B5EF4-FFF2-40B4-BE49-F238E27FC236}">
+                <a16:creationId xmlns:a16="http://schemas.microsoft.com/office/drawing/2014/main" id="{3AF726A4-22D6-45EF-8FCD-2DFD023ADE74}"/>
+              </a:ext>
+            </a:extLst>
+          </p:cNvPr>
+          <p:cNvSpPr txBox="1"/>
+          <p:nvPr/>
+        </p:nvSpPr>
+        <p:spPr>
+          <a:xfrm>
+            <a:off x="7951851" y="3501606"/>
+            <a:ext cx="1186672" cy="369332"/>
+          </a:xfrm>
+          <a:prstGeom prst="rect">
+            <a:avLst/>
+          </a:prstGeom>
+          <a:noFill/>
+        </p:spPr>
+        <p:txBody>
+          <a:bodyPr wrap="none" rtlCol="0">
+            <a:spAutoFit/>
+          </a:bodyPr>
+          <a:lstStyle/>
+          <a:p>
+            <a:r>
+              <a:rPr lang="en-US" dirty="0"/>
+              <a:t>Tucson, AZ</a:t>
+            </a:r>
+          </a:p>
+        </p:txBody>
+      </p:sp>
       <p:graphicFrame>
         <p:nvGraphicFramePr>
           <p:cNvPr id="12" name="Table 11">
@@ -17921,7 +22413,7 @@
         </p:nvSpPr>
         <p:spPr>
           <a:xfrm>
-            <a:off x="3306993" y="440485"/>
+            <a:off x="3490478" y="443411"/>
             <a:ext cx="2324739" cy="646331"/>
           </a:xfrm>
           <a:prstGeom prst="rect">
@@ -18453,10 +22945,10 @@
       </mc:AlternateContent>
       <p:sp>
         <p:nvSpPr>
-          <p:cNvPr id="17" name="Rectangle 16">
+          <p:cNvPr id="20" name="Rectangle 19">
             <a:extLst>
               <a:ext uri="{FF2B5EF4-FFF2-40B4-BE49-F238E27FC236}">
-                <a16:creationId xmlns:a16="http://schemas.microsoft.com/office/drawing/2014/main" id="{8CFE2D30-62D0-4ACB-980A-051FAB332C9A}"/>
+                <a16:creationId xmlns:a16="http://schemas.microsoft.com/office/drawing/2014/main" id="{FAD441C3-EBD4-4DAD-A006-C03C6A43E655}"/>
               </a:ext>
             </a:extLst>
           </p:cNvPr>
@@ -18465,8 +22957,8 @@
         </p:nvSpPr>
         <p:spPr>
           <a:xfrm>
-            <a:off x="3464338" y="101518"/>
-            <a:ext cx="2413353" cy="369332"/>
+            <a:off x="2969815" y="88599"/>
+            <a:ext cx="3374898" cy="369332"/>
           </a:xfrm>
           <a:prstGeom prst="rect">
             <a:avLst/>
@@ -18480,7 +22972,7 @@
           <a:p>
             <a:r>
               <a:rPr lang="en-US" b="1" dirty="0"/>
-              <a:t>Wind Energy Modeling</a:t>
+              <a:t>Wind Energy Resources Modeling</a:t>
             </a:r>
           </a:p>
         </p:txBody>
@@ -18498,7 +22990,7 @@
 </p:sld>
 </file>
 
-<file path=ppt/slides/slide11.xml><?xml version="1.0" encoding="utf-8"?>
+<file path=ppt/slides/slide12.xml><?xml version="1.0" encoding="utf-8"?>
 <p:sld xmlns:a="http://schemas.openxmlformats.org/drawingml/2006/main" xmlns:r="http://schemas.openxmlformats.org/officeDocument/2006/relationships" xmlns:p="http://schemas.openxmlformats.org/presentationml/2006/main">
   <p:cSld>
     <p:spTree>
@@ -18566,7 +23058,7 @@
           <a:p>
             <a:fld id="{564B1479-74DF-4380-85F6-AB0A2FFC7165}" type="slidenum">
               <a:rPr lang="en-US" smtClean="0"/>
-              <a:t>11</a:t>
+              <a:t>12</a:t>
             </a:fld>
             <a:endParaRPr lang="en-US"/>
           </a:p>
@@ -18586,7 +23078,7 @@
         </p:nvSpPr>
         <p:spPr>
           <a:xfrm>
-            <a:off x="3306993" y="440485"/>
+            <a:off x="3488940" y="389167"/>
             <a:ext cx="2324739" cy="646331"/>
           </a:xfrm>
           <a:prstGeom prst="rect">
@@ -21053,10 +25545,10 @@
       </p:graphicFrame>
       <p:sp>
         <p:nvSpPr>
-          <p:cNvPr id="10" name="Rectangle 9">
+          <p:cNvPr id="13" name="Rectangle 12">
             <a:extLst>
               <a:ext uri="{FF2B5EF4-FFF2-40B4-BE49-F238E27FC236}">
-                <a16:creationId xmlns:a16="http://schemas.microsoft.com/office/drawing/2014/main" id="{8CD91562-ECCC-433E-BEF7-DCCC8C3D8DC2}"/>
+                <a16:creationId xmlns:a16="http://schemas.microsoft.com/office/drawing/2014/main" id="{51041618-724F-4E40-83B2-49D2FE5B88FC}"/>
               </a:ext>
             </a:extLst>
           </p:cNvPr>
@@ -21065,8 +25557,8 @@
         </p:nvSpPr>
         <p:spPr>
           <a:xfrm>
-            <a:off x="3464338" y="101518"/>
-            <a:ext cx="2413353" cy="369332"/>
+            <a:off x="2969815" y="88599"/>
+            <a:ext cx="3374898" cy="369332"/>
           </a:xfrm>
           <a:prstGeom prst="rect">
             <a:avLst/>
@@ -21080,7 +25572,7 @@
           <a:p>
             <a:r>
               <a:rPr lang="en-US" b="1" dirty="0"/>
-              <a:t>Wind Energy Modeling</a:t>
+              <a:t>Wind Energy Resources Modeling</a:t>
             </a:r>
           </a:p>
         </p:txBody>
@@ -21089,398 +25581,6 @@
     <p:extLst>
       <p:ext uri="{BB962C8B-B14F-4D97-AF65-F5344CB8AC3E}">
         <p14:creationId xmlns:p14="http://schemas.microsoft.com/office/powerpoint/2010/main" val="3866471599"/>
-      </p:ext>
-    </p:extLst>
-  </p:cSld>
-  <p:clrMapOvr>
-    <a:masterClrMapping/>
-  </p:clrMapOvr>
-</p:sld>
-</file>
-
-<file path=ppt/slides/slide12.xml><?xml version="1.0" encoding="utf-8"?>
-<p:sld xmlns:a="http://schemas.openxmlformats.org/drawingml/2006/main" xmlns:r="http://schemas.openxmlformats.org/officeDocument/2006/relationships" xmlns:p="http://schemas.openxmlformats.org/presentationml/2006/main">
-  <p:cSld>
-    <p:spTree>
-      <p:nvGrpSpPr>
-        <p:cNvPr id="1" name=""/>
-        <p:cNvGrpSpPr/>
-        <p:nvPr/>
-      </p:nvGrpSpPr>
-      <p:grpSpPr>
-        <a:xfrm>
-          <a:off x="0" y="0"/>
-          <a:ext cx="0" cy="0"/>
-          <a:chOff x="0" y="0"/>
-          <a:chExt cx="0" cy="0"/>
-        </a:xfrm>
-      </p:grpSpPr>
-      <p:sp>
-        <p:nvSpPr>
-          <p:cNvPr id="2" name="Date Placeholder 1">
-            <a:extLst>
-              <a:ext uri="{FF2B5EF4-FFF2-40B4-BE49-F238E27FC236}">
-                <a16:creationId xmlns:a16="http://schemas.microsoft.com/office/drawing/2014/main" id="{E5C7501F-05AD-4696-A094-872D500C6BEE}"/>
-              </a:ext>
-            </a:extLst>
-          </p:cNvPr>
-          <p:cNvSpPr>
-            <a:spLocks noGrp="1"/>
-          </p:cNvSpPr>
-          <p:nvPr>
-            <p:ph type="dt" sz="half" idx="10"/>
-          </p:nvPr>
-        </p:nvSpPr>
-        <p:spPr/>
-        <p:txBody>
-          <a:bodyPr/>
-          <a:lstStyle/>
-          <a:p>
-            <a:r>
-              <a:rPr lang="en-US"/>
-              <a:t>8/6/2019</a:t>
-            </a:r>
-          </a:p>
-        </p:txBody>
-      </p:sp>
-      <p:sp>
-        <p:nvSpPr>
-          <p:cNvPr id="4" name="Slide Number Placeholder 3">
-            <a:extLst>
-              <a:ext uri="{FF2B5EF4-FFF2-40B4-BE49-F238E27FC236}">
-                <a16:creationId xmlns:a16="http://schemas.microsoft.com/office/drawing/2014/main" id="{025CB2AE-DF2C-4873-8659-B4DBC48FA091}"/>
-              </a:ext>
-            </a:extLst>
-          </p:cNvPr>
-          <p:cNvSpPr>
-            <a:spLocks noGrp="1"/>
-          </p:cNvSpPr>
-          <p:nvPr>
-            <p:ph type="sldNum" sz="quarter" idx="12"/>
-          </p:nvPr>
-        </p:nvSpPr>
-        <p:spPr/>
-        <p:txBody>
-          <a:bodyPr/>
-          <a:lstStyle/>
-          <a:p>
-            <a:fld id="{564B1479-74DF-4380-85F6-AB0A2FFC7165}" type="slidenum">
-              <a:rPr lang="en-US" smtClean="0"/>
-              <a:t>12</a:t>
-            </a:fld>
-            <a:endParaRPr lang="en-US"/>
-          </a:p>
-        </p:txBody>
-      </p:sp>
-      <p:sp>
-        <p:nvSpPr>
-          <p:cNvPr id="3" name="Rectangle 2">
-            <a:extLst>
-              <a:ext uri="{FF2B5EF4-FFF2-40B4-BE49-F238E27FC236}">
-                <a16:creationId xmlns:a16="http://schemas.microsoft.com/office/drawing/2014/main" id="{4FC514C2-2D7C-4314-A8A3-CBEDF59F39AC}"/>
-              </a:ext>
-            </a:extLst>
-          </p:cNvPr>
-          <p:cNvSpPr/>
-          <p:nvPr/>
-        </p:nvSpPr>
-        <p:spPr>
-          <a:xfrm>
-            <a:off x="2439955" y="6413699"/>
-            <a:ext cx="4572000" cy="307777"/>
-          </a:xfrm>
-          <a:prstGeom prst="rect">
-            <a:avLst/>
-          </a:prstGeom>
-        </p:spPr>
-        <p:txBody>
-          <a:bodyPr>
-            <a:spAutoFit/>
-          </a:bodyPr>
-          <a:lstStyle/>
-          <a:p>
-            <a:r>
-              <a:rPr lang="en-US" sz="1400" dirty="0">
-                <a:hlinkClick r:id="rId2"/>
-              </a:rPr>
-              <a:t>https://pvlib-python.readthedocs.io/en/latest/forecasts.htm</a:t>
-            </a:r>
-            <a:r>
-              <a:rPr lang="en-US" sz="1400" dirty="0"/>
-              <a:t> </a:t>
-            </a:r>
-          </a:p>
-        </p:txBody>
-      </p:sp>
-      <p:sp>
-        <p:nvSpPr>
-          <p:cNvPr id="15" name="Rectangle 14">
-            <a:extLst>
-              <a:ext uri="{FF2B5EF4-FFF2-40B4-BE49-F238E27FC236}">
-                <a16:creationId xmlns:a16="http://schemas.microsoft.com/office/drawing/2014/main" id="{FA4FDAA9-6165-4710-8F03-A56EC731447B}"/>
-              </a:ext>
-            </a:extLst>
-          </p:cNvPr>
-          <p:cNvSpPr/>
-          <p:nvPr/>
-        </p:nvSpPr>
-        <p:spPr>
-          <a:xfrm>
-            <a:off x="663461" y="451843"/>
-            <a:ext cx="7933354" cy="369332"/>
-          </a:xfrm>
-          <a:prstGeom prst="rect">
-            <a:avLst/>
-          </a:prstGeom>
-        </p:spPr>
-        <p:txBody>
-          <a:bodyPr wrap="square">
-            <a:spAutoFit/>
-          </a:bodyPr>
-          <a:lstStyle/>
-          <a:p>
-            <a:pPr algn="ctr"/>
-            <a:r>
-              <a:rPr lang="en-US" dirty="0"/>
-              <a:t>Time series of components of solar irradiance, GHI, DNI, DHI (W/m</a:t>
-            </a:r>
-            <a:r>
-              <a:rPr lang="en-US" baseline="30000" dirty="0"/>
-              <a:t>2</a:t>
-            </a:r>
-            <a:r>
-              <a:rPr lang="en-US" dirty="0"/>
-              <a:t>)</a:t>
-            </a:r>
-          </a:p>
-        </p:txBody>
-      </p:sp>
-      <p:pic>
-        <p:nvPicPr>
-          <p:cNvPr id="11" name="Picture 6">
-            <a:extLst>
-              <a:ext uri="{FF2B5EF4-FFF2-40B4-BE49-F238E27FC236}">
-                <a16:creationId xmlns:a16="http://schemas.microsoft.com/office/drawing/2014/main" id="{5612342A-2985-4E9D-8A58-C66E53BF95C4}"/>
-              </a:ext>
-            </a:extLst>
-          </p:cNvPr>
-          <p:cNvPicPr>
-            <a:picLocks noChangeAspect="1" noChangeArrowheads="1"/>
-          </p:cNvPicPr>
-          <p:nvPr/>
-        </p:nvPicPr>
-        <p:blipFill>
-          <a:blip r:embed="rId3">
-            <a:extLst>
-              <a:ext uri="{28A0092B-C50C-407E-A947-70E740481C1C}">
-                <a14:useLocalDpi xmlns:a14="http://schemas.microsoft.com/office/drawing/2010/main" val="0"/>
-              </a:ext>
-            </a:extLst>
-          </a:blip>
-          <a:srcRect/>
-          <a:stretch>
-            <a:fillRect/>
-          </a:stretch>
-        </p:blipFill>
-        <p:spPr bwMode="auto">
-          <a:xfrm>
-            <a:off x="0" y="840182"/>
-            <a:ext cx="3781425" cy="2571750"/>
-          </a:xfrm>
-          <a:prstGeom prst="rect">
-            <a:avLst/>
-          </a:prstGeom>
-          <a:noFill/>
-          <a:extLst>
-            <a:ext uri="{909E8E84-426E-40DD-AFC4-6F175D3DCCD1}">
-              <a14:hiddenFill xmlns:a14="http://schemas.microsoft.com/office/drawing/2010/main">
-                <a:solidFill>
-                  <a:srgbClr val="FFFFFF"/>
-                </a:solidFill>
-              </a14:hiddenFill>
-            </a:ext>
-          </a:extLst>
-        </p:spPr>
-      </p:pic>
-      <p:sp>
-        <p:nvSpPr>
-          <p:cNvPr id="20" name="Rectangle 19">
-            <a:extLst>
-              <a:ext uri="{FF2B5EF4-FFF2-40B4-BE49-F238E27FC236}">
-                <a16:creationId xmlns:a16="http://schemas.microsoft.com/office/drawing/2014/main" id="{8D187815-333B-4681-83A3-5ACCE668C004}"/>
-              </a:ext>
-            </a:extLst>
-          </p:cNvPr>
-          <p:cNvSpPr/>
-          <p:nvPr/>
-        </p:nvSpPr>
-        <p:spPr>
-          <a:xfrm>
-            <a:off x="3464338" y="101518"/>
-            <a:ext cx="2331600" cy="369332"/>
-          </a:xfrm>
-          <a:prstGeom prst="rect">
-            <a:avLst/>
-          </a:prstGeom>
-        </p:spPr>
-        <p:txBody>
-          <a:bodyPr wrap="none">
-            <a:spAutoFit/>
-          </a:bodyPr>
-          <a:lstStyle/>
-          <a:p>
-            <a:r>
-              <a:rPr lang="en-US" b="1" dirty="0"/>
-              <a:t>Solar Energy Modeling</a:t>
-            </a:r>
-          </a:p>
-        </p:txBody>
-      </p:sp>
-      <p:pic>
-        <p:nvPicPr>
-          <p:cNvPr id="13" name="Picture 8">
-            <a:extLst>
-              <a:ext uri="{FF2B5EF4-FFF2-40B4-BE49-F238E27FC236}">
-                <a16:creationId xmlns:a16="http://schemas.microsoft.com/office/drawing/2014/main" id="{40894B6F-C40E-44C7-9D99-5406720E81DF}"/>
-              </a:ext>
-            </a:extLst>
-          </p:cNvPr>
-          <p:cNvPicPr>
-            <a:picLocks noChangeAspect="1" noChangeArrowheads="1"/>
-          </p:cNvPicPr>
-          <p:nvPr/>
-        </p:nvPicPr>
-        <p:blipFill>
-          <a:blip r:embed="rId4">
-            <a:extLst>
-              <a:ext uri="{28A0092B-C50C-407E-A947-70E740481C1C}">
-                <a14:useLocalDpi xmlns:a14="http://schemas.microsoft.com/office/drawing/2010/main" val="0"/>
-              </a:ext>
-            </a:extLst>
-          </a:blip>
-          <a:srcRect/>
-          <a:stretch>
-            <a:fillRect/>
-          </a:stretch>
-        </p:blipFill>
-        <p:spPr bwMode="auto">
-          <a:xfrm>
-            <a:off x="-1" y="3598266"/>
-            <a:ext cx="3781425" cy="2571750"/>
-          </a:xfrm>
-          <a:prstGeom prst="rect">
-            <a:avLst/>
-          </a:prstGeom>
-          <a:noFill/>
-          <a:extLst>
-            <a:ext uri="{909E8E84-426E-40DD-AFC4-6F175D3DCCD1}">
-              <a14:hiddenFill xmlns:a14="http://schemas.microsoft.com/office/drawing/2010/main">
-                <a:solidFill>
-                  <a:srgbClr val="FFFFFF"/>
-                </a:solidFill>
-              </a14:hiddenFill>
-            </a:ext>
-          </a:extLst>
-        </p:spPr>
-      </p:pic>
-      <p:pic>
-        <p:nvPicPr>
-          <p:cNvPr id="1036" name="Picture 12">
-            <a:extLst>
-              <a:ext uri="{FF2B5EF4-FFF2-40B4-BE49-F238E27FC236}">
-                <a16:creationId xmlns:a16="http://schemas.microsoft.com/office/drawing/2014/main" id="{22624E89-189E-4EB0-885B-A1041D9D4761}"/>
-              </a:ext>
-            </a:extLst>
-          </p:cNvPr>
-          <p:cNvPicPr>
-            <a:picLocks noChangeAspect="1" noChangeArrowheads="1"/>
-          </p:cNvPicPr>
-          <p:nvPr/>
-        </p:nvPicPr>
-        <p:blipFill>
-          <a:blip r:embed="rId5">
-            <a:extLst>
-              <a:ext uri="{28A0092B-C50C-407E-A947-70E740481C1C}">
-                <a14:useLocalDpi xmlns:a14="http://schemas.microsoft.com/office/drawing/2010/main" val="0"/>
-              </a:ext>
-            </a:extLst>
-          </a:blip>
-          <a:srcRect/>
-          <a:stretch>
-            <a:fillRect/>
-          </a:stretch>
-        </p:blipFill>
-        <p:spPr bwMode="auto">
-          <a:xfrm>
-            <a:off x="5379293" y="840182"/>
-            <a:ext cx="3781425" cy="2571750"/>
-          </a:xfrm>
-          <a:prstGeom prst="rect">
-            <a:avLst/>
-          </a:prstGeom>
-          <a:noFill/>
-          <a:extLst>
-            <a:ext uri="{909E8E84-426E-40DD-AFC4-6F175D3DCCD1}">
-              <a14:hiddenFill xmlns:a14="http://schemas.microsoft.com/office/drawing/2010/main">
-                <a:solidFill>
-                  <a:srgbClr val="FFFFFF"/>
-                </a:solidFill>
-              </a14:hiddenFill>
-            </a:ext>
-          </a:extLst>
-        </p:spPr>
-      </p:pic>
-      <p:pic>
-        <p:nvPicPr>
-          <p:cNvPr id="1038" name="Picture 14">
-            <a:extLst>
-              <a:ext uri="{FF2B5EF4-FFF2-40B4-BE49-F238E27FC236}">
-                <a16:creationId xmlns:a16="http://schemas.microsoft.com/office/drawing/2014/main" id="{F21C98B8-014A-4FB8-8349-A594FD56EDB4}"/>
-              </a:ext>
-            </a:extLst>
-          </p:cNvPr>
-          <p:cNvPicPr>
-            <a:picLocks noChangeAspect="1" noChangeArrowheads="1"/>
-          </p:cNvPicPr>
-          <p:nvPr/>
-        </p:nvPicPr>
-        <p:blipFill>
-          <a:blip r:embed="rId6">
-            <a:extLst>
-              <a:ext uri="{28A0092B-C50C-407E-A947-70E740481C1C}">
-                <a14:useLocalDpi xmlns:a14="http://schemas.microsoft.com/office/drawing/2010/main" val="0"/>
-              </a:ext>
-            </a:extLst>
-          </a:blip>
-          <a:srcRect/>
-          <a:stretch>
-            <a:fillRect/>
-          </a:stretch>
-        </p:blipFill>
-        <p:spPr bwMode="auto">
-          <a:xfrm>
-            <a:off x="5368871" y="3598266"/>
-            <a:ext cx="3781425" cy="2571750"/>
-          </a:xfrm>
-          <a:prstGeom prst="rect">
-            <a:avLst/>
-          </a:prstGeom>
-          <a:noFill/>
-          <a:extLst>
-            <a:ext uri="{909E8E84-426E-40DD-AFC4-6F175D3DCCD1}">
-              <a14:hiddenFill xmlns:a14="http://schemas.microsoft.com/office/drawing/2010/main">
-                <a:solidFill>
-                  <a:srgbClr val="FFFFFF"/>
-                </a:solidFill>
-              </a14:hiddenFill>
-            </a:ext>
-          </a:extLst>
-        </p:spPr>
-      </p:pic>
-    </p:spTree>
-    <p:extLst>
-      <p:ext uri="{BB962C8B-B14F-4D97-AF65-F5344CB8AC3E}">
-        <p14:creationId xmlns:p14="http://schemas.microsoft.com/office/powerpoint/2010/main" val="541662715"/>
       </p:ext>
     </p:extLst>
   </p:cSld>
@@ -21566,10 +25666,10 @@
       </p:sp>
       <p:sp>
         <p:nvSpPr>
-          <p:cNvPr id="3" name="Rectangle 2">
+          <p:cNvPr id="15" name="Rectangle 14">
             <a:extLst>
               <a:ext uri="{FF2B5EF4-FFF2-40B4-BE49-F238E27FC236}">
-                <a16:creationId xmlns:a16="http://schemas.microsoft.com/office/drawing/2014/main" id="{4FC514C2-2D7C-4314-A8A3-CBEDF59F39AC}"/>
+                <a16:creationId xmlns:a16="http://schemas.microsoft.com/office/drawing/2014/main" id="{FA4FDAA9-6165-4710-8F03-A56EC731447B}"/>
               </a:ext>
             </a:extLst>
           </p:cNvPr>
@@ -21578,38 +25678,88 @@
         </p:nvSpPr>
         <p:spPr>
           <a:xfrm>
-            <a:off x="2439955" y="6413699"/>
-            <a:ext cx="4572000" cy="307777"/>
+            <a:off x="663461" y="451843"/>
+            <a:ext cx="7933354" cy="369332"/>
           </a:xfrm>
           <a:prstGeom prst="rect">
             <a:avLst/>
           </a:prstGeom>
         </p:spPr>
         <p:txBody>
-          <a:bodyPr>
+          <a:bodyPr wrap="square">
             <a:spAutoFit/>
           </a:bodyPr>
           <a:lstStyle/>
           <a:p>
+            <a:pPr algn="ctr"/>
             <a:r>
-              <a:rPr lang="en-US" sz="1400" dirty="0">
-                <a:hlinkClick r:id="rId2"/>
-              </a:rPr>
-              <a:t>https://pvlib-python.readthedocs.io/en/latest/forecasts.htm</a:t>
+              <a:rPr lang="en-US" dirty="0"/>
+              <a:t>Time series of components of solar irradiance, GHI, DNI, DHI (W/m</a:t>
             </a:r>
             <a:r>
-              <a:rPr lang="en-US" sz="1400" dirty="0"/>
-              <a:t> </a:t>
+              <a:rPr lang="en-US" baseline="30000" dirty="0"/>
+              <a:t>2</a:t>
+            </a:r>
+            <a:r>
+              <a:rPr lang="en-US" dirty="0"/>
+              <a:t>)</a:t>
             </a:r>
           </a:p>
         </p:txBody>
       </p:sp>
       <p:pic>
         <p:nvPicPr>
-          <p:cNvPr id="2052" name="Picture 4">
+          <p:cNvPr id="11" name="Picture 6">
             <a:extLst>
               <a:ext uri="{FF2B5EF4-FFF2-40B4-BE49-F238E27FC236}">
-                <a16:creationId xmlns:a16="http://schemas.microsoft.com/office/drawing/2014/main" id="{C10F1AE0-D1C5-4A47-ACEF-29D2549644B9}"/>
+                <a16:creationId xmlns:a16="http://schemas.microsoft.com/office/drawing/2014/main" id="{5612342A-2985-4E9D-8A58-C66E53BF95C4}"/>
+              </a:ext>
+            </a:extLst>
+          </p:cNvPr>
+          <p:cNvPicPr>
+            <a:picLocks noChangeAspect="1" noChangeArrowheads="1"/>
+          </p:cNvPicPr>
+          <p:nvPr/>
+        </p:nvPicPr>
+        <p:blipFill>
+          <a:blip r:embed="rId2">
+            <a:extLst>
+              <a:ext uri="{28A0092B-C50C-407E-A947-70E740481C1C}">
+                <a14:useLocalDpi xmlns:a14="http://schemas.microsoft.com/office/drawing/2010/main" val="0"/>
+              </a:ext>
+            </a:extLst>
+          </a:blip>
+          <a:srcRect/>
+          <a:stretch>
+            <a:fillRect/>
+          </a:stretch>
+        </p:blipFill>
+        <p:spPr bwMode="auto">
+          <a:xfrm>
+            <a:off x="0" y="840182"/>
+            <a:ext cx="3781425" cy="2571750"/>
+          </a:xfrm>
+          <a:prstGeom prst="rect">
+            <a:avLst/>
+          </a:prstGeom>
+          <a:noFill/>
+          <a:extLst>
+            <a:ext uri="{909E8E84-426E-40DD-AFC4-6F175D3DCCD1}">
+              <a14:hiddenFill xmlns:a14="http://schemas.microsoft.com/office/drawing/2010/main">
+                <a:solidFill>
+                  <a:srgbClr val="FFFFFF"/>
+                </a:solidFill>
+              </a14:hiddenFill>
+            </a:ext>
+          </a:extLst>
+        </p:spPr>
+      </p:pic>
+      <p:pic>
+        <p:nvPicPr>
+          <p:cNvPr id="13" name="Picture 8">
+            <a:extLst>
+              <a:ext uri="{FF2B5EF4-FFF2-40B4-BE49-F238E27FC236}">
+                <a16:creationId xmlns:a16="http://schemas.microsoft.com/office/drawing/2014/main" id="{40894B6F-C40E-44C7-9D99-5406720E81DF}"/>
               </a:ext>
             </a:extLst>
           </p:cNvPr>
@@ -21633,8 +25783,8 @@
         </p:blipFill>
         <p:spPr bwMode="auto">
           <a:xfrm>
-            <a:off x="0" y="840182"/>
-            <a:ext cx="3790950" cy="2571750"/>
+            <a:off x="-1" y="3598266"/>
+            <a:ext cx="3781425" cy="2571750"/>
           </a:xfrm>
           <a:prstGeom prst="rect">
             <a:avLst/>
@@ -21651,81 +25801,12 @@
           </a:extLst>
         </p:spPr>
       </p:pic>
-      <p:sp>
-        <p:nvSpPr>
-          <p:cNvPr id="16" name="Rectangle 15">
+      <p:pic>
+        <p:nvPicPr>
+          <p:cNvPr id="1036" name="Picture 12">
             <a:extLst>
               <a:ext uri="{FF2B5EF4-FFF2-40B4-BE49-F238E27FC236}">
-                <a16:creationId xmlns:a16="http://schemas.microsoft.com/office/drawing/2014/main" id="{6BD1D454-425A-4D1E-BEE3-8ECEFFF29775}"/>
-              </a:ext>
-            </a:extLst>
-          </p:cNvPr>
-          <p:cNvSpPr/>
-          <p:nvPr/>
-        </p:nvSpPr>
-        <p:spPr>
-          <a:xfrm>
-            <a:off x="1621193" y="470850"/>
-            <a:ext cx="5901613" cy="369332"/>
-          </a:xfrm>
-          <a:prstGeom prst="rect">
-            <a:avLst/>
-          </a:prstGeom>
-        </p:spPr>
-        <p:txBody>
-          <a:bodyPr wrap="square">
-            <a:spAutoFit/>
-          </a:bodyPr>
-          <a:lstStyle/>
-          <a:p>
-            <a:pPr algn="ctr"/>
-            <a:r>
-              <a:rPr lang="en-US" dirty="0"/>
-              <a:t>Global Horizontal Irradiance (GHI) at the plane of array (POA)</a:t>
-            </a:r>
-          </a:p>
-        </p:txBody>
-      </p:sp>
-      <p:sp>
-        <p:nvSpPr>
-          <p:cNvPr id="17" name="Rectangle 16">
-            <a:extLst>
-              <a:ext uri="{FF2B5EF4-FFF2-40B4-BE49-F238E27FC236}">
-                <a16:creationId xmlns:a16="http://schemas.microsoft.com/office/drawing/2014/main" id="{66EAFD14-DCB8-4285-A3B3-0833BAFA79B2}"/>
-              </a:ext>
-            </a:extLst>
-          </p:cNvPr>
-          <p:cNvSpPr/>
-          <p:nvPr/>
-        </p:nvSpPr>
-        <p:spPr>
-          <a:xfrm>
-            <a:off x="3464338" y="101518"/>
-            <a:ext cx="2331600" cy="369332"/>
-          </a:xfrm>
-          <a:prstGeom prst="rect">
-            <a:avLst/>
-          </a:prstGeom>
-        </p:spPr>
-        <p:txBody>
-          <a:bodyPr wrap="none">
-            <a:spAutoFit/>
-          </a:bodyPr>
-          <a:lstStyle/>
-          <a:p>
-            <a:r>
-              <a:rPr lang="en-US" b="1" dirty="0"/>
-              <a:t>Solar Energy Modeling</a:t>
-            </a:r>
-          </a:p>
-        </p:txBody>
-      </p:sp>
-      <p:pic>
-        <p:nvPicPr>
-          <p:cNvPr id="2054" name="Picture 6">
-            <a:extLst>
-              <a:ext uri="{FF2B5EF4-FFF2-40B4-BE49-F238E27FC236}">
-                <a16:creationId xmlns:a16="http://schemas.microsoft.com/office/drawing/2014/main" id="{268D6486-A1A2-4541-BF46-0EB964D49C23}"/>
+                <a16:creationId xmlns:a16="http://schemas.microsoft.com/office/drawing/2014/main" id="{22624E89-189E-4EB0-885B-A1041D9D4761}"/>
               </a:ext>
             </a:extLst>
           </p:cNvPr>
@@ -21749,8 +25830,8 @@
         </p:blipFill>
         <p:spPr bwMode="auto">
           <a:xfrm>
-            <a:off x="0" y="3598266"/>
-            <a:ext cx="3790950" cy="2571750"/>
+            <a:off x="5379293" y="840182"/>
+            <a:ext cx="3781425" cy="2571750"/>
           </a:xfrm>
           <a:prstGeom prst="rect">
             <a:avLst/>
@@ -21769,10 +25850,10 @@
       </p:pic>
       <p:pic>
         <p:nvPicPr>
-          <p:cNvPr id="2056" name="Picture 8">
+          <p:cNvPr id="1038" name="Picture 14">
             <a:extLst>
               <a:ext uri="{FF2B5EF4-FFF2-40B4-BE49-F238E27FC236}">
-                <a16:creationId xmlns:a16="http://schemas.microsoft.com/office/drawing/2014/main" id="{1491529E-7D59-43C9-8D8F-9FAC8FE6B970}"/>
+                <a16:creationId xmlns:a16="http://schemas.microsoft.com/office/drawing/2014/main" id="{F21C98B8-014A-4FB8-8349-A594FD56EDB4}"/>
               </a:ext>
             </a:extLst>
           </p:cNvPr>
@@ -21796,8 +25877,8 @@
         </p:blipFill>
         <p:spPr bwMode="auto">
           <a:xfrm>
-            <a:off x="5353052" y="840182"/>
-            <a:ext cx="3790950" cy="2571750"/>
+            <a:off x="5368871" y="3598266"/>
+            <a:ext cx="3781425" cy="2571750"/>
           </a:xfrm>
           <a:prstGeom prst="rect">
             <a:avLst/>
@@ -21814,57 +25895,44 @@
           </a:extLst>
         </p:spPr>
       </p:pic>
-      <p:pic>
-        <p:nvPicPr>
-          <p:cNvPr id="2060" name="Picture 12">
+      <p:sp>
+        <p:nvSpPr>
+          <p:cNvPr id="12" name="Rectangle 11">
             <a:extLst>
               <a:ext uri="{FF2B5EF4-FFF2-40B4-BE49-F238E27FC236}">
-                <a16:creationId xmlns:a16="http://schemas.microsoft.com/office/drawing/2014/main" id="{5778FE30-9B5D-49D0-85F6-C75B2B4C808D}"/>
+                <a16:creationId xmlns:a16="http://schemas.microsoft.com/office/drawing/2014/main" id="{80D7BBAC-D1EB-402E-B70D-AC6D39227CB6}"/>
               </a:ext>
             </a:extLst>
           </p:cNvPr>
-          <p:cNvPicPr>
-            <a:picLocks noChangeAspect="1" noChangeArrowheads="1"/>
-          </p:cNvPicPr>
+          <p:cNvSpPr/>
           <p:nvPr/>
-        </p:nvPicPr>
-        <p:blipFill>
-          <a:blip r:embed="rId6">
-            <a:extLst>
-              <a:ext uri="{28A0092B-C50C-407E-A947-70E740481C1C}">
-                <a14:useLocalDpi xmlns:a14="http://schemas.microsoft.com/office/drawing/2010/main" val="0"/>
-              </a:ext>
-            </a:extLst>
-          </a:blip>
-          <a:srcRect/>
-          <a:stretch>
-            <a:fillRect/>
-          </a:stretch>
-        </p:blipFill>
-        <p:spPr bwMode="auto">
+        </p:nvSpPr>
+        <p:spPr>
           <a:xfrm>
-            <a:off x="5353050" y="3598266"/>
-            <a:ext cx="3790950" cy="2571750"/>
+            <a:off x="2969815" y="88599"/>
+            <a:ext cx="3346044" cy="369332"/>
           </a:xfrm>
           <a:prstGeom prst="rect">
             <a:avLst/>
           </a:prstGeom>
-          <a:noFill/>
-          <a:extLst>
-            <a:ext uri="{909E8E84-426E-40DD-AFC4-6F175D3DCCD1}">
-              <a14:hiddenFill xmlns:a14="http://schemas.microsoft.com/office/drawing/2010/main">
-                <a:solidFill>
-                  <a:srgbClr val="FFFFFF"/>
-                </a:solidFill>
-              </a14:hiddenFill>
-            </a:ext>
-          </a:extLst>
         </p:spPr>
-      </p:pic>
+        <p:txBody>
+          <a:bodyPr wrap="none">
+            <a:spAutoFit/>
+          </a:bodyPr>
+          <a:lstStyle/>
+          <a:p>
+            <a:r>
+              <a:rPr lang="en-US" b="1" dirty="0"/>
+              <a:t>Solar Energy Resources Modeling</a:t>
+            </a:r>
+          </a:p>
+        </p:txBody>
+      </p:sp>
     </p:spTree>
     <p:extLst>
       <p:ext uri="{BB962C8B-B14F-4D97-AF65-F5344CB8AC3E}">
-        <p14:creationId xmlns:p14="http://schemas.microsoft.com/office/powerpoint/2010/main" val="1972258126"/>
+        <p14:creationId xmlns:p14="http://schemas.microsoft.com/office/powerpoint/2010/main" val="541662715"/>
       </p:ext>
     </p:extLst>
   </p:cSld>
@@ -21948,46 +26016,6 @@
           </a:p>
         </p:txBody>
       </p:sp>
-      <p:sp>
-        <p:nvSpPr>
-          <p:cNvPr id="3" name="Rectangle 2">
-            <a:extLst>
-              <a:ext uri="{FF2B5EF4-FFF2-40B4-BE49-F238E27FC236}">
-                <a16:creationId xmlns:a16="http://schemas.microsoft.com/office/drawing/2014/main" id="{4FC514C2-2D7C-4314-A8A3-CBEDF59F39AC}"/>
-              </a:ext>
-            </a:extLst>
-          </p:cNvPr>
-          <p:cNvSpPr/>
-          <p:nvPr/>
-        </p:nvSpPr>
-        <p:spPr>
-          <a:xfrm>
-            <a:off x="2439955" y="6413699"/>
-            <a:ext cx="4572000" cy="307777"/>
-          </a:xfrm>
-          <a:prstGeom prst="rect">
-            <a:avLst/>
-          </a:prstGeom>
-        </p:spPr>
-        <p:txBody>
-          <a:bodyPr>
-            <a:spAutoFit/>
-          </a:bodyPr>
-          <a:lstStyle/>
-          <a:p>
-            <a:r>
-              <a:rPr lang="en-US" sz="1400" dirty="0">
-                <a:hlinkClick r:id="rId2"/>
-              </a:rPr>
-              <a:t>https://pvlib-python.readthedocs.io/en/latest/forecasts.htm</a:t>
-            </a:r>
-            <a:r>
-              <a:rPr lang="en-US" sz="1400" dirty="0"/>
-              <a:t> </a:t>
-            </a:r>
-          </a:p>
-        </p:txBody>
-      </p:sp>
       <p:pic>
         <p:nvPicPr>
           <p:cNvPr id="2052" name="Picture 4">
@@ -22003,7 +26031,7 @@
           <p:nvPr/>
         </p:nvPicPr>
         <p:blipFill>
-          <a:blip r:embed="rId3">
+          <a:blip r:embed="rId2">
             <a:extLst>
               <a:ext uri="{28A0092B-C50C-407E-A947-70E740481C1C}">
                 <a14:useLocalDpi xmlns:a14="http://schemas.microsoft.com/office/drawing/2010/main" val="0"/>
@@ -22070,40 +26098,6 @@
           </a:p>
         </p:txBody>
       </p:sp>
-      <p:sp>
-        <p:nvSpPr>
-          <p:cNvPr id="17" name="Rectangle 16">
-            <a:extLst>
-              <a:ext uri="{FF2B5EF4-FFF2-40B4-BE49-F238E27FC236}">
-                <a16:creationId xmlns:a16="http://schemas.microsoft.com/office/drawing/2014/main" id="{66EAFD14-DCB8-4285-A3B3-0833BAFA79B2}"/>
-              </a:ext>
-            </a:extLst>
-          </p:cNvPr>
-          <p:cNvSpPr/>
-          <p:nvPr/>
-        </p:nvSpPr>
-        <p:spPr>
-          <a:xfrm>
-            <a:off x="3464338" y="101518"/>
-            <a:ext cx="2331600" cy="369332"/>
-          </a:xfrm>
-          <a:prstGeom prst="rect">
-            <a:avLst/>
-          </a:prstGeom>
-        </p:spPr>
-        <p:txBody>
-          <a:bodyPr wrap="none">
-            <a:spAutoFit/>
-          </a:bodyPr>
-          <a:lstStyle/>
-          <a:p>
-            <a:r>
-              <a:rPr lang="en-US" b="1" dirty="0"/>
-              <a:t>Solar Energy Modeling</a:t>
-            </a:r>
-          </a:p>
-        </p:txBody>
-      </p:sp>
       <p:pic>
         <p:nvPicPr>
           <p:cNvPr id="2054" name="Picture 6">
@@ -22119,7 +26113,7 @@
           <p:nvPr/>
         </p:nvPicPr>
         <p:blipFill>
-          <a:blip r:embed="rId4">
+          <a:blip r:embed="rId3">
             <a:extLst>
               <a:ext uri="{28A0092B-C50C-407E-A947-70E740481C1C}">
                 <a14:useLocalDpi xmlns:a14="http://schemas.microsoft.com/office/drawing/2010/main" val="0"/>
@@ -22166,7 +26160,7 @@
           <p:nvPr/>
         </p:nvPicPr>
         <p:blipFill>
-          <a:blip r:embed="rId5">
+          <a:blip r:embed="rId4">
             <a:extLst>
               <a:ext uri="{28A0092B-C50C-407E-A947-70E740481C1C}">
                 <a14:useLocalDpi xmlns:a14="http://schemas.microsoft.com/office/drawing/2010/main" val="0"/>
@@ -22213,7 +26207,7 @@
           <p:nvPr/>
         </p:nvPicPr>
         <p:blipFill>
-          <a:blip r:embed="rId6">
+          <a:blip r:embed="rId5">
             <a:extLst>
               <a:ext uri="{28A0092B-C50C-407E-A947-70E740481C1C}">
                 <a14:useLocalDpi xmlns:a14="http://schemas.microsoft.com/office/drawing/2010/main" val="0"/>
@@ -22245,10 +26239,44 @@
           </a:extLst>
         </p:spPr>
       </p:pic>
+      <p:sp>
+        <p:nvSpPr>
+          <p:cNvPr id="11" name="Rectangle 10">
+            <a:extLst>
+              <a:ext uri="{FF2B5EF4-FFF2-40B4-BE49-F238E27FC236}">
+                <a16:creationId xmlns:a16="http://schemas.microsoft.com/office/drawing/2014/main" id="{92C6FC3A-9B85-45BD-8CBA-80A5F6A27DEA}"/>
+              </a:ext>
+            </a:extLst>
+          </p:cNvPr>
+          <p:cNvSpPr/>
+          <p:nvPr/>
+        </p:nvSpPr>
+        <p:spPr>
+          <a:xfrm>
+            <a:off x="2969815" y="88599"/>
+            <a:ext cx="3346044" cy="369332"/>
+          </a:xfrm>
+          <a:prstGeom prst="rect">
+            <a:avLst/>
+          </a:prstGeom>
+        </p:spPr>
+        <p:txBody>
+          <a:bodyPr wrap="none">
+            <a:spAutoFit/>
+          </a:bodyPr>
+          <a:lstStyle/>
+          <a:p>
+            <a:r>
+              <a:rPr lang="en-US" b="1" dirty="0"/>
+              <a:t>Solar Energy Resources Modeling</a:t>
+            </a:r>
+          </a:p>
+        </p:txBody>
+      </p:sp>
     </p:spTree>
     <p:extLst>
       <p:ext uri="{BB962C8B-B14F-4D97-AF65-F5344CB8AC3E}">
-        <p14:creationId xmlns:p14="http://schemas.microsoft.com/office/powerpoint/2010/main" val="2531246657"/>
+        <p14:creationId xmlns:p14="http://schemas.microsoft.com/office/powerpoint/2010/main" val="1972258126"/>
       </p:ext>
     </p:extLst>
   </p:cSld>
@@ -22332,6 +26360,350 @@
           </a:p>
         </p:txBody>
       </p:sp>
+      <p:pic>
+        <p:nvPicPr>
+          <p:cNvPr id="2052" name="Picture 4">
+            <a:extLst>
+              <a:ext uri="{FF2B5EF4-FFF2-40B4-BE49-F238E27FC236}">
+                <a16:creationId xmlns:a16="http://schemas.microsoft.com/office/drawing/2014/main" id="{C10F1AE0-D1C5-4A47-ACEF-29D2549644B9}"/>
+              </a:ext>
+            </a:extLst>
+          </p:cNvPr>
+          <p:cNvPicPr>
+            <a:picLocks noChangeAspect="1" noChangeArrowheads="1"/>
+          </p:cNvPicPr>
+          <p:nvPr/>
+        </p:nvPicPr>
+        <p:blipFill>
+          <a:blip r:embed="rId2">
+            <a:extLst>
+              <a:ext uri="{28A0092B-C50C-407E-A947-70E740481C1C}">
+                <a14:useLocalDpi xmlns:a14="http://schemas.microsoft.com/office/drawing/2010/main" val="0"/>
+              </a:ext>
+            </a:extLst>
+          </a:blip>
+          <a:srcRect/>
+          <a:stretch>
+            <a:fillRect/>
+          </a:stretch>
+        </p:blipFill>
+        <p:spPr bwMode="auto">
+          <a:xfrm>
+            <a:off x="0" y="840182"/>
+            <a:ext cx="3790950" cy="2571750"/>
+          </a:xfrm>
+          <a:prstGeom prst="rect">
+            <a:avLst/>
+          </a:prstGeom>
+          <a:noFill/>
+          <a:extLst>
+            <a:ext uri="{909E8E84-426E-40DD-AFC4-6F175D3DCCD1}">
+              <a14:hiddenFill xmlns:a14="http://schemas.microsoft.com/office/drawing/2010/main">
+                <a:solidFill>
+                  <a:srgbClr val="FFFFFF"/>
+                </a:solidFill>
+              </a14:hiddenFill>
+            </a:ext>
+          </a:extLst>
+        </p:spPr>
+      </p:pic>
+      <p:sp>
+        <p:nvSpPr>
+          <p:cNvPr id="16" name="Rectangle 15">
+            <a:extLst>
+              <a:ext uri="{FF2B5EF4-FFF2-40B4-BE49-F238E27FC236}">
+                <a16:creationId xmlns:a16="http://schemas.microsoft.com/office/drawing/2014/main" id="{6BD1D454-425A-4D1E-BEE3-8ECEFFF29775}"/>
+              </a:ext>
+            </a:extLst>
+          </p:cNvPr>
+          <p:cNvSpPr/>
+          <p:nvPr/>
+        </p:nvSpPr>
+        <p:spPr>
+          <a:xfrm>
+            <a:off x="1621193" y="470850"/>
+            <a:ext cx="5901613" cy="369332"/>
+          </a:xfrm>
+          <a:prstGeom prst="rect">
+            <a:avLst/>
+          </a:prstGeom>
+        </p:spPr>
+        <p:txBody>
+          <a:bodyPr wrap="square">
+            <a:spAutoFit/>
+          </a:bodyPr>
+          <a:lstStyle/>
+          <a:p>
+            <a:pPr algn="ctr"/>
+            <a:r>
+              <a:rPr lang="en-US" dirty="0"/>
+              <a:t>Global Horizontal Irradiance (GHI) at the plane of array (POA)</a:t>
+            </a:r>
+          </a:p>
+        </p:txBody>
+      </p:sp>
+      <p:pic>
+        <p:nvPicPr>
+          <p:cNvPr id="2054" name="Picture 6">
+            <a:extLst>
+              <a:ext uri="{FF2B5EF4-FFF2-40B4-BE49-F238E27FC236}">
+                <a16:creationId xmlns:a16="http://schemas.microsoft.com/office/drawing/2014/main" id="{268D6486-A1A2-4541-BF46-0EB964D49C23}"/>
+              </a:ext>
+            </a:extLst>
+          </p:cNvPr>
+          <p:cNvPicPr>
+            <a:picLocks noChangeAspect="1" noChangeArrowheads="1"/>
+          </p:cNvPicPr>
+          <p:nvPr/>
+        </p:nvPicPr>
+        <p:blipFill>
+          <a:blip r:embed="rId3">
+            <a:extLst>
+              <a:ext uri="{28A0092B-C50C-407E-A947-70E740481C1C}">
+                <a14:useLocalDpi xmlns:a14="http://schemas.microsoft.com/office/drawing/2010/main" val="0"/>
+              </a:ext>
+            </a:extLst>
+          </a:blip>
+          <a:srcRect/>
+          <a:stretch>
+            <a:fillRect/>
+          </a:stretch>
+        </p:blipFill>
+        <p:spPr bwMode="auto">
+          <a:xfrm>
+            <a:off x="0" y="3598266"/>
+            <a:ext cx="3790950" cy="2571750"/>
+          </a:xfrm>
+          <a:prstGeom prst="rect">
+            <a:avLst/>
+          </a:prstGeom>
+          <a:noFill/>
+          <a:extLst>
+            <a:ext uri="{909E8E84-426E-40DD-AFC4-6F175D3DCCD1}">
+              <a14:hiddenFill xmlns:a14="http://schemas.microsoft.com/office/drawing/2010/main">
+                <a:solidFill>
+                  <a:srgbClr val="FFFFFF"/>
+                </a:solidFill>
+              </a14:hiddenFill>
+            </a:ext>
+          </a:extLst>
+        </p:spPr>
+      </p:pic>
+      <p:pic>
+        <p:nvPicPr>
+          <p:cNvPr id="2056" name="Picture 8">
+            <a:extLst>
+              <a:ext uri="{FF2B5EF4-FFF2-40B4-BE49-F238E27FC236}">
+                <a16:creationId xmlns:a16="http://schemas.microsoft.com/office/drawing/2014/main" id="{1491529E-7D59-43C9-8D8F-9FAC8FE6B970}"/>
+              </a:ext>
+            </a:extLst>
+          </p:cNvPr>
+          <p:cNvPicPr>
+            <a:picLocks noChangeAspect="1" noChangeArrowheads="1"/>
+          </p:cNvPicPr>
+          <p:nvPr/>
+        </p:nvPicPr>
+        <p:blipFill>
+          <a:blip r:embed="rId4">
+            <a:extLst>
+              <a:ext uri="{28A0092B-C50C-407E-A947-70E740481C1C}">
+                <a14:useLocalDpi xmlns:a14="http://schemas.microsoft.com/office/drawing/2010/main" val="0"/>
+              </a:ext>
+            </a:extLst>
+          </a:blip>
+          <a:srcRect/>
+          <a:stretch>
+            <a:fillRect/>
+          </a:stretch>
+        </p:blipFill>
+        <p:spPr bwMode="auto">
+          <a:xfrm>
+            <a:off x="5353052" y="840182"/>
+            <a:ext cx="3790950" cy="2571750"/>
+          </a:xfrm>
+          <a:prstGeom prst="rect">
+            <a:avLst/>
+          </a:prstGeom>
+          <a:noFill/>
+          <a:extLst>
+            <a:ext uri="{909E8E84-426E-40DD-AFC4-6F175D3DCCD1}">
+              <a14:hiddenFill xmlns:a14="http://schemas.microsoft.com/office/drawing/2010/main">
+                <a:solidFill>
+                  <a:srgbClr val="FFFFFF"/>
+                </a:solidFill>
+              </a14:hiddenFill>
+            </a:ext>
+          </a:extLst>
+        </p:spPr>
+      </p:pic>
+      <p:pic>
+        <p:nvPicPr>
+          <p:cNvPr id="2060" name="Picture 12">
+            <a:extLst>
+              <a:ext uri="{FF2B5EF4-FFF2-40B4-BE49-F238E27FC236}">
+                <a16:creationId xmlns:a16="http://schemas.microsoft.com/office/drawing/2014/main" id="{5778FE30-9B5D-49D0-85F6-C75B2B4C808D}"/>
+              </a:ext>
+            </a:extLst>
+          </p:cNvPr>
+          <p:cNvPicPr>
+            <a:picLocks noChangeAspect="1" noChangeArrowheads="1"/>
+          </p:cNvPicPr>
+          <p:nvPr/>
+        </p:nvPicPr>
+        <p:blipFill>
+          <a:blip r:embed="rId5">
+            <a:extLst>
+              <a:ext uri="{28A0092B-C50C-407E-A947-70E740481C1C}">
+                <a14:useLocalDpi xmlns:a14="http://schemas.microsoft.com/office/drawing/2010/main" val="0"/>
+              </a:ext>
+            </a:extLst>
+          </a:blip>
+          <a:srcRect/>
+          <a:stretch>
+            <a:fillRect/>
+          </a:stretch>
+        </p:blipFill>
+        <p:spPr bwMode="auto">
+          <a:xfrm>
+            <a:off x="5353050" y="3598266"/>
+            <a:ext cx="3790950" cy="2571750"/>
+          </a:xfrm>
+          <a:prstGeom prst="rect">
+            <a:avLst/>
+          </a:prstGeom>
+          <a:noFill/>
+          <a:extLst>
+            <a:ext uri="{909E8E84-426E-40DD-AFC4-6F175D3DCCD1}">
+              <a14:hiddenFill xmlns:a14="http://schemas.microsoft.com/office/drawing/2010/main">
+                <a:solidFill>
+                  <a:srgbClr val="FFFFFF"/>
+                </a:solidFill>
+              </a14:hiddenFill>
+            </a:ext>
+          </a:extLst>
+        </p:spPr>
+      </p:pic>
+      <p:sp>
+        <p:nvSpPr>
+          <p:cNvPr id="11" name="Rectangle 10">
+            <a:extLst>
+              <a:ext uri="{FF2B5EF4-FFF2-40B4-BE49-F238E27FC236}">
+                <a16:creationId xmlns:a16="http://schemas.microsoft.com/office/drawing/2014/main" id="{59960F00-DB88-43A0-B47D-32B1641394A0}"/>
+              </a:ext>
+            </a:extLst>
+          </p:cNvPr>
+          <p:cNvSpPr/>
+          <p:nvPr/>
+        </p:nvSpPr>
+        <p:spPr>
+          <a:xfrm>
+            <a:off x="2969815" y="88599"/>
+            <a:ext cx="3346044" cy="369332"/>
+          </a:xfrm>
+          <a:prstGeom prst="rect">
+            <a:avLst/>
+          </a:prstGeom>
+        </p:spPr>
+        <p:txBody>
+          <a:bodyPr wrap="none">
+            <a:spAutoFit/>
+          </a:bodyPr>
+          <a:lstStyle/>
+          <a:p>
+            <a:r>
+              <a:rPr lang="en-US" b="1" dirty="0"/>
+              <a:t>Solar Energy Resources Modeling</a:t>
+            </a:r>
+          </a:p>
+        </p:txBody>
+      </p:sp>
+    </p:spTree>
+    <p:extLst>
+      <p:ext uri="{BB962C8B-B14F-4D97-AF65-F5344CB8AC3E}">
+        <p14:creationId xmlns:p14="http://schemas.microsoft.com/office/powerpoint/2010/main" val="2531246657"/>
+      </p:ext>
+    </p:extLst>
+  </p:cSld>
+  <p:clrMapOvr>
+    <a:masterClrMapping/>
+  </p:clrMapOvr>
+</p:sld>
+</file>
+
+<file path=ppt/slides/slide16.xml><?xml version="1.0" encoding="utf-8"?>
+<p:sld xmlns:a="http://schemas.openxmlformats.org/drawingml/2006/main" xmlns:r="http://schemas.openxmlformats.org/officeDocument/2006/relationships" xmlns:p="http://schemas.openxmlformats.org/presentationml/2006/main">
+  <p:cSld>
+    <p:spTree>
+      <p:nvGrpSpPr>
+        <p:cNvPr id="1" name=""/>
+        <p:cNvGrpSpPr/>
+        <p:nvPr/>
+      </p:nvGrpSpPr>
+      <p:grpSpPr>
+        <a:xfrm>
+          <a:off x="0" y="0"/>
+          <a:ext cx="0" cy="0"/>
+          <a:chOff x="0" y="0"/>
+          <a:chExt cx="0" cy="0"/>
+        </a:xfrm>
+      </p:grpSpPr>
+      <p:sp>
+        <p:nvSpPr>
+          <p:cNvPr id="2" name="Date Placeholder 1">
+            <a:extLst>
+              <a:ext uri="{FF2B5EF4-FFF2-40B4-BE49-F238E27FC236}">
+                <a16:creationId xmlns:a16="http://schemas.microsoft.com/office/drawing/2014/main" id="{E5C7501F-05AD-4696-A094-872D500C6BEE}"/>
+              </a:ext>
+            </a:extLst>
+          </p:cNvPr>
+          <p:cNvSpPr>
+            <a:spLocks noGrp="1"/>
+          </p:cNvSpPr>
+          <p:nvPr>
+            <p:ph type="dt" sz="half" idx="10"/>
+          </p:nvPr>
+        </p:nvSpPr>
+        <p:spPr/>
+        <p:txBody>
+          <a:bodyPr/>
+          <a:lstStyle/>
+          <a:p>
+            <a:r>
+              <a:rPr lang="en-US"/>
+              <a:t>8/6/2019</a:t>
+            </a:r>
+          </a:p>
+        </p:txBody>
+      </p:sp>
+      <p:sp>
+        <p:nvSpPr>
+          <p:cNvPr id="4" name="Slide Number Placeholder 3">
+            <a:extLst>
+              <a:ext uri="{FF2B5EF4-FFF2-40B4-BE49-F238E27FC236}">
+                <a16:creationId xmlns:a16="http://schemas.microsoft.com/office/drawing/2014/main" id="{025CB2AE-DF2C-4873-8659-B4DBC48FA091}"/>
+              </a:ext>
+            </a:extLst>
+          </p:cNvPr>
+          <p:cNvSpPr>
+            <a:spLocks noGrp="1"/>
+          </p:cNvSpPr>
+          <p:nvPr>
+            <p:ph type="sldNum" sz="quarter" idx="12"/>
+          </p:nvPr>
+        </p:nvSpPr>
+        <p:spPr/>
+        <p:txBody>
+          <a:bodyPr/>
+          <a:lstStyle/>
+          <a:p>
+            <a:fld id="{564B1479-74DF-4380-85F6-AB0A2FFC7165}" type="slidenum">
+              <a:rPr lang="en-US" smtClean="0"/>
+              <a:t>16</a:t>
+            </a:fld>
+            <a:endParaRPr lang="en-US"/>
+          </a:p>
+        </p:txBody>
+      </p:sp>
       <p:sp>
         <p:nvSpPr>
           <p:cNvPr id="15" name="Rectangle 14">
@@ -22385,7 +26757,7 @@
         <p:spPr>
           <a:xfrm>
             <a:off x="132408" y="5388730"/>
-            <a:ext cx="5698672" cy="338554"/>
+            <a:ext cx="5698672" cy="584775"/>
           </a:xfrm>
           <a:prstGeom prst="rect">
             <a:avLst/>
@@ -22405,10 +26777,22 @@
             </a:r>
             <a:endParaRPr lang="en-US" sz="1600" dirty="0"/>
           </a:p>
+          <a:p>
+            <a:r>
+              <a:rPr lang="en-US" sz="1600" dirty="0">
+                <a:hlinkClick r:id="rId3"/>
+              </a:rPr>
+              <a:t>https://pvlib-python.readthedocs.io/en/latest/forecasts.htm</a:t>
+            </a:r>
+            <a:r>
+              <a:rPr lang="en-US" sz="1600" dirty="0"/>
+              <a:t> </a:t>
+            </a:r>
+          </a:p>
         </p:txBody>
       </p:sp>
-      <mc:AlternateContent xmlns:mc="http://schemas.openxmlformats.org/markup-compatibility/2006">
-        <mc:Choice xmlns:a14="http://schemas.microsoft.com/office/drawing/2010/main" Requires="a14">
+      <mc:AlternateContent xmlns:mc="http://schemas.openxmlformats.org/markup-compatibility/2006" xmlns:a14="http://schemas.microsoft.com/office/drawing/2010/main">
+        <mc:Choice Requires="a14">
           <p:sp>
             <p:nvSpPr>
               <p:cNvPr id="10" name="Rectangle 9">
@@ -22466,7 +26850,7 @@
             </p:txBody>
           </p:sp>
         </mc:Choice>
-        <mc:Fallback>
+        <mc:Fallback xmlns="">
           <p:sp>
             <p:nvSpPr>
               <p:cNvPr id="10" name="Rectangle 9">
@@ -22490,7 +26874,7 @@
                 <a:avLst/>
               </a:prstGeom>
               <a:blipFill>
-                <a:blip r:embed="rId3"/>
+                <a:blip r:embed="rId4"/>
                 <a:stretch>
                   <a:fillRect l="-972" t="-2479" b="-5785"/>
                 </a:stretch>
@@ -22511,42 +26895,8 @@
           </p:sp>
         </mc:Fallback>
       </mc:AlternateContent>
-      <p:sp>
-        <p:nvSpPr>
-          <p:cNvPr id="13" name="Rectangle 12">
-            <a:extLst>
-              <a:ext uri="{FF2B5EF4-FFF2-40B4-BE49-F238E27FC236}">
-                <a16:creationId xmlns:a16="http://schemas.microsoft.com/office/drawing/2014/main" id="{260DB8B7-BFCC-4C68-B7D1-0DECC77CC162}"/>
-              </a:ext>
-            </a:extLst>
-          </p:cNvPr>
-          <p:cNvSpPr/>
-          <p:nvPr/>
-        </p:nvSpPr>
-        <p:spPr>
-          <a:xfrm>
-            <a:off x="3464338" y="101518"/>
-            <a:ext cx="2331600" cy="369332"/>
-          </a:xfrm>
-          <a:prstGeom prst="rect">
-            <a:avLst/>
-          </a:prstGeom>
-        </p:spPr>
-        <p:txBody>
-          <a:bodyPr wrap="none">
-            <a:spAutoFit/>
-          </a:bodyPr>
-          <a:lstStyle/>
-          <a:p>
-            <a:r>
-              <a:rPr lang="en-US" b="1" dirty="0"/>
-              <a:t>Solar Energy Modeling</a:t>
-            </a:r>
-          </a:p>
-        </p:txBody>
-      </p:sp>
-      <mc:AlternateContent xmlns:mc="http://schemas.openxmlformats.org/markup-compatibility/2006">
-        <mc:Choice xmlns:a14="http://schemas.microsoft.com/office/drawing/2010/main" Requires="a14">
+      <mc:AlternateContent xmlns:mc="http://schemas.openxmlformats.org/markup-compatibility/2006" xmlns:a14="http://schemas.microsoft.com/office/drawing/2010/main">
+        <mc:Choice Requires="a14">
           <p:sp>
             <p:nvSpPr>
               <p:cNvPr id="8" name="TextBox 7">
@@ -22703,7 +27053,7 @@
             </p:txBody>
           </p:sp>
         </mc:Choice>
-        <mc:Fallback>
+        <mc:Fallback xmlns="">
           <p:sp>
             <p:nvSpPr>
               <p:cNvPr id="8" name="TextBox 7">
@@ -22727,7 +27077,7 @@
                 <a:avLst/>
               </a:prstGeom>
               <a:blipFill>
-                <a:blip r:embed="rId4"/>
+                <a:blip r:embed="rId5"/>
                 <a:stretch>
                   <a:fillRect b="-23404"/>
                 </a:stretch>
@@ -23014,7 +27364,7 @@
             <a:r>
               <a:rPr lang="en-US" altLang="en-US" sz="1600" dirty="0">
                 <a:cs typeface="Arial" panose="020B0604020202020204" pitchFamily="34" charset="0"/>
-                <a:hlinkClick r:id="rId5"/>
+                <a:hlinkClick r:id="rId6"/>
               </a:rPr>
               <a:t>https://www.solarover.com/panels/cs5p.pdf</a:t>
             </a:r>
@@ -23164,7 +27514,7 @@
             <p:nvPr/>
           </p:nvPicPr>
           <p:blipFill rotWithShape="1">
-            <a:blip r:embed="rId6"/>
+            <a:blip r:embed="rId7"/>
             <a:srcRect l="48587" t="7109" r="26719" b="27076"/>
             <a:stretch/>
           </p:blipFill>
@@ -23191,7 +27541,7 @@
             <p:nvPr/>
           </p:nvPicPr>
           <p:blipFill rotWithShape="1">
-            <a:blip r:embed="rId6"/>
+            <a:blip r:embed="rId7"/>
             <a:srcRect l="15884" t="5749" r="60892" b="26675"/>
             <a:stretch/>
           </p:blipFill>
@@ -23206,99 +27556,12 @@
           </p:spPr>
         </p:pic>
       </p:grpSp>
-    </p:spTree>
-    <p:extLst>
-      <p:ext uri="{BB962C8B-B14F-4D97-AF65-F5344CB8AC3E}">
-        <p14:creationId xmlns:p14="http://schemas.microsoft.com/office/powerpoint/2010/main" val="272035751"/>
-      </p:ext>
-    </p:extLst>
-  </p:cSld>
-  <p:clrMapOvr>
-    <a:masterClrMapping/>
-  </p:clrMapOvr>
-</p:sld>
-</file>
-
-<file path=ppt/slides/slide16.xml><?xml version="1.0" encoding="utf-8"?>
-<p:sld xmlns:a="http://schemas.openxmlformats.org/drawingml/2006/main" xmlns:r="http://schemas.openxmlformats.org/officeDocument/2006/relationships" xmlns:p="http://schemas.openxmlformats.org/presentationml/2006/main">
-  <p:cSld>
-    <p:spTree>
-      <p:nvGrpSpPr>
-        <p:cNvPr id="1" name=""/>
-        <p:cNvGrpSpPr/>
-        <p:nvPr/>
-      </p:nvGrpSpPr>
-      <p:grpSpPr>
-        <a:xfrm>
-          <a:off x="0" y="0"/>
-          <a:ext cx="0" cy="0"/>
-          <a:chOff x="0" y="0"/>
-          <a:chExt cx="0" cy="0"/>
-        </a:xfrm>
-      </p:grpSpPr>
       <p:sp>
         <p:nvSpPr>
-          <p:cNvPr id="2" name="Date Placeholder 1">
+          <p:cNvPr id="17" name="Rectangle 16">
             <a:extLst>
               <a:ext uri="{FF2B5EF4-FFF2-40B4-BE49-F238E27FC236}">
-                <a16:creationId xmlns:a16="http://schemas.microsoft.com/office/drawing/2014/main" id="{E5C7501F-05AD-4696-A094-872D500C6BEE}"/>
-              </a:ext>
-            </a:extLst>
-          </p:cNvPr>
-          <p:cNvSpPr>
-            <a:spLocks noGrp="1"/>
-          </p:cNvSpPr>
-          <p:nvPr>
-            <p:ph type="dt" sz="half" idx="10"/>
-          </p:nvPr>
-        </p:nvSpPr>
-        <p:spPr/>
-        <p:txBody>
-          <a:bodyPr/>
-          <a:lstStyle/>
-          <a:p>
-            <a:r>
-              <a:rPr lang="en-US"/>
-              <a:t>8/6/2019</a:t>
-            </a:r>
-          </a:p>
-        </p:txBody>
-      </p:sp>
-      <p:sp>
-        <p:nvSpPr>
-          <p:cNvPr id="4" name="Slide Number Placeholder 3">
-            <a:extLst>
-              <a:ext uri="{FF2B5EF4-FFF2-40B4-BE49-F238E27FC236}">
-                <a16:creationId xmlns:a16="http://schemas.microsoft.com/office/drawing/2014/main" id="{025CB2AE-DF2C-4873-8659-B4DBC48FA091}"/>
-              </a:ext>
-            </a:extLst>
-          </p:cNvPr>
-          <p:cNvSpPr>
-            <a:spLocks noGrp="1"/>
-          </p:cNvSpPr>
-          <p:nvPr>
-            <p:ph type="sldNum" sz="quarter" idx="12"/>
-          </p:nvPr>
-        </p:nvSpPr>
-        <p:spPr/>
-        <p:txBody>
-          <a:bodyPr/>
-          <a:lstStyle/>
-          <a:p>
-            <a:fld id="{564B1479-74DF-4380-85F6-AB0A2FFC7165}" type="slidenum">
-              <a:rPr lang="en-US" smtClean="0"/>
-              <a:t>16</a:t>
-            </a:fld>
-            <a:endParaRPr lang="en-US"/>
-          </a:p>
-        </p:txBody>
-      </p:sp>
-      <p:sp>
-        <p:nvSpPr>
-          <p:cNvPr id="3" name="Rectangle 2">
-            <a:extLst>
-              <a:ext uri="{FF2B5EF4-FFF2-40B4-BE49-F238E27FC236}">
-                <a16:creationId xmlns:a16="http://schemas.microsoft.com/office/drawing/2014/main" id="{4FC514C2-2D7C-4314-A8A3-CBEDF59F39AC}"/>
+                <a16:creationId xmlns:a16="http://schemas.microsoft.com/office/drawing/2014/main" id="{1EFAD248-1495-4341-9B64-31A4A8F2C510}"/>
               </a:ext>
             </a:extLst>
           </p:cNvPr>
@@ -23307,130 +27570,8 @@
         </p:nvSpPr>
         <p:spPr>
           <a:xfrm>
-            <a:off x="2439955" y="6413699"/>
-            <a:ext cx="4572000" cy="307777"/>
-          </a:xfrm>
-          <a:prstGeom prst="rect">
-            <a:avLst/>
-          </a:prstGeom>
-        </p:spPr>
-        <p:txBody>
-          <a:bodyPr>
-            <a:spAutoFit/>
-          </a:bodyPr>
-          <a:lstStyle/>
-          <a:p>
-            <a:r>
-              <a:rPr lang="en-US" sz="1400" dirty="0">
-                <a:hlinkClick r:id="rId2"/>
-              </a:rPr>
-              <a:t>https://pvlib-python.readthedocs.io/en/latest/forecasts.htm</a:t>
-            </a:r>
-            <a:r>
-              <a:rPr lang="en-US" sz="1400" dirty="0"/>
-              <a:t> </a:t>
-            </a:r>
-          </a:p>
-        </p:txBody>
-      </p:sp>
-      <p:sp>
-        <p:nvSpPr>
-          <p:cNvPr id="15" name="Rectangle 14">
-            <a:extLst>
-              <a:ext uri="{FF2B5EF4-FFF2-40B4-BE49-F238E27FC236}">
-                <a16:creationId xmlns:a16="http://schemas.microsoft.com/office/drawing/2014/main" id="{FA4FDAA9-6165-4710-8F03-A56EC731447B}"/>
-              </a:ext>
-            </a:extLst>
-          </p:cNvPr>
-          <p:cNvSpPr/>
-          <p:nvPr/>
-        </p:nvSpPr>
-        <p:spPr>
-          <a:xfrm>
-            <a:off x="1621193" y="470850"/>
-            <a:ext cx="5901613" cy="369332"/>
-          </a:xfrm>
-          <a:prstGeom prst="rect">
-            <a:avLst/>
-          </a:prstGeom>
-        </p:spPr>
-        <p:txBody>
-          <a:bodyPr wrap="square">
-            <a:spAutoFit/>
-          </a:bodyPr>
-          <a:lstStyle/>
-          <a:p>
-            <a:pPr algn="ctr"/>
-            <a:r>
-              <a:rPr lang="en-US" dirty="0"/>
-              <a:t>Time series of Solar Power (W)</a:t>
-            </a:r>
-          </a:p>
-        </p:txBody>
-      </p:sp>
-      <p:pic>
-        <p:nvPicPr>
-          <p:cNvPr id="4098" name="Picture 2">
-            <a:extLst>
-              <a:ext uri="{FF2B5EF4-FFF2-40B4-BE49-F238E27FC236}">
-                <a16:creationId xmlns:a16="http://schemas.microsoft.com/office/drawing/2014/main" id="{324EEDD2-185A-4913-99FC-D0F0D8FE80EE}"/>
-              </a:ext>
-            </a:extLst>
-          </p:cNvPr>
-          <p:cNvPicPr>
-            <a:picLocks noChangeAspect="1" noChangeArrowheads="1"/>
-          </p:cNvPicPr>
-          <p:nvPr/>
-        </p:nvPicPr>
-        <p:blipFill>
-          <a:blip r:embed="rId3">
-            <a:extLst>
-              <a:ext uri="{28A0092B-C50C-407E-A947-70E740481C1C}">
-                <a14:useLocalDpi xmlns:a14="http://schemas.microsoft.com/office/drawing/2010/main" val="0"/>
-              </a:ext>
-            </a:extLst>
-          </a:blip>
-          <a:srcRect/>
-          <a:stretch>
-            <a:fillRect/>
-          </a:stretch>
-        </p:blipFill>
-        <p:spPr bwMode="auto">
-          <a:xfrm>
-            <a:off x="18664" y="840182"/>
-            <a:ext cx="3914775" cy="2571750"/>
-          </a:xfrm>
-          <a:prstGeom prst="rect">
-            <a:avLst/>
-          </a:prstGeom>
-          <a:noFill/>
-          <a:extLst>
-            <a:ext uri="{909E8E84-426E-40DD-AFC4-6F175D3DCCD1}">
-              <a14:hiddenFill xmlns:a14="http://schemas.microsoft.com/office/drawing/2010/main">
-                <a:solidFill>
-                  <a:srgbClr val="FFFFFF"/>
-                </a:solidFill>
-              </a14:hiddenFill>
-            </a:ext>
-          </a:extLst>
-        </p:spPr>
-      </p:pic>
-      <p:sp>
-        <p:nvSpPr>
-          <p:cNvPr id="16" name="Rectangle 15">
-            <a:extLst>
-              <a:ext uri="{FF2B5EF4-FFF2-40B4-BE49-F238E27FC236}">
-                <a16:creationId xmlns:a16="http://schemas.microsoft.com/office/drawing/2014/main" id="{3274A1AC-EC27-4313-A4FB-AF0C63CBC6F2}"/>
-              </a:ext>
-            </a:extLst>
-          </p:cNvPr>
-          <p:cNvSpPr/>
-          <p:nvPr/>
-        </p:nvSpPr>
-        <p:spPr>
-          <a:xfrm>
-            <a:off x="3464338" y="101518"/>
-            <a:ext cx="2331600" cy="369332"/>
+            <a:off x="2969815" y="88599"/>
+            <a:ext cx="3346044" cy="369332"/>
           </a:xfrm>
           <a:prstGeom prst="rect">
             <a:avLst/>
@@ -23444,156 +27585,15 @@
           <a:p>
             <a:r>
               <a:rPr lang="en-US" b="1" dirty="0"/>
-              <a:t>Solar Energy Modeling</a:t>
+              <a:t>Solar Energy Resources Modeling</a:t>
             </a:r>
           </a:p>
         </p:txBody>
       </p:sp>
-      <p:pic>
-        <p:nvPicPr>
-          <p:cNvPr id="4100" name="Picture 4">
-            <a:extLst>
-              <a:ext uri="{FF2B5EF4-FFF2-40B4-BE49-F238E27FC236}">
-                <a16:creationId xmlns:a16="http://schemas.microsoft.com/office/drawing/2014/main" id="{D188DF78-AB13-43B5-A7AA-2ED348128890}"/>
-              </a:ext>
-            </a:extLst>
-          </p:cNvPr>
-          <p:cNvPicPr>
-            <a:picLocks noChangeAspect="1" noChangeArrowheads="1"/>
-          </p:cNvPicPr>
-          <p:nvPr/>
-        </p:nvPicPr>
-        <p:blipFill>
-          <a:blip r:embed="rId4">
-            <a:extLst>
-              <a:ext uri="{28A0092B-C50C-407E-A947-70E740481C1C}">
-                <a14:useLocalDpi xmlns:a14="http://schemas.microsoft.com/office/drawing/2010/main" val="0"/>
-              </a:ext>
-            </a:extLst>
-          </a:blip>
-          <a:srcRect/>
-          <a:stretch>
-            <a:fillRect/>
-          </a:stretch>
-        </p:blipFill>
-        <p:spPr bwMode="auto">
-          <a:xfrm>
-            <a:off x="13998" y="3598266"/>
-            <a:ext cx="3914775" cy="2571750"/>
-          </a:xfrm>
-          <a:prstGeom prst="rect">
-            <a:avLst/>
-          </a:prstGeom>
-          <a:noFill/>
-          <a:extLst>
-            <a:ext uri="{909E8E84-426E-40DD-AFC4-6F175D3DCCD1}">
-              <a14:hiddenFill xmlns:a14="http://schemas.microsoft.com/office/drawing/2010/main">
-                <a:solidFill>
-                  <a:srgbClr val="FFFFFF"/>
-                </a:solidFill>
-              </a14:hiddenFill>
-            </a:ext>
-          </a:extLst>
-        </p:spPr>
-      </p:pic>
-      <p:pic>
-        <p:nvPicPr>
-          <p:cNvPr id="18" name="Picture 10">
-            <a:extLst>
-              <a:ext uri="{FF2B5EF4-FFF2-40B4-BE49-F238E27FC236}">
-                <a16:creationId xmlns:a16="http://schemas.microsoft.com/office/drawing/2014/main" id="{6FC14E0C-218B-417D-B958-085664097B18}"/>
-              </a:ext>
-            </a:extLst>
-          </p:cNvPr>
-          <p:cNvPicPr>
-            <a:picLocks noChangeAspect="1" noChangeArrowheads="1"/>
-          </p:cNvPicPr>
-          <p:nvPr/>
-        </p:nvPicPr>
-        <p:blipFill>
-          <a:blip r:embed="rId5">
-            <a:extLst>
-              <a:ext uri="{28A0092B-C50C-407E-A947-70E740481C1C}">
-                <a14:useLocalDpi xmlns:a14="http://schemas.microsoft.com/office/drawing/2010/main" val="0"/>
-              </a:ext>
-            </a:extLst>
-          </a:blip>
-          <a:srcRect/>
-          <a:stretch>
-            <a:fillRect/>
-          </a:stretch>
-        </p:blipFill>
-        <p:spPr bwMode="auto">
-          <a:xfrm>
-            <a:off x="5229225" y="840182"/>
-            <a:ext cx="3914775" cy="2571750"/>
-          </a:xfrm>
-          <a:prstGeom prst="rect">
-            <a:avLst/>
-          </a:prstGeom>
-          <a:noFill/>
-          <a:extLst>
-            <a:ext uri="{909E8E84-426E-40DD-AFC4-6F175D3DCCD1}">
-              <a14:hiddenFill xmlns:a14="http://schemas.microsoft.com/office/drawing/2010/main">
-                <a:solidFill>
-                  <a:srgbClr val="FFFFFF"/>
-                </a:solidFill>
-              </a14:hiddenFill>
-            </a:ext>
-          </a:extLst>
-        </p:spPr>
-      </p:pic>
-      <p:pic>
-        <p:nvPicPr>
-          <p:cNvPr id="4102" name="Picture 6">
-            <a:extLst>
-              <a:ext uri="{FF2B5EF4-FFF2-40B4-BE49-F238E27FC236}">
-                <a16:creationId xmlns:a16="http://schemas.microsoft.com/office/drawing/2014/main" id="{4168306A-4797-4769-A08D-CCD24A4D41A1}"/>
-              </a:ext>
-            </a:extLst>
-          </p:cNvPr>
-          <p:cNvPicPr>
-            <a:picLocks noChangeAspect="1" noChangeArrowheads="1"/>
-          </p:cNvPicPr>
-          <p:nvPr/>
-        </p:nvPicPr>
-        <p:blipFill>
-          <a:blip r:embed="rId6">
-            <a:extLst>
-              <a:ext uri="{28A0092B-C50C-407E-A947-70E740481C1C}">
-                <a14:useLocalDpi xmlns:a14="http://schemas.microsoft.com/office/drawing/2010/main" val="0"/>
-              </a:ext>
-            </a:extLst>
-          </a:blip>
-          <a:srcRect/>
-          <a:stretch>
-            <a:fillRect/>
-          </a:stretch>
-        </p:blipFill>
-        <p:spPr bwMode="auto">
-          <a:xfrm>
-            <a:off x="5215227" y="3598266"/>
-            <a:ext cx="3914775" cy="2571750"/>
-          </a:xfrm>
-          <a:prstGeom prst="rect">
-            <a:avLst/>
-          </a:prstGeom>
-          <a:noFill/>
-          <a:extLst>
-            <a:ext uri="{909E8E84-426E-40DD-AFC4-6F175D3DCCD1}">
-              <a14:hiddenFill xmlns:a14="http://schemas.microsoft.com/office/drawing/2010/main">
-                <a:solidFill>
-                  <a:srgbClr val="FFFFFF"/>
-                </a:solidFill>
-              </a14:hiddenFill>
-            </a:ext>
-          </a:extLst>
-        </p:spPr>
-      </p:pic>
     </p:spTree>
     <p:extLst>
       <p:ext uri="{BB962C8B-B14F-4D97-AF65-F5344CB8AC3E}">
-        <p14:creationId xmlns:p14="http://schemas.microsoft.com/office/powerpoint/2010/main" val="3647346011"/>
+        <p14:creationId xmlns:p14="http://schemas.microsoft.com/office/powerpoint/2010/main" val="272035751"/>
       </p:ext>
     </p:extLst>
   </p:cSld>
@@ -23672,6 +27672,350 @@
             <a:fld id="{564B1479-74DF-4380-85F6-AB0A2FFC7165}" type="slidenum">
               <a:rPr lang="en-US" smtClean="0"/>
               <a:t>17</a:t>
+            </a:fld>
+            <a:endParaRPr lang="en-US"/>
+          </a:p>
+        </p:txBody>
+      </p:sp>
+      <p:sp>
+        <p:nvSpPr>
+          <p:cNvPr id="15" name="Rectangle 14">
+            <a:extLst>
+              <a:ext uri="{FF2B5EF4-FFF2-40B4-BE49-F238E27FC236}">
+                <a16:creationId xmlns:a16="http://schemas.microsoft.com/office/drawing/2014/main" id="{FA4FDAA9-6165-4710-8F03-A56EC731447B}"/>
+              </a:ext>
+            </a:extLst>
+          </p:cNvPr>
+          <p:cNvSpPr/>
+          <p:nvPr/>
+        </p:nvSpPr>
+        <p:spPr>
+          <a:xfrm>
+            <a:off x="60650" y="470850"/>
+            <a:ext cx="9064686" cy="369332"/>
+          </a:xfrm>
+          <a:prstGeom prst="rect">
+            <a:avLst/>
+          </a:prstGeom>
+        </p:spPr>
+        <p:txBody>
+          <a:bodyPr wrap="square">
+            <a:spAutoFit/>
+          </a:bodyPr>
+          <a:lstStyle/>
+          <a:p>
+            <a:pPr algn="ctr"/>
+            <a:r>
+              <a:rPr lang="en-US" dirty="0"/>
+              <a:t>Time series of Solar Power (W), for a solar plant with 15*300 PV modules (220W for each)</a:t>
+            </a:r>
+          </a:p>
+        </p:txBody>
+      </p:sp>
+      <p:pic>
+        <p:nvPicPr>
+          <p:cNvPr id="4098" name="Picture 2">
+            <a:extLst>
+              <a:ext uri="{FF2B5EF4-FFF2-40B4-BE49-F238E27FC236}">
+                <a16:creationId xmlns:a16="http://schemas.microsoft.com/office/drawing/2014/main" id="{324EEDD2-185A-4913-99FC-D0F0D8FE80EE}"/>
+              </a:ext>
+            </a:extLst>
+          </p:cNvPr>
+          <p:cNvPicPr>
+            <a:picLocks noChangeAspect="1" noChangeArrowheads="1"/>
+          </p:cNvPicPr>
+          <p:nvPr/>
+        </p:nvPicPr>
+        <p:blipFill>
+          <a:blip r:embed="rId2">
+            <a:extLst>
+              <a:ext uri="{28A0092B-C50C-407E-A947-70E740481C1C}">
+                <a14:useLocalDpi xmlns:a14="http://schemas.microsoft.com/office/drawing/2010/main" val="0"/>
+              </a:ext>
+            </a:extLst>
+          </a:blip>
+          <a:srcRect/>
+          <a:stretch>
+            <a:fillRect/>
+          </a:stretch>
+        </p:blipFill>
+        <p:spPr bwMode="auto">
+          <a:xfrm>
+            <a:off x="18664" y="840182"/>
+            <a:ext cx="3914775" cy="2571750"/>
+          </a:xfrm>
+          <a:prstGeom prst="rect">
+            <a:avLst/>
+          </a:prstGeom>
+          <a:noFill/>
+          <a:extLst>
+            <a:ext uri="{909E8E84-426E-40DD-AFC4-6F175D3DCCD1}">
+              <a14:hiddenFill xmlns:a14="http://schemas.microsoft.com/office/drawing/2010/main">
+                <a:solidFill>
+                  <a:srgbClr val="FFFFFF"/>
+                </a:solidFill>
+              </a14:hiddenFill>
+            </a:ext>
+          </a:extLst>
+        </p:spPr>
+      </p:pic>
+      <p:pic>
+        <p:nvPicPr>
+          <p:cNvPr id="4100" name="Picture 4">
+            <a:extLst>
+              <a:ext uri="{FF2B5EF4-FFF2-40B4-BE49-F238E27FC236}">
+                <a16:creationId xmlns:a16="http://schemas.microsoft.com/office/drawing/2014/main" id="{D188DF78-AB13-43B5-A7AA-2ED348128890}"/>
+              </a:ext>
+            </a:extLst>
+          </p:cNvPr>
+          <p:cNvPicPr>
+            <a:picLocks noChangeAspect="1" noChangeArrowheads="1"/>
+          </p:cNvPicPr>
+          <p:nvPr/>
+        </p:nvPicPr>
+        <p:blipFill>
+          <a:blip r:embed="rId3">
+            <a:extLst>
+              <a:ext uri="{28A0092B-C50C-407E-A947-70E740481C1C}">
+                <a14:useLocalDpi xmlns:a14="http://schemas.microsoft.com/office/drawing/2010/main" val="0"/>
+              </a:ext>
+            </a:extLst>
+          </a:blip>
+          <a:srcRect/>
+          <a:stretch>
+            <a:fillRect/>
+          </a:stretch>
+        </p:blipFill>
+        <p:spPr bwMode="auto">
+          <a:xfrm>
+            <a:off x="13998" y="3598266"/>
+            <a:ext cx="3914775" cy="2571750"/>
+          </a:xfrm>
+          <a:prstGeom prst="rect">
+            <a:avLst/>
+          </a:prstGeom>
+          <a:noFill/>
+          <a:extLst>
+            <a:ext uri="{909E8E84-426E-40DD-AFC4-6F175D3DCCD1}">
+              <a14:hiddenFill xmlns:a14="http://schemas.microsoft.com/office/drawing/2010/main">
+                <a:solidFill>
+                  <a:srgbClr val="FFFFFF"/>
+                </a:solidFill>
+              </a14:hiddenFill>
+            </a:ext>
+          </a:extLst>
+        </p:spPr>
+      </p:pic>
+      <p:pic>
+        <p:nvPicPr>
+          <p:cNvPr id="18" name="Picture 10">
+            <a:extLst>
+              <a:ext uri="{FF2B5EF4-FFF2-40B4-BE49-F238E27FC236}">
+                <a16:creationId xmlns:a16="http://schemas.microsoft.com/office/drawing/2014/main" id="{6FC14E0C-218B-417D-B958-085664097B18}"/>
+              </a:ext>
+            </a:extLst>
+          </p:cNvPr>
+          <p:cNvPicPr>
+            <a:picLocks noChangeAspect="1" noChangeArrowheads="1"/>
+          </p:cNvPicPr>
+          <p:nvPr/>
+        </p:nvPicPr>
+        <p:blipFill>
+          <a:blip r:embed="rId4">
+            <a:extLst>
+              <a:ext uri="{28A0092B-C50C-407E-A947-70E740481C1C}">
+                <a14:useLocalDpi xmlns:a14="http://schemas.microsoft.com/office/drawing/2010/main" val="0"/>
+              </a:ext>
+            </a:extLst>
+          </a:blip>
+          <a:srcRect/>
+          <a:stretch>
+            <a:fillRect/>
+          </a:stretch>
+        </p:blipFill>
+        <p:spPr bwMode="auto">
+          <a:xfrm>
+            <a:off x="5229225" y="840182"/>
+            <a:ext cx="3914775" cy="2571750"/>
+          </a:xfrm>
+          <a:prstGeom prst="rect">
+            <a:avLst/>
+          </a:prstGeom>
+          <a:noFill/>
+          <a:extLst>
+            <a:ext uri="{909E8E84-426E-40DD-AFC4-6F175D3DCCD1}">
+              <a14:hiddenFill xmlns:a14="http://schemas.microsoft.com/office/drawing/2010/main">
+                <a:solidFill>
+                  <a:srgbClr val="FFFFFF"/>
+                </a:solidFill>
+              </a14:hiddenFill>
+            </a:ext>
+          </a:extLst>
+        </p:spPr>
+      </p:pic>
+      <p:pic>
+        <p:nvPicPr>
+          <p:cNvPr id="4102" name="Picture 6">
+            <a:extLst>
+              <a:ext uri="{FF2B5EF4-FFF2-40B4-BE49-F238E27FC236}">
+                <a16:creationId xmlns:a16="http://schemas.microsoft.com/office/drawing/2014/main" id="{4168306A-4797-4769-A08D-CCD24A4D41A1}"/>
+              </a:ext>
+            </a:extLst>
+          </p:cNvPr>
+          <p:cNvPicPr>
+            <a:picLocks noChangeAspect="1" noChangeArrowheads="1"/>
+          </p:cNvPicPr>
+          <p:nvPr/>
+        </p:nvPicPr>
+        <p:blipFill>
+          <a:blip r:embed="rId5">
+            <a:extLst>
+              <a:ext uri="{28A0092B-C50C-407E-A947-70E740481C1C}">
+                <a14:useLocalDpi xmlns:a14="http://schemas.microsoft.com/office/drawing/2010/main" val="0"/>
+              </a:ext>
+            </a:extLst>
+          </a:blip>
+          <a:srcRect/>
+          <a:stretch>
+            <a:fillRect/>
+          </a:stretch>
+        </p:blipFill>
+        <p:spPr bwMode="auto">
+          <a:xfrm>
+            <a:off x="5215227" y="3598266"/>
+            <a:ext cx="3914775" cy="2571750"/>
+          </a:xfrm>
+          <a:prstGeom prst="rect">
+            <a:avLst/>
+          </a:prstGeom>
+          <a:noFill/>
+          <a:extLst>
+            <a:ext uri="{909E8E84-426E-40DD-AFC4-6F175D3DCCD1}">
+              <a14:hiddenFill xmlns:a14="http://schemas.microsoft.com/office/drawing/2010/main">
+                <a:solidFill>
+                  <a:srgbClr val="FFFFFF"/>
+                </a:solidFill>
+              </a14:hiddenFill>
+            </a:ext>
+          </a:extLst>
+        </p:spPr>
+      </p:pic>
+      <p:sp>
+        <p:nvSpPr>
+          <p:cNvPr id="11" name="Rectangle 10">
+            <a:extLst>
+              <a:ext uri="{FF2B5EF4-FFF2-40B4-BE49-F238E27FC236}">
+                <a16:creationId xmlns:a16="http://schemas.microsoft.com/office/drawing/2014/main" id="{54078547-650F-496E-BF1D-74DFD55D2C0A}"/>
+              </a:ext>
+            </a:extLst>
+          </p:cNvPr>
+          <p:cNvSpPr/>
+          <p:nvPr/>
+        </p:nvSpPr>
+        <p:spPr>
+          <a:xfrm>
+            <a:off x="2969815" y="88599"/>
+            <a:ext cx="3346044" cy="369332"/>
+          </a:xfrm>
+          <a:prstGeom prst="rect">
+            <a:avLst/>
+          </a:prstGeom>
+        </p:spPr>
+        <p:txBody>
+          <a:bodyPr wrap="none">
+            <a:spAutoFit/>
+          </a:bodyPr>
+          <a:lstStyle/>
+          <a:p>
+            <a:r>
+              <a:rPr lang="en-US" b="1" dirty="0"/>
+              <a:t>Solar Energy Resources Modeling</a:t>
+            </a:r>
+          </a:p>
+        </p:txBody>
+      </p:sp>
+    </p:spTree>
+    <p:extLst>
+      <p:ext uri="{BB962C8B-B14F-4D97-AF65-F5344CB8AC3E}">
+        <p14:creationId xmlns:p14="http://schemas.microsoft.com/office/powerpoint/2010/main" val="3647346011"/>
+      </p:ext>
+    </p:extLst>
+  </p:cSld>
+  <p:clrMapOvr>
+    <a:masterClrMapping/>
+  </p:clrMapOvr>
+</p:sld>
+</file>
+
+<file path=ppt/slides/slide18.xml><?xml version="1.0" encoding="utf-8"?>
+<p:sld xmlns:a="http://schemas.openxmlformats.org/drawingml/2006/main" xmlns:r="http://schemas.openxmlformats.org/officeDocument/2006/relationships" xmlns:p="http://schemas.openxmlformats.org/presentationml/2006/main">
+  <p:cSld>
+    <p:spTree>
+      <p:nvGrpSpPr>
+        <p:cNvPr id="1" name=""/>
+        <p:cNvGrpSpPr/>
+        <p:nvPr/>
+      </p:nvGrpSpPr>
+      <p:grpSpPr>
+        <a:xfrm>
+          <a:off x="0" y="0"/>
+          <a:ext cx="0" cy="0"/>
+          <a:chOff x="0" y="0"/>
+          <a:chExt cx="0" cy="0"/>
+        </a:xfrm>
+      </p:grpSpPr>
+      <p:sp>
+        <p:nvSpPr>
+          <p:cNvPr id="2" name="Date Placeholder 1">
+            <a:extLst>
+              <a:ext uri="{FF2B5EF4-FFF2-40B4-BE49-F238E27FC236}">
+                <a16:creationId xmlns:a16="http://schemas.microsoft.com/office/drawing/2014/main" id="{E5C7501F-05AD-4696-A094-872D500C6BEE}"/>
+              </a:ext>
+            </a:extLst>
+          </p:cNvPr>
+          <p:cNvSpPr>
+            <a:spLocks noGrp="1"/>
+          </p:cNvSpPr>
+          <p:nvPr>
+            <p:ph type="dt" sz="half" idx="10"/>
+          </p:nvPr>
+        </p:nvSpPr>
+        <p:spPr/>
+        <p:txBody>
+          <a:bodyPr/>
+          <a:lstStyle/>
+          <a:p>
+            <a:r>
+              <a:rPr lang="en-US"/>
+              <a:t>8/6/2019</a:t>
+            </a:r>
+          </a:p>
+        </p:txBody>
+      </p:sp>
+      <p:sp>
+        <p:nvSpPr>
+          <p:cNvPr id="4" name="Slide Number Placeholder 3">
+            <a:extLst>
+              <a:ext uri="{FF2B5EF4-FFF2-40B4-BE49-F238E27FC236}">
+                <a16:creationId xmlns:a16="http://schemas.microsoft.com/office/drawing/2014/main" id="{025CB2AE-DF2C-4873-8659-B4DBC48FA091}"/>
+              </a:ext>
+            </a:extLst>
+          </p:cNvPr>
+          <p:cNvSpPr>
+            <a:spLocks noGrp="1"/>
+          </p:cNvSpPr>
+          <p:nvPr>
+            <p:ph type="sldNum" sz="quarter" idx="12"/>
+          </p:nvPr>
+        </p:nvSpPr>
+        <p:spPr/>
+        <p:txBody>
+          <a:bodyPr/>
+          <a:lstStyle/>
+          <a:p>
+            <a:fld id="{564B1479-74DF-4380-85F6-AB0A2FFC7165}" type="slidenum">
+              <a:rPr lang="en-US" smtClean="0"/>
+              <a:t>18</a:t>
             </a:fld>
             <a:endParaRPr lang="en-US"/>
           </a:p>
@@ -25823,8 +30167,8 @@
         </p:nvSpPr>
         <p:spPr>
           <a:xfrm>
-            <a:off x="3464338" y="101518"/>
-            <a:ext cx="2331600" cy="369332"/>
+            <a:off x="2956762" y="110819"/>
+            <a:ext cx="3346750" cy="369332"/>
           </a:xfrm>
           <a:prstGeom prst="rect">
             <a:avLst/>
@@ -25838,7 +30182,51 @@
           <a:p>
             <a:r>
               <a:rPr lang="en-US" b="1" dirty="0"/>
-              <a:t>Solar Energy Modeling</a:t>
+              <a:t>Solar Energy Resources Modeling</a:t>
+            </a:r>
+          </a:p>
+        </p:txBody>
+      </p:sp>
+      <p:sp>
+        <p:nvSpPr>
+          <p:cNvPr id="3" name="Rectangle 2">
+            <a:extLst>
+              <a:ext uri="{FF2B5EF4-FFF2-40B4-BE49-F238E27FC236}">
+                <a16:creationId xmlns:a16="http://schemas.microsoft.com/office/drawing/2014/main" id="{DDED47BB-55E1-4C43-BB44-48E5304E2385}"/>
+              </a:ext>
+            </a:extLst>
+          </p:cNvPr>
+          <p:cNvSpPr/>
+          <p:nvPr/>
+        </p:nvSpPr>
+        <p:spPr>
+          <a:xfrm>
+            <a:off x="0" y="936181"/>
+            <a:ext cx="4952638" cy="369332"/>
+          </a:xfrm>
+          <a:prstGeom prst="rect">
+            <a:avLst/>
+          </a:prstGeom>
+        </p:spPr>
+        <p:txBody>
+          <a:bodyPr wrap="none">
+            <a:spAutoFit/>
+          </a:bodyPr>
+          <a:lstStyle/>
+          <a:p>
+            <a:r>
+              <a:rPr lang="en-US" dirty="0"/>
+              <a:t>For 1 PV module (220W, </a:t>
+            </a:r>
+            <a:r>
+              <a:rPr lang="en-US" altLang="en-US" b="1" dirty="0">
+                <a:cs typeface="Arial" panose="020B0604020202020204" pitchFamily="34" charset="0"/>
+              </a:rPr>
+              <a:t>PV Module CS5P-220M</a:t>
+            </a:r>
+            <a:r>
+              <a:rPr lang="en-US" dirty="0"/>
+              <a:t>)</a:t>
             </a:r>
           </a:p>
         </p:txBody>
@@ -25856,7 +30244,7 @@
 </p:sld>
 </file>
 
-<file path=ppt/slides/slide18.xml><?xml version="1.0" encoding="utf-8"?>
+<file path=ppt/slides/slide19.xml><?xml version="1.0" encoding="utf-8"?>
 <p:sld xmlns:a="http://schemas.openxmlformats.org/drawingml/2006/main" xmlns:r="http://schemas.openxmlformats.org/officeDocument/2006/relationships" xmlns:p="http://schemas.openxmlformats.org/presentationml/2006/main">
   <p:cSld>
     <p:spTree>
@@ -25924,7 +30312,7 @@
           <a:p>
             <a:fld id="{564B1479-74DF-4380-85F6-AB0A2FFC7165}" type="slidenum">
               <a:rPr lang="en-US" smtClean="0"/>
-              <a:t>18</a:t>
+              <a:t>19</a:t>
             </a:fld>
             <a:endParaRPr lang="en-US"/>
           </a:p>
@@ -28263,8 +32651,8 @@
         </p:nvSpPr>
         <p:spPr>
           <a:xfrm>
-            <a:off x="2951154" y="112686"/>
-            <a:ext cx="3311035" cy="369332"/>
+            <a:off x="2409260" y="105918"/>
+            <a:ext cx="4325479" cy="369332"/>
           </a:xfrm>
           <a:prstGeom prst="rect">
             <a:avLst/>
@@ -28278,7 +32666,7 @@
           <a:p>
             <a:r>
               <a:rPr lang="en-US" b="1" dirty="0"/>
-              <a:t>Wind and Solar Energy Modeling</a:t>
+              <a:t>Wind and Solar Energy Resources Modeling</a:t>
             </a:r>
           </a:p>
         </p:txBody>
@@ -28296,7 +32684,123 @@
 </p:sld>
 </file>
 
-<file path=ppt/slides/slide19.xml><?xml version="1.0" encoding="utf-8"?>
+<file path=ppt/slides/slide2.xml><?xml version="1.0" encoding="utf-8"?>
+<p:sld xmlns:a="http://schemas.openxmlformats.org/drawingml/2006/main" xmlns:r="http://schemas.openxmlformats.org/officeDocument/2006/relationships" xmlns:p="http://schemas.openxmlformats.org/presentationml/2006/main">
+  <p:cSld>
+    <p:spTree>
+      <p:nvGrpSpPr>
+        <p:cNvPr id="1" name=""/>
+        <p:cNvGrpSpPr/>
+        <p:nvPr/>
+      </p:nvGrpSpPr>
+      <p:grpSpPr>
+        <a:xfrm>
+          <a:off x="0" y="0"/>
+          <a:ext cx="0" cy="0"/>
+          <a:chOff x="0" y="0"/>
+          <a:chExt cx="0" cy="0"/>
+        </a:xfrm>
+      </p:grpSpPr>
+      <p:sp>
+        <p:nvSpPr>
+          <p:cNvPr id="4" name="Slide Number Placeholder 3"/>
+          <p:cNvSpPr>
+            <a:spLocks noGrp="1"/>
+          </p:cNvSpPr>
+          <p:nvPr>
+            <p:ph type="sldNum" sz="quarter" idx="12"/>
+          </p:nvPr>
+        </p:nvSpPr>
+        <p:spPr/>
+        <p:txBody>
+          <a:bodyPr/>
+          <a:lstStyle/>
+          <a:p>
+            <a:fld id="{10038807-1F43-C242-97ED-819D14105488}" type="slidenum">
+              <a:rPr lang="en-US" smtClean="0">
+                <a:solidFill>
+                  <a:schemeClr val="tx1"/>
+                </a:solidFill>
+              </a:rPr>
+              <a:t>2</a:t>
+            </a:fld>
+            <a:endParaRPr lang="en-US" dirty="0">
+              <a:solidFill>
+                <a:schemeClr val="tx1"/>
+              </a:solidFill>
+            </a:endParaRPr>
+          </a:p>
+        </p:txBody>
+      </p:sp>
+      <p:graphicFrame>
+        <p:nvGraphicFramePr>
+          <p:cNvPr id="5" name="Diagram 4"/>
+          <p:cNvGraphicFramePr/>
+          <p:nvPr>
+            <p:extLst>
+              <p:ext uri="{D42A27DB-BD31-4B8C-83A1-F6EECF244321}">
+                <p14:modId xmlns:p14="http://schemas.microsoft.com/office/powerpoint/2010/main" val="3557623080"/>
+              </p:ext>
+            </p:extLst>
+          </p:nvPr>
+        </p:nvGraphicFramePr>
+        <p:xfrm>
+          <a:off x="1771650" y="1028701"/>
+          <a:ext cx="5943600" cy="4235450"/>
+        </p:xfrm>
+        <a:graphic>
+          <a:graphicData uri="http://schemas.openxmlformats.org/drawingml/2006/diagram">
+            <dgm:relIds xmlns:dgm="http://schemas.openxmlformats.org/drawingml/2006/diagram" xmlns:r="http://schemas.openxmlformats.org/officeDocument/2006/relationships" r:dm="rId2" r:lo="rId3" r:qs="rId4" r:cs="rId5"/>
+          </a:graphicData>
+        </a:graphic>
+      </p:graphicFrame>
+      <p:sp>
+        <p:nvSpPr>
+          <p:cNvPr id="6" name="Date Placeholder 1">
+            <a:extLst>
+              <a:ext uri="{FF2B5EF4-FFF2-40B4-BE49-F238E27FC236}">
+                <a16:creationId xmlns:a16="http://schemas.microsoft.com/office/drawing/2014/main" id="{692AD37A-9EC1-4F6F-9640-352DD1C6BD89}"/>
+              </a:ext>
+            </a:extLst>
+          </p:cNvPr>
+          <p:cNvSpPr>
+            <a:spLocks noGrp="1"/>
+          </p:cNvSpPr>
+          <p:nvPr>
+            <p:ph type="dt" sz="half" idx="10"/>
+          </p:nvPr>
+        </p:nvSpPr>
+        <p:spPr>
+          <a:xfrm>
+            <a:off x="628650" y="6356351"/>
+            <a:ext cx="2057400" cy="365125"/>
+          </a:xfrm>
+        </p:spPr>
+        <p:txBody>
+          <a:bodyPr/>
+          <a:lstStyle/>
+          <a:p>
+            <a:r>
+              <a:rPr lang="en-US" dirty="0"/>
+              <a:t>8/6/2019</a:t>
+            </a:r>
+          </a:p>
+        </p:txBody>
+      </p:sp>
+    </p:spTree>
+    <p:extLst>
+      <p:ext uri="{BB962C8B-B14F-4D97-AF65-F5344CB8AC3E}">
+        <p14:creationId xmlns:p14="http://schemas.microsoft.com/office/powerpoint/2010/main" val="3405449710"/>
+      </p:ext>
+    </p:extLst>
+  </p:cSld>
+  <p:clrMapOvr>
+    <a:masterClrMapping/>
+  </p:clrMapOvr>
+</p:sld>
+</file>
+
+<file path=ppt/slides/slide20.xml><?xml version="1.0" encoding="utf-8"?>
 <p:sld xmlns:a="http://schemas.openxmlformats.org/drawingml/2006/main" xmlns:r="http://schemas.openxmlformats.org/officeDocument/2006/relationships" xmlns:p="http://schemas.openxmlformats.org/presentationml/2006/main">
   <p:cSld>
     <p:spTree>
@@ -28327,8 +32831,8 @@
         </p:nvSpPr>
         <p:spPr>
           <a:xfrm>
-            <a:off x="3464338" y="101518"/>
-            <a:ext cx="2331600" cy="369332"/>
+            <a:off x="2969815" y="88599"/>
+            <a:ext cx="3346044" cy="369332"/>
           </a:xfrm>
           <a:prstGeom prst="rect">
             <a:avLst/>
@@ -28342,7 +32846,7 @@
           <a:p>
             <a:r>
               <a:rPr lang="en-US" b="1" dirty="0"/>
-              <a:t>Solar Energy Modeling</a:t>
+              <a:t>Solar Energy Resources Modeling</a:t>
             </a:r>
           </a:p>
         </p:txBody>
@@ -28408,7 +32912,7 @@
           <a:p>
             <a:fld id="{564B1479-74DF-4380-85F6-AB0A2FFC7165}" type="slidenum">
               <a:rPr lang="en-US" smtClean="0"/>
-              <a:t>19</a:t>
+              <a:t>20</a:t>
             </a:fld>
             <a:endParaRPr lang="en-US"/>
           </a:p>
@@ -28666,299 +33170,7 @@
 </p:sld>
 </file>
 
-<file path=ppt/slides/slide2.xml><?xml version="1.0" encoding="utf-8"?>
-<p:sld xmlns:a="http://schemas.openxmlformats.org/drawingml/2006/main" xmlns:r="http://schemas.openxmlformats.org/officeDocument/2006/relationships" xmlns:p="http://schemas.openxmlformats.org/presentationml/2006/main">
-  <p:cSld>
-    <p:spTree>
-      <p:nvGrpSpPr>
-        <p:cNvPr id="1" name=""/>
-        <p:cNvGrpSpPr/>
-        <p:nvPr/>
-      </p:nvGrpSpPr>
-      <p:grpSpPr>
-        <a:xfrm>
-          <a:off x="0" y="0"/>
-          <a:ext cx="0" cy="0"/>
-          <a:chOff x="0" y="0"/>
-          <a:chExt cx="0" cy="0"/>
-        </a:xfrm>
-      </p:grpSpPr>
-      <p:sp>
-        <p:nvSpPr>
-          <p:cNvPr id="7" name="Rectangle 6">
-            <a:extLst>
-              <a:ext uri="{FF2B5EF4-FFF2-40B4-BE49-F238E27FC236}">
-                <a16:creationId xmlns:a16="http://schemas.microsoft.com/office/drawing/2014/main" id="{997D31C5-2B1E-4062-B8AA-5A275ED23052}"/>
-              </a:ext>
-            </a:extLst>
-          </p:cNvPr>
-          <p:cNvSpPr/>
-          <p:nvPr/>
-        </p:nvSpPr>
-        <p:spPr>
-          <a:xfrm>
-            <a:off x="-10292" y="614234"/>
-            <a:ext cx="9168287" cy="1849865"/>
-          </a:xfrm>
-          <a:prstGeom prst="rect">
-            <a:avLst/>
-          </a:prstGeom>
-        </p:spPr>
-        <p:txBody>
-          <a:bodyPr wrap="square">
-            <a:spAutoFit/>
-          </a:bodyPr>
-          <a:lstStyle/>
-          <a:p>
-            <a:r>
-              <a:rPr lang="en-US" b="1" dirty="0">
-                <a:cs typeface="Times New Roman" panose="02020603050405020304" pitchFamily="18" charset="0"/>
-              </a:rPr>
-              <a:t>Mohamed Abuella</a:t>
-            </a:r>
-          </a:p>
-          <a:p>
-            <a:r>
-              <a:rPr lang="en-US" dirty="0">
-                <a:cs typeface="Times New Roman" panose="02020603050405020304" pitchFamily="18" charset="0"/>
-                <a:hlinkClick r:id="rId2"/>
-              </a:rPr>
-              <a:t>https://mohamedabuella.github.io</a:t>
-            </a:r>
-            <a:r>
-              <a:rPr lang="en-US" dirty="0">
-                <a:cs typeface="Times New Roman" panose="02020603050405020304" pitchFamily="18" charset="0"/>
-              </a:rPr>
-              <a:t> </a:t>
-            </a:r>
-            <a:endParaRPr lang="en-US" b="1" dirty="0">
-              <a:cs typeface="Times New Roman" panose="02020603050405020304" pitchFamily="18" charset="0"/>
-            </a:endParaRPr>
-          </a:p>
-          <a:p>
-            <a:pPr>
-              <a:lnSpc>
-                <a:spcPct val="150000"/>
-              </a:lnSpc>
-            </a:pPr>
-            <a:r>
-              <a:rPr lang="en-US" dirty="0">
-                <a:cs typeface="Times New Roman" panose="02020603050405020304" pitchFamily="18" charset="0"/>
-              </a:rPr>
-              <a:t>An electrical engineer by training, traditionally is interested in Mathematical and Computational Analysis, Modeling and Optimization, and who is recently get passionate in Artificial Intelligence and Data-driven Analytics for Energy and Smart Grid applications.</a:t>
-            </a:r>
-          </a:p>
-        </p:txBody>
-      </p:sp>
-      <p:sp>
-        <p:nvSpPr>
-          <p:cNvPr id="8" name="Rectangle 7">
-            <a:extLst>
-              <a:ext uri="{FF2B5EF4-FFF2-40B4-BE49-F238E27FC236}">
-                <a16:creationId xmlns:a16="http://schemas.microsoft.com/office/drawing/2014/main" id="{BAB112F6-6F4F-4B85-B758-6D4196D0C1F6}"/>
-              </a:ext>
-            </a:extLst>
-          </p:cNvPr>
-          <p:cNvSpPr/>
-          <p:nvPr/>
-        </p:nvSpPr>
-        <p:spPr>
-          <a:xfrm>
-            <a:off x="-1" y="2753116"/>
-            <a:ext cx="8782259" cy="2535566"/>
-          </a:xfrm>
-          <a:prstGeom prst="rect">
-            <a:avLst/>
-          </a:prstGeom>
-        </p:spPr>
-        <p:txBody>
-          <a:bodyPr wrap="square">
-            <a:spAutoFit/>
-          </a:bodyPr>
-          <a:lstStyle/>
-          <a:p>
-            <a:pPr>
-              <a:lnSpc>
-                <a:spcPct val="150000"/>
-              </a:lnSpc>
-            </a:pPr>
-            <a:r>
-              <a:rPr lang="en-US" b="1" dirty="0">
-                <a:cs typeface="Times New Roman" panose="02020603050405020304" pitchFamily="18" charset="0"/>
-              </a:rPr>
-              <a:t>Hobbies and Interests</a:t>
-            </a:r>
-          </a:p>
-          <a:p>
-            <a:pPr>
-              <a:lnSpc>
-                <a:spcPct val="150000"/>
-              </a:lnSpc>
-            </a:pPr>
-            <a:r>
-              <a:rPr lang="en-US" dirty="0">
-                <a:cs typeface="Times New Roman" panose="02020603050405020304" pitchFamily="18" charset="0"/>
-              </a:rPr>
-              <a:t>Making Mediterranean Food and Drink, but also try my own out-of-box recipes;</a:t>
-            </a:r>
-          </a:p>
-          <a:p>
-            <a:pPr>
-              <a:lnSpc>
-                <a:spcPct val="150000"/>
-              </a:lnSpc>
-            </a:pPr>
-            <a:r>
-              <a:rPr lang="en-US" dirty="0">
-                <a:cs typeface="Times New Roman" panose="02020603050405020304" pitchFamily="18" charset="0"/>
-              </a:rPr>
-              <a:t>Stretching, Dancing, Walking, Running, Driving, Swimming, Diving, ..and hopefully Climbing; Wondering around and Discovering New Places, ..find it kind of an adventure;</a:t>
-            </a:r>
-          </a:p>
-          <a:p>
-            <a:pPr>
-              <a:lnSpc>
-                <a:spcPct val="150000"/>
-              </a:lnSpc>
-            </a:pPr>
-            <a:r>
-              <a:rPr lang="en-US" dirty="0">
-                <a:cs typeface="Times New Roman" panose="02020603050405020304" pitchFamily="18" charset="0"/>
-              </a:rPr>
-              <a:t>Watching, Reading and Sharing Stuff on Internet, useful &amp; dumb things;</a:t>
-            </a:r>
-          </a:p>
-          <a:p>
-            <a:pPr>
-              <a:lnSpc>
-                <a:spcPct val="150000"/>
-              </a:lnSpc>
-            </a:pPr>
-            <a:r>
-              <a:rPr lang="en-US" dirty="0">
-                <a:cs typeface="Times New Roman" panose="02020603050405020304" pitchFamily="18" charset="0"/>
-              </a:rPr>
-              <a:t>And more often just.. Chilling and Enjoy Doing Nothing!</a:t>
-            </a:r>
-          </a:p>
-        </p:txBody>
-      </p:sp>
-      <p:sp>
-        <p:nvSpPr>
-          <p:cNvPr id="9" name="Rectangle 8">
-            <a:extLst>
-              <a:ext uri="{FF2B5EF4-FFF2-40B4-BE49-F238E27FC236}">
-                <a16:creationId xmlns:a16="http://schemas.microsoft.com/office/drawing/2014/main" id="{C01FC3F5-57F3-4630-B66C-EE75032C610C}"/>
-              </a:ext>
-            </a:extLst>
-          </p:cNvPr>
-          <p:cNvSpPr/>
-          <p:nvPr/>
-        </p:nvSpPr>
-        <p:spPr>
-          <a:xfrm>
-            <a:off x="0" y="94386"/>
-            <a:ext cx="9144000" cy="369332"/>
-          </a:xfrm>
-          <a:prstGeom prst="rect">
-            <a:avLst/>
-          </a:prstGeom>
-        </p:spPr>
-        <p:txBody>
-          <a:bodyPr wrap="square">
-            <a:spAutoFit/>
-          </a:bodyPr>
-          <a:lstStyle/>
-          <a:p>
-            <a:pPr algn="ctr"/>
-            <a:r>
-              <a:rPr lang="en-US" b="1" dirty="0"/>
-              <a:t>Personal Introduction</a:t>
-            </a:r>
-          </a:p>
-        </p:txBody>
-      </p:sp>
-      <p:sp>
-        <p:nvSpPr>
-          <p:cNvPr id="11" name="Date Placeholder 1">
-            <a:extLst>
-              <a:ext uri="{FF2B5EF4-FFF2-40B4-BE49-F238E27FC236}">
-                <a16:creationId xmlns:a16="http://schemas.microsoft.com/office/drawing/2014/main" id="{C54B0F67-ECF8-4F97-B7F0-B42A38179F3A}"/>
-              </a:ext>
-            </a:extLst>
-          </p:cNvPr>
-          <p:cNvSpPr>
-            <a:spLocks noGrp="1"/>
-          </p:cNvSpPr>
-          <p:nvPr>
-            <p:ph type="dt" sz="half" idx="10"/>
-          </p:nvPr>
-        </p:nvSpPr>
-        <p:spPr>
-          <a:xfrm>
-            <a:off x="628650" y="6356351"/>
-            <a:ext cx="2057400" cy="365125"/>
-          </a:xfrm>
-        </p:spPr>
-        <p:txBody>
-          <a:bodyPr/>
-          <a:lstStyle/>
-          <a:p>
-            <a:r>
-              <a:rPr lang="en-US" dirty="0"/>
-              <a:t>8/6/2019</a:t>
-            </a:r>
-          </a:p>
-        </p:txBody>
-      </p:sp>
-      <p:sp>
-        <p:nvSpPr>
-          <p:cNvPr id="12" name="Slide Number Placeholder 3">
-            <a:extLst>
-              <a:ext uri="{FF2B5EF4-FFF2-40B4-BE49-F238E27FC236}">
-                <a16:creationId xmlns:a16="http://schemas.microsoft.com/office/drawing/2014/main" id="{F71054CB-B926-418D-B281-6F53CB97DF2A}"/>
-              </a:ext>
-            </a:extLst>
-          </p:cNvPr>
-          <p:cNvSpPr>
-            <a:spLocks noGrp="1"/>
-          </p:cNvSpPr>
-          <p:nvPr>
-            <p:ph type="sldNum" sz="quarter" idx="12"/>
-          </p:nvPr>
-        </p:nvSpPr>
-        <p:spPr>
-          <a:xfrm>
-            <a:off x="6457950" y="6356351"/>
-            <a:ext cx="2057400" cy="365125"/>
-          </a:xfrm>
-        </p:spPr>
-        <p:txBody>
-          <a:bodyPr/>
-          <a:lstStyle/>
-          <a:p>
-            <a:fld id="{564B1479-74DF-4380-85F6-AB0A2FFC7165}" type="slidenum">
-              <a:rPr lang="en-US" smtClean="0"/>
-              <a:t>2</a:t>
-            </a:fld>
-            <a:endParaRPr lang="en-US"/>
-          </a:p>
-        </p:txBody>
-      </p:sp>
-    </p:spTree>
-    <p:extLst>
-      <p:ext uri="{BB962C8B-B14F-4D97-AF65-F5344CB8AC3E}">
-        <p14:creationId xmlns:p14="http://schemas.microsoft.com/office/powerpoint/2010/main" val="635284957"/>
-      </p:ext>
-    </p:extLst>
-  </p:cSld>
-  <p:clrMapOvr>
-    <a:masterClrMapping/>
-  </p:clrMapOvr>
-</p:sld>
-</file>
-
-<file path=ppt/slides/slide20.xml><?xml version="1.0" encoding="utf-8"?>
+<file path=ppt/slides/slide21.xml><?xml version="1.0" encoding="utf-8"?>
 <p:sld xmlns:a="http://schemas.openxmlformats.org/drawingml/2006/main" xmlns:r="http://schemas.openxmlformats.org/officeDocument/2006/relationships" xmlns:p="http://schemas.openxmlformats.org/presentationml/2006/main">
   <p:cSld>
     <p:spTree>
@@ -29039,7 +33251,7 @@
                 <a:latin typeface="Times New Roman"/>
                 <a:cs typeface="Times New Roman"/>
               </a:rPr>
-              <a:t>Thanks for Your Listening </a:t>
+              <a:t>Thanks for Listening </a:t>
             </a:r>
           </a:p>
           <a:p>
@@ -29256,6 +33468,298 @@
       </p:grpSpPr>
       <p:sp>
         <p:nvSpPr>
+          <p:cNvPr id="7" name="Rectangle 6">
+            <a:extLst>
+              <a:ext uri="{FF2B5EF4-FFF2-40B4-BE49-F238E27FC236}">
+                <a16:creationId xmlns:a16="http://schemas.microsoft.com/office/drawing/2014/main" id="{997D31C5-2B1E-4062-B8AA-5A275ED23052}"/>
+              </a:ext>
+            </a:extLst>
+          </p:cNvPr>
+          <p:cNvSpPr/>
+          <p:nvPr/>
+        </p:nvSpPr>
+        <p:spPr>
+          <a:xfrm>
+            <a:off x="-10292" y="614234"/>
+            <a:ext cx="9168287" cy="1849865"/>
+          </a:xfrm>
+          <a:prstGeom prst="rect">
+            <a:avLst/>
+          </a:prstGeom>
+        </p:spPr>
+        <p:txBody>
+          <a:bodyPr wrap="square">
+            <a:spAutoFit/>
+          </a:bodyPr>
+          <a:lstStyle/>
+          <a:p>
+            <a:r>
+              <a:rPr lang="en-US" b="1" dirty="0">
+                <a:cs typeface="Times New Roman" panose="02020603050405020304" pitchFamily="18" charset="0"/>
+              </a:rPr>
+              <a:t>Mohamed Abuella</a:t>
+            </a:r>
+          </a:p>
+          <a:p>
+            <a:r>
+              <a:rPr lang="en-US" dirty="0">
+                <a:cs typeface="Times New Roman" panose="02020603050405020304" pitchFamily="18" charset="0"/>
+                <a:hlinkClick r:id="rId2"/>
+              </a:rPr>
+              <a:t>https://mohamedabuella.github.io</a:t>
+            </a:r>
+            <a:r>
+              <a:rPr lang="en-US" dirty="0">
+                <a:cs typeface="Times New Roman" panose="02020603050405020304" pitchFamily="18" charset="0"/>
+              </a:rPr>
+              <a:t> </a:t>
+            </a:r>
+            <a:endParaRPr lang="en-US" b="1" dirty="0">
+              <a:cs typeface="Times New Roman" panose="02020603050405020304" pitchFamily="18" charset="0"/>
+            </a:endParaRPr>
+          </a:p>
+          <a:p>
+            <a:pPr>
+              <a:lnSpc>
+                <a:spcPct val="150000"/>
+              </a:lnSpc>
+            </a:pPr>
+            <a:r>
+              <a:rPr lang="en-US" dirty="0">
+                <a:cs typeface="Times New Roman" panose="02020603050405020304" pitchFamily="18" charset="0"/>
+              </a:rPr>
+              <a:t>An electrical engineer by training, traditionally is interested in Mathematical and Computational Analysis, Modeling and Optimization, and who is recently get passionate in Artificial Intelligence and Data-driven Analytics for Energy and Smart Grid applications.</a:t>
+            </a:r>
+          </a:p>
+        </p:txBody>
+      </p:sp>
+      <p:sp>
+        <p:nvSpPr>
+          <p:cNvPr id="8" name="Rectangle 7">
+            <a:extLst>
+              <a:ext uri="{FF2B5EF4-FFF2-40B4-BE49-F238E27FC236}">
+                <a16:creationId xmlns:a16="http://schemas.microsoft.com/office/drawing/2014/main" id="{BAB112F6-6F4F-4B85-B758-6D4196D0C1F6}"/>
+              </a:ext>
+            </a:extLst>
+          </p:cNvPr>
+          <p:cNvSpPr/>
+          <p:nvPr/>
+        </p:nvSpPr>
+        <p:spPr>
+          <a:xfrm>
+            <a:off x="-1" y="2753116"/>
+            <a:ext cx="8782259" cy="2535566"/>
+          </a:xfrm>
+          <a:prstGeom prst="rect">
+            <a:avLst/>
+          </a:prstGeom>
+        </p:spPr>
+        <p:txBody>
+          <a:bodyPr wrap="square">
+            <a:spAutoFit/>
+          </a:bodyPr>
+          <a:lstStyle/>
+          <a:p>
+            <a:pPr>
+              <a:lnSpc>
+                <a:spcPct val="150000"/>
+              </a:lnSpc>
+            </a:pPr>
+            <a:r>
+              <a:rPr lang="en-US" b="1" dirty="0">
+                <a:cs typeface="Times New Roman" panose="02020603050405020304" pitchFamily="18" charset="0"/>
+              </a:rPr>
+              <a:t>Hobbies and Interests</a:t>
+            </a:r>
+          </a:p>
+          <a:p>
+            <a:pPr>
+              <a:lnSpc>
+                <a:spcPct val="150000"/>
+              </a:lnSpc>
+            </a:pPr>
+            <a:r>
+              <a:rPr lang="en-US" dirty="0">
+                <a:cs typeface="Times New Roman" panose="02020603050405020304" pitchFamily="18" charset="0"/>
+              </a:rPr>
+              <a:t>Making Mediterranean Food and Drink, but also try my own out-of-box recipes;</a:t>
+            </a:r>
+          </a:p>
+          <a:p>
+            <a:pPr>
+              <a:lnSpc>
+                <a:spcPct val="150000"/>
+              </a:lnSpc>
+            </a:pPr>
+            <a:r>
+              <a:rPr lang="en-US" dirty="0">
+                <a:cs typeface="Times New Roman" panose="02020603050405020304" pitchFamily="18" charset="0"/>
+              </a:rPr>
+              <a:t>Stretching, Walking, Running, Driving, Swimming, Diving, ..and hopefully Climbing; Wondering around and Discovering New Places, ..find it kind of an adventure;</a:t>
+            </a:r>
+          </a:p>
+          <a:p>
+            <a:pPr>
+              <a:lnSpc>
+                <a:spcPct val="150000"/>
+              </a:lnSpc>
+            </a:pPr>
+            <a:r>
+              <a:rPr lang="en-US" dirty="0">
+                <a:cs typeface="Times New Roman" panose="02020603050405020304" pitchFamily="18" charset="0"/>
+              </a:rPr>
+              <a:t>Watching, Reading and Sharing Stuff on Internet, useful &amp; dumb things;</a:t>
+            </a:r>
+          </a:p>
+          <a:p>
+            <a:pPr>
+              <a:lnSpc>
+                <a:spcPct val="150000"/>
+              </a:lnSpc>
+            </a:pPr>
+            <a:r>
+              <a:rPr lang="en-US" dirty="0">
+                <a:cs typeface="Times New Roman" panose="02020603050405020304" pitchFamily="18" charset="0"/>
+              </a:rPr>
+              <a:t>And more often just.. Chilling and Enjoy Doing Nothing!</a:t>
+            </a:r>
+          </a:p>
+        </p:txBody>
+      </p:sp>
+      <p:sp>
+        <p:nvSpPr>
+          <p:cNvPr id="9" name="Rectangle 8">
+            <a:extLst>
+              <a:ext uri="{FF2B5EF4-FFF2-40B4-BE49-F238E27FC236}">
+                <a16:creationId xmlns:a16="http://schemas.microsoft.com/office/drawing/2014/main" id="{C01FC3F5-57F3-4630-B66C-EE75032C610C}"/>
+              </a:ext>
+            </a:extLst>
+          </p:cNvPr>
+          <p:cNvSpPr/>
+          <p:nvPr/>
+        </p:nvSpPr>
+        <p:spPr>
+          <a:xfrm>
+            <a:off x="0" y="94386"/>
+            <a:ext cx="9144000" cy="369332"/>
+          </a:xfrm>
+          <a:prstGeom prst="rect">
+            <a:avLst/>
+          </a:prstGeom>
+        </p:spPr>
+        <p:txBody>
+          <a:bodyPr wrap="square">
+            <a:spAutoFit/>
+          </a:bodyPr>
+          <a:lstStyle/>
+          <a:p>
+            <a:pPr algn="ctr"/>
+            <a:r>
+              <a:rPr lang="en-US" b="1" dirty="0"/>
+              <a:t>Personal Introduction</a:t>
+            </a:r>
+          </a:p>
+        </p:txBody>
+      </p:sp>
+      <p:sp>
+        <p:nvSpPr>
+          <p:cNvPr id="11" name="Date Placeholder 1">
+            <a:extLst>
+              <a:ext uri="{FF2B5EF4-FFF2-40B4-BE49-F238E27FC236}">
+                <a16:creationId xmlns:a16="http://schemas.microsoft.com/office/drawing/2014/main" id="{C54B0F67-ECF8-4F97-B7F0-B42A38179F3A}"/>
+              </a:ext>
+            </a:extLst>
+          </p:cNvPr>
+          <p:cNvSpPr>
+            <a:spLocks noGrp="1"/>
+          </p:cNvSpPr>
+          <p:nvPr>
+            <p:ph type="dt" sz="half" idx="10"/>
+          </p:nvPr>
+        </p:nvSpPr>
+        <p:spPr>
+          <a:xfrm>
+            <a:off x="628650" y="6356351"/>
+            <a:ext cx="2057400" cy="365125"/>
+          </a:xfrm>
+        </p:spPr>
+        <p:txBody>
+          <a:bodyPr/>
+          <a:lstStyle/>
+          <a:p>
+            <a:r>
+              <a:rPr lang="en-US" dirty="0"/>
+              <a:t>8/6/2019</a:t>
+            </a:r>
+          </a:p>
+        </p:txBody>
+      </p:sp>
+      <p:sp>
+        <p:nvSpPr>
+          <p:cNvPr id="12" name="Slide Number Placeholder 3">
+            <a:extLst>
+              <a:ext uri="{FF2B5EF4-FFF2-40B4-BE49-F238E27FC236}">
+                <a16:creationId xmlns:a16="http://schemas.microsoft.com/office/drawing/2014/main" id="{F71054CB-B926-418D-B281-6F53CB97DF2A}"/>
+              </a:ext>
+            </a:extLst>
+          </p:cNvPr>
+          <p:cNvSpPr>
+            <a:spLocks noGrp="1"/>
+          </p:cNvSpPr>
+          <p:nvPr>
+            <p:ph type="sldNum" sz="quarter" idx="12"/>
+          </p:nvPr>
+        </p:nvSpPr>
+        <p:spPr>
+          <a:xfrm>
+            <a:off x="6457950" y="6356351"/>
+            <a:ext cx="2057400" cy="365125"/>
+          </a:xfrm>
+        </p:spPr>
+        <p:txBody>
+          <a:bodyPr/>
+          <a:lstStyle/>
+          <a:p>
+            <a:fld id="{564B1479-74DF-4380-85F6-AB0A2FFC7165}" type="slidenum">
+              <a:rPr lang="en-US" smtClean="0"/>
+              <a:t>3</a:t>
+            </a:fld>
+            <a:endParaRPr lang="en-US"/>
+          </a:p>
+        </p:txBody>
+      </p:sp>
+    </p:spTree>
+    <p:extLst>
+      <p:ext uri="{BB962C8B-B14F-4D97-AF65-F5344CB8AC3E}">
+        <p14:creationId xmlns:p14="http://schemas.microsoft.com/office/powerpoint/2010/main" val="635284957"/>
+      </p:ext>
+    </p:extLst>
+  </p:cSld>
+  <p:clrMapOvr>
+    <a:masterClrMapping/>
+  </p:clrMapOvr>
+</p:sld>
+</file>
+
+<file path=ppt/slides/slide4.xml><?xml version="1.0" encoding="utf-8"?>
+<p:sld xmlns:a="http://schemas.openxmlformats.org/drawingml/2006/main" xmlns:r="http://schemas.openxmlformats.org/officeDocument/2006/relationships" xmlns:p="http://schemas.openxmlformats.org/presentationml/2006/main">
+  <p:cSld>
+    <p:spTree>
+      <p:nvGrpSpPr>
+        <p:cNvPr id="1" name=""/>
+        <p:cNvGrpSpPr/>
+        <p:nvPr/>
+      </p:nvGrpSpPr>
+      <p:grpSpPr>
+        <a:xfrm>
+          <a:off x="0" y="0"/>
+          <a:ext cx="0" cy="0"/>
+          <a:chOff x="0" y="0"/>
+          <a:chExt cx="0" cy="0"/>
+        </a:xfrm>
+      </p:grpSpPr>
+      <p:sp>
+        <p:nvSpPr>
           <p:cNvPr id="9" name="Rectangle 8">
             <a:extLst>
               <a:ext uri="{FF2B5EF4-FFF2-40B4-BE49-F238E27FC236}">
@@ -29408,7 +33912,7 @@
           <a:p>
             <a:fld id="{564B1479-74DF-4380-85F6-AB0A2FFC7165}" type="slidenum">
               <a:rPr lang="en-US" smtClean="0"/>
-              <a:t>3</a:t>
+              <a:t>4</a:t>
             </a:fld>
             <a:endParaRPr lang="en-US"/>
           </a:p>
@@ -29428,7 +33932,7 @@
         </p:nvSpPr>
         <p:spPr>
           <a:xfrm>
-            <a:off x="2370577" y="511632"/>
+            <a:off x="2589847" y="497135"/>
             <a:ext cx="4289508" cy="369332"/>
           </a:xfrm>
           <a:prstGeom prst="rect">
@@ -29504,8 +34008,8 @@
         </p:nvSpPr>
         <p:spPr>
           <a:xfrm>
-            <a:off x="2960801" y="94387"/>
-            <a:ext cx="3311035" cy="369332"/>
+            <a:off x="2453579" y="136524"/>
+            <a:ext cx="4325479" cy="369332"/>
           </a:xfrm>
           <a:prstGeom prst="rect">
             <a:avLst/>
@@ -29519,7 +34023,7 @@
           <a:p>
             <a:r>
               <a:rPr lang="en-US" b="1" dirty="0"/>
-              <a:t>Wind and Solar Energy Modeling</a:t>
+              <a:t>Wind and Solar Energy Resources Modeling</a:t>
             </a:r>
           </a:p>
         </p:txBody>
@@ -29537,7 +34041,7 @@
 </p:sld>
 </file>
 
-<file path=ppt/slides/slide4.xml><?xml version="1.0" encoding="utf-8"?>
+<file path=ppt/slides/slide5.xml><?xml version="1.0" encoding="utf-8"?>
 <p:sld xmlns:a="http://schemas.openxmlformats.org/drawingml/2006/main" xmlns:r="http://schemas.openxmlformats.org/officeDocument/2006/relationships" xmlns:p="http://schemas.openxmlformats.org/presentationml/2006/main">
   <p:cSld>
     <p:spTree>
@@ -29676,7 +34180,7 @@
           <a:p>
             <a:fld id="{564B1479-74DF-4380-85F6-AB0A2FFC7165}" type="slidenum">
               <a:rPr lang="en-US" smtClean="0"/>
-              <a:t>4</a:t>
+              <a:t>5</a:t>
             </a:fld>
             <a:endParaRPr lang="en-US"/>
           </a:p>
@@ -30126,10 +34630,10 @@
       </mc:AlternateContent>
       <p:sp>
         <p:nvSpPr>
-          <p:cNvPr id="14" name="Rectangle 13">
+          <p:cNvPr id="15" name="Rectangle 14">
             <a:extLst>
               <a:ext uri="{FF2B5EF4-FFF2-40B4-BE49-F238E27FC236}">
-                <a16:creationId xmlns:a16="http://schemas.microsoft.com/office/drawing/2014/main" id="{31B70897-DF88-43C7-92EB-ECC3740ADAE5}"/>
+                <a16:creationId xmlns:a16="http://schemas.microsoft.com/office/drawing/2014/main" id="{878E9C76-FC5B-436C-B95A-63FDADCEC6EE}"/>
               </a:ext>
             </a:extLst>
           </p:cNvPr>
@@ -30138,8 +34642,8 @@
         </p:nvSpPr>
         <p:spPr>
           <a:xfrm>
-            <a:off x="3464338" y="101518"/>
-            <a:ext cx="2413353" cy="369332"/>
+            <a:off x="2969815" y="88599"/>
+            <a:ext cx="3374898" cy="369332"/>
           </a:xfrm>
           <a:prstGeom prst="rect">
             <a:avLst/>
@@ -30153,7 +34657,7 @@
           <a:p>
             <a:r>
               <a:rPr lang="en-US" b="1" dirty="0"/>
-              <a:t>Wind Energy Modeling</a:t>
+              <a:t>Wind Energy Resources Modeling</a:t>
             </a:r>
           </a:p>
         </p:txBody>
@@ -30171,7 +34675,7 @@
 </p:sld>
 </file>
 
-<file path=ppt/slides/slide5.xml><?xml version="1.0" encoding="utf-8"?>
+<file path=ppt/slides/slide6.xml><?xml version="1.0" encoding="utf-8"?>
 <p:sld xmlns:a="http://schemas.openxmlformats.org/drawingml/2006/main" xmlns:r="http://schemas.openxmlformats.org/officeDocument/2006/relationships" xmlns:p="http://schemas.openxmlformats.org/presentationml/2006/main">
   <p:cSld>
     <p:spTree>
@@ -30274,7 +34778,7 @@
           <a:p>
             <a:fld id="{564B1479-74DF-4380-85F6-AB0A2FFC7165}" type="slidenum">
               <a:rPr lang="en-US" smtClean="0"/>
-              <a:t>5</a:t>
+              <a:t>6</a:t>
             </a:fld>
             <a:endParaRPr lang="en-US"/>
           </a:p>
@@ -30542,10 +35046,10 @@
       </p:sp>
       <p:sp>
         <p:nvSpPr>
-          <p:cNvPr id="17" name="Rectangle 16">
+          <p:cNvPr id="18" name="Rectangle 17">
             <a:extLst>
               <a:ext uri="{FF2B5EF4-FFF2-40B4-BE49-F238E27FC236}">
-                <a16:creationId xmlns:a16="http://schemas.microsoft.com/office/drawing/2014/main" id="{59495D59-A889-4D62-AC56-C0B097672BA5}"/>
+                <a16:creationId xmlns:a16="http://schemas.microsoft.com/office/drawing/2014/main" id="{282BFB0E-A509-4B59-9EB5-D51AA3483E5E}"/>
               </a:ext>
             </a:extLst>
           </p:cNvPr>
@@ -30554,8 +35058,8 @@
         </p:nvSpPr>
         <p:spPr>
           <a:xfrm>
-            <a:off x="3464338" y="101518"/>
-            <a:ext cx="2413353" cy="369332"/>
+            <a:off x="2969815" y="88599"/>
+            <a:ext cx="3374898" cy="369332"/>
           </a:xfrm>
           <a:prstGeom prst="rect">
             <a:avLst/>
@@ -30569,7 +35073,7 @@
           <a:p>
             <a:r>
               <a:rPr lang="en-US" b="1" dirty="0"/>
-              <a:t>Wind Energy Modeling</a:t>
+              <a:t>Wind Energy Resources Modeling</a:t>
             </a:r>
           </a:p>
         </p:txBody>
@@ -30587,7 +35091,7 @@
 </p:sld>
 </file>
 
-<file path=ppt/slides/slide6.xml><?xml version="1.0" encoding="utf-8"?>
+<file path=ppt/slides/slide7.xml><?xml version="1.0" encoding="utf-8"?>
 <p:sld xmlns:a="http://schemas.openxmlformats.org/drawingml/2006/main" xmlns:r="http://schemas.openxmlformats.org/officeDocument/2006/relationships" xmlns:p="http://schemas.openxmlformats.org/presentationml/2006/main">
   <p:cSld>
     <p:spTree>
@@ -30690,7 +35194,7 @@
           <a:p>
             <a:fld id="{564B1479-74DF-4380-85F6-AB0A2FFC7165}" type="slidenum">
               <a:rPr lang="en-US" smtClean="0"/>
-              <a:t>6</a:t>
+              <a:t>7</a:t>
             </a:fld>
             <a:endParaRPr lang="en-US"/>
           </a:p>
@@ -30993,10 +35497,10 @@
       </p:sp>
       <p:sp>
         <p:nvSpPr>
-          <p:cNvPr id="14" name="Rectangle 13">
+          <p:cNvPr id="15" name="Rectangle 14">
             <a:extLst>
               <a:ext uri="{FF2B5EF4-FFF2-40B4-BE49-F238E27FC236}">
-                <a16:creationId xmlns:a16="http://schemas.microsoft.com/office/drawing/2014/main" id="{82352696-89C4-4E13-9A1C-2107751BE541}"/>
+                <a16:creationId xmlns:a16="http://schemas.microsoft.com/office/drawing/2014/main" id="{0DCAD325-D6F2-4166-986C-AA33116D08FA}"/>
               </a:ext>
             </a:extLst>
           </p:cNvPr>
@@ -31005,8 +35509,8 @@
         </p:nvSpPr>
         <p:spPr>
           <a:xfrm>
-            <a:off x="3464338" y="101518"/>
-            <a:ext cx="2413353" cy="369332"/>
+            <a:off x="2969815" y="88599"/>
+            <a:ext cx="3374898" cy="369332"/>
           </a:xfrm>
           <a:prstGeom prst="rect">
             <a:avLst/>
@@ -31020,7 +35524,7 @@
           <a:p>
             <a:r>
               <a:rPr lang="en-US" b="1" dirty="0"/>
-              <a:t>Wind Energy Modeling</a:t>
+              <a:t>Wind Energy Resources Modeling</a:t>
             </a:r>
           </a:p>
         </p:txBody>
@@ -31038,7 +35542,7 @@
 </p:sld>
 </file>
 
-<file path=ppt/slides/slide7.xml><?xml version="1.0" encoding="utf-8"?>
+<file path=ppt/slides/slide8.xml><?xml version="1.0" encoding="utf-8"?>
 <p:sld xmlns:a="http://schemas.openxmlformats.org/drawingml/2006/main" xmlns:r="http://schemas.openxmlformats.org/officeDocument/2006/relationships" xmlns:p="http://schemas.openxmlformats.org/presentationml/2006/main">
   <p:cSld>
     <p:spTree>
@@ -31141,7 +35645,7 @@
           <a:p>
             <a:fld id="{564B1479-74DF-4380-85F6-AB0A2FFC7165}" type="slidenum">
               <a:rPr lang="en-US" smtClean="0"/>
-              <a:t>7</a:t>
+              <a:t>8</a:t>
             </a:fld>
             <a:endParaRPr lang="en-US"/>
           </a:p>
@@ -31409,10 +35913,10 @@
       </p:sp>
       <p:sp>
         <p:nvSpPr>
-          <p:cNvPr id="14" name="Rectangle 13">
+          <p:cNvPr id="15" name="Rectangle 14">
             <a:extLst>
               <a:ext uri="{FF2B5EF4-FFF2-40B4-BE49-F238E27FC236}">
-                <a16:creationId xmlns:a16="http://schemas.microsoft.com/office/drawing/2014/main" id="{B4A7DA18-3259-403B-AEC0-C38F7EEF6078}"/>
+                <a16:creationId xmlns:a16="http://schemas.microsoft.com/office/drawing/2014/main" id="{FAB9590D-B1CA-47C2-8BDE-6B51D8DAEB54}"/>
               </a:ext>
             </a:extLst>
           </p:cNvPr>
@@ -31421,8 +35925,8 @@
         </p:nvSpPr>
         <p:spPr>
           <a:xfrm>
-            <a:off x="3464338" y="101518"/>
-            <a:ext cx="2413353" cy="369332"/>
+            <a:off x="2969815" y="88599"/>
+            <a:ext cx="3374898" cy="369332"/>
           </a:xfrm>
           <a:prstGeom prst="rect">
             <a:avLst/>
@@ -31436,7 +35940,7 @@
           <a:p>
             <a:r>
               <a:rPr lang="en-US" b="1" dirty="0"/>
-              <a:t>Wind Energy Modeling</a:t>
+              <a:t>Wind Energy Resources Modeling</a:t>
             </a:r>
           </a:p>
         </p:txBody>
@@ -31454,7 +35958,7 @@
 </p:sld>
 </file>
 
-<file path=ppt/slides/slide8.xml><?xml version="1.0" encoding="utf-8"?>
+<file path=ppt/slides/slide9.xml><?xml version="1.0" encoding="utf-8"?>
 <p:sld xmlns:a="http://schemas.openxmlformats.org/drawingml/2006/main" xmlns:r="http://schemas.openxmlformats.org/officeDocument/2006/relationships" xmlns:p="http://schemas.openxmlformats.org/presentationml/2006/main">
   <p:cSld>
     <p:spTree>
@@ -31557,7 +36061,7 @@
           <a:p>
             <a:fld id="{564B1479-74DF-4380-85F6-AB0A2FFC7165}" type="slidenum">
               <a:rPr lang="en-US" smtClean="0"/>
-              <a:t>8</a:t>
+              <a:t>9</a:t>
             </a:fld>
             <a:endParaRPr lang="en-US"/>
           </a:p>
@@ -31877,7 +36381,7 @@
         </p:nvSpPr>
         <p:spPr>
           <a:xfrm>
-            <a:off x="1928525" y="6395296"/>
+            <a:off x="2022243" y="6304332"/>
             <a:ext cx="5270042" cy="261610"/>
           </a:xfrm>
           <a:prstGeom prst="rect">
@@ -32114,10 +36618,10 @@
       </mc:AlternateContent>
       <p:sp>
         <p:nvSpPr>
-          <p:cNvPr id="17" name="Rectangle 16">
+          <p:cNvPr id="18" name="Rectangle 17">
             <a:extLst>
               <a:ext uri="{FF2B5EF4-FFF2-40B4-BE49-F238E27FC236}">
-                <a16:creationId xmlns:a16="http://schemas.microsoft.com/office/drawing/2014/main" id="{DDFE5C0B-072B-440B-8C59-0492036F0B3B}"/>
+                <a16:creationId xmlns:a16="http://schemas.microsoft.com/office/drawing/2014/main" id="{E23309B3-895D-4F1E-A407-73A5AA190722}"/>
               </a:ext>
             </a:extLst>
           </p:cNvPr>
@@ -32126,8 +36630,8 @@
         </p:nvSpPr>
         <p:spPr>
           <a:xfrm>
-            <a:off x="3464338" y="101518"/>
-            <a:ext cx="2413353" cy="369332"/>
+            <a:off x="2969815" y="88599"/>
+            <a:ext cx="3374898" cy="369332"/>
           </a:xfrm>
           <a:prstGeom prst="rect">
             <a:avLst/>
@@ -32141,7 +36645,7 @@
           <a:p>
             <a:r>
               <a:rPr lang="en-US" b="1" dirty="0"/>
-              <a:t>Wind Energy Modeling</a:t>
+              <a:t>Wind Energy Resources Modeling</a:t>
             </a:r>
           </a:p>
         </p:txBody>
@@ -32150,668 +36654,6 @@
     <p:extLst>
       <p:ext uri="{BB962C8B-B14F-4D97-AF65-F5344CB8AC3E}">
         <p14:creationId xmlns:p14="http://schemas.microsoft.com/office/powerpoint/2010/main" val="3843897414"/>
-      </p:ext>
-    </p:extLst>
-  </p:cSld>
-  <p:clrMapOvr>
-    <a:masterClrMapping/>
-  </p:clrMapOvr>
-</p:sld>
-</file>
-
-<file path=ppt/slides/slide9.xml><?xml version="1.0" encoding="utf-8"?>
-<p:sld xmlns:a="http://schemas.openxmlformats.org/drawingml/2006/main" xmlns:r="http://schemas.openxmlformats.org/officeDocument/2006/relationships" xmlns:p="http://schemas.openxmlformats.org/presentationml/2006/main">
-  <p:cSld>
-    <p:spTree>
-      <p:nvGrpSpPr>
-        <p:cNvPr id="1" name=""/>
-        <p:cNvGrpSpPr/>
-        <p:nvPr/>
-      </p:nvGrpSpPr>
-      <p:grpSpPr>
-        <a:xfrm>
-          <a:off x="0" y="0"/>
-          <a:ext cx="0" cy="0"/>
-          <a:chOff x="0" y="0"/>
-          <a:chExt cx="0" cy="0"/>
-        </a:xfrm>
-      </p:grpSpPr>
-      <p:sp>
-        <p:nvSpPr>
-          <p:cNvPr id="5" name="TextBox 4">
-            <a:extLst>
-              <a:ext uri="{FF2B5EF4-FFF2-40B4-BE49-F238E27FC236}">
-                <a16:creationId xmlns:a16="http://schemas.microsoft.com/office/drawing/2014/main" id="{B4E0BA46-F2AB-4FF3-8521-235972F3EE53}"/>
-              </a:ext>
-            </a:extLst>
-          </p:cNvPr>
-          <p:cNvSpPr txBox="1"/>
-          <p:nvPr/>
-        </p:nvSpPr>
-        <p:spPr>
-          <a:xfrm>
-            <a:off x="9081" y="414358"/>
-            <a:ext cx="1442061" cy="369332"/>
-          </a:xfrm>
-          <a:prstGeom prst="rect">
-            <a:avLst/>
-          </a:prstGeom>
-          <a:noFill/>
-        </p:spPr>
-        <p:txBody>
-          <a:bodyPr wrap="none" rtlCol="0">
-            <a:spAutoFit/>
-          </a:bodyPr>
-          <a:lstStyle/>
-          <a:p>
-            <a:r>
-              <a:rPr lang="en-US" dirty="0"/>
-              <a:t>Charlotte, NC</a:t>
-            </a:r>
-          </a:p>
-        </p:txBody>
-      </p:sp>
-      <p:sp>
-        <p:nvSpPr>
-          <p:cNvPr id="2" name="Date Placeholder 1">
-            <a:extLst>
-              <a:ext uri="{FF2B5EF4-FFF2-40B4-BE49-F238E27FC236}">
-                <a16:creationId xmlns:a16="http://schemas.microsoft.com/office/drawing/2014/main" id="{E5C7501F-05AD-4696-A094-872D500C6BEE}"/>
-              </a:ext>
-            </a:extLst>
-          </p:cNvPr>
-          <p:cNvSpPr>
-            <a:spLocks noGrp="1"/>
-          </p:cNvSpPr>
-          <p:nvPr>
-            <p:ph type="dt" sz="half" idx="10"/>
-          </p:nvPr>
-        </p:nvSpPr>
-        <p:spPr/>
-        <p:txBody>
-          <a:bodyPr/>
-          <a:lstStyle/>
-          <a:p>
-            <a:r>
-              <a:rPr lang="en-US"/>
-              <a:t>8/6/2019</a:t>
-            </a:r>
-          </a:p>
-        </p:txBody>
-      </p:sp>
-      <p:sp>
-        <p:nvSpPr>
-          <p:cNvPr id="4" name="Slide Number Placeholder 3">
-            <a:extLst>
-              <a:ext uri="{FF2B5EF4-FFF2-40B4-BE49-F238E27FC236}">
-                <a16:creationId xmlns:a16="http://schemas.microsoft.com/office/drawing/2014/main" id="{025CB2AE-DF2C-4873-8659-B4DBC48FA091}"/>
-              </a:ext>
-            </a:extLst>
-          </p:cNvPr>
-          <p:cNvSpPr>
-            <a:spLocks noGrp="1"/>
-          </p:cNvSpPr>
-          <p:nvPr>
-            <p:ph type="sldNum" sz="quarter" idx="12"/>
-          </p:nvPr>
-        </p:nvSpPr>
-        <p:spPr/>
-        <p:txBody>
-          <a:bodyPr/>
-          <a:lstStyle/>
-          <a:p>
-            <a:fld id="{564B1479-74DF-4380-85F6-AB0A2FFC7165}" type="slidenum">
-              <a:rPr lang="en-US" smtClean="0"/>
-              <a:t>9</a:t>
-            </a:fld>
-            <a:endParaRPr lang="en-US"/>
-          </a:p>
-        </p:txBody>
-      </p:sp>
-      <p:sp>
-        <p:nvSpPr>
-          <p:cNvPr id="6" name="TextBox 5">
-            <a:extLst>
-              <a:ext uri="{FF2B5EF4-FFF2-40B4-BE49-F238E27FC236}">
-                <a16:creationId xmlns:a16="http://schemas.microsoft.com/office/drawing/2014/main" id="{E112157D-BCF0-4D0F-A7E0-DFEF5BE70AD6}"/>
-              </a:ext>
-            </a:extLst>
-          </p:cNvPr>
-          <p:cNvSpPr txBox="1"/>
-          <p:nvPr/>
-        </p:nvSpPr>
-        <p:spPr>
-          <a:xfrm>
-            <a:off x="7854554" y="414358"/>
-            <a:ext cx="1277914" cy="369332"/>
-          </a:xfrm>
-          <a:prstGeom prst="rect">
-            <a:avLst/>
-          </a:prstGeom>
-          <a:noFill/>
-        </p:spPr>
-        <p:txBody>
-          <a:bodyPr wrap="none" rtlCol="0">
-            <a:spAutoFit/>
-          </a:bodyPr>
-          <a:lstStyle/>
-          <a:p>
-            <a:r>
-              <a:rPr lang="en-US" dirty="0"/>
-              <a:t>Boston, MA</a:t>
-            </a:r>
-          </a:p>
-        </p:txBody>
-      </p:sp>
-      <p:sp>
-        <p:nvSpPr>
-          <p:cNvPr id="7" name="TextBox 6">
-            <a:extLst>
-              <a:ext uri="{FF2B5EF4-FFF2-40B4-BE49-F238E27FC236}">
-                <a16:creationId xmlns:a16="http://schemas.microsoft.com/office/drawing/2014/main" id="{E40C0CC0-7365-4486-8B1B-25B557616A28}"/>
-              </a:ext>
-            </a:extLst>
-          </p:cNvPr>
-          <p:cNvSpPr txBox="1"/>
-          <p:nvPr/>
-        </p:nvSpPr>
-        <p:spPr>
-          <a:xfrm>
-            <a:off x="17742" y="3501606"/>
-            <a:ext cx="1288110" cy="369332"/>
-          </a:xfrm>
-          <a:prstGeom prst="rect">
-            <a:avLst/>
-          </a:prstGeom>
-          <a:noFill/>
-        </p:spPr>
-        <p:txBody>
-          <a:bodyPr wrap="none" rtlCol="0">
-            <a:spAutoFit/>
-          </a:bodyPr>
-          <a:lstStyle/>
-          <a:p>
-            <a:r>
-              <a:rPr lang="en-US" dirty="0"/>
-              <a:t>Boulder, CO</a:t>
-            </a:r>
-          </a:p>
-        </p:txBody>
-      </p:sp>
-      <p:sp>
-        <p:nvSpPr>
-          <p:cNvPr id="8" name="TextBox 7">
-            <a:extLst>
-              <a:ext uri="{FF2B5EF4-FFF2-40B4-BE49-F238E27FC236}">
-                <a16:creationId xmlns:a16="http://schemas.microsoft.com/office/drawing/2014/main" id="{3AF726A4-22D6-45EF-8FCD-2DFD023ADE74}"/>
-              </a:ext>
-            </a:extLst>
-          </p:cNvPr>
-          <p:cNvSpPr txBox="1"/>
-          <p:nvPr/>
-        </p:nvSpPr>
-        <p:spPr>
-          <a:xfrm>
-            <a:off x="7951851" y="3501606"/>
-            <a:ext cx="1186672" cy="369332"/>
-          </a:xfrm>
-          <a:prstGeom prst="rect">
-            <a:avLst/>
-          </a:prstGeom>
-          <a:noFill/>
-        </p:spPr>
-        <p:txBody>
-          <a:bodyPr wrap="none" rtlCol="0">
-            <a:spAutoFit/>
-          </a:bodyPr>
-          <a:lstStyle/>
-          <a:p>
-            <a:r>
-              <a:rPr lang="en-US" dirty="0"/>
-              <a:t>Tucson, AZ</a:t>
-            </a:r>
-          </a:p>
-        </p:txBody>
-      </p:sp>
-      <p:pic>
-        <p:nvPicPr>
-          <p:cNvPr id="9" name="Picture 8">
-            <a:extLst>
-              <a:ext uri="{FF2B5EF4-FFF2-40B4-BE49-F238E27FC236}">
-                <a16:creationId xmlns:a16="http://schemas.microsoft.com/office/drawing/2014/main" id="{083E2912-5E65-4725-8A4A-D5CB0C7EC27F}"/>
-              </a:ext>
-            </a:extLst>
-          </p:cNvPr>
-          <p:cNvPicPr>
-            <a:picLocks noChangeAspect="1"/>
-          </p:cNvPicPr>
-          <p:nvPr/>
-        </p:nvPicPr>
-        <p:blipFill>
-          <a:blip r:embed="rId2"/>
-          <a:stretch>
-            <a:fillRect/>
-          </a:stretch>
-        </p:blipFill>
-        <p:spPr>
-          <a:xfrm>
-            <a:off x="0" y="744745"/>
-            <a:ext cx="4480560" cy="2524358"/>
-          </a:xfrm>
-          <a:prstGeom prst="rect">
-            <a:avLst/>
-          </a:prstGeom>
-        </p:spPr>
-      </p:pic>
-      <p:pic>
-        <p:nvPicPr>
-          <p:cNvPr id="10" name="Picture 9">
-            <a:extLst>
-              <a:ext uri="{FF2B5EF4-FFF2-40B4-BE49-F238E27FC236}">
-                <a16:creationId xmlns:a16="http://schemas.microsoft.com/office/drawing/2014/main" id="{521924C2-9CD1-45D8-886D-C297BC6FF8F5}"/>
-              </a:ext>
-            </a:extLst>
-          </p:cNvPr>
-          <p:cNvPicPr>
-            <a:picLocks noChangeAspect="1"/>
-          </p:cNvPicPr>
-          <p:nvPr/>
-        </p:nvPicPr>
-        <p:blipFill>
-          <a:blip r:embed="rId3"/>
-          <a:stretch>
-            <a:fillRect/>
-          </a:stretch>
-        </p:blipFill>
-        <p:spPr>
-          <a:xfrm>
-            <a:off x="0" y="3831992"/>
-            <a:ext cx="4480560" cy="2524359"/>
-          </a:xfrm>
-          <a:prstGeom prst="rect">
-            <a:avLst/>
-          </a:prstGeom>
-        </p:spPr>
-      </p:pic>
-      <p:pic>
-        <p:nvPicPr>
-          <p:cNvPr id="11" name="Picture 10">
-            <a:extLst>
-              <a:ext uri="{FF2B5EF4-FFF2-40B4-BE49-F238E27FC236}">
-                <a16:creationId xmlns:a16="http://schemas.microsoft.com/office/drawing/2014/main" id="{48588986-E906-4136-B54B-603A5CAB1915}"/>
-              </a:ext>
-            </a:extLst>
-          </p:cNvPr>
-          <p:cNvPicPr>
-            <a:picLocks noChangeAspect="1"/>
-          </p:cNvPicPr>
-          <p:nvPr/>
-        </p:nvPicPr>
-        <p:blipFill>
-          <a:blip r:embed="rId4"/>
-          <a:stretch>
-            <a:fillRect/>
-          </a:stretch>
-        </p:blipFill>
-        <p:spPr>
-          <a:xfrm>
-            <a:off x="4663440" y="751754"/>
-            <a:ext cx="4480560" cy="2524359"/>
-          </a:xfrm>
-          <a:prstGeom prst="rect">
-            <a:avLst/>
-          </a:prstGeom>
-        </p:spPr>
-      </p:pic>
-      <p:pic>
-        <p:nvPicPr>
-          <p:cNvPr id="12" name="Picture 11">
-            <a:extLst>
-              <a:ext uri="{FF2B5EF4-FFF2-40B4-BE49-F238E27FC236}">
-                <a16:creationId xmlns:a16="http://schemas.microsoft.com/office/drawing/2014/main" id="{9C55AAD8-C817-47CE-BA77-721778A253C0}"/>
-              </a:ext>
-            </a:extLst>
-          </p:cNvPr>
-          <p:cNvPicPr>
-            <a:picLocks noChangeAspect="1"/>
-          </p:cNvPicPr>
-          <p:nvPr/>
-        </p:nvPicPr>
-        <p:blipFill>
-          <a:blip r:embed="rId5"/>
-          <a:stretch>
-            <a:fillRect/>
-          </a:stretch>
-        </p:blipFill>
-        <p:spPr>
-          <a:xfrm>
-            <a:off x="4663440" y="3831992"/>
-            <a:ext cx="4480560" cy="2524359"/>
-          </a:xfrm>
-          <a:prstGeom prst="rect">
-            <a:avLst/>
-          </a:prstGeom>
-        </p:spPr>
-      </p:pic>
-      <p:sp>
-        <p:nvSpPr>
-          <p:cNvPr id="15" name="Rectangle 14">
-            <a:extLst>
-              <a:ext uri="{FF2B5EF4-FFF2-40B4-BE49-F238E27FC236}">
-                <a16:creationId xmlns:a16="http://schemas.microsoft.com/office/drawing/2014/main" id="{88454873-0E08-4851-BC5F-5482392BA648}"/>
-              </a:ext>
-            </a:extLst>
-          </p:cNvPr>
-          <p:cNvSpPr/>
-          <p:nvPr/>
-        </p:nvSpPr>
-        <p:spPr>
-          <a:xfrm>
-            <a:off x="1622490" y="462704"/>
-            <a:ext cx="5901613" cy="369332"/>
-          </a:xfrm>
-          <a:prstGeom prst="rect">
-            <a:avLst/>
-          </a:prstGeom>
-        </p:spPr>
-        <p:txBody>
-          <a:bodyPr wrap="square">
-            <a:spAutoFit/>
-          </a:bodyPr>
-          <a:lstStyle/>
-          <a:p>
-            <a:pPr algn="ctr"/>
-            <a:r>
-              <a:rPr lang="en-US" dirty="0"/>
-              <a:t>Probability density distribution of wind power </a:t>
-            </a:r>
-          </a:p>
-        </p:txBody>
-      </p:sp>
-      <mc:AlternateContent xmlns:mc="http://schemas.openxmlformats.org/markup-compatibility/2006" xmlns:a14="http://schemas.microsoft.com/office/drawing/2010/main">
-        <mc:Choice Requires="a14">
-          <p:sp>
-            <p:nvSpPr>
-              <p:cNvPr id="14" name="TextBox 13">
-                <a:extLst>
-                  <a:ext uri="{FF2B5EF4-FFF2-40B4-BE49-F238E27FC236}">
-                    <a16:creationId xmlns:a16="http://schemas.microsoft.com/office/drawing/2014/main" id="{D75B130C-55D6-4493-92CD-0738B2B05AD0}"/>
-                  </a:ext>
-                </a:extLst>
-              </p:cNvPr>
-              <p:cNvSpPr txBox="1"/>
-              <p:nvPr/>
-            </p:nvSpPr>
-            <p:spPr>
-              <a:xfrm>
-                <a:off x="6457950" y="3224607"/>
-                <a:ext cx="1478679" cy="576183"/>
-              </a:xfrm>
-              <a:prstGeom prst="rect">
-                <a:avLst/>
-              </a:prstGeom>
-            </p:spPr>
-            <p:style>
-              <a:lnRef idx="2">
-                <a:schemeClr val="accent1"/>
-              </a:lnRef>
-              <a:fillRef idx="1">
-                <a:schemeClr val="lt1"/>
-              </a:fillRef>
-              <a:effectRef idx="0">
-                <a:schemeClr val="accent1"/>
-              </a:effectRef>
-              <a:fontRef idx="minor">
-                <a:schemeClr val="dk1"/>
-              </a:fontRef>
-            </p:style>
-            <p:txBody>
-              <a:bodyPr wrap="square" lIns="0" tIns="0" rIns="0" bIns="0" rtlCol="0">
-                <a:spAutoFit/>
-              </a:bodyPr>
-              <a:lstStyle/>
-              <a:p>
-                <a:pPr/>
-                <a14:m>
-                  <m:oMathPara xmlns:m="http://schemas.openxmlformats.org/officeDocument/2006/math">
-                    <m:oMathParaPr>
-                      <m:jc m:val="centerGroup"/>
-                    </m:oMathParaPr>
-                    <m:oMath xmlns:m="http://schemas.openxmlformats.org/officeDocument/2006/math">
-                      <m:r>
-                        <a:rPr lang="en-US" sz="2000" b="0" i="1" smtClean="0">
-                          <a:solidFill>
-                            <a:sysClr val="windowText" lastClr="000000"/>
-                          </a:solidFill>
-                          <a:latin typeface="Cambria Math" panose="02040503050406030204" pitchFamily="18" charset="0"/>
-                        </a:rPr>
-                        <m:t>𝑃𝑤</m:t>
-                      </m:r>
-                      <m:r>
-                        <a:rPr lang="en-US" sz="2000" b="0" i="1" smtClean="0">
-                          <a:solidFill>
-                            <a:sysClr val="windowText" lastClr="000000"/>
-                          </a:solidFill>
-                          <a:latin typeface="Cambria Math" panose="02040503050406030204" pitchFamily="18" charset="0"/>
-                        </a:rPr>
-                        <m:t>=</m:t>
-                      </m:r>
-                      <m:f>
-                        <m:fPr>
-                          <m:ctrlPr>
-                            <a:rPr lang="en-US" sz="2000" b="0" i="1" smtClean="0">
-                              <a:solidFill>
-                                <a:sysClr val="windowText" lastClr="000000"/>
-                              </a:solidFill>
-                              <a:latin typeface="Cambria Math" panose="02040503050406030204" pitchFamily="18" charset="0"/>
-                            </a:rPr>
-                          </m:ctrlPr>
-                        </m:fPr>
-                        <m:num>
-                          <m:r>
-                            <a:rPr lang="en-US" sz="2000" b="0" i="1" smtClean="0">
-                              <a:solidFill>
-                                <a:sysClr val="windowText" lastClr="000000"/>
-                              </a:solidFill>
-                              <a:latin typeface="Cambria Math" panose="02040503050406030204" pitchFamily="18" charset="0"/>
-                            </a:rPr>
-                            <m:t>1</m:t>
-                          </m:r>
-                        </m:num>
-                        <m:den>
-                          <m:r>
-                            <a:rPr lang="en-US" sz="2000" b="0" i="1" smtClean="0">
-                              <a:solidFill>
-                                <a:sysClr val="windowText" lastClr="000000"/>
-                              </a:solidFill>
-                              <a:latin typeface="Cambria Math" panose="02040503050406030204" pitchFamily="18" charset="0"/>
-                            </a:rPr>
-                            <m:t>2</m:t>
-                          </m:r>
-                        </m:den>
-                      </m:f>
-                      <m:r>
-                        <a:rPr lang="en-US" sz="2000" b="0" i="1" smtClean="0">
-                          <a:solidFill>
-                            <a:sysClr val="windowText" lastClr="000000"/>
-                          </a:solidFill>
-                          <a:latin typeface="Cambria Math" panose="02040503050406030204" pitchFamily="18" charset="0"/>
-                          <a:ea typeface="Cambria Math" panose="02040503050406030204" pitchFamily="18" charset="0"/>
-                        </a:rPr>
-                        <m:t>𝜌</m:t>
-                      </m:r>
-                      <m:r>
-                        <a:rPr lang="en-US" sz="2000" b="0" i="1" smtClean="0">
-                          <a:solidFill>
-                            <a:sysClr val="windowText" lastClr="000000"/>
-                          </a:solidFill>
-                          <a:latin typeface="Cambria Math" panose="02040503050406030204" pitchFamily="18" charset="0"/>
-                        </a:rPr>
-                        <m:t>𝐴</m:t>
-                      </m:r>
-                      <m:sSup>
-                        <m:sSupPr>
-                          <m:ctrlPr>
-                            <a:rPr lang="en-US" sz="2000" i="1" smtClean="0">
-                              <a:solidFill>
-                                <a:sysClr val="windowText" lastClr="000000"/>
-                              </a:solidFill>
-                              <a:latin typeface="Cambria Math" panose="02040503050406030204" pitchFamily="18" charset="0"/>
-                            </a:rPr>
-                          </m:ctrlPr>
-                        </m:sSupPr>
-                        <m:e>
-                          <m:r>
-                            <a:rPr lang="en-US" sz="2000" b="0" i="1" smtClean="0">
-                              <a:solidFill>
-                                <a:sysClr val="windowText" lastClr="000000"/>
-                              </a:solidFill>
-                              <a:latin typeface="Cambria Math" panose="02040503050406030204" pitchFamily="18" charset="0"/>
-                            </a:rPr>
-                            <m:t>𝑣</m:t>
-                          </m:r>
-                        </m:e>
-                        <m:sup>
-                          <m:r>
-                            <a:rPr lang="en-US" sz="2000" b="0" i="1" smtClean="0">
-                              <a:solidFill>
-                                <a:sysClr val="windowText" lastClr="000000"/>
-                              </a:solidFill>
-                              <a:latin typeface="Cambria Math" panose="02040503050406030204" pitchFamily="18" charset="0"/>
-                            </a:rPr>
-                            <m:t>3</m:t>
-                          </m:r>
-                        </m:sup>
-                      </m:sSup>
-                    </m:oMath>
-                  </m:oMathPara>
-                </a14:m>
-                <a:endParaRPr lang="en-US" sz="2000" dirty="0">
-                  <a:solidFill>
-                    <a:sysClr val="windowText" lastClr="000000"/>
-                  </a:solidFill>
-                </a:endParaRPr>
-              </a:p>
-            </p:txBody>
-          </p:sp>
-        </mc:Choice>
-        <mc:Fallback xmlns="">
-          <p:sp>
-            <p:nvSpPr>
-              <p:cNvPr id="14" name="TextBox 13">
-                <a:extLst>
-                  <a:ext uri="{FF2B5EF4-FFF2-40B4-BE49-F238E27FC236}">
-                    <a16:creationId xmlns:a16="http://schemas.microsoft.com/office/drawing/2014/main" id="{D75B130C-55D6-4493-92CD-0738B2B05AD0}"/>
-                  </a:ext>
-                </a:extLst>
-              </p:cNvPr>
-              <p:cNvSpPr txBox="1">
-                <a:spLocks noRot="1" noChangeAspect="1" noMove="1" noResize="1" noEditPoints="1" noAdjustHandles="1" noChangeArrowheads="1" noChangeShapeType="1" noTextEdit="1"/>
-              </p:cNvSpPr>
-              <p:nvPr/>
-            </p:nvSpPr>
-            <p:spPr>
-              <a:xfrm>
-                <a:off x="6457950" y="3224607"/>
-                <a:ext cx="1478679" cy="576183"/>
-              </a:xfrm>
-              <a:prstGeom prst="rect">
-                <a:avLst/>
-              </a:prstGeom>
-              <a:blipFill>
-                <a:blip r:embed="rId6"/>
-                <a:stretch>
-                  <a:fillRect/>
-                </a:stretch>
-              </a:blipFill>
-            </p:spPr>
-            <p:txBody>
-              <a:bodyPr/>
-              <a:lstStyle/>
-              <a:p>
-                <a:r>
-                  <a:rPr lang="en-US">
-                    <a:noFill/>
-                  </a:rPr>
-                  <a:t> </a:t>
-                </a:r>
-              </a:p>
-            </p:txBody>
-          </p:sp>
-        </mc:Fallback>
-      </mc:AlternateContent>
-      <p:sp>
-        <p:nvSpPr>
-          <p:cNvPr id="16" name="Rectangle 15">
-            <a:extLst>
-              <a:ext uri="{FF2B5EF4-FFF2-40B4-BE49-F238E27FC236}">
-                <a16:creationId xmlns:a16="http://schemas.microsoft.com/office/drawing/2014/main" id="{CBB407A2-5605-461E-8DED-644CB9BEE7B5}"/>
-              </a:ext>
-            </a:extLst>
-          </p:cNvPr>
-          <p:cNvSpPr/>
-          <p:nvPr/>
-        </p:nvSpPr>
-        <p:spPr>
-          <a:xfrm>
-            <a:off x="1359211" y="3224607"/>
-            <a:ext cx="5046253" cy="646331"/>
-          </a:xfrm>
-          <a:prstGeom prst="rect">
-            <a:avLst/>
-          </a:prstGeom>
-        </p:spPr>
-        <p:txBody>
-          <a:bodyPr wrap="square">
-            <a:spAutoFit/>
-          </a:bodyPr>
-          <a:lstStyle/>
-          <a:p>
-            <a:r>
-              <a:rPr lang="en-US" dirty="0"/>
-              <a:t>Considering other parameters such as air pressure, temperature and density at the given height=100m </a:t>
-            </a:r>
-          </a:p>
-        </p:txBody>
-      </p:sp>
-      <p:sp>
-        <p:nvSpPr>
-          <p:cNvPr id="17" name="Rectangle 16">
-            <a:extLst>
-              <a:ext uri="{FF2B5EF4-FFF2-40B4-BE49-F238E27FC236}">
-                <a16:creationId xmlns:a16="http://schemas.microsoft.com/office/drawing/2014/main" id="{8C1F36BF-59B6-4BC5-9786-F4B0440DEC63}"/>
-              </a:ext>
-            </a:extLst>
-          </p:cNvPr>
-          <p:cNvSpPr/>
-          <p:nvPr/>
-        </p:nvSpPr>
-        <p:spPr>
-          <a:xfrm>
-            <a:off x="3464338" y="101518"/>
-            <a:ext cx="2413353" cy="369332"/>
-          </a:xfrm>
-          <a:prstGeom prst="rect">
-            <a:avLst/>
-          </a:prstGeom>
-        </p:spPr>
-        <p:txBody>
-          <a:bodyPr wrap="none">
-            <a:spAutoFit/>
-          </a:bodyPr>
-          <a:lstStyle/>
-          <a:p>
-            <a:r>
-              <a:rPr lang="en-US" b="1" dirty="0"/>
-              <a:t>Wind Energy Modeling</a:t>
-            </a:r>
-          </a:p>
-        </p:txBody>
-      </p:sp>
-    </p:spTree>
-    <p:extLst>
-      <p:ext uri="{BB962C8B-B14F-4D97-AF65-F5344CB8AC3E}">
-        <p14:creationId xmlns:p14="http://schemas.microsoft.com/office/powerpoint/2010/main" val="1543804401"/>
       </p:ext>
     </p:extLst>
   </p:cSld>

--- a/+Presentation for Ascend_Analytics/Wind_Solar_Energy_Modeling_Analysis.pptx
+++ b/+Presentation for Ascend_Analytics/Wind_Solar_Energy_Modeling_Analysis.pptx
@@ -5575,7 +5575,32 @@
               <a:ea typeface="Times New Roman" charset="0"/>
               <a:cs typeface="Times New Roman" charset="0"/>
             </a:rPr>
-            <a:t>Solar Energy Resources Modeling and Analysis</a:t>
+            <a:t>Solar Energy Resources</a:t>
+          </a:r>
+        </a:p>
+        <a:p>
+          <a:pPr marL="0" lvl="0" indent="0" algn="ctr" defTabSz="889000">
+            <a:lnSpc>
+              <a:spcPct val="90000"/>
+            </a:lnSpc>
+            <a:spcBef>
+              <a:spcPct val="0"/>
+            </a:spcBef>
+            <a:spcAft>
+              <a:spcPct val="35000"/>
+            </a:spcAft>
+            <a:buNone/>
+          </a:pPr>
+          <a:r>
+            <a:rPr lang="en-US" sz="2000" b="1" i="0" kern="1200" dirty="0">
+              <a:solidFill>
+                <a:schemeClr val="tx1"/>
+              </a:solidFill>
+              <a:latin typeface="Times New Roman" charset="0"/>
+              <a:ea typeface="Times New Roman" charset="0"/>
+              <a:cs typeface="Times New Roman" charset="0"/>
+            </a:rPr>
+            <a:t>Modeling</a:t>
           </a:r>
           <a:endParaRPr lang="en-US" sz="2000" b="1" i="0" kern="1200" dirty="0">
             <a:solidFill>
@@ -5632,7 +5657,20 @@
               <a:ea typeface="Times New Roman" charset="0"/>
               <a:cs typeface="Times New Roman" charset="0"/>
             </a:rPr>
-            <a:t>Wind Energy Resources Modeling and Analysis</a:t>
+            <a:t>Wind Energy Resources</a:t>
+          </a:r>
+        </a:p>
+        <a:p>
+          <a:r>
+            <a:rPr lang="en-US" sz="2000" b="1" i="0" dirty="0">
+              <a:solidFill>
+                <a:schemeClr val="tx1"/>
+              </a:solidFill>
+              <a:latin typeface="Times New Roman" charset="0"/>
+              <a:ea typeface="Times New Roman" charset="0"/>
+              <a:cs typeface="Times New Roman" charset="0"/>
+            </a:rPr>
+            <a:t>Modeling</a:t>
           </a:r>
         </a:p>
       </dgm:t>
@@ -6231,7 +6269,32 @@
               <a:ea typeface="Times New Roman" charset="0"/>
               <a:cs typeface="Times New Roman" charset="0"/>
             </a:rPr>
-            <a:t>Wind Energy Resources Modeling and Analysis</a:t>
+            <a:t>Wind Energy Resources</a:t>
+          </a:r>
+        </a:p>
+        <a:p>
+          <a:pPr marL="0" lvl="0" indent="0" algn="ctr" defTabSz="889000">
+            <a:lnSpc>
+              <a:spcPct val="90000"/>
+            </a:lnSpc>
+            <a:spcBef>
+              <a:spcPct val="0"/>
+            </a:spcBef>
+            <a:spcAft>
+              <a:spcPct val="35000"/>
+            </a:spcAft>
+            <a:buNone/>
+          </a:pPr>
+          <a:r>
+            <a:rPr lang="en-US" sz="2000" b="1" i="0" kern="1200" dirty="0">
+              <a:solidFill>
+                <a:schemeClr val="tx1"/>
+              </a:solidFill>
+              <a:latin typeface="Times New Roman" charset="0"/>
+              <a:ea typeface="Times New Roman" charset="0"/>
+              <a:cs typeface="Times New Roman" charset="0"/>
+            </a:rPr>
+            <a:t>Modeling</a:t>
           </a:r>
         </a:p>
       </dsp:txBody>
@@ -6345,7 +6408,32 @@
               <a:ea typeface="Times New Roman" charset="0"/>
               <a:cs typeface="Times New Roman" charset="0"/>
             </a:rPr>
-            <a:t>Solar Energy Resources Modeling and Analysis</a:t>
+            <a:t>Solar Energy Resources</a:t>
+          </a:r>
+        </a:p>
+        <a:p>
+          <a:pPr marL="0" lvl="0" indent="0" algn="ctr" defTabSz="889000">
+            <a:lnSpc>
+              <a:spcPct val="90000"/>
+            </a:lnSpc>
+            <a:spcBef>
+              <a:spcPct val="0"/>
+            </a:spcBef>
+            <a:spcAft>
+              <a:spcPct val="35000"/>
+            </a:spcAft>
+            <a:buNone/>
+          </a:pPr>
+          <a:r>
+            <a:rPr lang="en-US" sz="2000" b="1" i="0" kern="1200" dirty="0">
+              <a:solidFill>
+                <a:schemeClr val="tx1"/>
+              </a:solidFill>
+              <a:latin typeface="Times New Roman" charset="0"/>
+              <a:ea typeface="Times New Roman" charset="0"/>
+              <a:cs typeface="Times New Roman" charset="0"/>
+            </a:rPr>
+            <a:t>Modeling</a:t>
           </a:r>
           <a:endParaRPr lang="en-US" sz="2000" b="1" i="0" kern="1200" dirty="0">
             <a:solidFill>
@@ -32739,7 +32827,7 @@
           <p:nvPr>
             <p:extLst>
               <p:ext uri="{D42A27DB-BD31-4B8C-83A1-F6EECF244321}">
-                <p14:modId xmlns:p14="http://schemas.microsoft.com/office/powerpoint/2010/main" val="3557623080"/>
+                <p14:modId xmlns:p14="http://schemas.microsoft.com/office/powerpoint/2010/main" val="464208637"/>
               </p:ext>
             </p:extLst>
           </p:nvPr>
@@ -32831,8 +32919,8 @@
         </p:nvSpPr>
         <p:spPr>
           <a:xfrm>
-            <a:off x="2969815" y="88599"/>
-            <a:ext cx="3346044" cy="369332"/>
+            <a:off x="2409260" y="97930"/>
+            <a:ext cx="4325479" cy="369332"/>
           </a:xfrm>
           <a:prstGeom prst="rect">
             <a:avLst/>
@@ -32846,7 +32934,7 @@
           <a:p>
             <a:r>
               <a:rPr lang="en-US" b="1" dirty="0"/>
-              <a:t>Solar Energy Resources Modeling</a:t>
+              <a:t>Wind and Solar Energy Resources Modeling</a:t>
             </a:r>
           </a:p>
         </p:txBody>
@@ -33932,8 +34020,8 @@
         </p:nvSpPr>
         <p:spPr>
           <a:xfrm>
-            <a:off x="2589847" y="497135"/>
-            <a:ext cx="4289508" cy="369332"/>
+            <a:off x="3000600" y="489739"/>
+            <a:ext cx="3380734" cy="369332"/>
           </a:xfrm>
           <a:prstGeom prst="rect">
             <a:avLst/>
@@ -33948,7 +34036,7 @@
           <a:p>
             <a:r>
               <a:rPr lang="en-US" dirty="0"/>
-              <a:t>Modeling for Different Locations in the U.S. </a:t>
+              <a:t>For Different Locations in the U.S. </a:t>
             </a:r>
           </a:p>
         </p:txBody>
@@ -34008,8 +34096,8 @@
         </p:nvSpPr>
         <p:spPr>
           <a:xfrm>
-            <a:off x="2453579" y="136524"/>
-            <a:ext cx="4325479" cy="369332"/>
+            <a:off x="1905397" y="120407"/>
+            <a:ext cx="5571141" cy="369332"/>
           </a:xfrm>
           <a:prstGeom prst="rect">
             <a:avLst/>
@@ -34023,7 +34111,7 @@
           <a:p>
             <a:r>
               <a:rPr lang="en-US" b="1" dirty="0"/>
-              <a:t>Wind and Solar Energy Resources Modeling</a:t>
+              <a:t>Wind and Solar Energy Resources Modeling and Analysis</a:t>
             </a:r>
           </a:p>
         </p:txBody>

--- a/+Presentation for Ascend_Analytics/Wind_Solar_Energy_Modeling_Analysis.pptx
+++ b/+Presentation for Ascend_Analytics/Wind_Solar_Energy_Modeling_Analysis.pptx
@@ -5,7 +5,7 @@
     <p:sldMasterId id="2147483660" r:id="rId1"/>
   </p:sldMasterIdLst>
   <p:notesMasterIdLst>
-    <p:notesMasterId r:id="rId23"/>
+    <p:notesMasterId r:id="rId22"/>
   </p:notesMasterIdLst>
   <p:sldIdLst>
     <p:sldId id="326" r:id="rId2"/>
@@ -21,14 +21,13 @@
     <p:sldId id="333" r:id="rId12"/>
     <p:sldId id="341" r:id="rId13"/>
     <p:sldId id="339" r:id="rId14"/>
-    <p:sldId id="349" r:id="rId15"/>
-    <p:sldId id="351" r:id="rId16"/>
-    <p:sldId id="350" r:id="rId17"/>
-    <p:sldId id="348" r:id="rId18"/>
-    <p:sldId id="334" r:id="rId19"/>
-    <p:sldId id="340" r:id="rId20"/>
-    <p:sldId id="279" r:id="rId21"/>
-    <p:sldId id="280" r:id="rId22"/>
+    <p:sldId id="351" r:id="rId15"/>
+    <p:sldId id="350" r:id="rId16"/>
+    <p:sldId id="348" r:id="rId17"/>
+    <p:sldId id="334" r:id="rId18"/>
+    <p:sldId id="340" r:id="rId19"/>
+    <p:sldId id="279" r:id="rId20"/>
+    <p:sldId id="280" r:id="rId21"/>
   </p:sldIdLst>
   <p:sldSz cx="9144000" cy="6858000" type="screen4x3"/>
   <p:notesSz cx="6858000" cy="9144000"/>
@@ -9053,7 +9052,7 @@
           <a:p>
             <a:fld id="{11472842-1580-4E2C-A4E0-1474F4390AED}" type="slidenum">
               <a:rPr lang="en-US" smtClean="0"/>
-              <a:t>20</a:t>
+              <a:t>19</a:t>
             </a:fld>
             <a:endParaRPr lang="en-US" dirty="0"/>
           </a:p>
@@ -9142,7 +9141,7 @@
           <a:p>
             <a:fld id="{11472842-1580-4E2C-A4E0-1474F4390AED}" type="slidenum">
               <a:rPr lang="en-US" smtClean="0"/>
-              <a:t>21</a:t>
+              <a:t>20</a:t>
             </a:fld>
             <a:endParaRPr lang="en-US" dirty="0"/>
           </a:p>
@@ -26332,7 +26331,7 @@
           <p:cNvPr id="11" name="Rectangle 10">
             <a:extLst>
               <a:ext uri="{FF2B5EF4-FFF2-40B4-BE49-F238E27FC236}">
-                <a16:creationId xmlns:a16="http://schemas.microsoft.com/office/drawing/2014/main" id="{92C6FC3A-9B85-45BD-8CBA-80A5F6A27DEA}"/>
+                <a16:creationId xmlns:a16="http://schemas.microsoft.com/office/drawing/2014/main" id="{59960F00-DB88-43A0-B47D-32B1641394A0}"/>
               </a:ext>
             </a:extLst>
           </p:cNvPr>
@@ -26364,7 +26363,7 @@
     </p:spTree>
     <p:extLst>
       <p:ext uri="{BB962C8B-B14F-4D97-AF65-F5344CB8AC3E}">
-        <p14:creationId xmlns:p14="http://schemas.microsoft.com/office/powerpoint/2010/main" val="1972258126"/>
+        <p14:creationId xmlns:p14="http://schemas.microsoft.com/office/powerpoint/2010/main" val="2531246657"/>
       </p:ext>
     </p:extLst>
   </p:cSld>
@@ -26443,350 +26442,6 @@
             <a:fld id="{564B1479-74DF-4380-85F6-AB0A2FFC7165}" type="slidenum">
               <a:rPr lang="en-US" smtClean="0"/>
               <a:t>15</a:t>
-            </a:fld>
-            <a:endParaRPr lang="en-US"/>
-          </a:p>
-        </p:txBody>
-      </p:sp>
-      <p:pic>
-        <p:nvPicPr>
-          <p:cNvPr id="2052" name="Picture 4">
-            <a:extLst>
-              <a:ext uri="{FF2B5EF4-FFF2-40B4-BE49-F238E27FC236}">
-                <a16:creationId xmlns:a16="http://schemas.microsoft.com/office/drawing/2014/main" id="{C10F1AE0-D1C5-4A47-ACEF-29D2549644B9}"/>
-              </a:ext>
-            </a:extLst>
-          </p:cNvPr>
-          <p:cNvPicPr>
-            <a:picLocks noChangeAspect="1" noChangeArrowheads="1"/>
-          </p:cNvPicPr>
-          <p:nvPr/>
-        </p:nvPicPr>
-        <p:blipFill>
-          <a:blip r:embed="rId2">
-            <a:extLst>
-              <a:ext uri="{28A0092B-C50C-407E-A947-70E740481C1C}">
-                <a14:useLocalDpi xmlns:a14="http://schemas.microsoft.com/office/drawing/2010/main" val="0"/>
-              </a:ext>
-            </a:extLst>
-          </a:blip>
-          <a:srcRect/>
-          <a:stretch>
-            <a:fillRect/>
-          </a:stretch>
-        </p:blipFill>
-        <p:spPr bwMode="auto">
-          <a:xfrm>
-            <a:off x="0" y="840182"/>
-            <a:ext cx="3790950" cy="2571750"/>
-          </a:xfrm>
-          <a:prstGeom prst="rect">
-            <a:avLst/>
-          </a:prstGeom>
-          <a:noFill/>
-          <a:extLst>
-            <a:ext uri="{909E8E84-426E-40DD-AFC4-6F175D3DCCD1}">
-              <a14:hiddenFill xmlns:a14="http://schemas.microsoft.com/office/drawing/2010/main">
-                <a:solidFill>
-                  <a:srgbClr val="FFFFFF"/>
-                </a:solidFill>
-              </a14:hiddenFill>
-            </a:ext>
-          </a:extLst>
-        </p:spPr>
-      </p:pic>
-      <p:sp>
-        <p:nvSpPr>
-          <p:cNvPr id="16" name="Rectangle 15">
-            <a:extLst>
-              <a:ext uri="{FF2B5EF4-FFF2-40B4-BE49-F238E27FC236}">
-                <a16:creationId xmlns:a16="http://schemas.microsoft.com/office/drawing/2014/main" id="{6BD1D454-425A-4D1E-BEE3-8ECEFFF29775}"/>
-              </a:ext>
-            </a:extLst>
-          </p:cNvPr>
-          <p:cNvSpPr/>
-          <p:nvPr/>
-        </p:nvSpPr>
-        <p:spPr>
-          <a:xfrm>
-            <a:off x="1621193" y="470850"/>
-            <a:ext cx="5901613" cy="369332"/>
-          </a:xfrm>
-          <a:prstGeom prst="rect">
-            <a:avLst/>
-          </a:prstGeom>
-        </p:spPr>
-        <p:txBody>
-          <a:bodyPr wrap="square">
-            <a:spAutoFit/>
-          </a:bodyPr>
-          <a:lstStyle/>
-          <a:p>
-            <a:pPr algn="ctr"/>
-            <a:r>
-              <a:rPr lang="en-US" dirty="0"/>
-              <a:t>Global Horizontal Irradiance (GHI) at the plane of array (POA)</a:t>
-            </a:r>
-          </a:p>
-        </p:txBody>
-      </p:sp>
-      <p:pic>
-        <p:nvPicPr>
-          <p:cNvPr id="2054" name="Picture 6">
-            <a:extLst>
-              <a:ext uri="{FF2B5EF4-FFF2-40B4-BE49-F238E27FC236}">
-                <a16:creationId xmlns:a16="http://schemas.microsoft.com/office/drawing/2014/main" id="{268D6486-A1A2-4541-BF46-0EB964D49C23}"/>
-              </a:ext>
-            </a:extLst>
-          </p:cNvPr>
-          <p:cNvPicPr>
-            <a:picLocks noChangeAspect="1" noChangeArrowheads="1"/>
-          </p:cNvPicPr>
-          <p:nvPr/>
-        </p:nvPicPr>
-        <p:blipFill>
-          <a:blip r:embed="rId3">
-            <a:extLst>
-              <a:ext uri="{28A0092B-C50C-407E-A947-70E740481C1C}">
-                <a14:useLocalDpi xmlns:a14="http://schemas.microsoft.com/office/drawing/2010/main" val="0"/>
-              </a:ext>
-            </a:extLst>
-          </a:blip>
-          <a:srcRect/>
-          <a:stretch>
-            <a:fillRect/>
-          </a:stretch>
-        </p:blipFill>
-        <p:spPr bwMode="auto">
-          <a:xfrm>
-            <a:off x="0" y="3598266"/>
-            <a:ext cx="3790950" cy="2571750"/>
-          </a:xfrm>
-          <a:prstGeom prst="rect">
-            <a:avLst/>
-          </a:prstGeom>
-          <a:noFill/>
-          <a:extLst>
-            <a:ext uri="{909E8E84-426E-40DD-AFC4-6F175D3DCCD1}">
-              <a14:hiddenFill xmlns:a14="http://schemas.microsoft.com/office/drawing/2010/main">
-                <a:solidFill>
-                  <a:srgbClr val="FFFFFF"/>
-                </a:solidFill>
-              </a14:hiddenFill>
-            </a:ext>
-          </a:extLst>
-        </p:spPr>
-      </p:pic>
-      <p:pic>
-        <p:nvPicPr>
-          <p:cNvPr id="2056" name="Picture 8">
-            <a:extLst>
-              <a:ext uri="{FF2B5EF4-FFF2-40B4-BE49-F238E27FC236}">
-                <a16:creationId xmlns:a16="http://schemas.microsoft.com/office/drawing/2014/main" id="{1491529E-7D59-43C9-8D8F-9FAC8FE6B970}"/>
-              </a:ext>
-            </a:extLst>
-          </p:cNvPr>
-          <p:cNvPicPr>
-            <a:picLocks noChangeAspect="1" noChangeArrowheads="1"/>
-          </p:cNvPicPr>
-          <p:nvPr/>
-        </p:nvPicPr>
-        <p:blipFill>
-          <a:blip r:embed="rId4">
-            <a:extLst>
-              <a:ext uri="{28A0092B-C50C-407E-A947-70E740481C1C}">
-                <a14:useLocalDpi xmlns:a14="http://schemas.microsoft.com/office/drawing/2010/main" val="0"/>
-              </a:ext>
-            </a:extLst>
-          </a:blip>
-          <a:srcRect/>
-          <a:stretch>
-            <a:fillRect/>
-          </a:stretch>
-        </p:blipFill>
-        <p:spPr bwMode="auto">
-          <a:xfrm>
-            <a:off x="5353052" y="840182"/>
-            <a:ext cx="3790950" cy="2571750"/>
-          </a:xfrm>
-          <a:prstGeom prst="rect">
-            <a:avLst/>
-          </a:prstGeom>
-          <a:noFill/>
-          <a:extLst>
-            <a:ext uri="{909E8E84-426E-40DD-AFC4-6F175D3DCCD1}">
-              <a14:hiddenFill xmlns:a14="http://schemas.microsoft.com/office/drawing/2010/main">
-                <a:solidFill>
-                  <a:srgbClr val="FFFFFF"/>
-                </a:solidFill>
-              </a14:hiddenFill>
-            </a:ext>
-          </a:extLst>
-        </p:spPr>
-      </p:pic>
-      <p:pic>
-        <p:nvPicPr>
-          <p:cNvPr id="2060" name="Picture 12">
-            <a:extLst>
-              <a:ext uri="{FF2B5EF4-FFF2-40B4-BE49-F238E27FC236}">
-                <a16:creationId xmlns:a16="http://schemas.microsoft.com/office/drawing/2014/main" id="{5778FE30-9B5D-49D0-85F6-C75B2B4C808D}"/>
-              </a:ext>
-            </a:extLst>
-          </p:cNvPr>
-          <p:cNvPicPr>
-            <a:picLocks noChangeAspect="1" noChangeArrowheads="1"/>
-          </p:cNvPicPr>
-          <p:nvPr/>
-        </p:nvPicPr>
-        <p:blipFill>
-          <a:blip r:embed="rId5">
-            <a:extLst>
-              <a:ext uri="{28A0092B-C50C-407E-A947-70E740481C1C}">
-                <a14:useLocalDpi xmlns:a14="http://schemas.microsoft.com/office/drawing/2010/main" val="0"/>
-              </a:ext>
-            </a:extLst>
-          </a:blip>
-          <a:srcRect/>
-          <a:stretch>
-            <a:fillRect/>
-          </a:stretch>
-        </p:blipFill>
-        <p:spPr bwMode="auto">
-          <a:xfrm>
-            <a:off x="5353050" y="3598266"/>
-            <a:ext cx="3790950" cy="2571750"/>
-          </a:xfrm>
-          <a:prstGeom prst="rect">
-            <a:avLst/>
-          </a:prstGeom>
-          <a:noFill/>
-          <a:extLst>
-            <a:ext uri="{909E8E84-426E-40DD-AFC4-6F175D3DCCD1}">
-              <a14:hiddenFill xmlns:a14="http://schemas.microsoft.com/office/drawing/2010/main">
-                <a:solidFill>
-                  <a:srgbClr val="FFFFFF"/>
-                </a:solidFill>
-              </a14:hiddenFill>
-            </a:ext>
-          </a:extLst>
-        </p:spPr>
-      </p:pic>
-      <p:sp>
-        <p:nvSpPr>
-          <p:cNvPr id="11" name="Rectangle 10">
-            <a:extLst>
-              <a:ext uri="{FF2B5EF4-FFF2-40B4-BE49-F238E27FC236}">
-                <a16:creationId xmlns:a16="http://schemas.microsoft.com/office/drawing/2014/main" id="{59960F00-DB88-43A0-B47D-32B1641394A0}"/>
-              </a:ext>
-            </a:extLst>
-          </p:cNvPr>
-          <p:cNvSpPr/>
-          <p:nvPr/>
-        </p:nvSpPr>
-        <p:spPr>
-          <a:xfrm>
-            <a:off x="2969815" y="88599"/>
-            <a:ext cx="3346044" cy="369332"/>
-          </a:xfrm>
-          <a:prstGeom prst="rect">
-            <a:avLst/>
-          </a:prstGeom>
-        </p:spPr>
-        <p:txBody>
-          <a:bodyPr wrap="none">
-            <a:spAutoFit/>
-          </a:bodyPr>
-          <a:lstStyle/>
-          <a:p>
-            <a:r>
-              <a:rPr lang="en-US" b="1" dirty="0"/>
-              <a:t>Solar Energy Resources Modeling</a:t>
-            </a:r>
-          </a:p>
-        </p:txBody>
-      </p:sp>
-    </p:spTree>
-    <p:extLst>
-      <p:ext uri="{BB962C8B-B14F-4D97-AF65-F5344CB8AC3E}">
-        <p14:creationId xmlns:p14="http://schemas.microsoft.com/office/powerpoint/2010/main" val="2531246657"/>
-      </p:ext>
-    </p:extLst>
-  </p:cSld>
-  <p:clrMapOvr>
-    <a:masterClrMapping/>
-  </p:clrMapOvr>
-</p:sld>
-</file>
-
-<file path=ppt/slides/slide16.xml><?xml version="1.0" encoding="utf-8"?>
-<p:sld xmlns:a="http://schemas.openxmlformats.org/drawingml/2006/main" xmlns:r="http://schemas.openxmlformats.org/officeDocument/2006/relationships" xmlns:p="http://schemas.openxmlformats.org/presentationml/2006/main">
-  <p:cSld>
-    <p:spTree>
-      <p:nvGrpSpPr>
-        <p:cNvPr id="1" name=""/>
-        <p:cNvGrpSpPr/>
-        <p:nvPr/>
-      </p:nvGrpSpPr>
-      <p:grpSpPr>
-        <a:xfrm>
-          <a:off x="0" y="0"/>
-          <a:ext cx="0" cy="0"/>
-          <a:chOff x="0" y="0"/>
-          <a:chExt cx="0" cy="0"/>
-        </a:xfrm>
-      </p:grpSpPr>
-      <p:sp>
-        <p:nvSpPr>
-          <p:cNvPr id="2" name="Date Placeholder 1">
-            <a:extLst>
-              <a:ext uri="{FF2B5EF4-FFF2-40B4-BE49-F238E27FC236}">
-                <a16:creationId xmlns:a16="http://schemas.microsoft.com/office/drawing/2014/main" id="{E5C7501F-05AD-4696-A094-872D500C6BEE}"/>
-              </a:ext>
-            </a:extLst>
-          </p:cNvPr>
-          <p:cNvSpPr>
-            <a:spLocks noGrp="1"/>
-          </p:cNvSpPr>
-          <p:nvPr>
-            <p:ph type="dt" sz="half" idx="10"/>
-          </p:nvPr>
-        </p:nvSpPr>
-        <p:spPr/>
-        <p:txBody>
-          <a:bodyPr/>
-          <a:lstStyle/>
-          <a:p>
-            <a:r>
-              <a:rPr lang="en-US"/>
-              <a:t>8/6/2019</a:t>
-            </a:r>
-          </a:p>
-        </p:txBody>
-      </p:sp>
-      <p:sp>
-        <p:nvSpPr>
-          <p:cNvPr id="4" name="Slide Number Placeholder 3">
-            <a:extLst>
-              <a:ext uri="{FF2B5EF4-FFF2-40B4-BE49-F238E27FC236}">
-                <a16:creationId xmlns:a16="http://schemas.microsoft.com/office/drawing/2014/main" id="{025CB2AE-DF2C-4873-8659-B4DBC48FA091}"/>
-              </a:ext>
-            </a:extLst>
-          </p:cNvPr>
-          <p:cNvSpPr>
-            <a:spLocks noGrp="1"/>
-          </p:cNvSpPr>
-          <p:nvPr>
-            <p:ph type="sldNum" sz="quarter" idx="12"/>
-          </p:nvPr>
-        </p:nvSpPr>
-        <p:spPr/>
-        <p:txBody>
-          <a:bodyPr/>
-          <a:lstStyle/>
-          <a:p>
-            <a:fld id="{564B1479-74DF-4380-85F6-AB0A2FFC7165}" type="slidenum">
-              <a:rPr lang="en-US" smtClean="0"/>
-              <a:t>16</a:t>
             </a:fld>
             <a:endParaRPr lang="en-US"/>
           </a:p>
@@ -27691,7 +27346,7 @@
 </p:sld>
 </file>
 
-<file path=ppt/slides/slide17.xml><?xml version="1.0" encoding="utf-8"?>
+<file path=ppt/slides/slide16.xml><?xml version="1.0" encoding="utf-8"?>
 <p:sld xmlns:a="http://schemas.openxmlformats.org/drawingml/2006/main" xmlns:r="http://schemas.openxmlformats.org/officeDocument/2006/relationships" xmlns:p="http://schemas.openxmlformats.org/presentationml/2006/main">
   <p:cSld>
     <p:spTree>
@@ -27759,7 +27414,7 @@
           <a:p>
             <a:fld id="{564B1479-74DF-4380-85F6-AB0A2FFC7165}" type="slidenum">
               <a:rPr lang="en-US" smtClean="0"/>
-              <a:t>17</a:t>
+              <a:t>16</a:t>
             </a:fld>
             <a:endParaRPr lang="en-US"/>
           </a:p>
@@ -28035,7 +27690,7 @@
 </p:sld>
 </file>
 
-<file path=ppt/slides/slide18.xml><?xml version="1.0" encoding="utf-8"?>
+<file path=ppt/slides/slide17.xml><?xml version="1.0" encoding="utf-8"?>
 <p:sld xmlns:a="http://schemas.openxmlformats.org/drawingml/2006/main" xmlns:r="http://schemas.openxmlformats.org/officeDocument/2006/relationships" xmlns:p="http://schemas.openxmlformats.org/presentationml/2006/main">
   <p:cSld>
     <p:spTree>
@@ -28103,7 +27758,7 @@
           <a:p>
             <a:fld id="{564B1479-74DF-4380-85F6-AB0A2FFC7165}" type="slidenum">
               <a:rPr lang="en-US" smtClean="0"/>
-              <a:t>18</a:t>
+              <a:t>17</a:t>
             </a:fld>
             <a:endParaRPr lang="en-US"/>
           </a:p>
@@ -30332,7 +29987,7 @@
 </p:sld>
 </file>
 
-<file path=ppt/slides/slide19.xml><?xml version="1.0" encoding="utf-8"?>
+<file path=ppt/slides/slide18.xml><?xml version="1.0" encoding="utf-8"?>
 <p:sld xmlns:a="http://schemas.openxmlformats.org/drawingml/2006/main" xmlns:r="http://schemas.openxmlformats.org/officeDocument/2006/relationships" xmlns:p="http://schemas.openxmlformats.org/presentationml/2006/main">
   <p:cSld>
     <p:spTree>
@@ -30400,7 +30055,7 @@
           <a:p>
             <a:fld id="{564B1479-74DF-4380-85F6-AB0A2FFC7165}" type="slidenum">
               <a:rPr lang="en-US" smtClean="0"/>
-              <a:t>19</a:t>
+              <a:t>18</a:t>
             </a:fld>
             <a:endParaRPr lang="en-US"/>
           </a:p>
@@ -32772,123 +32427,7 @@
 </p:sld>
 </file>
 
-<file path=ppt/slides/slide2.xml><?xml version="1.0" encoding="utf-8"?>
-<p:sld xmlns:a="http://schemas.openxmlformats.org/drawingml/2006/main" xmlns:r="http://schemas.openxmlformats.org/officeDocument/2006/relationships" xmlns:p="http://schemas.openxmlformats.org/presentationml/2006/main">
-  <p:cSld>
-    <p:spTree>
-      <p:nvGrpSpPr>
-        <p:cNvPr id="1" name=""/>
-        <p:cNvGrpSpPr/>
-        <p:nvPr/>
-      </p:nvGrpSpPr>
-      <p:grpSpPr>
-        <a:xfrm>
-          <a:off x="0" y="0"/>
-          <a:ext cx="0" cy="0"/>
-          <a:chOff x="0" y="0"/>
-          <a:chExt cx="0" cy="0"/>
-        </a:xfrm>
-      </p:grpSpPr>
-      <p:sp>
-        <p:nvSpPr>
-          <p:cNvPr id="4" name="Slide Number Placeholder 3"/>
-          <p:cNvSpPr>
-            <a:spLocks noGrp="1"/>
-          </p:cNvSpPr>
-          <p:nvPr>
-            <p:ph type="sldNum" sz="quarter" idx="12"/>
-          </p:nvPr>
-        </p:nvSpPr>
-        <p:spPr/>
-        <p:txBody>
-          <a:bodyPr/>
-          <a:lstStyle/>
-          <a:p>
-            <a:fld id="{10038807-1F43-C242-97ED-819D14105488}" type="slidenum">
-              <a:rPr lang="en-US" smtClean="0">
-                <a:solidFill>
-                  <a:schemeClr val="tx1"/>
-                </a:solidFill>
-              </a:rPr>
-              <a:t>2</a:t>
-            </a:fld>
-            <a:endParaRPr lang="en-US" dirty="0">
-              <a:solidFill>
-                <a:schemeClr val="tx1"/>
-              </a:solidFill>
-            </a:endParaRPr>
-          </a:p>
-        </p:txBody>
-      </p:sp>
-      <p:graphicFrame>
-        <p:nvGraphicFramePr>
-          <p:cNvPr id="5" name="Diagram 4"/>
-          <p:cNvGraphicFramePr/>
-          <p:nvPr>
-            <p:extLst>
-              <p:ext uri="{D42A27DB-BD31-4B8C-83A1-F6EECF244321}">
-                <p14:modId xmlns:p14="http://schemas.microsoft.com/office/powerpoint/2010/main" val="464208637"/>
-              </p:ext>
-            </p:extLst>
-          </p:nvPr>
-        </p:nvGraphicFramePr>
-        <p:xfrm>
-          <a:off x="1771650" y="1028701"/>
-          <a:ext cx="5943600" cy="4235450"/>
-        </p:xfrm>
-        <a:graphic>
-          <a:graphicData uri="http://schemas.openxmlformats.org/drawingml/2006/diagram">
-            <dgm:relIds xmlns:dgm="http://schemas.openxmlformats.org/drawingml/2006/diagram" xmlns:r="http://schemas.openxmlformats.org/officeDocument/2006/relationships" r:dm="rId2" r:lo="rId3" r:qs="rId4" r:cs="rId5"/>
-          </a:graphicData>
-        </a:graphic>
-      </p:graphicFrame>
-      <p:sp>
-        <p:nvSpPr>
-          <p:cNvPr id="6" name="Date Placeholder 1">
-            <a:extLst>
-              <a:ext uri="{FF2B5EF4-FFF2-40B4-BE49-F238E27FC236}">
-                <a16:creationId xmlns:a16="http://schemas.microsoft.com/office/drawing/2014/main" id="{692AD37A-9EC1-4F6F-9640-352DD1C6BD89}"/>
-              </a:ext>
-            </a:extLst>
-          </p:cNvPr>
-          <p:cNvSpPr>
-            <a:spLocks noGrp="1"/>
-          </p:cNvSpPr>
-          <p:nvPr>
-            <p:ph type="dt" sz="half" idx="10"/>
-          </p:nvPr>
-        </p:nvSpPr>
-        <p:spPr>
-          <a:xfrm>
-            <a:off x="628650" y="6356351"/>
-            <a:ext cx="2057400" cy="365125"/>
-          </a:xfrm>
-        </p:spPr>
-        <p:txBody>
-          <a:bodyPr/>
-          <a:lstStyle/>
-          <a:p>
-            <a:r>
-              <a:rPr lang="en-US" dirty="0"/>
-              <a:t>8/6/2019</a:t>
-            </a:r>
-          </a:p>
-        </p:txBody>
-      </p:sp>
-    </p:spTree>
-    <p:extLst>
-      <p:ext uri="{BB962C8B-B14F-4D97-AF65-F5344CB8AC3E}">
-        <p14:creationId xmlns:p14="http://schemas.microsoft.com/office/powerpoint/2010/main" val="3405449710"/>
-      </p:ext>
-    </p:extLst>
-  </p:cSld>
-  <p:clrMapOvr>
-    <a:masterClrMapping/>
-  </p:clrMapOvr>
-</p:sld>
-</file>
-
-<file path=ppt/slides/slide20.xml><?xml version="1.0" encoding="utf-8"?>
+<file path=ppt/slides/slide19.xml><?xml version="1.0" encoding="utf-8"?>
 <p:sld xmlns:a="http://schemas.openxmlformats.org/drawingml/2006/main" xmlns:r="http://schemas.openxmlformats.org/officeDocument/2006/relationships" xmlns:p="http://schemas.openxmlformats.org/presentationml/2006/main">
   <p:cSld>
     <p:spTree>
@@ -33000,7 +32539,7 @@
           <a:p>
             <a:fld id="{564B1479-74DF-4380-85F6-AB0A2FFC7165}" type="slidenum">
               <a:rPr lang="en-US" smtClean="0"/>
-              <a:t>20</a:t>
+              <a:t>19</a:t>
             </a:fld>
             <a:endParaRPr lang="en-US"/>
           </a:p>
@@ -33258,7 +32797,123 @@
 </p:sld>
 </file>
 
-<file path=ppt/slides/slide21.xml><?xml version="1.0" encoding="utf-8"?>
+<file path=ppt/slides/slide2.xml><?xml version="1.0" encoding="utf-8"?>
+<p:sld xmlns:a="http://schemas.openxmlformats.org/drawingml/2006/main" xmlns:r="http://schemas.openxmlformats.org/officeDocument/2006/relationships" xmlns:p="http://schemas.openxmlformats.org/presentationml/2006/main">
+  <p:cSld>
+    <p:spTree>
+      <p:nvGrpSpPr>
+        <p:cNvPr id="1" name=""/>
+        <p:cNvGrpSpPr/>
+        <p:nvPr/>
+      </p:nvGrpSpPr>
+      <p:grpSpPr>
+        <a:xfrm>
+          <a:off x="0" y="0"/>
+          <a:ext cx="0" cy="0"/>
+          <a:chOff x="0" y="0"/>
+          <a:chExt cx="0" cy="0"/>
+        </a:xfrm>
+      </p:grpSpPr>
+      <p:sp>
+        <p:nvSpPr>
+          <p:cNvPr id="4" name="Slide Number Placeholder 3"/>
+          <p:cNvSpPr>
+            <a:spLocks noGrp="1"/>
+          </p:cNvSpPr>
+          <p:nvPr>
+            <p:ph type="sldNum" sz="quarter" idx="12"/>
+          </p:nvPr>
+        </p:nvSpPr>
+        <p:spPr/>
+        <p:txBody>
+          <a:bodyPr/>
+          <a:lstStyle/>
+          <a:p>
+            <a:fld id="{10038807-1F43-C242-97ED-819D14105488}" type="slidenum">
+              <a:rPr lang="en-US" smtClean="0">
+                <a:solidFill>
+                  <a:schemeClr val="tx1"/>
+                </a:solidFill>
+              </a:rPr>
+              <a:t>2</a:t>
+            </a:fld>
+            <a:endParaRPr lang="en-US" dirty="0">
+              <a:solidFill>
+                <a:schemeClr val="tx1"/>
+              </a:solidFill>
+            </a:endParaRPr>
+          </a:p>
+        </p:txBody>
+      </p:sp>
+      <p:graphicFrame>
+        <p:nvGraphicFramePr>
+          <p:cNvPr id="5" name="Diagram 4"/>
+          <p:cNvGraphicFramePr/>
+          <p:nvPr>
+            <p:extLst>
+              <p:ext uri="{D42A27DB-BD31-4B8C-83A1-F6EECF244321}">
+                <p14:modId xmlns:p14="http://schemas.microsoft.com/office/powerpoint/2010/main" val="464208637"/>
+              </p:ext>
+            </p:extLst>
+          </p:nvPr>
+        </p:nvGraphicFramePr>
+        <p:xfrm>
+          <a:off x="1771650" y="1028701"/>
+          <a:ext cx="5943600" cy="4235450"/>
+        </p:xfrm>
+        <a:graphic>
+          <a:graphicData uri="http://schemas.openxmlformats.org/drawingml/2006/diagram">
+            <dgm:relIds xmlns:dgm="http://schemas.openxmlformats.org/drawingml/2006/diagram" xmlns:r="http://schemas.openxmlformats.org/officeDocument/2006/relationships" r:dm="rId2" r:lo="rId3" r:qs="rId4" r:cs="rId5"/>
+          </a:graphicData>
+        </a:graphic>
+      </p:graphicFrame>
+      <p:sp>
+        <p:nvSpPr>
+          <p:cNvPr id="6" name="Date Placeholder 1">
+            <a:extLst>
+              <a:ext uri="{FF2B5EF4-FFF2-40B4-BE49-F238E27FC236}">
+                <a16:creationId xmlns:a16="http://schemas.microsoft.com/office/drawing/2014/main" id="{692AD37A-9EC1-4F6F-9640-352DD1C6BD89}"/>
+              </a:ext>
+            </a:extLst>
+          </p:cNvPr>
+          <p:cNvSpPr>
+            <a:spLocks noGrp="1"/>
+          </p:cNvSpPr>
+          <p:nvPr>
+            <p:ph type="dt" sz="half" idx="10"/>
+          </p:nvPr>
+        </p:nvSpPr>
+        <p:spPr>
+          <a:xfrm>
+            <a:off x="628650" y="6356351"/>
+            <a:ext cx="2057400" cy="365125"/>
+          </a:xfrm>
+        </p:spPr>
+        <p:txBody>
+          <a:bodyPr/>
+          <a:lstStyle/>
+          <a:p>
+            <a:r>
+              <a:rPr lang="en-US" dirty="0"/>
+              <a:t>8/6/2019</a:t>
+            </a:r>
+          </a:p>
+        </p:txBody>
+      </p:sp>
+    </p:spTree>
+    <p:extLst>
+      <p:ext uri="{BB962C8B-B14F-4D97-AF65-F5344CB8AC3E}">
+        <p14:creationId xmlns:p14="http://schemas.microsoft.com/office/powerpoint/2010/main" val="3405449710"/>
+      </p:ext>
+    </p:extLst>
+  </p:cSld>
+  <p:clrMapOvr>
+    <a:masterClrMapping/>
+  </p:clrMapOvr>
+</p:sld>
+</file>
+
+<file path=ppt/slides/slide20.xml><?xml version="1.0" encoding="utf-8"?>
 <p:sld xmlns:a="http://schemas.openxmlformats.org/drawingml/2006/main" xmlns:r="http://schemas.openxmlformats.org/officeDocument/2006/relationships" xmlns:p="http://schemas.openxmlformats.org/presentationml/2006/main">
   <p:cSld>
     <p:spTree>
